--- a/Lingvo/Abgabe/präsentation.pptx
+++ b/Lingvo/Abgabe/präsentation.pptx
@@ -5533,7 +5533,7 @@
         <p:spPr>
           <a:xfrm>
             <a:off x="819807" y="2209405"/>
-            <a:ext cx="7977352" cy="1105034"/>
+            <a:ext cx="7977352" cy="1185888"/>
           </a:xfrm>
         </p:spPr>
       </p:pic>
@@ -6241,8 +6241,8 @@
         </p:blipFill>
         <p:spPr>
           <a:xfrm>
-            <a:off x="3263202" y="1978574"/>
-            <a:ext cx="3971849" cy="1849279"/>
+            <a:off x="2771712" y="1709408"/>
+            <a:ext cx="5191204" cy="2417006"/>
           </a:xfrm>
         </p:spPr>
       </p:pic>
@@ -6268,8 +6268,8 @@
         </p:blipFill>
         <p:spPr>
           <a:xfrm>
-            <a:off x="2160335" y="2743554"/>
-            <a:ext cx="1277634" cy="720951"/>
+            <a:off x="1084009" y="2710305"/>
+            <a:ext cx="1669866" cy="942282"/>
           </a:xfrm>
           <a:prstGeom prst="rect">
             <a:avLst/>
@@ -6298,8 +6298,8 @@
         </p:blipFill>
         <p:spPr>
           <a:xfrm>
-            <a:off x="6100817" y="3464505"/>
-            <a:ext cx="1545459" cy="741820"/>
+            <a:off x="6484143" y="3664290"/>
+            <a:ext cx="1676751" cy="804840"/>
           </a:xfrm>
           <a:prstGeom prst="rect">
             <a:avLst/>
@@ -8046,15 +8046,27 @@
           <a:p>
             <a:pPr algn="ctr"/>
             <a:r>
+              <a:rPr lang="en-US" sz="4400" smtClean="0"/>
+              <a:t>~300 </a:t>
+            </a:r>
+            <a:r>
               <a:rPr lang="en-US" sz="4400" dirty="0" smtClean="0"/>
-              <a:t>254 files</a:t>
+              <a:t>files</a:t>
             </a:r>
           </a:p>
           <a:p>
             <a:pPr algn="ctr"/>
             <a:r>
               <a:rPr lang="en-US" sz="4400" dirty="0" smtClean="0"/>
-              <a:t>883 commits</a:t>
+              <a:t>~1000</a:t>
+            </a:r>
+            <a:r>
+              <a:rPr lang="en-US" sz="4400" dirty="0" smtClean="0"/>
+              <a:t> </a:t>
+            </a:r>
+            <a:r>
+              <a:rPr lang="en-US" sz="4400" dirty="0" smtClean="0"/>
+              <a:t>commits</a:t>
             </a:r>
             <a:endParaRPr lang="en-US" sz="4400" dirty="0"/>
           </a:p>
@@ -8436,7 +8448,7 @@
           <a:p>
             <a:r>
               <a:rPr lang="en-US" sz="2400" dirty="0" smtClean="0"/>
-              <a:t>Server – Client - </a:t>
+              <a:t>Client – Server </a:t>
             </a:r>
             <a:r>
               <a:rPr lang="en-US" sz="2400" dirty="0" err="1" smtClean="0"/>
@@ -8478,7 +8490,7 @@
       </p:pic>
       <p:pic>
         <p:nvPicPr>
-          <p:cNvPr id="6" name="Picture 5"/>
+          <p:cNvPr id="7" name="Picture 6"/>
           <p:cNvPicPr>
             <a:picLocks noChangeAspect="1"/>
           </p:cNvPicPr>
@@ -8498,8 +8510,8 @@
         </p:blipFill>
         <p:spPr>
           <a:xfrm>
-            <a:off x="620043" y="2006717"/>
-            <a:ext cx="685800" cy="685800"/>
+            <a:off x="273103" y="2562404"/>
+            <a:ext cx="1011487" cy="758615"/>
           </a:xfrm>
           <a:prstGeom prst="rect">
             <a:avLst/>
@@ -8508,7 +8520,7 @@
       </p:pic>
       <p:pic>
         <p:nvPicPr>
-          <p:cNvPr id="7" name="Picture 6"/>
+          <p:cNvPr id="9" name="Picture 8"/>
           <p:cNvPicPr>
             <a:picLocks noChangeAspect="1"/>
           </p:cNvPicPr>
@@ -8528,8 +8540,8 @@
         </p:blipFill>
         <p:spPr>
           <a:xfrm>
-            <a:off x="457200" y="2562404"/>
-            <a:ext cx="1011487" cy="758615"/>
+            <a:off x="3825461" y="3024757"/>
+            <a:ext cx="1487712" cy="1485900"/>
           </a:xfrm>
           <a:prstGeom prst="rect">
             <a:avLst/>
@@ -8538,7 +8550,7 @@
       </p:pic>
       <p:pic>
         <p:nvPicPr>
-          <p:cNvPr id="9" name="Picture 8"/>
+          <p:cNvPr id="11" name="Picture 10"/>
           <p:cNvPicPr>
             <a:picLocks noChangeAspect="1"/>
           </p:cNvPicPr>
@@ -8558,8 +8570,8 @@
         </p:blipFill>
         <p:spPr>
           <a:xfrm>
-            <a:off x="3825461" y="3024757"/>
-            <a:ext cx="1487712" cy="1485900"/>
+            <a:off x="757592" y="4327628"/>
+            <a:ext cx="1490980" cy="1490980"/>
           </a:xfrm>
           <a:prstGeom prst="rect">
             <a:avLst/>
@@ -8568,7 +8580,7 @@
       </p:pic>
       <p:pic>
         <p:nvPicPr>
-          <p:cNvPr id="11" name="Picture 10"/>
+          <p:cNvPr id="15" name="Picture 14"/>
           <p:cNvPicPr>
             <a:picLocks noChangeAspect="1"/>
           </p:cNvPicPr>
@@ -8588,8 +8600,8 @@
         </p:blipFill>
         <p:spPr>
           <a:xfrm>
-            <a:off x="723197" y="4254813"/>
-            <a:ext cx="1490980" cy="1490980"/>
+            <a:off x="6924458" y="4316729"/>
+            <a:ext cx="1190887" cy="1429064"/>
           </a:xfrm>
           <a:prstGeom prst="rect">
             <a:avLst/>
@@ -8598,7 +8610,7 @@
       </p:pic>
       <p:pic>
         <p:nvPicPr>
-          <p:cNvPr id="15" name="Picture 14"/>
+          <p:cNvPr id="17" name="Picture 16"/>
           <p:cNvPicPr>
             <a:picLocks noChangeAspect="1"/>
           </p:cNvPicPr>
@@ -8618,36 +8630,6 @@
         </p:blipFill>
         <p:spPr>
           <a:xfrm>
-            <a:off x="6924458" y="4316729"/>
-            <a:ext cx="1190887" cy="1429064"/>
-          </a:xfrm>
-          <a:prstGeom prst="rect">
-            <a:avLst/>
-          </a:prstGeom>
-        </p:spPr>
-      </p:pic>
-      <p:pic>
-        <p:nvPicPr>
-          <p:cNvPr id="17" name="Picture 16"/>
-          <p:cNvPicPr>
-            <a:picLocks noChangeAspect="1"/>
-          </p:cNvPicPr>
-          <p:nvPr/>
-        </p:nvPicPr>
-        <p:blipFill>
-          <a:blip r:embed="rId8">
-            <a:extLst>
-              <a:ext uri="{28A0092B-C50C-407E-A947-70E740481C1C}">
-                <a14:useLocalDpi xmlns:a14="http://schemas.microsoft.com/office/drawing/2010/main" val="0"/>
-              </a:ext>
-            </a:extLst>
-          </a:blip>
-          <a:stretch>
-            <a:fillRect/>
-          </a:stretch>
-        </p:blipFill>
-        <p:spPr>
-          <a:xfrm>
             <a:off x="7003907" y="2058152"/>
             <a:ext cx="1031988" cy="1268730"/>
           </a:xfrm>
@@ -8669,42 +8651,6 @@
           </a:xfrm>
           <a:prstGeom prst="straightConnector1">
             <a:avLst/>
-          </a:prstGeom>
-          <a:ln>
-            <a:headEnd type="triangle"/>
-            <a:tailEnd type="triangle"/>
-          </a:ln>
-        </p:spPr>
-        <p:style>
-          <a:lnRef idx="1">
-            <a:schemeClr val="accent1"/>
-          </a:lnRef>
-          <a:fillRef idx="0">
-            <a:schemeClr val="accent1"/>
-          </a:fillRef>
-          <a:effectRef idx="0">
-            <a:schemeClr val="accent1"/>
-          </a:effectRef>
-          <a:fontRef idx="minor">
-            <a:schemeClr val="tx1"/>
-          </a:fontRef>
-        </p:style>
-      </p:cxnSp>
-      <p:cxnSp>
-        <p:nvCxnSpPr>
-          <p:cNvPr id="33" name="Elbow Connector 32"/>
-          <p:cNvCxnSpPr/>
-          <p:nvPr/>
-        </p:nvCxnSpPr>
-        <p:spPr>
-          <a:xfrm>
-            <a:off x="2214177" y="2941711"/>
-            <a:ext cx="1501827" cy="765299"/>
-          </a:xfrm>
-          <a:prstGeom prst="bentConnector3">
-            <a:avLst>
-              <a:gd name="adj1" fmla="val 52624"/>
-            </a:avLst>
           </a:prstGeom>
           <a:ln>
             <a:headEnd type="triangle"/>
@@ -8734,12 +8680,12 @@
         </p:nvCxnSpPr>
         <p:spPr>
           <a:xfrm flipV="1">
-            <a:off x="2284332" y="3707010"/>
-            <a:ext cx="1431672" cy="1293293"/>
+            <a:off x="2346561" y="4008401"/>
+            <a:ext cx="1338978" cy="1026573"/>
           </a:xfrm>
           <a:prstGeom prst="bentConnector3">
             <a:avLst>
-              <a:gd name="adj1" fmla="val 50000"/>
+              <a:gd name="adj1" fmla="val 49146"/>
             </a:avLst>
           </a:prstGeom>
           <a:ln>
@@ -8770,8 +8716,8 @@
         </p:nvCxnSpPr>
         <p:spPr>
           <a:xfrm>
-            <a:off x="5414586" y="3707010"/>
-            <a:ext cx="1411883" cy="1324251"/>
+            <a:off x="5429820" y="4008401"/>
+            <a:ext cx="1396649" cy="895069"/>
           </a:xfrm>
           <a:prstGeom prst="bentConnector3">
             <a:avLst>
@@ -8811,6 +8757,72 @@
           </a:xfrm>
           <a:prstGeom prst="bentConnector3">
             <a:avLst/>
+          </a:prstGeom>
+          <a:ln>
+            <a:headEnd type="triangle"/>
+            <a:tailEnd type="triangle"/>
+          </a:ln>
+        </p:spPr>
+        <p:style>
+          <a:lnRef idx="1">
+            <a:schemeClr val="accent1"/>
+          </a:lnRef>
+          <a:fillRef idx="0">
+            <a:schemeClr val="accent1"/>
+          </a:fillRef>
+          <a:effectRef idx="0">
+            <a:schemeClr val="accent1"/>
+          </a:effectRef>
+          <a:fontRef idx="minor">
+            <a:schemeClr val="tx1"/>
+          </a:fontRef>
+        </p:style>
+      </p:cxnSp>
+      <p:pic>
+        <p:nvPicPr>
+          <p:cNvPr id="6" name="Picture 5"/>
+          <p:cNvPicPr>
+            <a:picLocks noChangeAspect="1"/>
+          </p:cNvPicPr>
+          <p:nvPr/>
+        </p:nvPicPr>
+        <p:blipFill>
+          <a:blip r:embed="rId8">
+            <a:extLst>
+              <a:ext uri="{28A0092B-C50C-407E-A947-70E740481C1C}">
+                <a14:useLocalDpi xmlns:a14="http://schemas.microsoft.com/office/drawing/2010/main" val="0"/>
+              </a:ext>
+            </a:extLst>
+          </a:blip>
+          <a:stretch>
+            <a:fillRect/>
+          </a:stretch>
+        </p:blipFill>
+        <p:spPr>
+          <a:xfrm>
+            <a:off x="414692" y="1876604"/>
+            <a:ext cx="685800" cy="685800"/>
+          </a:xfrm>
+          <a:prstGeom prst="rect">
+            <a:avLst/>
+          </a:prstGeom>
+        </p:spPr>
+      </p:pic>
+      <p:cxnSp>
+        <p:nvCxnSpPr>
+          <p:cNvPr id="33" name="Elbow Connector 32"/>
+          <p:cNvCxnSpPr/>
+          <p:nvPr/>
+        </p:nvCxnSpPr>
+        <p:spPr>
+          <a:xfrm>
+            <a:off x="2214177" y="2941712"/>
+            <a:ext cx="1501827" cy="765299"/>
+          </a:xfrm>
+          <a:prstGeom prst="bentConnector3">
+            <a:avLst>
+              <a:gd name="adj1" fmla="val 52624"/>
+            </a:avLst>
           </a:prstGeom>
           <a:ln>
             <a:headEnd type="triangle"/>
@@ -8845,7 +8857,550 @@
   <p:timing>
     <p:tnLst>
       <p:par>
-        <p:cTn id="1" dur="indefinite" restart="never" nodeType="tmRoot"/>
+        <p:cTn id="1" dur="indefinite" restart="never" nodeType="tmRoot">
+          <p:childTnLst>
+            <p:seq concurrent="1" nextAc="seek">
+              <p:cTn id="2" dur="indefinite" nodeType="mainSeq">
+                <p:childTnLst>
+                  <p:par>
+                    <p:cTn id="3" fill="hold">
+                      <p:stCondLst>
+                        <p:cond delay="indefinite"/>
+                      </p:stCondLst>
+                      <p:childTnLst>
+                        <p:par>
+                          <p:cTn id="4" fill="hold">
+                            <p:stCondLst>
+                              <p:cond delay="0"/>
+                            </p:stCondLst>
+                            <p:childTnLst>
+                              <p:par>
+                                <p:cTn id="5" presetID="1" presetClass="emph" presetSubtype="2" fill="hold" nodeType="clickEffect">
+                                  <p:stCondLst>
+                                    <p:cond delay="0"/>
+                                  </p:stCondLst>
+                                  <p:childTnLst>
+                                    <p:animClr clrSpc="rgb" dir="cw">
+                                      <p:cBhvr>
+                                        <p:cTn id="6" dur="2000" fill="hold"/>
+                                        <p:tgtEl>
+                                          <p:spTgt spid="5"/>
+                                        </p:tgtEl>
+                                        <p:attrNameLst>
+                                          <p:attrName>fillcolor</p:attrName>
+                                        </p:attrNameLst>
+                                      </p:cBhvr>
+                                      <p:to>
+                                        <a:srgbClr val="FFC666"/>
+                                      </p:to>
+                                    </p:animClr>
+                                    <p:set>
+                                      <p:cBhvr>
+                                        <p:cTn id="7" dur="2000" fill="hold"/>
+                                        <p:tgtEl>
+                                          <p:spTgt spid="5"/>
+                                        </p:tgtEl>
+                                        <p:attrNameLst>
+                                          <p:attrName>fill.type</p:attrName>
+                                        </p:attrNameLst>
+                                      </p:cBhvr>
+                                      <p:to>
+                                        <p:strVal val="solid"/>
+                                      </p:to>
+                                    </p:set>
+                                    <p:set>
+                                      <p:cBhvr>
+                                        <p:cTn id="8" dur="2000" fill="hold"/>
+                                        <p:tgtEl>
+                                          <p:spTgt spid="5"/>
+                                        </p:tgtEl>
+                                        <p:attrNameLst>
+                                          <p:attrName>fill.on</p:attrName>
+                                        </p:attrNameLst>
+                                      </p:cBhvr>
+                                      <p:to>
+                                        <p:strVal val="true"/>
+                                      </p:to>
+                                    </p:set>
+                                  </p:childTnLst>
+                                </p:cTn>
+                              </p:par>
+                            </p:childTnLst>
+                          </p:cTn>
+                        </p:par>
+                      </p:childTnLst>
+                    </p:cTn>
+                  </p:par>
+                  <p:par>
+                    <p:cTn id="9" fill="hold">
+                      <p:stCondLst>
+                        <p:cond delay="indefinite"/>
+                      </p:stCondLst>
+                      <p:childTnLst>
+                        <p:par>
+                          <p:cTn id="10" fill="hold">
+                            <p:stCondLst>
+                              <p:cond delay="0"/>
+                            </p:stCondLst>
+                            <p:childTnLst>
+                              <p:par>
+                                <p:cTn id="11" presetID="3" presetClass="entr" presetSubtype="10" fill="hold" nodeType="clickEffect">
+                                  <p:stCondLst>
+                                    <p:cond delay="0"/>
+                                  </p:stCondLst>
+                                  <p:childTnLst>
+                                    <p:set>
+                                      <p:cBhvr>
+                                        <p:cTn id="12" dur="1" fill="hold">
+                                          <p:stCondLst>
+                                            <p:cond delay="0"/>
+                                          </p:stCondLst>
+                                        </p:cTn>
+                                        <p:tgtEl>
+                                          <p:spTgt spid="33"/>
+                                        </p:tgtEl>
+                                        <p:attrNameLst>
+                                          <p:attrName>style.visibility</p:attrName>
+                                        </p:attrNameLst>
+                                      </p:cBhvr>
+                                      <p:to>
+                                        <p:strVal val="visible"/>
+                                      </p:to>
+                                    </p:set>
+                                    <p:animEffect transition="in" filter="blinds(horizontal)">
+                                      <p:cBhvr>
+                                        <p:cTn id="13" dur="500"/>
+                                        <p:tgtEl>
+                                          <p:spTgt spid="33"/>
+                                        </p:tgtEl>
+                                      </p:cBhvr>
+                                    </p:animEffect>
+                                  </p:childTnLst>
+                                </p:cTn>
+                              </p:par>
+                              <p:par>
+                                <p:cTn id="14" presetID="1" presetClass="emph" presetSubtype="2" fill="hold" nodeType="withEffect">
+                                  <p:stCondLst>
+                                    <p:cond delay="0"/>
+                                  </p:stCondLst>
+                                  <p:childTnLst>
+                                    <p:animClr clrSpc="rgb" dir="cw">
+                                      <p:cBhvr>
+                                        <p:cTn id="15" dur="2000" fill="hold"/>
+                                        <p:tgtEl>
+                                          <p:spTgt spid="9"/>
+                                        </p:tgtEl>
+                                        <p:attrNameLst>
+                                          <p:attrName>fillcolor</p:attrName>
+                                        </p:attrNameLst>
+                                      </p:cBhvr>
+                                      <p:to>
+                                        <a:srgbClr val="FFC666"/>
+                                      </p:to>
+                                    </p:animClr>
+                                    <p:set>
+                                      <p:cBhvr>
+                                        <p:cTn id="16" dur="2000" fill="hold"/>
+                                        <p:tgtEl>
+                                          <p:spTgt spid="9"/>
+                                        </p:tgtEl>
+                                        <p:attrNameLst>
+                                          <p:attrName>fill.type</p:attrName>
+                                        </p:attrNameLst>
+                                      </p:cBhvr>
+                                      <p:to>
+                                        <p:strVal val="solid"/>
+                                      </p:to>
+                                    </p:set>
+                                    <p:set>
+                                      <p:cBhvr>
+                                        <p:cTn id="17" dur="2000" fill="hold"/>
+                                        <p:tgtEl>
+                                          <p:spTgt spid="9"/>
+                                        </p:tgtEl>
+                                        <p:attrNameLst>
+                                          <p:attrName>fill.on</p:attrName>
+                                        </p:attrNameLst>
+                                      </p:cBhvr>
+                                      <p:to>
+                                        <p:strVal val="true"/>
+                                      </p:to>
+                                    </p:set>
+                                  </p:childTnLst>
+                                </p:cTn>
+                              </p:par>
+                              <p:par>
+                                <p:cTn id="18" presetID="1" presetClass="emph" presetSubtype="2" fill="hold" nodeType="withEffect">
+                                  <p:stCondLst>
+                                    <p:cond delay="0"/>
+                                  </p:stCondLst>
+                                  <p:childTnLst>
+                                    <p:animClr clrSpc="rgb" dir="cw">
+                                      <p:cBhvr>
+                                        <p:cTn id="19" dur="2000" fill="hold"/>
+                                        <p:tgtEl>
+                                          <p:spTgt spid="15"/>
+                                        </p:tgtEl>
+                                        <p:attrNameLst>
+                                          <p:attrName>fillcolor</p:attrName>
+                                        </p:attrNameLst>
+                                      </p:cBhvr>
+                                      <p:to>
+                                        <a:srgbClr val="FFC666"/>
+                                      </p:to>
+                                    </p:animClr>
+                                    <p:set>
+                                      <p:cBhvr>
+                                        <p:cTn id="20" dur="2000" fill="hold"/>
+                                        <p:tgtEl>
+                                          <p:spTgt spid="15"/>
+                                        </p:tgtEl>
+                                        <p:attrNameLst>
+                                          <p:attrName>fill.type</p:attrName>
+                                        </p:attrNameLst>
+                                      </p:cBhvr>
+                                      <p:to>
+                                        <p:strVal val="solid"/>
+                                      </p:to>
+                                    </p:set>
+                                    <p:set>
+                                      <p:cBhvr>
+                                        <p:cTn id="21" dur="2000" fill="hold"/>
+                                        <p:tgtEl>
+                                          <p:spTgt spid="15"/>
+                                        </p:tgtEl>
+                                        <p:attrNameLst>
+                                          <p:attrName>fill.on</p:attrName>
+                                        </p:attrNameLst>
+                                      </p:cBhvr>
+                                      <p:to>
+                                        <p:strVal val="true"/>
+                                      </p:to>
+                                    </p:set>
+                                  </p:childTnLst>
+                                </p:cTn>
+                              </p:par>
+                              <p:par>
+                                <p:cTn id="22" presetID="3" presetClass="entr" presetSubtype="10" fill="hold" nodeType="withEffect">
+                                  <p:stCondLst>
+                                    <p:cond delay="0"/>
+                                  </p:stCondLst>
+                                  <p:childTnLst>
+                                    <p:set>
+                                      <p:cBhvr>
+                                        <p:cTn id="23" dur="1" fill="hold">
+                                          <p:stCondLst>
+                                            <p:cond delay="0"/>
+                                          </p:stCondLst>
+                                        </p:cTn>
+                                        <p:tgtEl>
+                                          <p:spTgt spid="44"/>
+                                        </p:tgtEl>
+                                        <p:attrNameLst>
+                                          <p:attrName>style.visibility</p:attrName>
+                                        </p:attrNameLst>
+                                      </p:cBhvr>
+                                      <p:to>
+                                        <p:strVal val="visible"/>
+                                      </p:to>
+                                    </p:set>
+                                    <p:animEffect transition="in" filter="blinds(horizontal)">
+                                      <p:cBhvr>
+                                        <p:cTn id="24" dur="500"/>
+                                        <p:tgtEl>
+                                          <p:spTgt spid="44"/>
+                                        </p:tgtEl>
+                                      </p:cBhvr>
+                                    </p:animEffect>
+                                  </p:childTnLst>
+                                </p:cTn>
+                              </p:par>
+                            </p:childTnLst>
+                          </p:cTn>
+                        </p:par>
+                      </p:childTnLst>
+                    </p:cTn>
+                  </p:par>
+                  <p:par>
+                    <p:cTn id="25" fill="hold">
+                      <p:stCondLst>
+                        <p:cond delay="indefinite"/>
+                      </p:stCondLst>
+                      <p:childTnLst>
+                        <p:par>
+                          <p:cTn id="26" fill="hold">
+                            <p:stCondLst>
+                              <p:cond delay="0"/>
+                            </p:stCondLst>
+                            <p:childTnLst>
+                              <p:par>
+                                <p:cTn id="27" presetID="3" presetClass="entr" presetSubtype="10" fill="hold" nodeType="clickEffect">
+                                  <p:stCondLst>
+                                    <p:cond delay="0"/>
+                                  </p:stCondLst>
+                                  <p:childTnLst>
+                                    <p:set>
+                                      <p:cBhvr>
+                                        <p:cTn id="28" dur="1" fill="hold">
+                                          <p:stCondLst>
+                                            <p:cond delay="0"/>
+                                          </p:stCondLst>
+                                        </p:cTn>
+                                        <p:tgtEl>
+                                          <p:spTgt spid="49"/>
+                                        </p:tgtEl>
+                                        <p:attrNameLst>
+                                          <p:attrName>style.visibility</p:attrName>
+                                        </p:attrNameLst>
+                                      </p:cBhvr>
+                                      <p:to>
+                                        <p:strVal val="visible"/>
+                                      </p:to>
+                                    </p:set>
+                                    <p:animEffect transition="in" filter="blinds(horizontal)">
+                                      <p:cBhvr>
+                                        <p:cTn id="29" dur="500"/>
+                                        <p:tgtEl>
+                                          <p:spTgt spid="49"/>
+                                        </p:tgtEl>
+                                      </p:cBhvr>
+                                    </p:animEffect>
+                                  </p:childTnLst>
+                                </p:cTn>
+                              </p:par>
+                              <p:par>
+                                <p:cTn id="30" presetID="1" presetClass="emph" presetSubtype="2" fill="hold" nodeType="withEffect">
+                                  <p:stCondLst>
+                                    <p:cond delay="0"/>
+                                  </p:stCondLst>
+                                  <p:childTnLst>
+                                    <p:animClr clrSpc="rgb" dir="cw">
+                                      <p:cBhvr>
+                                        <p:cTn id="31" dur="2000" fill="hold"/>
+                                        <p:tgtEl>
+                                          <p:spTgt spid="17"/>
+                                        </p:tgtEl>
+                                        <p:attrNameLst>
+                                          <p:attrName>fillcolor</p:attrName>
+                                        </p:attrNameLst>
+                                      </p:cBhvr>
+                                      <p:to>
+                                        <a:srgbClr val="FFC666"/>
+                                      </p:to>
+                                    </p:animClr>
+                                    <p:set>
+                                      <p:cBhvr>
+                                        <p:cTn id="32" dur="2000" fill="hold"/>
+                                        <p:tgtEl>
+                                          <p:spTgt spid="17"/>
+                                        </p:tgtEl>
+                                        <p:attrNameLst>
+                                          <p:attrName>fill.type</p:attrName>
+                                        </p:attrNameLst>
+                                      </p:cBhvr>
+                                      <p:to>
+                                        <p:strVal val="solid"/>
+                                      </p:to>
+                                    </p:set>
+                                    <p:set>
+                                      <p:cBhvr>
+                                        <p:cTn id="33" dur="2000" fill="hold"/>
+                                        <p:tgtEl>
+                                          <p:spTgt spid="17"/>
+                                        </p:tgtEl>
+                                        <p:attrNameLst>
+                                          <p:attrName>fill.on</p:attrName>
+                                        </p:attrNameLst>
+                                      </p:cBhvr>
+                                      <p:to>
+                                        <p:strVal val="true"/>
+                                      </p:to>
+                                    </p:set>
+                                  </p:childTnLst>
+                                </p:cTn>
+                              </p:par>
+                            </p:childTnLst>
+                          </p:cTn>
+                        </p:par>
+                      </p:childTnLst>
+                    </p:cTn>
+                  </p:par>
+                  <p:par>
+                    <p:cTn id="34" fill="hold">
+                      <p:stCondLst>
+                        <p:cond delay="indefinite"/>
+                      </p:stCondLst>
+                      <p:childTnLst>
+                        <p:par>
+                          <p:cTn id="35" fill="hold">
+                            <p:stCondLst>
+                              <p:cond delay="0"/>
+                            </p:stCondLst>
+                            <p:childTnLst>
+                              <p:par>
+                                <p:cTn id="36" presetID="3" presetClass="entr" presetSubtype="10" fill="hold" nodeType="clickEffect">
+                                  <p:stCondLst>
+                                    <p:cond delay="0"/>
+                                  </p:stCondLst>
+                                  <p:childTnLst>
+                                    <p:set>
+                                      <p:cBhvr>
+                                        <p:cTn id="37" dur="1" fill="hold">
+                                          <p:stCondLst>
+                                            <p:cond delay="0"/>
+                                          </p:stCondLst>
+                                        </p:cTn>
+                                        <p:tgtEl>
+                                          <p:spTgt spid="26"/>
+                                        </p:tgtEl>
+                                        <p:attrNameLst>
+                                          <p:attrName>style.visibility</p:attrName>
+                                        </p:attrNameLst>
+                                      </p:cBhvr>
+                                      <p:to>
+                                        <p:strVal val="visible"/>
+                                      </p:to>
+                                    </p:set>
+                                    <p:animEffect transition="in" filter="blinds(horizontal)">
+                                      <p:cBhvr>
+                                        <p:cTn id="38" dur="500"/>
+                                        <p:tgtEl>
+                                          <p:spTgt spid="26"/>
+                                        </p:tgtEl>
+                                      </p:cBhvr>
+                                    </p:animEffect>
+                                  </p:childTnLst>
+                                </p:cTn>
+                              </p:par>
+                            </p:childTnLst>
+                          </p:cTn>
+                        </p:par>
+                      </p:childTnLst>
+                    </p:cTn>
+                  </p:par>
+                  <p:par>
+                    <p:cTn id="39" fill="hold">
+                      <p:stCondLst>
+                        <p:cond delay="indefinite"/>
+                      </p:stCondLst>
+                      <p:childTnLst>
+                        <p:par>
+                          <p:cTn id="40" fill="hold">
+                            <p:stCondLst>
+                              <p:cond delay="0"/>
+                            </p:stCondLst>
+                            <p:childTnLst>
+                              <p:par>
+                                <p:cTn id="41" presetID="1" presetClass="emph" presetSubtype="2" fill="hold" nodeType="clickEffect">
+                                  <p:stCondLst>
+                                    <p:cond delay="0"/>
+                                  </p:stCondLst>
+                                  <p:childTnLst>
+                                    <p:animClr clrSpc="rgb" dir="cw">
+                                      <p:cBhvr>
+                                        <p:cTn id="42" dur="2000" fill="hold"/>
+                                        <p:tgtEl>
+                                          <p:spTgt spid="11"/>
+                                        </p:tgtEl>
+                                        <p:attrNameLst>
+                                          <p:attrName>fillcolor</p:attrName>
+                                        </p:attrNameLst>
+                                      </p:cBhvr>
+                                      <p:to>
+                                        <a:srgbClr val="FFC666"/>
+                                      </p:to>
+                                    </p:animClr>
+                                    <p:set>
+                                      <p:cBhvr>
+                                        <p:cTn id="43" dur="2000" fill="hold"/>
+                                        <p:tgtEl>
+                                          <p:spTgt spid="11"/>
+                                        </p:tgtEl>
+                                        <p:attrNameLst>
+                                          <p:attrName>fill.type</p:attrName>
+                                        </p:attrNameLst>
+                                      </p:cBhvr>
+                                      <p:to>
+                                        <p:strVal val="solid"/>
+                                      </p:to>
+                                    </p:set>
+                                    <p:set>
+                                      <p:cBhvr>
+                                        <p:cTn id="44" dur="2000" fill="hold"/>
+                                        <p:tgtEl>
+                                          <p:spTgt spid="11"/>
+                                        </p:tgtEl>
+                                        <p:attrNameLst>
+                                          <p:attrName>fill.on</p:attrName>
+                                        </p:attrNameLst>
+                                      </p:cBhvr>
+                                      <p:to>
+                                        <p:strVal val="true"/>
+                                      </p:to>
+                                    </p:set>
+                                  </p:childTnLst>
+                                </p:cTn>
+                              </p:par>
+                              <p:par>
+                                <p:cTn id="45" presetID="3" presetClass="entr" presetSubtype="10" fill="hold" nodeType="withEffect">
+                                  <p:stCondLst>
+                                    <p:cond delay="0"/>
+                                  </p:stCondLst>
+                                  <p:childTnLst>
+                                    <p:set>
+                                      <p:cBhvr>
+                                        <p:cTn id="46" dur="1" fill="hold">
+                                          <p:stCondLst>
+                                            <p:cond delay="0"/>
+                                          </p:stCondLst>
+                                        </p:cTn>
+                                        <p:tgtEl>
+                                          <p:spTgt spid="35"/>
+                                        </p:tgtEl>
+                                        <p:attrNameLst>
+                                          <p:attrName>style.visibility</p:attrName>
+                                        </p:attrNameLst>
+                                      </p:cBhvr>
+                                      <p:to>
+                                        <p:strVal val="visible"/>
+                                      </p:to>
+                                    </p:set>
+                                    <p:animEffect transition="in" filter="blinds(horizontal)">
+                                      <p:cBhvr>
+                                        <p:cTn id="47" dur="500"/>
+                                        <p:tgtEl>
+                                          <p:spTgt spid="35"/>
+                                        </p:tgtEl>
+                                      </p:cBhvr>
+                                    </p:animEffect>
+                                  </p:childTnLst>
+                                </p:cTn>
+                              </p:par>
+                            </p:childTnLst>
+                          </p:cTn>
+                        </p:par>
+                      </p:childTnLst>
+                    </p:cTn>
+                  </p:par>
+                </p:childTnLst>
+              </p:cTn>
+              <p:prevCondLst>
+                <p:cond evt="onPrev" delay="0">
+                  <p:tgtEl>
+                    <p:sldTgt/>
+                  </p:tgtEl>
+                </p:cond>
+              </p:prevCondLst>
+              <p:nextCondLst>
+                <p:cond evt="onNext" delay="0">
+                  <p:tgtEl>
+                    <p:sldTgt/>
+                  </p:tgtEl>
+                </p:cond>
+              </p:nextCondLst>
+            </p:seq>
+          </p:childTnLst>
+        </p:cTn>
       </p:par>
     </p:tnLst>
   </p:timing>
@@ -8901,7 +9456,7 @@
         <p:spPr>
           <a:xfrm>
             <a:off x="1617981" y="3884063"/>
-            <a:ext cx="2364827" cy="923330"/>
+            <a:ext cx="2364827" cy="1015663"/>
           </a:xfrm>
           <a:prstGeom prst="rect">
             <a:avLst/>
@@ -8919,10 +9474,10 @@
               <a:buChar char="-"/>
             </a:pPr>
             <a:r>
-              <a:rPr lang="en-US" dirty="0" err="1" smtClean="0"/>
+              <a:rPr lang="en-US" sz="2000" dirty="0" err="1" smtClean="0"/>
               <a:t>Xamarin</a:t>
             </a:r>
-            <a:endParaRPr lang="en-US" dirty="0" smtClean="0"/>
+            <a:endParaRPr lang="en-US" sz="2000" dirty="0" smtClean="0"/>
           </a:p>
           <a:p>
             <a:pPr marL="285750" indent="-285750">
@@ -8930,7 +9485,7 @@
               <a:buChar char="-"/>
             </a:pPr>
             <a:r>
-              <a:rPr lang="en-US" dirty="0" smtClean="0"/>
+              <a:rPr lang="en-US" sz="2000" dirty="0" smtClean="0"/>
               <a:t>SQLite</a:t>
             </a:r>
           </a:p>
@@ -8940,14 +9495,10 @@
               <a:buChar char="-"/>
             </a:pPr>
             <a:r>
-              <a:rPr lang="en-US" dirty="0" err="1" smtClean="0"/>
-              <a:t>Json</a:t>
-            </a:r>
-            <a:r>
-              <a:rPr lang="en-US" dirty="0" smtClean="0"/>
-              <a:t> .NET</a:t>
-            </a:r>
-            <a:endParaRPr lang="en-US" dirty="0"/>
+              <a:rPr lang="en-US" sz="2000" dirty="0" err="1" smtClean="0"/>
+              <a:t>Json.NET</a:t>
+            </a:r>
+            <a:endParaRPr lang="en-US" sz="2000" dirty="0"/>
           </a:p>
         </p:txBody>
       </p:sp>
@@ -9049,8 +9600,8 @@
         </p:nvSpPr>
         <p:spPr>
           <a:xfrm>
-            <a:off x="5287416" y="3869358"/>
-            <a:ext cx="2980959" cy="1200329"/>
+            <a:off x="5287416" y="3883134"/>
+            <a:ext cx="2980959" cy="1323439"/>
           </a:xfrm>
           <a:prstGeom prst="rect">
             <a:avLst/>
@@ -9068,8 +9619,12 @@
               <a:buChar char="-"/>
             </a:pPr>
             <a:r>
-              <a:rPr lang="en-US" dirty="0" smtClean="0"/>
-              <a:t>Asp .NET Core</a:t>
+              <a:rPr lang="en-US" sz="2000" dirty="0" smtClean="0"/>
+              <a:t>ASP.NET </a:t>
+            </a:r>
+            <a:r>
+              <a:rPr lang="en-US" sz="2000" dirty="0" smtClean="0"/>
+              <a:t>Core</a:t>
             </a:r>
           </a:p>
           <a:p>
@@ -9078,9 +9633,14 @@
               <a:buChar char="-"/>
             </a:pPr>
             <a:r>
-              <a:rPr lang="en-US" dirty="0" smtClean="0"/>
-              <a:t>Entity Framework</a:t>
-            </a:r>
+              <a:rPr lang="en-US" sz="2000" dirty="0" err="1" smtClean="0"/>
+              <a:t>EntityFramework</a:t>
+            </a:r>
+            <a:r>
+              <a:rPr lang="en-US" sz="2000" dirty="0" smtClean="0"/>
+              <a:t> Core</a:t>
+            </a:r>
+            <a:endParaRPr lang="en-US" sz="2000" dirty="0" smtClean="0"/>
           </a:p>
           <a:p>
             <a:pPr marL="285750" indent="-285750">
@@ -9088,9 +9648,10 @@
               <a:buChar char="-"/>
             </a:pPr>
             <a:r>
-              <a:rPr lang="en-US" dirty="0" smtClean="0"/>
-              <a:t>Identity Framework</a:t>
-            </a:r>
+              <a:rPr lang="en-US" sz="2000" dirty="0" smtClean="0"/>
+              <a:t>ASP.NET Core Identity</a:t>
+            </a:r>
+            <a:endParaRPr lang="en-US" sz="2000" dirty="0" smtClean="0"/>
           </a:p>
           <a:p>
             <a:pPr marL="285750" indent="-285750">
@@ -9098,9 +9659,10 @@
               <a:buChar char="-"/>
             </a:pPr>
             <a:r>
-              <a:rPr lang="en-US" dirty="0" smtClean="0"/>
-              <a:t>HTML/Java Script/ jQuery</a:t>
-            </a:r>
+              <a:rPr lang="en-US" sz="2000" dirty="0" smtClean="0"/>
+              <a:t>HTML, CSS, JavaScript</a:t>
+            </a:r>
+            <a:endParaRPr lang="en-US" sz="2000" dirty="0" smtClean="0"/>
           </a:p>
         </p:txBody>
       </p:sp>
@@ -9294,8 +9856,8 @@
         </p:blipFill>
         <p:spPr>
           <a:xfrm>
-            <a:off x="457200" y="2531078"/>
-            <a:ext cx="8229600" cy="2653094"/>
+            <a:off x="457199" y="2531078"/>
+            <a:ext cx="8918895" cy="2875312"/>
           </a:xfrm>
         </p:spPr>
       </p:pic>

--- a/Lingvo/Abgabe/präsentation.pptx
+++ b/Lingvo/Abgabe/präsentation.pptx
@@ -5546,7 +5546,7 @@
         <p:spPr>
           <a:xfrm>
             <a:off x="3318641" y="3413234"/>
-            <a:ext cx="2979683" cy="1477328"/>
+            <a:ext cx="2979683" cy="1846659"/>
           </a:xfrm>
           <a:prstGeom prst="rect">
             <a:avLst/>
@@ -5561,19 +5561,19 @@
           <a:p>
             <a:pPr algn="ctr"/>
             <a:r>
-              <a:rPr lang="en-US" dirty="0" err="1" smtClean="0"/>
+              <a:rPr lang="en-US" sz="2000" dirty="0" err="1" smtClean="0"/>
               <a:t>Gemeinsam</a:t>
             </a:r>
             <a:r>
-              <a:rPr lang="en-US" dirty="0" smtClean="0"/>
+              <a:rPr lang="en-US" sz="2000" dirty="0" smtClean="0"/>
               <a:t> </a:t>
             </a:r>
             <a:r>
-              <a:rPr lang="en-US" dirty="0" err="1" smtClean="0"/>
+              <a:rPr lang="en-US" sz="2000" dirty="0" err="1" smtClean="0"/>
               <a:t>genutzte</a:t>
             </a:r>
             <a:r>
-              <a:rPr lang="en-US" dirty="0" smtClean="0"/>
+              <a:rPr lang="en-US" sz="2000" dirty="0" smtClean="0"/>
               <a:t> Klassen</a:t>
             </a:r>
           </a:p>
@@ -5592,18 +5592,18 @@
           <a:p>
             <a:pPr algn="ctr"/>
             <a:r>
-              <a:rPr lang="en-US" b="1" dirty="0" err="1" smtClean="0"/>
+              <a:rPr lang="en-US" sz="2000" b="1" dirty="0" err="1" smtClean="0"/>
               <a:t>Keine</a:t>
             </a:r>
             <a:r>
-              <a:rPr lang="en-US" b="1" dirty="0" smtClean="0"/>
+              <a:rPr lang="en-US" sz="2000" b="1" dirty="0" smtClean="0"/>
               <a:t> </a:t>
             </a:r>
             <a:r>
-              <a:rPr lang="en-US" b="1" dirty="0" err="1" smtClean="0"/>
+              <a:rPr lang="en-US" sz="2000" b="1" dirty="0" err="1" smtClean="0"/>
               <a:t>Redundanz</a:t>
             </a:r>
-            <a:endParaRPr lang="en-US" b="1" dirty="0"/>
+            <a:endParaRPr lang="en-US" sz="2000" b="1" dirty="0"/>
           </a:p>
         </p:txBody>
       </p:sp>
@@ -5615,7 +5615,7 @@
         </p:nvSpPr>
         <p:spPr>
           <a:xfrm rot="5400000">
-            <a:off x="4481882" y="3930093"/>
+            <a:off x="4481883" y="4288909"/>
             <a:ext cx="653197" cy="425669"/>
           </a:xfrm>
           <a:prstGeom prst="rightArrow">
@@ -5692,33 +5692,6 @@
           <a:chExt cx="0" cy="0"/>
         </a:xfrm>
       </p:grpSpPr>
-      <p:sp>
-        <p:nvSpPr>
-          <p:cNvPr id="2" name="Title 1"/>
-          <p:cNvSpPr>
-            <a:spLocks noGrp="1"/>
-          </p:cNvSpPr>
-          <p:nvPr>
-            <p:ph type="title"/>
-          </p:nvPr>
-        </p:nvSpPr>
-        <p:spPr/>
-        <p:txBody>
-          <a:bodyPr/>
-          <a:lstStyle/>
-          <a:p>
-            <a:r>
-              <a:rPr lang="en-US" dirty="0" err="1" smtClean="0"/>
-              <a:t>Architektur</a:t>
-            </a:r>
-            <a:r>
-              <a:rPr lang="en-US" dirty="0" smtClean="0"/>
-              <a:t>: Use-Case-Controller</a:t>
-            </a:r>
-            <a:endParaRPr lang="en-US" dirty="0"/>
-          </a:p>
-        </p:txBody>
-      </p:sp>
       <p:pic>
         <p:nvPicPr>
           <p:cNvPr id="4" name="Content Placeholder 3"/>
@@ -5742,8 +5715,8 @@
         </p:blipFill>
         <p:spPr>
           <a:xfrm>
-            <a:off x="1726324" y="1757856"/>
-            <a:ext cx="5915752" cy="2931490"/>
+            <a:off x="1402233" y="1607384"/>
+            <a:ext cx="6665208" cy="3302875"/>
           </a:xfrm>
           <a:prstGeom prst="rect">
             <a:avLst/>
@@ -5781,6 +5754,33 @@
       </p:pic>
       <p:sp>
         <p:nvSpPr>
+          <p:cNvPr id="2" name="Title 1"/>
+          <p:cNvSpPr>
+            <a:spLocks noGrp="1"/>
+          </p:cNvSpPr>
+          <p:nvPr>
+            <p:ph type="title"/>
+          </p:nvPr>
+        </p:nvSpPr>
+        <p:spPr/>
+        <p:txBody>
+          <a:bodyPr/>
+          <a:lstStyle/>
+          <a:p>
+            <a:r>
+              <a:rPr lang="en-US" dirty="0" err="1" smtClean="0"/>
+              <a:t>Architektur</a:t>
+            </a:r>
+            <a:r>
+              <a:rPr lang="en-US" dirty="0" smtClean="0"/>
+              <a:t>: Use-Case-Controller</a:t>
+            </a:r>
+            <a:endParaRPr lang="en-US" dirty="0"/>
+          </a:p>
+        </p:txBody>
+      </p:sp>
+      <p:sp>
+        <p:nvSpPr>
           <p:cNvPr id="3" name="TextBox 2"/>
           <p:cNvSpPr txBox="1"/>
           <p:nvPr/>
@@ -5788,7 +5788,7 @@
         <p:spPr>
           <a:xfrm>
             <a:off x="1584434" y="5060731"/>
-            <a:ext cx="6574222" cy="646331"/>
+            <a:ext cx="6574222" cy="677108"/>
           </a:xfrm>
           <a:prstGeom prst="rect">
             <a:avLst/>
@@ -5802,34 +5802,38 @@
           <a:lstStyle/>
           <a:p>
             <a:r>
-              <a:rPr lang="en-US" dirty="0" err="1" smtClean="0"/>
+              <a:rPr lang="en-US" sz="2000" dirty="0" err="1" smtClean="0"/>
               <a:t>Zwei</a:t>
             </a:r>
             <a:r>
+              <a:rPr lang="en-US" sz="2000" dirty="0" smtClean="0"/>
+              <a:t> </a:t>
+            </a:r>
+            <a:r>
+              <a:rPr lang="en-US" sz="2000" dirty="0" err="1" smtClean="0"/>
+              <a:t>Haupt</a:t>
+            </a:r>
+            <a:r>
+              <a:rPr lang="en-US" sz="2000" dirty="0" smtClean="0"/>
+              <a:t>-Use-Cases</a:t>
+            </a:r>
+            <a:r>
               <a:rPr lang="en-US" dirty="0" smtClean="0"/>
+              <a:t>		</a:t>
+            </a:r>
+            <a:r>
+              <a:rPr lang="en-US" sz="2000" dirty="0" err="1"/>
+              <a:t>Zwei</a:t>
+            </a:r>
+            <a:r>
+              <a:rPr lang="en-US" sz="2000" dirty="0"/>
               <a:t> </a:t>
             </a:r>
             <a:r>
-              <a:rPr lang="en-US" dirty="0" err="1" smtClean="0"/>
-              <a:t>Haupt</a:t>
-            </a:r>
-            <a:r>
-              <a:rPr lang="en-US" dirty="0" smtClean="0"/>
-              <a:t>-Use-Cases		</a:t>
-            </a:r>
-            <a:r>
-              <a:rPr lang="en-US" dirty="0" err="1"/>
-              <a:t>Zwei</a:t>
-            </a:r>
-            <a:r>
-              <a:rPr lang="en-US" dirty="0"/>
-              <a:t> </a:t>
-            </a:r>
-            <a:r>
-              <a:rPr lang="en-US" dirty="0" smtClean="0"/>
+              <a:rPr lang="en-US" sz="2000" dirty="0" smtClean="0"/>
               <a:t>Use-Case-Controller</a:t>
             </a:r>
-            <a:endParaRPr lang="en-US" dirty="0"/>
+            <a:endParaRPr lang="en-US" sz="2000" dirty="0"/>
           </a:p>
           <a:p>
             <a:endParaRPr lang="en-US" dirty="0" smtClean="0"/>
@@ -5844,7 +5848,7 @@
         </p:nvSpPr>
         <p:spPr>
           <a:xfrm>
-            <a:off x="4028089" y="5178972"/>
+            <a:off x="4156651" y="5206905"/>
             <a:ext cx="930166" cy="157655"/>
           </a:xfrm>
           <a:prstGeom prst="rightArrow">
@@ -7084,13 +7088,11 @@
       </p:sp>
       <p:pic>
         <p:nvPicPr>
-          <p:cNvPr id="4" name="Content Placeholder 3"/>
+          <p:cNvPr id="5" name="Picture 4"/>
           <p:cNvPicPr>
-            <a:picLocks noGrp="1" noChangeAspect="1"/>
+            <a:picLocks noChangeAspect="1"/>
           </p:cNvPicPr>
-          <p:nvPr>
-            <p:ph idx="1"/>
-          </p:nvPr>
+          <p:nvPr/>
         </p:nvPicPr>
         <p:blipFill>
           <a:blip r:embed="rId2">
@@ -7106,14 +7108,17 @@
         </p:blipFill>
         <p:spPr>
           <a:xfrm>
-            <a:off x="4264314" y="1482923"/>
-            <a:ext cx="4336309" cy="4341429"/>
-          </a:xfrm>
+            <a:off x="1835698" y="4104544"/>
+            <a:ext cx="962872" cy="955765"/>
+          </a:xfrm>
+          <a:prstGeom prst="rect">
+            <a:avLst/>
+          </a:prstGeom>
         </p:spPr>
       </p:pic>
       <p:pic>
         <p:nvPicPr>
-          <p:cNvPr id="5" name="Picture 4"/>
+          <p:cNvPr id="6" name="Picture 5"/>
           <p:cNvPicPr>
             <a:picLocks noChangeAspect="1"/>
           </p:cNvPicPr>
@@ -7133,8 +7138,8 @@
         </p:blipFill>
         <p:spPr>
           <a:xfrm>
-            <a:off x="1835698" y="4104544"/>
-            <a:ext cx="962872" cy="955765"/>
+            <a:off x="2545790" y="4995893"/>
+            <a:ext cx="1185314" cy="1146941"/>
           </a:xfrm>
           <a:prstGeom prst="rect">
             <a:avLst/>
@@ -7143,7 +7148,7 @@
       </p:pic>
       <p:pic>
         <p:nvPicPr>
-          <p:cNvPr id="6" name="Picture 5"/>
+          <p:cNvPr id="7" name="Picture 6"/>
           <p:cNvPicPr>
             <a:picLocks noChangeAspect="1"/>
           </p:cNvPicPr>
@@ -7163,8 +7168,8 @@
         </p:blipFill>
         <p:spPr>
           <a:xfrm>
-            <a:off x="2545790" y="4995893"/>
-            <a:ext cx="1185314" cy="1146941"/>
+            <a:off x="1197307" y="3202733"/>
+            <a:ext cx="2888411" cy="901811"/>
           </a:xfrm>
           <a:prstGeom prst="rect">
             <a:avLst/>
@@ -7173,7 +7178,7 @@
       </p:pic>
       <p:pic>
         <p:nvPicPr>
-          <p:cNvPr id="7" name="Picture 6"/>
+          <p:cNvPr id="8" name="Picture 7"/>
           <p:cNvPicPr>
             <a:picLocks noChangeAspect="1"/>
           </p:cNvPicPr>
@@ -7193,8 +7198,8 @@
         </p:blipFill>
         <p:spPr>
           <a:xfrm>
-            <a:off x="1197307" y="3202733"/>
-            <a:ext cx="2888411" cy="901811"/>
+            <a:off x="687030" y="1449366"/>
+            <a:ext cx="3483430" cy="651293"/>
           </a:xfrm>
           <a:prstGeom prst="rect">
             <a:avLst/>
@@ -7203,7 +7208,7 @@
       </p:pic>
       <p:pic>
         <p:nvPicPr>
-          <p:cNvPr id="8" name="Picture 7"/>
+          <p:cNvPr id="9" name="Picture 8"/>
           <p:cNvPicPr>
             <a:picLocks noChangeAspect="1"/>
           </p:cNvPicPr>
@@ -7223,8 +7228,8 @@
         </p:blipFill>
         <p:spPr>
           <a:xfrm>
-            <a:off x="687030" y="1449366"/>
-            <a:ext cx="3483430" cy="651293"/>
+            <a:off x="851151" y="2261469"/>
+            <a:ext cx="2901309" cy="872851"/>
           </a:xfrm>
           <a:prstGeom prst="rect">
             <a:avLst/>
@@ -7233,7 +7238,7 @@
       </p:pic>
       <p:pic>
         <p:nvPicPr>
-          <p:cNvPr id="9" name="Picture 8"/>
+          <p:cNvPr id="3" name="Picture 2"/>
           <p:cNvPicPr>
             <a:picLocks noChangeAspect="1"/>
           </p:cNvPicPr>
@@ -7253,14 +7258,33 @@
         </p:blipFill>
         <p:spPr>
           <a:xfrm>
-            <a:off x="851151" y="2261469"/>
-            <a:ext cx="2901309" cy="872851"/>
+            <a:off x="4070251" y="1678439"/>
+            <a:ext cx="4336309" cy="4358377"/>
           </a:xfrm>
           <a:prstGeom prst="rect">
             <a:avLst/>
           </a:prstGeom>
         </p:spPr>
       </p:pic>
+      <p:sp>
+        <p:nvSpPr>
+          <p:cNvPr id="11" name="Content Placeholder 10"/>
+          <p:cNvSpPr>
+            <a:spLocks noGrp="1"/>
+          </p:cNvSpPr>
+          <p:nvPr>
+            <p:ph idx="1"/>
+          </p:nvPr>
+        </p:nvSpPr>
+        <p:spPr/>
+        <p:txBody>
+          <a:bodyPr/>
+          <a:lstStyle/>
+          <a:p>
+            <a:endParaRPr lang="en-US" dirty="0"/>
+          </a:p>
+        </p:txBody>
+      </p:sp>
     </p:spTree>
     <p:extLst>
       <p:ext uri="{BB962C8B-B14F-4D97-AF65-F5344CB8AC3E}">
@@ -8058,15 +8082,7 @@
             <a:pPr algn="ctr"/>
             <a:r>
               <a:rPr lang="en-US" sz="4400" dirty="0" smtClean="0"/>
-              <a:t>~1000</a:t>
-            </a:r>
-            <a:r>
-              <a:rPr lang="en-US" sz="4400" dirty="0" smtClean="0"/>
-              <a:t> </a:t>
-            </a:r>
-            <a:r>
-              <a:rPr lang="en-US" sz="4400" dirty="0" smtClean="0"/>
-              <a:t>commits</a:t>
+              <a:t>~1000 commits</a:t>
             </a:r>
             <a:endParaRPr lang="en-US" sz="4400" dirty="0"/>
           </a:p>
@@ -9620,11 +9636,7 @@
             </a:pPr>
             <a:r>
               <a:rPr lang="en-US" sz="2000" dirty="0" smtClean="0"/>
-              <a:t>ASP.NET </a:t>
-            </a:r>
-            <a:r>
-              <a:rPr lang="en-US" sz="2000" dirty="0" smtClean="0"/>
-              <a:t>Core</a:t>
+              <a:t>ASP.NET Core</a:t>
             </a:r>
           </a:p>
           <a:p>
@@ -9640,7 +9652,6 @@
               <a:rPr lang="en-US" sz="2000" dirty="0" smtClean="0"/>
               <a:t> Core</a:t>
             </a:r>
-            <a:endParaRPr lang="en-US" sz="2000" dirty="0" smtClean="0"/>
           </a:p>
           <a:p>
             <a:pPr marL="285750" indent="-285750">
@@ -9651,7 +9662,6 @@
               <a:rPr lang="en-US" sz="2000" dirty="0" smtClean="0"/>
               <a:t>ASP.NET Core Identity</a:t>
             </a:r>
-            <a:endParaRPr lang="en-US" sz="2000" dirty="0" smtClean="0"/>
           </a:p>
           <a:p>
             <a:pPr marL="285750" indent="-285750">
@@ -9662,7 +9672,6 @@
               <a:rPr lang="en-US" sz="2000" dirty="0" smtClean="0"/>
               <a:t>HTML, CSS, JavaScript</a:t>
             </a:r>
-            <a:endParaRPr lang="en-US" sz="2000" dirty="0" smtClean="0"/>
           </a:p>
         </p:txBody>
       </p:sp>

--- a/Lingvo/Abgabe/präsentation.pptx
+++ b/Lingvo/Abgabe/präsentation.pptx
@@ -5561,19 +5561,19 @@
           <a:p>
             <a:pPr algn="ctr"/>
             <a:r>
-              <a:rPr lang="en-US" sz="2000" dirty="0" err="1" smtClean="0"/>
+              <a:rPr lang="en-US" sz="2000" b="1" dirty="0" err="1" smtClean="0"/>
               <a:t>Gemeinsam</a:t>
             </a:r>
             <a:r>
-              <a:rPr lang="en-US" sz="2000" dirty="0" smtClean="0"/>
+              <a:rPr lang="en-US" sz="2000" b="1" dirty="0" smtClean="0"/>
               <a:t> </a:t>
             </a:r>
             <a:r>
-              <a:rPr lang="en-US" sz="2000" dirty="0" err="1" smtClean="0"/>
+              <a:rPr lang="en-US" sz="2000" b="1" dirty="0" err="1" smtClean="0"/>
               <a:t>genutzte</a:t>
             </a:r>
             <a:r>
-              <a:rPr lang="en-US" sz="2000" dirty="0" smtClean="0"/>
+              <a:rPr lang="en-US" sz="2000" b="1" dirty="0" smtClean="0"/>
               <a:t> Klassen</a:t>
             </a:r>
           </a:p>
@@ -5975,8 +5975,8 @@
           <a:lstStyle/>
           <a:p>
             <a:r>
-              <a:rPr lang="en-US" dirty="0" err="1" smtClean="0"/>
-              <a:t>Unabhängigkeit</a:t>
+              <a:rPr lang="en-US" b="1" dirty="0" err="1" smtClean="0"/>
+              <a:t>Unabhängig</a:t>
             </a:r>
             <a:r>
               <a:rPr lang="en-US" dirty="0" smtClean="0"/>
@@ -5988,7 +5988,11 @@
             </a:r>
             <a:r>
               <a:rPr lang="en-US" dirty="0" smtClean="0"/>
-              <a:t> Audio-Frameworks</a:t>
+              <a:t> </a:t>
+            </a:r>
+            <a:r>
+              <a:rPr lang="en-US" dirty="0" smtClean="0"/>
+              <a:t>Audio-Frameworks</a:t>
             </a:r>
           </a:p>
           <a:p>
@@ -5996,20 +6000,24 @@
           </a:p>
           <a:p>
             <a:r>
-              <a:rPr lang="en-US" dirty="0" err="1" smtClean="0"/>
+              <a:rPr lang="en-US" b="1" dirty="0" err="1" smtClean="0"/>
               <a:t>Leichtes</a:t>
             </a:r>
             <a:r>
+              <a:rPr lang="en-US" b="1" dirty="0" smtClean="0"/>
+              <a:t> </a:t>
+            </a:r>
+            <a:r>
+              <a:rPr lang="en-US" b="1" dirty="0" err="1" smtClean="0"/>
+              <a:t>Einbinden</a:t>
+            </a:r>
+            <a:r>
+              <a:rPr lang="en-US" b="1" dirty="0" smtClean="0"/>
+              <a:t> </a:t>
+            </a:r>
+            <a:r>
               <a:rPr lang="en-US" dirty="0" smtClean="0"/>
-              <a:t> </a:t>
-            </a:r>
-            <a:r>
-              <a:rPr lang="en-US" dirty="0" err="1" smtClean="0"/>
-              <a:t>Einbinden</a:t>
-            </a:r>
-            <a:r>
-              <a:rPr lang="en-US" dirty="0" smtClean="0"/>
-              <a:t> von 3</a:t>
+              <a:t>von 3</a:t>
             </a:r>
             <a:r>
               <a:rPr lang="en-US" baseline="30000" dirty="0" smtClean="0"/>
@@ -6119,7 +6127,7 @@
         </p:nvSpPr>
         <p:spPr>
           <a:xfrm>
-            <a:off x="4406461" y="4131995"/>
+            <a:off x="4406461" y="4275229"/>
             <a:ext cx="4564117" cy="646331"/>
           </a:xfrm>
           <a:prstGeom prst="rect">
@@ -6134,7 +6142,7 @@
           <a:lstStyle/>
           <a:p>
             <a:r>
-              <a:rPr lang="en-US" dirty="0" err="1" smtClean="0"/>
+              <a:rPr lang="en-US" b="1" dirty="0" err="1" smtClean="0"/>
               <a:t>Abstraktion</a:t>
             </a:r>
             <a:r>
@@ -6272,7 +6280,7 @@
         </p:blipFill>
         <p:spPr>
           <a:xfrm>
-            <a:off x="1084009" y="2710305"/>
+            <a:off x="1102115" y="2710305"/>
             <a:ext cx="1669866" cy="942282"/>
           </a:xfrm>
           <a:prstGeom prst="rect">
@@ -6318,8 +6326,8 @@
         </p:nvSpPr>
         <p:spPr>
           <a:xfrm>
-            <a:off x="1379483" y="4646460"/>
-            <a:ext cx="6718699" cy="923330"/>
+            <a:off x="2068393" y="4684139"/>
+            <a:ext cx="5125827" cy="923330"/>
           </a:xfrm>
           <a:prstGeom prst="rect">
             <a:avLst/>
@@ -6332,9 +6340,34 @@
           </a:bodyPr>
           <a:lstStyle/>
           <a:p>
+            <a:pPr algn="ctr"/>
+            <a:r>
+              <a:rPr lang="en-US" b="1" dirty="0" err="1" smtClean="0"/>
+              <a:t>PageProxy</a:t>
+            </a:r>
+            <a:r>
+              <a:rPr lang="en-US" b="1" dirty="0" smtClean="0"/>
+              <a:t> </a:t>
+            </a:r>
+            <a:r>
+              <a:rPr lang="en-US" b="1" dirty="0" err="1" smtClean="0"/>
+              <a:t>lädt</a:t>
+            </a:r>
+            <a:r>
+              <a:rPr lang="en-US" b="1" dirty="0" smtClean="0"/>
+              <a:t> </a:t>
+            </a:r>
+            <a:r>
+              <a:rPr lang="en-US" b="1" dirty="0" err="1" smtClean="0"/>
+              <a:t>Metadaten</a:t>
+            </a:r>
+            <a:r>
+              <a:rPr lang="en-US" b="1" dirty="0" smtClean="0"/>
+              <a:t> </a:t>
+            </a:r>
             <a:r>
               <a:rPr lang="en-US" dirty="0" err="1" smtClean="0"/>
-              <a:t>PageProxy</a:t>
+              <a:t>ohne</a:t>
             </a:r>
             <a:r>
               <a:rPr lang="en-US" dirty="0" smtClean="0"/>
@@ -6342,23 +6375,27 @@
             </a:r>
             <a:r>
               <a:rPr lang="en-US" dirty="0" err="1" smtClean="0"/>
-              <a:t>erlaubt</a:t>
-            </a:r>
-            <a:r>
-              <a:rPr lang="en-US" dirty="0" smtClean="0"/>
-              <a:t> das Laden von </a:t>
-            </a:r>
-            <a:r>
-              <a:rPr lang="en-US" dirty="0" err="1" smtClean="0"/>
-              <a:t>Metadaten</a:t>
+              <a:t>zusätzlichen</a:t>
             </a:r>
             <a:r>
               <a:rPr lang="en-US" dirty="0" smtClean="0"/>
               <a:t> </a:t>
             </a:r>
             <a:r>
+              <a:rPr lang="en-US" dirty="0" smtClean="0"/>
+              <a:t>Traffic.</a:t>
+            </a:r>
+            <a:endParaRPr lang="en-US" dirty="0" smtClean="0"/>
+          </a:p>
+          <a:p>
+            <a:pPr algn="ctr"/>
+            <a:endParaRPr lang="en-US" dirty="0"/>
+          </a:p>
+          <a:p>
+            <a:pPr algn="ctr"/>
+            <a:r>
               <a:rPr lang="en-US" dirty="0" err="1" smtClean="0"/>
-              <a:t>ohne</a:t>
+              <a:t>Audiodateien</a:t>
             </a:r>
             <a:r>
               <a:rPr lang="en-US" dirty="0" smtClean="0"/>
@@ -6366,20 +6403,7 @@
             </a:r>
             <a:r>
               <a:rPr lang="en-US" dirty="0" err="1" smtClean="0"/>
-              <a:t>zusätzlichen</a:t>
-            </a:r>
-            <a:r>
-              <a:rPr lang="en-US" dirty="0" smtClean="0"/>
-              <a:t> Traffic</a:t>
-            </a:r>
-          </a:p>
-          <a:p>
-            <a:endParaRPr lang="en-US" dirty="0"/>
-          </a:p>
-          <a:p>
-            <a:r>
-              <a:rPr lang="en-US" dirty="0" err="1" smtClean="0"/>
-              <a:t>Audiodateien</a:t>
+              <a:t>werden</a:t>
             </a:r>
             <a:r>
               <a:rPr lang="en-US" dirty="0" smtClean="0"/>
@@ -6387,41 +6411,37 @@
             </a:r>
             <a:r>
               <a:rPr lang="en-US" dirty="0" err="1" smtClean="0"/>
-              <a:t>werden</a:t>
+              <a:t>nur</a:t>
             </a:r>
             <a:r>
               <a:rPr lang="en-US" dirty="0" smtClean="0"/>
               <a:t> </a:t>
             </a:r>
             <a:r>
-              <a:rPr lang="en-US" dirty="0" err="1" smtClean="0"/>
-              <a:t>nur</a:t>
-            </a:r>
-            <a:r>
-              <a:rPr lang="en-US" dirty="0" smtClean="0"/>
+              <a:rPr lang="en-US" b="1" dirty="0" err="1" smtClean="0"/>
+              <a:t>bei</a:t>
+            </a:r>
+            <a:r>
+              <a:rPr lang="en-US" b="1" dirty="0" smtClean="0"/>
               <a:t> </a:t>
             </a:r>
             <a:r>
-              <a:rPr lang="en-US" dirty="0" err="1" smtClean="0"/>
-              <a:t>bei</a:t>
-            </a:r>
-            <a:r>
-              <a:rPr lang="en-US" dirty="0" smtClean="0"/>
+              <a:rPr lang="en-US" b="1" dirty="0" err="1" smtClean="0"/>
+              <a:t>Bedarf</a:t>
+            </a:r>
+            <a:r>
+              <a:rPr lang="en-US" b="1" dirty="0" smtClean="0"/>
               <a:t> </a:t>
             </a:r>
             <a:r>
-              <a:rPr lang="en-US" dirty="0" err="1" smtClean="0"/>
-              <a:t>Bedarf</a:t>
-            </a:r>
-            <a:r>
-              <a:rPr lang="en-US" dirty="0" smtClean="0"/>
-              <a:t> </a:t>
-            </a:r>
-            <a:r>
-              <a:rPr lang="en-US" dirty="0" err="1" smtClean="0"/>
+              <a:rPr lang="en-US" b="1" dirty="0" err="1" smtClean="0"/>
               <a:t>geladen</a:t>
             </a:r>
-            <a:endParaRPr lang="en-US" dirty="0"/>
+            <a:r>
+              <a:rPr lang="en-US" b="1" dirty="0" smtClean="0"/>
+              <a:t>.</a:t>
+            </a:r>
+            <a:endParaRPr lang="en-US" b="1" dirty="0"/>
           </a:p>
         </p:txBody>
       </p:sp>

--- a/Lingvo/Abgabe/präsentation.pptx
+++ b/Lingvo/Abgabe/präsentation.pptx
@@ -6,33 +6,29 @@
     <p:sldMasterId id="2147483664" r:id="rId2"/>
   </p:sldMasterIdLst>
   <p:notesMasterIdLst>
-    <p:notesMasterId r:id="rId27"/>
+    <p:notesMasterId r:id="rId23"/>
   </p:notesMasterIdLst>
   <p:sldIdLst>
     <p:sldId id="261" r:id="rId3"/>
-    <p:sldId id="262" r:id="rId4"/>
-    <p:sldId id="263" r:id="rId5"/>
-    <p:sldId id="264" r:id="rId6"/>
-    <p:sldId id="266" r:id="rId7"/>
-    <p:sldId id="267" r:id="rId8"/>
-    <p:sldId id="268" r:id="rId9"/>
-    <p:sldId id="269" r:id="rId10"/>
-    <p:sldId id="270" r:id="rId11"/>
-    <p:sldId id="271" r:id="rId12"/>
-    <p:sldId id="272" r:id="rId13"/>
-    <p:sldId id="274" r:id="rId14"/>
-    <p:sldId id="275" r:id="rId15"/>
-    <p:sldId id="276" r:id="rId16"/>
-    <p:sldId id="277" r:id="rId17"/>
-    <p:sldId id="278" r:id="rId18"/>
-    <p:sldId id="279" r:id="rId19"/>
-    <p:sldId id="280" r:id="rId20"/>
-    <p:sldId id="281" r:id="rId21"/>
-    <p:sldId id="282" r:id="rId22"/>
-    <p:sldId id="283" r:id="rId23"/>
-    <p:sldId id="284" r:id="rId24"/>
-    <p:sldId id="285" r:id="rId25"/>
-    <p:sldId id="286" r:id="rId26"/>
+    <p:sldId id="266" r:id="rId4"/>
+    <p:sldId id="267" r:id="rId5"/>
+    <p:sldId id="268" r:id="rId6"/>
+    <p:sldId id="271" r:id="rId7"/>
+    <p:sldId id="274" r:id="rId8"/>
+    <p:sldId id="272" r:id="rId9"/>
+    <p:sldId id="275" r:id="rId10"/>
+    <p:sldId id="276" r:id="rId11"/>
+    <p:sldId id="277" r:id="rId12"/>
+    <p:sldId id="278" r:id="rId13"/>
+    <p:sldId id="279" r:id="rId14"/>
+    <p:sldId id="280" r:id="rId15"/>
+    <p:sldId id="281" r:id="rId16"/>
+    <p:sldId id="282" r:id="rId17"/>
+    <p:sldId id="283" r:id="rId18"/>
+    <p:sldId id="284" r:id="rId19"/>
+    <p:sldId id="285" r:id="rId20"/>
+    <p:sldId id="270" r:id="rId21"/>
+    <p:sldId id="286" r:id="rId22"/>
   </p:sldIdLst>
   <p:sldSz cx="9144000" cy="6858000" type="screen4x3"/>
   <p:notesSz cx="6858000" cy="9144000"/>
@@ -221,7 +217,7 @@
           <a:p>
             <a:fld id="{C24705BC-C4CA-4069-9565-216FBABFB130}" type="datetimeFigureOut">
               <a:rPr lang="en-US" smtClean="0"/>
-              <a:t>2/22/17</a:t>
+              <a:t>2/23/17</a:t>
             </a:fld>
             <a:endParaRPr lang="en-US"/>
           </a:p>
@@ -609,90 +605,6 @@
 </p:notes>
 </file>
 
-<file path=ppt/notesSlides/notesSlide2.xml><?xml version="1.0" encoding="utf-8"?>
-<p:notes xmlns:a="http://schemas.openxmlformats.org/drawingml/2006/main" xmlns:r="http://schemas.openxmlformats.org/officeDocument/2006/relationships" xmlns:p="http://schemas.openxmlformats.org/presentationml/2006/main">
-  <p:cSld>
-    <p:spTree>
-      <p:nvGrpSpPr>
-        <p:cNvPr id="1" name=""/>
-        <p:cNvGrpSpPr/>
-        <p:nvPr/>
-      </p:nvGrpSpPr>
-      <p:grpSpPr>
-        <a:xfrm>
-          <a:off x="0" y="0"/>
-          <a:ext cx="0" cy="0"/>
-          <a:chOff x="0" y="0"/>
-          <a:chExt cx="0" cy="0"/>
-        </a:xfrm>
-      </p:grpSpPr>
-      <p:sp>
-        <p:nvSpPr>
-          <p:cNvPr id="2" name="Slide Image Placeholder 1"/>
-          <p:cNvSpPr>
-            <a:spLocks noGrp="1" noRot="1" noChangeAspect="1"/>
-          </p:cNvSpPr>
-          <p:nvPr>
-            <p:ph type="sldImg"/>
-          </p:nvPr>
-        </p:nvSpPr>
-        <p:spPr/>
-      </p:sp>
-      <p:sp>
-        <p:nvSpPr>
-          <p:cNvPr id="3" name="Notes Placeholder 2"/>
-          <p:cNvSpPr>
-            <a:spLocks noGrp="1"/>
-          </p:cNvSpPr>
-          <p:nvPr>
-            <p:ph type="body" idx="1"/>
-          </p:nvPr>
-        </p:nvSpPr>
-        <p:spPr/>
-        <p:txBody>
-          <a:bodyPr/>
-          <a:lstStyle/>
-          <a:p>
-            <a:endParaRPr lang="en-US"/>
-          </a:p>
-        </p:txBody>
-      </p:sp>
-      <p:sp>
-        <p:nvSpPr>
-          <p:cNvPr id="4" name="Slide Number Placeholder 3"/>
-          <p:cNvSpPr>
-            <a:spLocks noGrp="1"/>
-          </p:cNvSpPr>
-          <p:nvPr>
-            <p:ph type="sldNum" sz="quarter" idx="10"/>
-          </p:nvPr>
-        </p:nvSpPr>
-        <p:spPr/>
-        <p:txBody>
-          <a:bodyPr/>
-          <a:lstStyle/>
-          <a:p>
-            <a:fld id="{B46550BC-C454-4A3E-845B-8F3DE52012C2}" type="slidenum">
-              <a:rPr lang="en-US" smtClean="0"/>
-              <a:t>2</a:t>
-            </a:fld>
-            <a:endParaRPr lang="en-US"/>
-          </a:p>
-        </p:txBody>
-      </p:sp>
-    </p:spTree>
-    <p:extLst>
-      <p:ext uri="{BB962C8B-B14F-4D97-AF65-F5344CB8AC3E}">
-        <p14:creationId xmlns:p14="http://schemas.microsoft.com/office/powerpoint/2010/main" val="1736817545"/>
-      </p:ext>
-    </p:extLst>
-  </p:cSld>
-  <p:clrMapOvr>
-    <a:masterClrMapping/>
-  </p:clrMapOvr>
-</p:notes>
-</file>
-
 <file path=ppt/slideLayouts/slideLayout1.xml><?xml version="1.0" encoding="utf-8"?>
 <p:sldLayout xmlns:a="http://schemas.openxmlformats.org/drawingml/2006/main" xmlns:r="http://schemas.openxmlformats.org/officeDocument/2006/relationships" xmlns:p="http://schemas.openxmlformats.org/presentationml/2006/main" showMasterSp="0" type="title" preserve="1">
   <p:cSld name="Titelfolie">
@@ -1107,7 +1019,7 @@
           <a:p>
             <a:fld id="{53EC81EF-DBCC-EA4B-B483-7C0B5BFEB88D}" type="datetimeFigureOut">
               <a:rPr lang="en-US" smtClean="0"/>
-              <a:t>2/22/17</a:t>
+              <a:t>2/23/17</a:t>
             </a:fld>
             <a:endParaRPr lang="en-US"/>
           </a:p>
@@ -1380,7 +1292,7 @@
           <a:p>
             <a:fld id="{53EC81EF-DBCC-EA4B-B483-7C0B5BFEB88D}" type="datetimeFigureOut">
               <a:rPr lang="en-US" smtClean="0"/>
-              <a:t>2/22/17</a:t>
+              <a:t>2/23/17</a:t>
             </a:fld>
             <a:endParaRPr lang="en-US"/>
           </a:p>
@@ -1629,7 +1541,7 @@
           <a:p>
             <a:fld id="{53EC81EF-DBCC-EA4B-B483-7C0B5BFEB88D}" type="datetimeFigureOut">
               <a:rPr lang="en-US" smtClean="0"/>
-              <a:t>2/22/17</a:t>
+              <a:t>2/23/17</a:t>
             </a:fld>
             <a:endParaRPr lang="en-US"/>
           </a:p>
@@ -1795,7 +1707,7 @@
           <a:p>
             <a:fld id="{53EC81EF-DBCC-EA4B-B483-7C0B5BFEB88D}" type="datetimeFigureOut">
               <a:rPr lang="en-US" smtClean="0"/>
-              <a:t>2/22/17</a:t>
+              <a:t>2/23/17</a:t>
             </a:fld>
             <a:endParaRPr lang="en-US"/>
           </a:p>
@@ -1971,7 +1883,7 @@
           <a:p>
             <a:fld id="{53EC81EF-DBCC-EA4B-B483-7C0B5BFEB88D}" type="datetimeFigureOut">
               <a:rPr lang="en-US" smtClean="0"/>
-              <a:t>2/22/17</a:t>
+              <a:t>2/23/17</a:t>
             </a:fld>
             <a:endParaRPr lang="en-US"/>
           </a:p>
@@ -2658,7 +2570,7 @@
           <a:p>
             <a:fld id="{53EC81EF-DBCC-EA4B-B483-7C0B5BFEB88D}" type="datetimeFigureOut">
               <a:rPr lang="en-US" smtClean="0"/>
-              <a:t>2/22/17</a:t>
+              <a:t>2/23/17</a:t>
             </a:fld>
             <a:endParaRPr lang="en-US"/>
           </a:p>
@@ -2824,7 +2736,7 @@
           <a:p>
             <a:fld id="{53EC81EF-DBCC-EA4B-B483-7C0B5BFEB88D}" type="datetimeFigureOut">
               <a:rPr lang="en-US" smtClean="0"/>
-              <a:t>2/22/17</a:t>
+              <a:t>2/23/17</a:t>
             </a:fld>
             <a:endParaRPr lang="en-US"/>
           </a:p>
@@ -3066,7 +2978,7 @@
           <a:p>
             <a:fld id="{53EC81EF-DBCC-EA4B-B483-7C0B5BFEB88D}" type="datetimeFigureOut">
               <a:rPr lang="en-US" smtClean="0"/>
-              <a:t>2/22/17</a:t>
+              <a:t>2/23/17</a:t>
             </a:fld>
             <a:endParaRPr lang="en-US"/>
           </a:p>
@@ -3294,7 +3206,7 @@
           <a:p>
             <a:fld id="{53EC81EF-DBCC-EA4B-B483-7C0B5BFEB88D}" type="datetimeFigureOut">
               <a:rPr lang="en-US" smtClean="0"/>
-              <a:t>2/22/17</a:t>
+              <a:t>2/23/17</a:t>
             </a:fld>
             <a:endParaRPr lang="en-US"/>
           </a:p>
@@ -3657,7 +3569,7 @@
           <a:p>
             <a:fld id="{53EC81EF-DBCC-EA4B-B483-7C0B5BFEB88D}" type="datetimeFigureOut">
               <a:rPr lang="en-US" smtClean="0"/>
-              <a:t>2/22/17</a:t>
+              <a:t>2/23/17</a:t>
             </a:fld>
             <a:endParaRPr lang="en-US"/>
           </a:p>
@@ -3771,7 +3683,7 @@
           <a:p>
             <a:fld id="{53EC81EF-DBCC-EA4B-B483-7C0B5BFEB88D}" type="datetimeFigureOut">
               <a:rPr lang="en-US" smtClean="0"/>
-              <a:t>2/22/17</a:t>
+              <a:t>2/23/17</a:t>
             </a:fld>
             <a:endParaRPr lang="en-US"/>
           </a:p>
@@ -4777,7 +4689,7 @@
           <a:p>
             <a:fld id="{53EC81EF-DBCC-EA4B-B483-7C0B5BFEB88D}" type="datetimeFigureOut">
               <a:rPr lang="en-US" smtClean="0"/>
-              <a:t>2/22/17</a:t>
+              <a:t>2/23/17</a:t>
             </a:fld>
             <a:endParaRPr lang="en-US"/>
           </a:p>
@@ -5390,1100 +5302,6 @@
       </p:grpSpPr>
       <p:sp>
         <p:nvSpPr>
-          <p:cNvPr id="2" name="Title 1"/>
-          <p:cNvSpPr>
-            <a:spLocks noGrp="1"/>
-          </p:cNvSpPr>
-          <p:nvPr>
-            <p:ph type="title"/>
-          </p:nvPr>
-        </p:nvSpPr>
-        <p:spPr/>
-        <p:txBody>
-          <a:bodyPr/>
-          <a:lstStyle/>
-          <a:p>
-            <a:r>
-              <a:rPr lang="en-US" dirty="0" err="1" smtClean="0"/>
-              <a:t>Architektur</a:t>
-            </a:r>
-            <a:r>
-              <a:rPr lang="en-US" dirty="0" smtClean="0"/>
-              <a:t>: Model-View-Controller</a:t>
-            </a:r>
-            <a:endParaRPr lang="en-US" dirty="0"/>
-          </a:p>
-        </p:txBody>
-      </p:sp>
-      <p:pic>
-        <p:nvPicPr>
-          <p:cNvPr id="5" name="Content Placeholder 4"/>
-          <p:cNvPicPr>
-            <a:picLocks noGrp="1" noChangeAspect="1"/>
-          </p:cNvPicPr>
-          <p:nvPr>
-            <p:ph idx="1"/>
-          </p:nvPr>
-        </p:nvPicPr>
-        <p:blipFill>
-          <a:blip r:embed="rId2">
-            <a:extLst>
-              <a:ext uri="{28A0092B-C50C-407E-A947-70E740481C1C}">
-                <a14:useLocalDpi xmlns:a14="http://schemas.microsoft.com/office/drawing/2010/main" val="0"/>
-              </a:ext>
-            </a:extLst>
-          </a:blip>
-          <a:stretch>
-            <a:fillRect/>
-          </a:stretch>
-        </p:blipFill>
-        <p:spPr>
-          <a:xfrm>
-            <a:off x="457200" y="2249021"/>
-            <a:ext cx="8229600" cy="3217208"/>
-          </a:xfrm>
-        </p:spPr>
-      </p:pic>
-    </p:spTree>
-    <p:extLst>
-      <p:ext uri="{BB962C8B-B14F-4D97-AF65-F5344CB8AC3E}">
-        <p14:creationId xmlns:p14="http://schemas.microsoft.com/office/powerpoint/2010/main" val="1511211752"/>
-      </p:ext>
-    </p:extLst>
-  </p:cSld>
-  <p:clrMapOvr>
-    <a:masterClrMapping/>
-  </p:clrMapOvr>
-  <p:timing>
-    <p:tnLst>
-      <p:par>
-        <p:cTn id="1" dur="indefinite" restart="never" nodeType="tmRoot"/>
-      </p:par>
-    </p:tnLst>
-  </p:timing>
-</p:sld>
-</file>
-
-<file path=ppt/slides/slide11.xml><?xml version="1.0" encoding="utf-8"?>
-<p:sld xmlns:a="http://schemas.openxmlformats.org/drawingml/2006/main" xmlns:r="http://schemas.openxmlformats.org/officeDocument/2006/relationships" xmlns:p="http://schemas.openxmlformats.org/presentationml/2006/main">
-  <p:cSld>
-    <p:spTree>
-      <p:nvGrpSpPr>
-        <p:cNvPr id="1" name=""/>
-        <p:cNvGrpSpPr/>
-        <p:nvPr/>
-      </p:nvGrpSpPr>
-      <p:grpSpPr>
-        <a:xfrm>
-          <a:off x="0" y="0"/>
-          <a:ext cx="0" cy="0"/>
-          <a:chOff x="0" y="0"/>
-          <a:chExt cx="0" cy="0"/>
-        </a:xfrm>
-      </p:grpSpPr>
-      <p:sp>
-        <p:nvSpPr>
-          <p:cNvPr id="2" name="Title 1"/>
-          <p:cNvSpPr>
-            <a:spLocks noGrp="1"/>
-          </p:cNvSpPr>
-          <p:nvPr>
-            <p:ph type="title"/>
-          </p:nvPr>
-        </p:nvSpPr>
-        <p:spPr/>
-        <p:txBody>
-          <a:bodyPr/>
-          <a:lstStyle/>
-          <a:p>
-            <a:r>
-              <a:rPr lang="en-US" dirty="0" err="1" smtClean="0"/>
-              <a:t>Architektur</a:t>
-            </a:r>
-            <a:r>
-              <a:rPr lang="en-US" dirty="0" smtClean="0"/>
-              <a:t>: Shared Code Project</a:t>
-            </a:r>
-            <a:endParaRPr lang="en-US" dirty="0"/>
-          </a:p>
-        </p:txBody>
-      </p:sp>
-      <p:pic>
-        <p:nvPicPr>
-          <p:cNvPr id="5" name="Content Placeholder 4"/>
-          <p:cNvPicPr>
-            <a:picLocks noGrp="1" noChangeAspect="1"/>
-          </p:cNvPicPr>
-          <p:nvPr>
-            <p:ph idx="1"/>
-          </p:nvPr>
-        </p:nvPicPr>
-        <p:blipFill>
-          <a:blip r:embed="rId2">
-            <a:extLst>
-              <a:ext uri="{28A0092B-C50C-407E-A947-70E740481C1C}">
-                <a14:useLocalDpi xmlns:a14="http://schemas.microsoft.com/office/drawing/2010/main" val="0"/>
-              </a:ext>
-            </a:extLst>
-          </a:blip>
-          <a:stretch>
-            <a:fillRect/>
-          </a:stretch>
-        </p:blipFill>
-        <p:spPr>
-          <a:xfrm>
-            <a:off x="819807" y="2209405"/>
-            <a:ext cx="7977352" cy="1185888"/>
-          </a:xfrm>
-        </p:spPr>
-      </p:pic>
-      <p:sp>
-        <p:nvSpPr>
-          <p:cNvPr id="8" name="TextBox 7"/>
-          <p:cNvSpPr txBox="1"/>
-          <p:nvPr/>
-        </p:nvSpPr>
-        <p:spPr>
-          <a:xfrm>
-            <a:off x="3318641" y="3413234"/>
-            <a:ext cx="2979683" cy="1846659"/>
-          </a:xfrm>
-          <a:prstGeom prst="rect">
-            <a:avLst/>
-          </a:prstGeom>
-          <a:noFill/>
-        </p:spPr>
-        <p:txBody>
-          <a:bodyPr wrap="square" rtlCol="0">
-            <a:spAutoFit/>
-          </a:bodyPr>
-          <a:lstStyle/>
-          <a:p>
-            <a:pPr algn="ctr"/>
-            <a:r>
-              <a:rPr lang="en-US" sz="2000" b="1" dirty="0" err="1" smtClean="0"/>
-              <a:t>Gemeinsam</a:t>
-            </a:r>
-            <a:r>
-              <a:rPr lang="en-US" sz="2000" b="1" dirty="0" smtClean="0"/>
-              <a:t> </a:t>
-            </a:r>
-            <a:r>
-              <a:rPr lang="en-US" sz="2000" b="1" dirty="0" err="1" smtClean="0"/>
-              <a:t>genutzte</a:t>
-            </a:r>
-            <a:r>
-              <a:rPr lang="en-US" sz="2000" b="1" dirty="0" smtClean="0"/>
-              <a:t> Klassen</a:t>
-            </a:r>
-          </a:p>
-          <a:p>
-            <a:pPr algn="ctr"/>
-            <a:endParaRPr lang="en-US" dirty="0"/>
-          </a:p>
-          <a:p>
-            <a:pPr algn="ctr"/>
-            <a:endParaRPr lang="en-US" dirty="0" smtClean="0"/>
-          </a:p>
-          <a:p>
-            <a:pPr algn="ctr"/>
-            <a:endParaRPr lang="en-US" dirty="0" smtClean="0"/>
-          </a:p>
-          <a:p>
-            <a:pPr algn="ctr"/>
-            <a:r>
-              <a:rPr lang="en-US" sz="2000" b="1" dirty="0" err="1" smtClean="0"/>
-              <a:t>Keine</a:t>
-            </a:r>
-            <a:r>
-              <a:rPr lang="en-US" sz="2000" b="1" dirty="0" smtClean="0"/>
-              <a:t> </a:t>
-            </a:r>
-            <a:r>
-              <a:rPr lang="en-US" sz="2000" b="1" dirty="0" err="1" smtClean="0"/>
-              <a:t>Redundanz</a:t>
-            </a:r>
-            <a:endParaRPr lang="en-US" sz="2000" b="1" dirty="0"/>
-          </a:p>
-        </p:txBody>
-      </p:sp>
-      <p:sp>
-        <p:nvSpPr>
-          <p:cNvPr id="9" name="Right Arrow 8"/>
-          <p:cNvSpPr/>
-          <p:nvPr/>
-        </p:nvSpPr>
-        <p:spPr>
-          <a:xfrm rot="5400000">
-            <a:off x="4481883" y="4288909"/>
-            <a:ext cx="653197" cy="425669"/>
-          </a:xfrm>
-          <a:prstGeom prst="rightArrow">
-            <a:avLst/>
-          </a:prstGeom>
-          <a:solidFill>
-            <a:schemeClr val="accent2"/>
-          </a:solidFill>
-          <a:ln>
-            <a:solidFill>
-              <a:schemeClr val="bg2"/>
-            </a:solidFill>
-          </a:ln>
-        </p:spPr>
-        <p:style>
-          <a:lnRef idx="2">
-            <a:schemeClr val="accent1">
-              <a:shade val="50000"/>
-            </a:schemeClr>
-          </a:lnRef>
-          <a:fillRef idx="1">
-            <a:schemeClr val="accent1"/>
-          </a:fillRef>
-          <a:effectRef idx="0">
-            <a:schemeClr val="accent1"/>
-          </a:effectRef>
-          <a:fontRef idx="minor">
-            <a:schemeClr val="lt1"/>
-          </a:fontRef>
-        </p:style>
-        <p:txBody>
-          <a:bodyPr rtlCol="0" anchor="ctr"/>
-          <a:lstStyle/>
-          <a:p>
-            <a:pPr algn="ctr"/>
-            <a:endParaRPr lang="en-US"/>
-          </a:p>
-        </p:txBody>
-      </p:sp>
-    </p:spTree>
-    <p:extLst>
-      <p:ext uri="{BB962C8B-B14F-4D97-AF65-F5344CB8AC3E}">
-        <p14:creationId xmlns:p14="http://schemas.microsoft.com/office/powerpoint/2010/main" val="646822795"/>
-      </p:ext>
-    </p:extLst>
-  </p:cSld>
-  <p:clrMapOvr>
-    <a:masterClrMapping/>
-  </p:clrMapOvr>
-  <p:timing>
-    <p:tnLst>
-      <p:par>
-        <p:cTn id="1" dur="indefinite" restart="never" nodeType="tmRoot"/>
-      </p:par>
-    </p:tnLst>
-  </p:timing>
-</p:sld>
-</file>
-
-<file path=ppt/slides/slide12.xml><?xml version="1.0" encoding="utf-8"?>
-<p:sld xmlns:a="http://schemas.openxmlformats.org/drawingml/2006/main" xmlns:r="http://schemas.openxmlformats.org/officeDocument/2006/relationships" xmlns:p="http://schemas.openxmlformats.org/presentationml/2006/main">
-  <p:cSld>
-    <p:spTree>
-      <p:nvGrpSpPr>
-        <p:cNvPr id="1" name=""/>
-        <p:cNvGrpSpPr/>
-        <p:nvPr/>
-      </p:nvGrpSpPr>
-      <p:grpSpPr>
-        <a:xfrm>
-          <a:off x="0" y="0"/>
-          <a:ext cx="0" cy="0"/>
-          <a:chOff x="0" y="0"/>
-          <a:chExt cx="0" cy="0"/>
-        </a:xfrm>
-      </p:grpSpPr>
-      <p:pic>
-        <p:nvPicPr>
-          <p:cNvPr id="4" name="Content Placeholder 3"/>
-          <p:cNvPicPr>
-            <a:picLocks noGrp="1" noChangeAspect="1"/>
-          </p:cNvPicPr>
-          <p:nvPr>
-            <p:ph idx="1"/>
-          </p:nvPr>
-        </p:nvPicPr>
-        <p:blipFill rotWithShape="1">
-          <a:blip r:embed="rId2">
-            <a:extLst>
-              <a:ext uri="{28A0092B-C50C-407E-A947-70E740481C1C}">
-                <a14:useLocalDpi xmlns:a14="http://schemas.microsoft.com/office/drawing/2010/main" val="0"/>
-              </a:ext>
-            </a:extLst>
-          </a:blip>
-          <a:srcRect r="-768"/>
-          <a:stretch/>
-        </p:blipFill>
-        <p:spPr>
-          <a:xfrm>
-            <a:off x="1402233" y="1607384"/>
-            <a:ext cx="6665208" cy="3302875"/>
-          </a:xfrm>
-          <a:prstGeom prst="rect">
-            <a:avLst/>
-          </a:prstGeom>
-          <a:solidFill>
-            <a:srgbClr val="FFFFFF">
-              <a:shade val="85000"/>
-            </a:srgbClr>
-          </a:solidFill>
-          <a:ln w="190500" cap="rnd">
-            <a:solidFill>
-              <a:srgbClr val="FFFFFF"/>
-            </a:solidFill>
-          </a:ln>
-          <a:effectLst>
-            <a:outerShdw blurRad="50000" algn="tl" rotWithShape="0">
-              <a:srgbClr val="000000">
-                <a:alpha val="41000"/>
-              </a:srgbClr>
-            </a:outerShdw>
-          </a:effectLst>
-          <a:scene3d>
-            <a:camera prst="orthographicFront"/>
-            <a:lightRig rig="twoPt" dir="t">
-              <a:rot lat="0" lon="0" rev="7800000"/>
-            </a:lightRig>
-          </a:scene3d>
-          <a:sp3d contourW="6350">
-            <a:bevelT w="50800" h="16510"/>
-            <a:contourClr>
-              <a:srgbClr val="C0C0C0"/>
-            </a:contourClr>
-          </a:sp3d>
-        </p:spPr>
-      </p:pic>
-      <p:sp>
-        <p:nvSpPr>
-          <p:cNvPr id="2" name="Title 1"/>
-          <p:cNvSpPr>
-            <a:spLocks noGrp="1"/>
-          </p:cNvSpPr>
-          <p:nvPr>
-            <p:ph type="title"/>
-          </p:nvPr>
-        </p:nvSpPr>
-        <p:spPr/>
-        <p:txBody>
-          <a:bodyPr/>
-          <a:lstStyle/>
-          <a:p>
-            <a:r>
-              <a:rPr lang="en-US" dirty="0" err="1" smtClean="0"/>
-              <a:t>Architektur</a:t>
-            </a:r>
-            <a:r>
-              <a:rPr lang="en-US" dirty="0" smtClean="0"/>
-              <a:t>: Use-Case-Controller</a:t>
-            </a:r>
-            <a:endParaRPr lang="en-US" dirty="0"/>
-          </a:p>
-        </p:txBody>
-      </p:sp>
-      <p:sp>
-        <p:nvSpPr>
-          <p:cNvPr id="3" name="TextBox 2"/>
-          <p:cNvSpPr txBox="1"/>
-          <p:nvPr/>
-        </p:nvSpPr>
-        <p:spPr>
-          <a:xfrm>
-            <a:off x="1584434" y="5060731"/>
-            <a:ext cx="6574222" cy="677108"/>
-          </a:xfrm>
-          <a:prstGeom prst="rect">
-            <a:avLst/>
-          </a:prstGeom>
-          <a:noFill/>
-        </p:spPr>
-        <p:txBody>
-          <a:bodyPr wrap="square" rtlCol="0">
-            <a:spAutoFit/>
-          </a:bodyPr>
-          <a:lstStyle/>
-          <a:p>
-            <a:r>
-              <a:rPr lang="en-US" sz="2000" dirty="0" err="1" smtClean="0"/>
-              <a:t>Zwei</a:t>
-            </a:r>
-            <a:r>
-              <a:rPr lang="en-US" sz="2000" dirty="0" smtClean="0"/>
-              <a:t> </a:t>
-            </a:r>
-            <a:r>
-              <a:rPr lang="en-US" sz="2000" dirty="0" err="1" smtClean="0"/>
-              <a:t>Haupt</a:t>
-            </a:r>
-            <a:r>
-              <a:rPr lang="en-US" sz="2000" dirty="0" smtClean="0"/>
-              <a:t>-Use-Cases</a:t>
-            </a:r>
-            <a:r>
-              <a:rPr lang="en-US" dirty="0" smtClean="0"/>
-              <a:t>		</a:t>
-            </a:r>
-            <a:r>
-              <a:rPr lang="en-US" sz="2000" dirty="0" err="1"/>
-              <a:t>Zwei</a:t>
-            </a:r>
-            <a:r>
-              <a:rPr lang="en-US" sz="2000" dirty="0"/>
-              <a:t> </a:t>
-            </a:r>
-            <a:r>
-              <a:rPr lang="en-US" sz="2000" dirty="0" smtClean="0"/>
-              <a:t>Use-Case-Controller</a:t>
-            </a:r>
-            <a:endParaRPr lang="en-US" sz="2000" dirty="0"/>
-          </a:p>
-          <a:p>
-            <a:endParaRPr lang="en-US" dirty="0" smtClean="0"/>
-          </a:p>
-        </p:txBody>
-      </p:sp>
-      <p:sp>
-        <p:nvSpPr>
-          <p:cNvPr id="5" name="Right Arrow 4"/>
-          <p:cNvSpPr/>
-          <p:nvPr/>
-        </p:nvSpPr>
-        <p:spPr>
-          <a:xfrm>
-            <a:off x="4156651" y="5206905"/>
-            <a:ext cx="930166" cy="157655"/>
-          </a:xfrm>
-          <a:prstGeom prst="rightArrow">
-            <a:avLst/>
-          </a:prstGeom>
-          <a:solidFill>
-            <a:schemeClr val="accent2"/>
-          </a:solidFill>
-          <a:ln>
-            <a:solidFill>
-              <a:schemeClr val="bg2"/>
-            </a:solidFill>
-          </a:ln>
-        </p:spPr>
-        <p:style>
-          <a:lnRef idx="2">
-            <a:schemeClr val="accent1">
-              <a:shade val="50000"/>
-            </a:schemeClr>
-          </a:lnRef>
-          <a:fillRef idx="1">
-            <a:schemeClr val="accent1"/>
-          </a:fillRef>
-          <a:effectRef idx="0">
-            <a:schemeClr val="accent1"/>
-          </a:effectRef>
-          <a:fontRef idx="minor">
-            <a:schemeClr val="lt1"/>
-          </a:fontRef>
-        </p:style>
-        <p:txBody>
-          <a:bodyPr rtlCol="0" anchor="ctr"/>
-          <a:lstStyle/>
-          <a:p>
-            <a:pPr algn="ctr"/>
-            <a:endParaRPr lang="en-US"/>
-          </a:p>
-        </p:txBody>
-      </p:sp>
-    </p:spTree>
-    <p:extLst>
-      <p:ext uri="{BB962C8B-B14F-4D97-AF65-F5344CB8AC3E}">
-        <p14:creationId xmlns:p14="http://schemas.microsoft.com/office/powerpoint/2010/main" val="766800706"/>
-      </p:ext>
-    </p:extLst>
-  </p:cSld>
-  <p:clrMapOvr>
-    <a:masterClrMapping/>
-  </p:clrMapOvr>
-  <p:timing>
-    <p:tnLst>
-      <p:par>
-        <p:cTn id="1" dur="indefinite" restart="never" nodeType="tmRoot"/>
-      </p:par>
-    </p:tnLst>
-  </p:timing>
-</p:sld>
-</file>
-
-<file path=ppt/slides/slide13.xml><?xml version="1.0" encoding="utf-8"?>
-<p:sld xmlns:a="http://schemas.openxmlformats.org/drawingml/2006/main" xmlns:r="http://schemas.openxmlformats.org/officeDocument/2006/relationships" xmlns:p="http://schemas.openxmlformats.org/presentationml/2006/main">
-  <p:cSld>
-    <p:spTree>
-      <p:nvGrpSpPr>
-        <p:cNvPr id="1" name=""/>
-        <p:cNvGrpSpPr/>
-        <p:nvPr/>
-      </p:nvGrpSpPr>
-      <p:grpSpPr>
-        <a:xfrm>
-          <a:off x="0" y="0"/>
-          <a:ext cx="0" cy="0"/>
-          <a:chOff x="0" y="0"/>
-          <a:chExt cx="0" cy="0"/>
-        </a:xfrm>
-      </p:grpSpPr>
-      <p:sp>
-        <p:nvSpPr>
-          <p:cNvPr id="2" name="Title 1"/>
-          <p:cNvSpPr>
-            <a:spLocks noGrp="1"/>
-          </p:cNvSpPr>
-          <p:nvPr>
-            <p:ph type="title"/>
-          </p:nvPr>
-        </p:nvSpPr>
-        <p:spPr/>
-        <p:txBody>
-          <a:bodyPr/>
-          <a:lstStyle/>
-          <a:p>
-            <a:r>
-              <a:rPr lang="en-US" dirty="0" err="1" smtClean="0"/>
-              <a:t>Architektur</a:t>
-            </a:r>
-            <a:r>
-              <a:rPr lang="en-US" dirty="0" smtClean="0"/>
-              <a:t>: Interfaces</a:t>
-            </a:r>
-            <a:endParaRPr lang="en-US" dirty="0"/>
-          </a:p>
-        </p:txBody>
-      </p:sp>
-      <p:sp>
-        <p:nvSpPr>
-          <p:cNvPr id="3" name="TextBox 2"/>
-          <p:cNvSpPr txBox="1"/>
-          <p:nvPr/>
-        </p:nvSpPr>
-        <p:spPr>
-          <a:xfrm>
-            <a:off x="4406462" y="2040938"/>
-            <a:ext cx="4564117" cy="1200329"/>
-          </a:xfrm>
-          <a:prstGeom prst="rect">
-            <a:avLst/>
-          </a:prstGeom>
-          <a:noFill/>
-        </p:spPr>
-        <p:txBody>
-          <a:bodyPr wrap="square" rtlCol="0">
-            <a:spAutoFit/>
-          </a:bodyPr>
-          <a:lstStyle/>
-          <a:p>
-            <a:r>
-              <a:rPr lang="en-US" b="1" dirty="0" err="1" smtClean="0"/>
-              <a:t>Unabhängig</a:t>
-            </a:r>
-            <a:r>
-              <a:rPr lang="en-US" dirty="0" smtClean="0"/>
-              <a:t> von </a:t>
-            </a:r>
-            <a:r>
-              <a:rPr lang="en-US" dirty="0" err="1" smtClean="0"/>
-              <a:t>plattformspezifischen</a:t>
-            </a:r>
-            <a:r>
-              <a:rPr lang="en-US" dirty="0" smtClean="0"/>
-              <a:t> </a:t>
-            </a:r>
-            <a:r>
-              <a:rPr lang="en-US" dirty="0" smtClean="0"/>
-              <a:t>Audio-Frameworks</a:t>
-            </a:r>
-          </a:p>
-          <a:p>
-            <a:endParaRPr lang="en-US" dirty="0"/>
-          </a:p>
-          <a:p>
-            <a:r>
-              <a:rPr lang="en-US" b="1" dirty="0" err="1" smtClean="0"/>
-              <a:t>Leichtes</a:t>
-            </a:r>
-            <a:r>
-              <a:rPr lang="en-US" b="1" dirty="0" smtClean="0"/>
-              <a:t> </a:t>
-            </a:r>
-            <a:r>
-              <a:rPr lang="en-US" b="1" dirty="0" err="1" smtClean="0"/>
-              <a:t>Einbinden</a:t>
-            </a:r>
-            <a:r>
-              <a:rPr lang="en-US" b="1" dirty="0" smtClean="0"/>
-              <a:t> </a:t>
-            </a:r>
-            <a:r>
-              <a:rPr lang="en-US" dirty="0" smtClean="0"/>
-              <a:t>von 3</a:t>
-            </a:r>
-            <a:r>
-              <a:rPr lang="en-US" baseline="30000" dirty="0" smtClean="0"/>
-              <a:t>rd</a:t>
-            </a:r>
-            <a:r>
-              <a:rPr lang="en-US" dirty="0" smtClean="0"/>
-              <a:t>-Party-Frameworks</a:t>
-            </a:r>
-          </a:p>
-        </p:txBody>
-      </p:sp>
-      <p:pic>
-        <p:nvPicPr>
-          <p:cNvPr id="9" name="Content Placeholder 8"/>
-          <p:cNvPicPr>
-            <a:picLocks noGrp="1" noChangeAspect="1"/>
-          </p:cNvPicPr>
-          <p:nvPr>
-            <p:ph idx="1"/>
-          </p:nvPr>
-        </p:nvPicPr>
-        <p:blipFill>
-          <a:blip r:embed="rId2">
-            <a:extLst>
-              <a:ext uri="{28A0092B-C50C-407E-A947-70E740481C1C}">
-                <a14:useLocalDpi xmlns:a14="http://schemas.microsoft.com/office/drawing/2010/main" val="0"/>
-              </a:ext>
-            </a:extLst>
-          </a:blip>
-          <a:stretch>
-            <a:fillRect/>
-          </a:stretch>
-        </p:blipFill>
-        <p:spPr>
-          <a:xfrm>
-            <a:off x="651204" y="4131995"/>
-            <a:ext cx="1969794" cy="939088"/>
-          </a:xfrm>
-        </p:spPr>
-      </p:pic>
-      <p:pic>
-        <p:nvPicPr>
-          <p:cNvPr id="11" name="Picture 10"/>
-          <p:cNvPicPr>
-            <a:picLocks noChangeAspect="1"/>
-          </p:cNvPicPr>
-          <p:nvPr/>
-        </p:nvPicPr>
-        <p:blipFill>
-          <a:blip r:embed="rId3">
-            <a:extLst>
-              <a:ext uri="{28A0092B-C50C-407E-A947-70E740481C1C}">
-                <a14:useLocalDpi xmlns:a14="http://schemas.microsoft.com/office/drawing/2010/main" val="0"/>
-              </a:ext>
-            </a:extLst>
-          </a:blip>
-          <a:stretch>
-            <a:fillRect/>
-          </a:stretch>
-        </p:blipFill>
-        <p:spPr>
-          <a:xfrm>
-            <a:off x="554745" y="1341336"/>
-            <a:ext cx="1996316" cy="1348389"/>
-          </a:xfrm>
-          <a:prstGeom prst="rect">
-            <a:avLst/>
-          </a:prstGeom>
-        </p:spPr>
-      </p:pic>
-      <p:pic>
-        <p:nvPicPr>
-          <p:cNvPr id="12" name="Picture 11"/>
-          <p:cNvPicPr>
-            <a:picLocks noChangeAspect="1"/>
-          </p:cNvPicPr>
-          <p:nvPr/>
-        </p:nvPicPr>
-        <p:blipFill>
-          <a:blip r:embed="rId4">
-            <a:extLst>
-              <a:ext uri="{28A0092B-C50C-407E-A947-70E740481C1C}">
-                <a14:useLocalDpi xmlns:a14="http://schemas.microsoft.com/office/drawing/2010/main" val="0"/>
-              </a:ext>
-            </a:extLst>
-          </a:blip>
-          <a:stretch>
-            <a:fillRect/>
-          </a:stretch>
-        </p:blipFill>
-        <p:spPr>
-          <a:xfrm>
-            <a:off x="1791576" y="2015530"/>
-            <a:ext cx="1928648" cy="1570587"/>
-          </a:xfrm>
-          <a:prstGeom prst="rect">
-            <a:avLst/>
-          </a:prstGeom>
-        </p:spPr>
-      </p:pic>
-      <p:sp>
-        <p:nvSpPr>
-          <p:cNvPr id="13" name="TextBox 12"/>
-          <p:cNvSpPr txBox="1"/>
-          <p:nvPr/>
-        </p:nvSpPr>
-        <p:spPr>
-          <a:xfrm>
-            <a:off x="4406461" y="4275229"/>
-            <a:ext cx="4564117" cy="646331"/>
-          </a:xfrm>
-          <a:prstGeom prst="rect">
-            <a:avLst/>
-          </a:prstGeom>
-          <a:noFill/>
-        </p:spPr>
-        <p:txBody>
-          <a:bodyPr wrap="square" rtlCol="0">
-            <a:spAutoFit/>
-          </a:bodyPr>
-          <a:lstStyle/>
-          <a:p>
-            <a:r>
-              <a:rPr lang="en-US" b="1" dirty="0" err="1" smtClean="0"/>
-              <a:t>Abstraktion</a:t>
-            </a:r>
-            <a:r>
-              <a:rPr lang="en-US" dirty="0" smtClean="0"/>
-              <a:t> von der </a:t>
-            </a:r>
-            <a:r>
-              <a:rPr lang="en-US" dirty="0" err="1" smtClean="0"/>
-              <a:t>konkreten</a:t>
-            </a:r>
-            <a:r>
-              <a:rPr lang="en-US" dirty="0" smtClean="0"/>
-              <a:t> </a:t>
-            </a:r>
-            <a:r>
-              <a:rPr lang="en-US" dirty="0" err="1" smtClean="0"/>
-              <a:t>Speicherimplementierung</a:t>
-            </a:r>
-            <a:endParaRPr lang="en-US" dirty="0" smtClean="0"/>
-          </a:p>
-        </p:txBody>
-      </p:sp>
-    </p:spTree>
-    <p:extLst>
-      <p:ext uri="{BB962C8B-B14F-4D97-AF65-F5344CB8AC3E}">
-        <p14:creationId xmlns:p14="http://schemas.microsoft.com/office/powerpoint/2010/main" val="1828560639"/>
-      </p:ext>
-    </p:extLst>
-  </p:cSld>
-  <p:clrMapOvr>
-    <a:masterClrMapping/>
-  </p:clrMapOvr>
-  <p:timing>
-    <p:tnLst>
-      <p:par>
-        <p:cTn id="1" dur="indefinite" restart="never" nodeType="tmRoot"/>
-      </p:par>
-    </p:tnLst>
-  </p:timing>
-</p:sld>
-</file>
-
-<file path=ppt/slides/slide14.xml><?xml version="1.0" encoding="utf-8"?>
-<p:sld xmlns:a="http://schemas.openxmlformats.org/drawingml/2006/main" xmlns:r="http://schemas.openxmlformats.org/officeDocument/2006/relationships" xmlns:p="http://schemas.openxmlformats.org/presentationml/2006/main">
-  <p:cSld>
-    <p:spTree>
-      <p:nvGrpSpPr>
-        <p:cNvPr id="1" name=""/>
-        <p:cNvGrpSpPr/>
-        <p:nvPr/>
-      </p:nvGrpSpPr>
-      <p:grpSpPr>
-        <a:xfrm>
-          <a:off x="0" y="0"/>
-          <a:ext cx="0" cy="0"/>
-          <a:chOff x="0" y="0"/>
-          <a:chExt cx="0" cy="0"/>
-        </a:xfrm>
-      </p:grpSpPr>
-      <p:sp>
-        <p:nvSpPr>
-          <p:cNvPr id="2" name="Title 1"/>
-          <p:cNvSpPr>
-            <a:spLocks noGrp="1"/>
-          </p:cNvSpPr>
-          <p:nvPr>
-            <p:ph type="title"/>
-          </p:nvPr>
-        </p:nvSpPr>
-        <p:spPr/>
-        <p:txBody>
-          <a:bodyPr/>
-          <a:lstStyle/>
-          <a:p>
-            <a:r>
-              <a:rPr lang="en-US" dirty="0" err="1" smtClean="0"/>
-              <a:t>Architektur</a:t>
-            </a:r>
-            <a:r>
-              <a:rPr lang="en-US" dirty="0" smtClean="0"/>
-              <a:t>: Proxy Pattern</a:t>
-            </a:r>
-            <a:endParaRPr lang="en-US" dirty="0"/>
-          </a:p>
-        </p:txBody>
-      </p:sp>
-      <p:pic>
-        <p:nvPicPr>
-          <p:cNvPr id="5" name="Content Placeholder 4"/>
-          <p:cNvPicPr>
-            <a:picLocks noGrp="1" noChangeAspect="1"/>
-          </p:cNvPicPr>
-          <p:nvPr>
-            <p:ph idx="1"/>
-          </p:nvPr>
-        </p:nvPicPr>
-        <p:blipFill>
-          <a:blip r:embed="rId2">
-            <a:extLst>
-              <a:ext uri="{28A0092B-C50C-407E-A947-70E740481C1C}">
-                <a14:useLocalDpi xmlns:a14="http://schemas.microsoft.com/office/drawing/2010/main" val="0"/>
-              </a:ext>
-            </a:extLst>
-          </a:blip>
-          <a:stretch>
-            <a:fillRect/>
-          </a:stretch>
-        </p:blipFill>
-        <p:spPr>
-          <a:xfrm>
-            <a:off x="2771712" y="1709408"/>
-            <a:ext cx="5191204" cy="2417006"/>
-          </a:xfrm>
-        </p:spPr>
-      </p:pic>
-      <p:pic>
-        <p:nvPicPr>
-          <p:cNvPr id="6" name="Picture 5"/>
-          <p:cNvPicPr>
-            <a:picLocks noChangeAspect="1"/>
-          </p:cNvPicPr>
-          <p:nvPr/>
-        </p:nvPicPr>
-        <p:blipFill>
-          <a:blip r:embed="rId3">
-            <a:extLst>
-              <a:ext uri="{28A0092B-C50C-407E-A947-70E740481C1C}">
-                <a14:useLocalDpi xmlns:a14="http://schemas.microsoft.com/office/drawing/2010/main" val="0"/>
-              </a:ext>
-            </a:extLst>
-          </a:blip>
-          <a:stretch>
-            <a:fillRect/>
-          </a:stretch>
-        </p:blipFill>
-        <p:spPr>
-          <a:xfrm>
-            <a:off x="1102115" y="2710305"/>
-            <a:ext cx="1669866" cy="942282"/>
-          </a:xfrm>
-          <a:prstGeom prst="rect">
-            <a:avLst/>
-          </a:prstGeom>
-        </p:spPr>
-      </p:pic>
-      <p:pic>
-        <p:nvPicPr>
-          <p:cNvPr id="7" name="Picture 6"/>
-          <p:cNvPicPr>
-            <a:picLocks noChangeAspect="1"/>
-          </p:cNvPicPr>
-          <p:nvPr/>
-        </p:nvPicPr>
-        <p:blipFill>
-          <a:blip r:embed="rId4">
-            <a:extLst>
-              <a:ext uri="{28A0092B-C50C-407E-A947-70E740481C1C}">
-                <a14:useLocalDpi xmlns:a14="http://schemas.microsoft.com/office/drawing/2010/main" val="0"/>
-              </a:ext>
-            </a:extLst>
-          </a:blip>
-          <a:stretch>
-            <a:fillRect/>
-          </a:stretch>
-        </p:blipFill>
-        <p:spPr>
-          <a:xfrm>
-            <a:off x="6484143" y="3664290"/>
-            <a:ext cx="1676751" cy="804840"/>
-          </a:xfrm>
-          <a:prstGeom prst="rect">
-            <a:avLst/>
-          </a:prstGeom>
-        </p:spPr>
-      </p:pic>
-      <p:sp>
-        <p:nvSpPr>
-          <p:cNvPr id="10" name="TextBox 9"/>
-          <p:cNvSpPr txBox="1"/>
-          <p:nvPr/>
-        </p:nvSpPr>
-        <p:spPr>
-          <a:xfrm>
-            <a:off x="2068393" y="4684139"/>
-            <a:ext cx="5125827" cy="923330"/>
-          </a:xfrm>
-          <a:prstGeom prst="rect">
-            <a:avLst/>
-          </a:prstGeom>
-          <a:noFill/>
-        </p:spPr>
-        <p:txBody>
-          <a:bodyPr wrap="none" rtlCol="0">
-            <a:spAutoFit/>
-          </a:bodyPr>
-          <a:lstStyle/>
-          <a:p>
-            <a:pPr algn="ctr"/>
-            <a:r>
-              <a:rPr lang="en-US" b="1" dirty="0" err="1" smtClean="0"/>
-              <a:t>PageProxy</a:t>
-            </a:r>
-            <a:r>
-              <a:rPr lang="en-US" b="1" dirty="0" smtClean="0"/>
-              <a:t> </a:t>
-            </a:r>
-            <a:r>
-              <a:rPr lang="en-US" b="1" dirty="0" err="1" smtClean="0"/>
-              <a:t>lädt</a:t>
-            </a:r>
-            <a:r>
-              <a:rPr lang="en-US" b="1" dirty="0" smtClean="0"/>
-              <a:t> </a:t>
-            </a:r>
-            <a:r>
-              <a:rPr lang="en-US" b="1" dirty="0" err="1" smtClean="0"/>
-              <a:t>Metadaten</a:t>
-            </a:r>
-            <a:r>
-              <a:rPr lang="en-US" b="1" dirty="0" smtClean="0"/>
-              <a:t> </a:t>
-            </a:r>
-            <a:r>
-              <a:rPr lang="en-US" dirty="0" err="1" smtClean="0"/>
-              <a:t>ohne</a:t>
-            </a:r>
-            <a:r>
-              <a:rPr lang="en-US" dirty="0" smtClean="0"/>
-              <a:t> </a:t>
-            </a:r>
-            <a:r>
-              <a:rPr lang="en-US" dirty="0" err="1" smtClean="0"/>
-              <a:t>zusätzlichen</a:t>
-            </a:r>
-            <a:r>
-              <a:rPr lang="en-US" dirty="0" smtClean="0"/>
-              <a:t> </a:t>
-            </a:r>
-            <a:r>
-              <a:rPr lang="en-US" dirty="0" smtClean="0"/>
-              <a:t>Traffic.</a:t>
-            </a:r>
-            <a:endParaRPr lang="en-US" dirty="0" smtClean="0"/>
-          </a:p>
-          <a:p>
-            <a:pPr algn="ctr"/>
-            <a:endParaRPr lang="en-US" dirty="0"/>
-          </a:p>
-          <a:p>
-            <a:pPr algn="ctr"/>
-            <a:r>
-              <a:rPr lang="en-US" dirty="0" err="1" smtClean="0"/>
-              <a:t>Audiodateien</a:t>
-            </a:r>
-            <a:r>
-              <a:rPr lang="en-US" dirty="0" smtClean="0"/>
-              <a:t> </a:t>
-            </a:r>
-            <a:r>
-              <a:rPr lang="en-US" dirty="0" err="1" smtClean="0"/>
-              <a:t>werden</a:t>
-            </a:r>
-            <a:r>
-              <a:rPr lang="en-US" dirty="0" smtClean="0"/>
-              <a:t> </a:t>
-            </a:r>
-            <a:r>
-              <a:rPr lang="en-US" dirty="0" err="1" smtClean="0"/>
-              <a:t>nur</a:t>
-            </a:r>
-            <a:r>
-              <a:rPr lang="en-US" dirty="0" smtClean="0"/>
-              <a:t> </a:t>
-            </a:r>
-            <a:r>
-              <a:rPr lang="en-US" b="1" dirty="0" err="1" smtClean="0"/>
-              <a:t>bei</a:t>
-            </a:r>
-            <a:r>
-              <a:rPr lang="en-US" b="1" dirty="0" smtClean="0"/>
-              <a:t> </a:t>
-            </a:r>
-            <a:r>
-              <a:rPr lang="en-US" b="1" dirty="0" err="1" smtClean="0"/>
-              <a:t>Bedarf</a:t>
-            </a:r>
-            <a:r>
-              <a:rPr lang="en-US" b="1" dirty="0" smtClean="0"/>
-              <a:t> </a:t>
-            </a:r>
-            <a:r>
-              <a:rPr lang="en-US" b="1" dirty="0" err="1" smtClean="0"/>
-              <a:t>geladen</a:t>
-            </a:r>
-            <a:r>
-              <a:rPr lang="en-US" b="1" dirty="0" smtClean="0"/>
-              <a:t>.</a:t>
-            </a:r>
-            <a:endParaRPr lang="en-US" b="1" dirty="0"/>
-          </a:p>
-        </p:txBody>
-      </p:sp>
-    </p:spTree>
-    <p:extLst>
-      <p:ext uri="{BB962C8B-B14F-4D97-AF65-F5344CB8AC3E}">
-        <p14:creationId xmlns:p14="http://schemas.microsoft.com/office/powerpoint/2010/main" val="1395683405"/>
-      </p:ext>
-    </p:extLst>
-  </p:cSld>
-  <p:clrMapOvr>
-    <a:masterClrMapping/>
-  </p:clrMapOvr>
-  <p:timing>
-    <p:tnLst>
-      <p:par>
-        <p:cTn id="1" dur="indefinite" restart="never" nodeType="tmRoot"/>
-      </p:par>
-    </p:tnLst>
-  </p:timing>
-</p:sld>
-</file>
-
-<file path=ppt/slides/slide15.xml><?xml version="1.0" encoding="utf-8"?>
-<p:sld xmlns:a="http://schemas.openxmlformats.org/drawingml/2006/main" xmlns:r="http://schemas.openxmlformats.org/officeDocument/2006/relationships" xmlns:p="http://schemas.openxmlformats.org/presentationml/2006/main">
-  <p:cSld>
-    <p:spTree>
-      <p:nvGrpSpPr>
-        <p:cNvPr id="1" name=""/>
-        <p:cNvGrpSpPr/>
-        <p:nvPr/>
-      </p:nvGrpSpPr>
-      <p:grpSpPr>
-        <a:xfrm>
-          <a:off x="0" y="0"/>
-          <a:ext cx="0" cy="0"/>
-          <a:chOff x="0" y="0"/>
-          <a:chExt cx="0" cy="0"/>
-        </a:xfrm>
-      </p:grpSpPr>
-      <p:sp>
-        <p:nvSpPr>
           <p:cNvPr id="2" name="Titel 1"/>
           <p:cNvSpPr>
             <a:spLocks noGrp="1"/>
@@ -6552,7 +5370,7 @@
 </p:sld>
 </file>
 
-<file path=ppt/slides/slide16.xml><?xml version="1.0" encoding="utf-8"?>
+<file path=ppt/slides/slide11.xml><?xml version="1.0" encoding="utf-8"?>
 <p:sld xmlns:a="http://schemas.openxmlformats.org/drawingml/2006/main" xmlns:r="http://schemas.openxmlformats.org/officeDocument/2006/relationships" xmlns:p="http://schemas.openxmlformats.org/presentationml/2006/main">
   <p:cSld>
     <p:spTree>
@@ -6794,8 +5612,8 @@
         </p:nvSpPr>
         <p:spPr>
           <a:xfrm>
-            <a:off x="2413391" y="5637925"/>
-            <a:ext cx="4417941" cy="369332"/>
+            <a:off x="2147197" y="5622536"/>
+            <a:ext cx="4950330" cy="400110"/>
           </a:xfrm>
           <a:prstGeom prst="rect">
             <a:avLst/>
@@ -6809,34 +5627,38 @@
           <a:lstStyle/>
           <a:p>
             <a:r>
-              <a:rPr lang="en-US" dirty="0" err="1" smtClean="0"/>
+              <a:rPr lang="en-US" sz="2000" dirty="0" err="1" smtClean="0"/>
               <a:t>Teachermemos</a:t>
             </a:r>
             <a:r>
-              <a:rPr lang="en-US" dirty="0" smtClean="0"/>
+              <a:rPr lang="en-US" sz="2000" dirty="0" smtClean="0"/>
               <a:t> </a:t>
             </a:r>
             <a:r>
-              <a:rPr lang="en-US" dirty="0" err="1" smtClean="0"/>
+              <a:rPr lang="en-US" sz="2000" dirty="0" err="1" smtClean="0"/>
               <a:t>werden</a:t>
             </a:r>
             <a:r>
-              <a:rPr lang="en-US" dirty="0" smtClean="0"/>
+              <a:rPr lang="en-US" sz="2000" dirty="0" smtClean="0"/>
               <a:t> </a:t>
             </a:r>
             <a:r>
-              <a:rPr lang="en-US" dirty="0" err="1" smtClean="0"/>
+              <a:rPr lang="en-US" sz="2000" dirty="0" err="1" smtClean="0"/>
               <a:t>wie</a:t>
             </a:r>
             <a:r>
-              <a:rPr lang="en-US" dirty="0" smtClean="0"/>
+              <a:rPr lang="en-US" sz="2000" dirty="0" smtClean="0"/>
               <a:t> Seiten </a:t>
             </a:r>
             <a:r>
-              <a:rPr lang="en-US" dirty="0" err="1" smtClean="0"/>
+              <a:rPr lang="en-US" sz="2000" dirty="0" err="1" smtClean="0"/>
               <a:t>behandelt</a:t>
             </a:r>
-            <a:endParaRPr lang="en-US" dirty="0"/>
+            <a:r>
+              <a:rPr lang="en-US" sz="2000" dirty="0" smtClean="0"/>
+              <a:t>.</a:t>
+            </a:r>
+            <a:endParaRPr lang="en-US" sz="2000" dirty="0"/>
           </a:p>
         </p:txBody>
       </p:sp>
@@ -6860,7 +5682,7 @@
 </p:sld>
 </file>
 
-<file path=ppt/slides/slide17.xml><?xml version="1.0" encoding="utf-8"?>
+<file path=ppt/slides/slide12.xml><?xml version="1.0" encoding="utf-8"?>
 <p:sld xmlns:a="http://schemas.openxmlformats.org/drawingml/2006/main" xmlns:r="http://schemas.openxmlformats.org/officeDocument/2006/relationships" xmlns:p="http://schemas.openxmlformats.org/presentationml/2006/main">
   <p:cSld>
     <p:spTree>
@@ -7058,7 +5880,7 @@
 </p:sld>
 </file>
 
-<file path=ppt/slides/slide18.xml><?xml version="1.0" encoding="utf-8"?>
+<file path=ppt/slides/slide13.xml><?xml version="1.0" encoding="utf-8"?>
 <p:sld xmlns:a="http://schemas.openxmlformats.org/drawingml/2006/main" xmlns:r="http://schemas.openxmlformats.org/officeDocument/2006/relationships" xmlns:p="http://schemas.openxmlformats.org/presentationml/2006/main">
   <p:cSld>
     <p:spTree>
@@ -7286,25 +6108,6 @@
           </a:prstGeom>
         </p:spPr>
       </p:pic>
-      <p:sp>
-        <p:nvSpPr>
-          <p:cNvPr id="11" name="Content Placeholder 10"/>
-          <p:cNvSpPr>
-            <a:spLocks noGrp="1"/>
-          </p:cNvSpPr>
-          <p:nvPr>
-            <p:ph idx="1"/>
-          </p:nvPr>
-        </p:nvSpPr>
-        <p:spPr/>
-        <p:txBody>
-          <a:bodyPr/>
-          <a:lstStyle/>
-          <a:p>
-            <a:endParaRPr lang="en-US" dirty="0"/>
-          </a:p>
-        </p:txBody>
-      </p:sp>
     </p:spTree>
     <p:extLst>
       <p:ext uri="{BB962C8B-B14F-4D97-AF65-F5344CB8AC3E}">
@@ -7325,7 +6128,7 @@
 </p:sld>
 </file>
 
-<file path=ppt/slides/slide19.xml><?xml version="1.0" encoding="utf-8"?>
+<file path=ppt/slides/slide14.xml><?xml version="1.0" encoding="utf-8"?>
 <p:sld xmlns:a="http://schemas.openxmlformats.org/drawingml/2006/main" xmlns:r="http://schemas.openxmlformats.org/officeDocument/2006/relationships" xmlns:p="http://schemas.openxmlformats.org/presentationml/2006/main">
   <p:cSld>
     <p:spTree>
@@ -7412,68 +6215,7 @@
 </p:sld>
 </file>
 
-<file path=ppt/slides/slide2.xml><?xml version="1.0" encoding="utf-8"?>
-<p:sld xmlns:a="http://schemas.openxmlformats.org/drawingml/2006/main" xmlns:r="http://schemas.openxmlformats.org/officeDocument/2006/relationships" xmlns:p="http://schemas.openxmlformats.org/presentationml/2006/main">
-  <p:cSld>
-    <p:spTree>
-      <p:nvGrpSpPr>
-        <p:cNvPr id="1" name=""/>
-        <p:cNvGrpSpPr/>
-        <p:nvPr/>
-      </p:nvGrpSpPr>
-      <p:grpSpPr>
-        <a:xfrm>
-          <a:off x="0" y="0"/>
-          <a:ext cx="0" cy="0"/>
-          <a:chOff x="0" y="0"/>
-          <a:chExt cx="0" cy="0"/>
-        </a:xfrm>
-      </p:grpSpPr>
-      <p:pic>
-        <p:nvPicPr>
-          <p:cNvPr id="5" name="Picture 4"/>
-          <p:cNvPicPr>
-            <a:picLocks noChangeAspect="1"/>
-          </p:cNvPicPr>
-          <p:nvPr/>
-        </p:nvPicPr>
-        <p:blipFill>
-          <a:blip r:embed="rId3"/>
-          <a:stretch>
-            <a:fillRect/>
-          </a:stretch>
-        </p:blipFill>
-        <p:spPr>
-          <a:xfrm>
-            <a:off x="902970" y="1367094"/>
-            <a:ext cx="7658100" cy="5232527"/>
-          </a:xfrm>
-          <a:prstGeom prst="rect">
-            <a:avLst/>
-          </a:prstGeom>
-        </p:spPr>
-      </p:pic>
-    </p:spTree>
-    <p:extLst>
-      <p:ext uri="{BB962C8B-B14F-4D97-AF65-F5344CB8AC3E}">
-        <p14:creationId xmlns:p14="http://schemas.microsoft.com/office/powerpoint/2010/main" val="3268327789"/>
-      </p:ext>
-    </p:extLst>
-  </p:cSld>
-  <p:clrMapOvr>
-    <a:masterClrMapping/>
-  </p:clrMapOvr>
-  <p:timing>
-    <p:tnLst>
-      <p:par>
-        <p:cTn id="1" dur="indefinite" restart="never" nodeType="tmRoot"/>
-      </p:par>
-    </p:tnLst>
-  </p:timing>
-</p:sld>
-</file>
-
-<file path=ppt/slides/slide20.xml><?xml version="1.0" encoding="utf-8"?>
+<file path=ppt/slides/slide15.xml><?xml version="1.0" encoding="utf-8"?>
 <p:sld xmlns:a="http://schemas.openxmlformats.org/drawingml/2006/main" xmlns:r="http://schemas.openxmlformats.org/officeDocument/2006/relationships" xmlns:p="http://schemas.openxmlformats.org/presentationml/2006/main">
   <p:cSld>
     <p:spTree>
@@ -7560,7 +6302,7 @@
 </p:sld>
 </file>
 
-<file path=ppt/slides/slide21.xml><?xml version="1.0" encoding="utf-8"?>
+<file path=ppt/slides/slide16.xml><?xml version="1.0" encoding="utf-8"?>
 <p:sld xmlns:a="http://schemas.openxmlformats.org/drawingml/2006/main" xmlns:r="http://schemas.openxmlformats.org/officeDocument/2006/relationships" xmlns:p="http://schemas.openxmlformats.org/presentationml/2006/main">
   <p:cSld>
     <p:spTree>
@@ -7735,7 +6477,7 @@
 </p:sld>
 </file>
 
-<file path=ppt/slides/slide22.xml><?xml version="1.0" encoding="utf-8"?>
+<file path=ppt/slides/slide17.xml><?xml version="1.0" encoding="utf-8"?>
 <p:sld xmlns:a="http://schemas.openxmlformats.org/drawingml/2006/main" xmlns:r="http://schemas.openxmlformats.org/officeDocument/2006/relationships" xmlns:p="http://schemas.openxmlformats.org/presentationml/2006/main">
   <p:cSld>
     <p:spTree>
@@ -7846,7 +6588,7 @@
 </p:sld>
 </file>
 
-<file path=ppt/slides/slide23.xml><?xml version="1.0" encoding="utf-8"?>
+<file path=ppt/slides/slide18.xml><?xml version="1.0" encoding="utf-8"?>
 <p:sld xmlns:a="http://schemas.openxmlformats.org/drawingml/2006/main" xmlns:r="http://schemas.openxmlformats.org/officeDocument/2006/relationships" xmlns:p="http://schemas.openxmlformats.org/presentationml/2006/main">
   <p:cSld>
     <p:bg>
@@ -7921,7 +6663,7 @@
 </p:sld>
 </file>
 
-<file path=ppt/slides/slide24.xml><?xml version="1.0" encoding="utf-8"?>
+<file path=ppt/slides/slide19.xml><?xml version="1.0" encoding="utf-8"?>
 <p:sld xmlns:a="http://schemas.openxmlformats.org/drawingml/2006/main" xmlns:r="http://schemas.openxmlformats.org/officeDocument/2006/relationships" xmlns:p="http://schemas.openxmlformats.org/presentationml/2006/main">
   <p:cSld>
     <p:spTree>
@@ -7940,7 +6682,7 @@
       </p:grpSpPr>
       <p:sp>
         <p:nvSpPr>
-          <p:cNvPr id="2" name="Titel 1"/>
+          <p:cNvPr id="2" name="Title 1"/>
           <p:cNvSpPr>
             <a:spLocks noGrp="1"/>
           </p:cNvSpPr>
@@ -7954,17 +6696,54 @@
           <a:lstStyle/>
           <a:p>
             <a:r>
-              <a:rPr lang="de-DE" dirty="0" smtClean="0"/>
-              <a:t>Designklassendiagramm</a:t>
-            </a:r>
-            <a:endParaRPr lang="de-DE" dirty="0"/>
-          </a:p>
-        </p:txBody>
-      </p:sp>
+              <a:rPr lang="en-US" dirty="0" err="1" smtClean="0"/>
+              <a:t>Architektur</a:t>
+            </a:r>
+            <a:r>
+              <a:rPr lang="en-US" dirty="0" smtClean="0"/>
+              <a:t>: </a:t>
+            </a:r>
+            <a:r>
+              <a:rPr lang="en-US" dirty="0" err="1" smtClean="0"/>
+              <a:t>Domänenmodell</a:t>
+            </a:r>
+            <a:endParaRPr lang="en-US" dirty="0"/>
+          </a:p>
+        </p:txBody>
+      </p:sp>
+      <p:pic>
+        <p:nvPicPr>
+          <p:cNvPr id="8" name="Content Placeholder 7"/>
+          <p:cNvPicPr>
+            <a:picLocks noGrp="1" noChangeAspect="1"/>
+          </p:cNvPicPr>
+          <p:nvPr>
+            <p:ph idx="1"/>
+          </p:nvPr>
+        </p:nvPicPr>
+        <p:blipFill>
+          <a:blip r:embed="rId2">
+            <a:extLst>
+              <a:ext uri="{28A0092B-C50C-407E-A947-70E740481C1C}">
+                <a14:useLocalDpi xmlns:a14="http://schemas.microsoft.com/office/drawing/2010/main" val="0"/>
+              </a:ext>
+            </a:extLst>
+          </a:blip>
+          <a:stretch>
+            <a:fillRect/>
+          </a:stretch>
+        </p:blipFill>
+        <p:spPr>
+          <a:xfrm>
+            <a:off x="457199" y="2531078"/>
+            <a:ext cx="8918895" cy="2875312"/>
+          </a:xfrm>
+        </p:spPr>
+      </p:pic>
     </p:spTree>
     <p:extLst>
       <p:ext uri="{BB962C8B-B14F-4D97-AF65-F5344CB8AC3E}">
-        <p14:creationId xmlns:p14="http://schemas.microsoft.com/office/powerpoint/2010/main" val="1772945455"/>
+        <p14:creationId xmlns:p14="http://schemas.microsoft.com/office/powerpoint/2010/main" val="913848531"/>
       </p:ext>
     </p:extLst>
   </p:cSld>
@@ -7981,154 +6760,7 @@
 </p:sld>
 </file>
 
-<file path=ppt/slides/slide3.xml><?xml version="1.0" encoding="utf-8"?>
-<p:sld xmlns:a="http://schemas.openxmlformats.org/drawingml/2006/main" xmlns:r="http://schemas.openxmlformats.org/officeDocument/2006/relationships" xmlns:p="http://schemas.openxmlformats.org/presentationml/2006/main">
-  <p:cSld>
-    <p:spTree>
-      <p:nvGrpSpPr>
-        <p:cNvPr id="1" name=""/>
-        <p:cNvGrpSpPr/>
-        <p:nvPr/>
-      </p:nvGrpSpPr>
-      <p:grpSpPr>
-        <a:xfrm>
-          <a:off x="0" y="0"/>
-          <a:ext cx="0" cy="0"/>
-          <a:chOff x="0" y="0"/>
-          <a:chExt cx="0" cy="0"/>
-        </a:xfrm>
-      </p:grpSpPr>
-      <p:pic>
-        <p:nvPicPr>
-          <p:cNvPr id="3" name="Picture 2"/>
-          <p:cNvPicPr>
-            <a:picLocks noChangeAspect="1"/>
-          </p:cNvPicPr>
-          <p:nvPr/>
-        </p:nvPicPr>
-        <p:blipFill>
-          <a:blip r:embed="rId2"/>
-          <a:stretch>
-            <a:fillRect/>
-          </a:stretch>
-        </p:blipFill>
-        <p:spPr>
-          <a:xfrm>
-            <a:off x="2592261" y="1000108"/>
-            <a:ext cx="4204361" cy="5600700"/>
-          </a:xfrm>
-          <a:prstGeom prst="rect">
-            <a:avLst/>
-          </a:prstGeom>
-        </p:spPr>
-      </p:pic>
-    </p:spTree>
-    <p:extLst>
-      <p:ext uri="{BB962C8B-B14F-4D97-AF65-F5344CB8AC3E}">
-        <p14:creationId xmlns:p14="http://schemas.microsoft.com/office/powerpoint/2010/main" val="529543056"/>
-      </p:ext>
-    </p:extLst>
-  </p:cSld>
-  <p:clrMapOvr>
-    <a:masterClrMapping/>
-  </p:clrMapOvr>
-  <p:timing>
-    <p:tnLst>
-      <p:par>
-        <p:cTn id="1" dur="indefinite" restart="never" nodeType="tmRoot"/>
-      </p:par>
-    </p:tnLst>
-  </p:timing>
-</p:sld>
-</file>
-
-<file path=ppt/slides/slide4.xml><?xml version="1.0" encoding="utf-8"?>
-<p:sld xmlns:a="http://schemas.openxmlformats.org/drawingml/2006/main" xmlns:r="http://schemas.openxmlformats.org/officeDocument/2006/relationships" xmlns:p="http://schemas.openxmlformats.org/presentationml/2006/main">
-  <p:cSld>
-    <p:spTree>
-      <p:nvGrpSpPr>
-        <p:cNvPr id="1" name=""/>
-        <p:cNvGrpSpPr/>
-        <p:nvPr/>
-      </p:nvGrpSpPr>
-      <p:grpSpPr>
-        <a:xfrm>
-          <a:off x="0" y="0"/>
-          <a:ext cx="0" cy="0"/>
-          <a:chOff x="0" y="0"/>
-          <a:chExt cx="0" cy="0"/>
-        </a:xfrm>
-      </p:grpSpPr>
-      <p:sp>
-        <p:nvSpPr>
-          <p:cNvPr id="3" name="TextBox 2"/>
-          <p:cNvSpPr txBox="1"/>
-          <p:nvPr/>
-        </p:nvSpPr>
-        <p:spPr>
-          <a:xfrm>
-            <a:off x="457200" y="2697480"/>
-            <a:ext cx="8378190" cy="2123658"/>
-          </a:xfrm>
-          <a:prstGeom prst="rect">
-            <a:avLst/>
-          </a:prstGeom>
-          <a:noFill/>
-        </p:spPr>
-        <p:txBody>
-          <a:bodyPr wrap="square" rtlCol="0">
-            <a:spAutoFit/>
-          </a:bodyPr>
-          <a:lstStyle/>
-          <a:p>
-            <a:pPr algn="ctr"/>
-            <a:r>
-              <a:rPr lang="en-US" sz="4400" dirty="0" smtClean="0"/>
-              <a:t>11647 lines of code</a:t>
-            </a:r>
-          </a:p>
-          <a:p>
-            <a:pPr algn="ctr"/>
-            <a:r>
-              <a:rPr lang="en-US" sz="4400" smtClean="0"/>
-              <a:t>~300 </a:t>
-            </a:r>
-            <a:r>
-              <a:rPr lang="en-US" sz="4400" dirty="0" smtClean="0"/>
-              <a:t>files</a:t>
-            </a:r>
-          </a:p>
-          <a:p>
-            <a:pPr algn="ctr"/>
-            <a:r>
-              <a:rPr lang="en-US" sz="4400" dirty="0" smtClean="0"/>
-              <a:t>~1000 commits</a:t>
-            </a:r>
-            <a:endParaRPr lang="en-US" sz="4400" dirty="0"/>
-          </a:p>
-        </p:txBody>
-      </p:sp>
-    </p:spTree>
-    <p:extLst>
-      <p:ext uri="{BB962C8B-B14F-4D97-AF65-F5344CB8AC3E}">
-        <p14:creationId xmlns:p14="http://schemas.microsoft.com/office/powerpoint/2010/main" val="671760410"/>
-      </p:ext>
-    </p:extLst>
-  </p:cSld>
-  <p:clrMapOvr>
-    <a:masterClrMapping/>
-  </p:clrMapOvr>
-  <p:timing>
-    <p:tnLst>
-      <p:par>
-        <p:cTn id="1" dur="indefinite" restart="never" nodeType="tmRoot"/>
-      </p:par>
-    </p:tnLst>
-  </p:timing>
-</p:sld>
-</file>
-
-<file path=ppt/slides/slide5.xml><?xml version="1.0" encoding="utf-8"?>
+<file path=ppt/slides/slide2.xml><?xml version="1.0" encoding="utf-8"?>
 <p:sld xmlns:a="http://schemas.openxmlformats.org/drawingml/2006/main" xmlns:r="http://schemas.openxmlformats.org/officeDocument/2006/relationships" xmlns:p="http://schemas.openxmlformats.org/presentationml/2006/main">
   <p:cSld>
     <p:spTree>
@@ -8355,7 +6987,67 @@
 </p:sld>
 </file>
 
-<file path=ppt/slides/slide6.xml><?xml version="1.0" encoding="utf-8"?>
+<file path=ppt/slides/slide20.xml><?xml version="1.0" encoding="utf-8"?>
+<p:sld xmlns:a="http://schemas.openxmlformats.org/drawingml/2006/main" xmlns:r="http://schemas.openxmlformats.org/officeDocument/2006/relationships" xmlns:p="http://schemas.openxmlformats.org/presentationml/2006/main">
+  <p:cSld>
+    <p:spTree>
+      <p:nvGrpSpPr>
+        <p:cNvPr id="1" name=""/>
+        <p:cNvGrpSpPr/>
+        <p:nvPr/>
+      </p:nvGrpSpPr>
+      <p:grpSpPr>
+        <a:xfrm>
+          <a:off x="0" y="0"/>
+          <a:ext cx="0" cy="0"/>
+          <a:chOff x="0" y="0"/>
+          <a:chExt cx="0" cy="0"/>
+        </a:xfrm>
+      </p:grpSpPr>
+      <p:sp>
+        <p:nvSpPr>
+          <p:cNvPr id="2" name="Titel 1"/>
+          <p:cNvSpPr>
+            <a:spLocks noGrp="1"/>
+          </p:cNvSpPr>
+          <p:nvPr>
+            <p:ph type="title"/>
+          </p:nvPr>
+        </p:nvSpPr>
+        <p:spPr/>
+        <p:txBody>
+          <a:bodyPr/>
+          <a:lstStyle/>
+          <a:p>
+            <a:r>
+              <a:rPr lang="de-DE" dirty="0" smtClean="0"/>
+              <a:t>Designklassendiagramm</a:t>
+            </a:r>
+            <a:endParaRPr lang="de-DE" dirty="0"/>
+          </a:p>
+        </p:txBody>
+      </p:sp>
+    </p:spTree>
+    <p:extLst>
+      <p:ext uri="{BB962C8B-B14F-4D97-AF65-F5344CB8AC3E}">
+        <p14:creationId xmlns:p14="http://schemas.microsoft.com/office/powerpoint/2010/main" val="1772945455"/>
+      </p:ext>
+    </p:extLst>
+  </p:cSld>
+  <p:clrMapOvr>
+    <a:masterClrMapping/>
+  </p:clrMapOvr>
+  <p:timing>
+    <p:tnLst>
+      <p:par>
+        <p:cTn id="1" dur="indefinite" restart="never" nodeType="tmRoot"/>
+      </p:par>
+    </p:tnLst>
+  </p:timing>
+</p:sld>
+</file>
+
+<file path=ppt/slides/slide3.xml><?xml version="1.0" encoding="utf-8"?>
 <p:sld xmlns:a="http://schemas.openxmlformats.org/drawingml/2006/main" xmlns:r="http://schemas.openxmlformats.org/officeDocument/2006/relationships" xmlns:p="http://schemas.openxmlformats.org/presentationml/2006/main">
   <p:cSld>
     <p:spTree>
@@ -8450,7 +7142,7 @@
 </p:sld>
 </file>
 
-<file path=ppt/slides/slide7.xml><?xml version="1.0" encoding="utf-8"?>
+<file path=ppt/slides/slide4.xml><?xml version="1.0" encoding="utf-8"?>
 <p:sld xmlns:a="http://schemas.openxmlformats.org/drawingml/2006/main" xmlns:r="http://schemas.openxmlformats.org/officeDocument/2006/relationships" xmlns:p="http://schemas.openxmlformats.org/presentationml/2006/main">
   <p:cSld>
     <p:spTree>
@@ -8526,7 +7218,7 @@
       </p:pic>
       <p:pic>
         <p:nvPicPr>
-          <p:cNvPr id="7" name="Picture 6"/>
+          <p:cNvPr id="9" name="Picture 8"/>
           <p:cNvPicPr>
             <a:picLocks noChangeAspect="1"/>
           </p:cNvPicPr>
@@ -8546,8 +7238,8 @@
         </p:blipFill>
         <p:spPr>
           <a:xfrm>
-            <a:off x="273103" y="2562404"/>
-            <a:ext cx="1011487" cy="758615"/>
+            <a:off x="3825461" y="3024757"/>
+            <a:ext cx="1487712" cy="1485900"/>
           </a:xfrm>
           <a:prstGeom prst="rect">
             <a:avLst/>
@@ -8556,7 +7248,7 @@
       </p:pic>
       <p:pic>
         <p:nvPicPr>
-          <p:cNvPr id="9" name="Picture 8"/>
+          <p:cNvPr id="11" name="Picture 10"/>
           <p:cNvPicPr>
             <a:picLocks noChangeAspect="1"/>
           </p:cNvPicPr>
@@ -8576,8 +7268,8 @@
         </p:blipFill>
         <p:spPr>
           <a:xfrm>
-            <a:off x="3825461" y="3024757"/>
-            <a:ext cx="1487712" cy="1485900"/>
+            <a:off x="757592" y="4327628"/>
+            <a:ext cx="1490980" cy="1490980"/>
           </a:xfrm>
           <a:prstGeom prst="rect">
             <a:avLst/>
@@ -8586,7 +7278,7 @@
       </p:pic>
       <p:pic>
         <p:nvPicPr>
-          <p:cNvPr id="11" name="Picture 10"/>
+          <p:cNvPr id="15" name="Picture 14"/>
           <p:cNvPicPr>
             <a:picLocks noChangeAspect="1"/>
           </p:cNvPicPr>
@@ -8606,36 +7298,6 @@
         </p:blipFill>
         <p:spPr>
           <a:xfrm>
-            <a:off x="757592" y="4327628"/>
-            <a:ext cx="1490980" cy="1490980"/>
-          </a:xfrm>
-          <a:prstGeom prst="rect">
-            <a:avLst/>
-          </a:prstGeom>
-        </p:spPr>
-      </p:pic>
-      <p:pic>
-        <p:nvPicPr>
-          <p:cNvPr id="15" name="Picture 14"/>
-          <p:cNvPicPr>
-            <a:picLocks noChangeAspect="1"/>
-          </p:cNvPicPr>
-          <p:nvPr/>
-        </p:nvPicPr>
-        <p:blipFill>
-          <a:blip r:embed="rId6">
-            <a:extLst>
-              <a:ext uri="{28A0092B-C50C-407E-A947-70E740481C1C}">
-                <a14:useLocalDpi xmlns:a14="http://schemas.microsoft.com/office/drawing/2010/main" val="0"/>
-              </a:ext>
-            </a:extLst>
-          </a:blip>
-          <a:stretch>
-            <a:fillRect/>
-          </a:stretch>
-        </p:blipFill>
-        <p:spPr>
-          <a:xfrm>
             <a:off x="6924458" y="4316729"/>
             <a:ext cx="1190887" cy="1429064"/>
           </a:xfrm>
@@ -8653,7 +7315,7 @@
           <p:nvPr/>
         </p:nvPicPr>
         <p:blipFill>
-          <a:blip r:embed="rId7">
+          <a:blip r:embed="rId6">
             <a:extLst>
               <a:ext uri="{28A0092B-C50C-407E-A947-70E740481C1C}">
                 <a14:useLocalDpi xmlns:a14="http://schemas.microsoft.com/office/drawing/2010/main" val="0"/>
@@ -8814,36 +7476,6 @@
           </a:fontRef>
         </p:style>
       </p:cxnSp>
-      <p:pic>
-        <p:nvPicPr>
-          <p:cNvPr id="6" name="Picture 5"/>
-          <p:cNvPicPr>
-            <a:picLocks noChangeAspect="1"/>
-          </p:cNvPicPr>
-          <p:nvPr/>
-        </p:nvPicPr>
-        <p:blipFill>
-          <a:blip r:embed="rId8">
-            <a:extLst>
-              <a:ext uri="{28A0092B-C50C-407E-A947-70E740481C1C}">
-                <a14:useLocalDpi xmlns:a14="http://schemas.microsoft.com/office/drawing/2010/main" val="0"/>
-              </a:ext>
-            </a:extLst>
-          </a:blip>
-          <a:stretch>
-            <a:fillRect/>
-          </a:stretch>
-        </p:blipFill>
-        <p:spPr>
-          <a:xfrm>
-            <a:off x="414692" y="1876604"/>
-            <a:ext cx="685800" cy="685800"/>
-          </a:xfrm>
-          <a:prstGeom prst="rect">
-            <a:avLst/>
-          </a:prstGeom>
-        </p:spPr>
-      </p:pic>
       <p:cxnSp>
         <p:nvCxnSpPr>
           <p:cNvPr id="33" name="Elbow Connector 32"/>
@@ -8880,6 +7512,66 @@
           </a:fontRef>
         </p:style>
       </p:cxnSp>
+      <p:pic>
+        <p:nvPicPr>
+          <p:cNvPr id="8" name="Picture 7"/>
+          <p:cNvPicPr>
+            <a:picLocks noChangeAspect="1"/>
+          </p:cNvPicPr>
+          <p:nvPr/>
+        </p:nvPicPr>
+        <p:blipFill>
+          <a:blip r:embed="rId7">
+            <a:extLst>
+              <a:ext uri="{28A0092B-C50C-407E-A947-70E740481C1C}">
+                <a14:useLocalDpi xmlns:a14="http://schemas.microsoft.com/office/drawing/2010/main" val="0"/>
+              </a:ext>
+            </a:extLst>
+          </a:blip>
+          <a:stretch>
+            <a:fillRect/>
+          </a:stretch>
+        </p:blipFill>
+        <p:spPr>
+          <a:xfrm>
+            <a:off x="4039053" y="3351085"/>
+            <a:ext cx="1004584" cy="468484"/>
+          </a:xfrm>
+          <a:prstGeom prst="rect">
+            <a:avLst/>
+          </a:prstGeom>
+        </p:spPr>
+      </p:pic>
+      <p:pic>
+        <p:nvPicPr>
+          <p:cNvPr id="12" name="Picture 11"/>
+          <p:cNvPicPr>
+            <a:picLocks noChangeAspect="1"/>
+          </p:cNvPicPr>
+          <p:nvPr/>
+        </p:nvPicPr>
+        <p:blipFill>
+          <a:blip r:embed="rId8">
+            <a:extLst>
+              <a:ext uri="{28A0092B-C50C-407E-A947-70E740481C1C}">
+                <a14:useLocalDpi xmlns:a14="http://schemas.microsoft.com/office/drawing/2010/main" val="0"/>
+              </a:ext>
+            </a:extLst>
+          </a:blip>
+          <a:stretch>
+            <a:fillRect/>
+          </a:stretch>
+        </p:blipFill>
+        <p:spPr>
+          <a:xfrm>
+            <a:off x="675402" y="2366440"/>
+            <a:ext cx="668553" cy="594855"/>
+          </a:xfrm>
+          <a:prstGeom prst="rect">
+            <a:avLst/>
+          </a:prstGeom>
+        </p:spPr>
+      </p:pic>
     </p:spTree>
     <p:extLst>
       <p:ext uri="{BB962C8B-B14F-4D97-AF65-F5344CB8AC3E}">
@@ -9443,6 +8135,543 @@
 </p:sld>
 </file>
 
+<file path=ppt/slides/slide5.xml><?xml version="1.0" encoding="utf-8"?>
+<p:sld xmlns:a="http://schemas.openxmlformats.org/drawingml/2006/main" xmlns:r="http://schemas.openxmlformats.org/officeDocument/2006/relationships" xmlns:p="http://schemas.openxmlformats.org/presentationml/2006/main">
+  <p:cSld>
+    <p:spTree>
+      <p:nvGrpSpPr>
+        <p:cNvPr id="1" name=""/>
+        <p:cNvGrpSpPr/>
+        <p:nvPr/>
+      </p:nvGrpSpPr>
+      <p:grpSpPr>
+        <a:xfrm>
+          <a:off x="0" y="0"/>
+          <a:ext cx="0" cy="0"/>
+          <a:chOff x="0" y="0"/>
+          <a:chExt cx="0" cy="0"/>
+        </a:xfrm>
+      </p:grpSpPr>
+      <p:sp>
+        <p:nvSpPr>
+          <p:cNvPr id="2" name="Title 1"/>
+          <p:cNvSpPr>
+            <a:spLocks noGrp="1"/>
+          </p:cNvSpPr>
+          <p:nvPr>
+            <p:ph type="title"/>
+          </p:nvPr>
+        </p:nvSpPr>
+        <p:spPr/>
+        <p:txBody>
+          <a:bodyPr/>
+          <a:lstStyle/>
+          <a:p>
+            <a:r>
+              <a:rPr lang="en-US" dirty="0" err="1" smtClean="0"/>
+              <a:t>Architektur</a:t>
+            </a:r>
+            <a:r>
+              <a:rPr lang="en-US" dirty="0" smtClean="0"/>
+              <a:t>: Model-View-Controller</a:t>
+            </a:r>
+            <a:endParaRPr lang="en-US" dirty="0"/>
+          </a:p>
+        </p:txBody>
+      </p:sp>
+      <p:pic>
+        <p:nvPicPr>
+          <p:cNvPr id="5" name="Content Placeholder 4"/>
+          <p:cNvPicPr>
+            <a:picLocks noGrp="1" noChangeAspect="1"/>
+          </p:cNvPicPr>
+          <p:nvPr>
+            <p:ph idx="1"/>
+          </p:nvPr>
+        </p:nvPicPr>
+        <p:blipFill>
+          <a:blip r:embed="rId2">
+            <a:extLst>
+              <a:ext uri="{28A0092B-C50C-407E-A947-70E740481C1C}">
+                <a14:useLocalDpi xmlns:a14="http://schemas.microsoft.com/office/drawing/2010/main" val="0"/>
+              </a:ext>
+            </a:extLst>
+          </a:blip>
+          <a:stretch>
+            <a:fillRect/>
+          </a:stretch>
+        </p:blipFill>
+        <p:spPr>
+          <a:xfrm>
+            <a:off x="457200" y="2249021"/>
+            <a:ext cx="8229600" cy="3217208"/>
+          </a:xfrm>
+        </p:spPr>
+      </p:pic>
+    </p:spTree>
+    <p:extLst>
+      <p:ext uri="{BB962C8B-B14F-4D97-AF65-F5344CB8AC3E}">
+        <p14:creationId xmlns:p14="http://schemas.microsoft.com/office/powerpoint/2010/main" val="1511211752"/>
+      </p:ext>
+    </p:extLst>
+  </p:cSld>
+  <p:clrMapOvr>
+    <a:masterClrMapping/>
+  </p:clrMapOvr>
+  <p:timing>
+    <p:tnLst>
+      <p:par>
+        <p:cTn id="1" dur="indefinite" restart="never" nodeType="tmRoot"/>
+      </p:par>
+    </p:tnLst>
+  </p:timing>
+</p:sld>
+</file>
+
+<file path=ppt/slides/slide6.xml><?xml version="1.0" encoding="utf-8"?>
+<p:sld xmlns:a="http://schemas.openxmlformats.org/drawingml/2006/main" xmlns:r="http://schemas.openxmlformats.org/officeDocument/2006/relationships" xmlns:p="http://schemas.openxmlformats.org/presentationml/2006/main">
+  <p:cSld>
+    <p:spTree>
+      <p:nvGrpSpPr>
+        <p:cNvPr id="1" name=""/>
+        <p:cNvGrpSpPr/>
+        <p:nvPr/>
+      </p:nvGrpSpPr>
+      <p:grpSpPr>
+        <a:xfrm>
+          <a:off x="0" y="0"/>
+          <a:ext cx="0" cy="0"/>
+          <a:chOff x="0" y="0"/>
+          <a:chExt cx="0" cy="0"/>
+        </a:xfrm>
+      </p:grpSpPr>
+      <p:pic>
+        <p:nvPicPr>
+          <p:cNvPr id="4" name="Content Placeholder 3"/>
+          <p:cNvPicPr>
+            <a:picLocks noGrp="1" noChangeAspect="1"/>
+          </p:cNvPicPr>
+          <p:nvPr>
+            <p:ph idx="1"/>
+          </p:nvPr>
+        </p:nvPicPr>
+        <p:blipFill rotWithShape="1">
+          <a:blip r:embed="rId2">
+            <a:extLst>
+              <a:ext uri="{28A0092B-C50C-407E-A947-70E740481C1C}">
+                <a14:useLocalDpi xmlns:a14="http://schemas.microsoft.com/office/drawing/2010/main" val="0"/>
+              </a:ext>
+            </a:extLst>
+          </a:blip>
+          <a:srcRect r="-768"/>
+          <a:stretch/>
+        </p:blipFill>
+        <p:spPr>
+          <a:xfrm>
+            <a:off x="1402233" y="1607384"/>
+            <a:ext cx="6665208" cy="3302875"/>
+          </a:xfrm>
+          <a:prstGeom prst="rect">
+            <a:avLst/>
+          </a:prstGeom>
+          <a:solidFill>
+            <a:srgbClr val="FFFFFF">
+              <a:shade val="85000"/>
+            </a:srgbClr>
+          </a:solidFill>
+          <a:ln w="190500" cap="rnd">
+            <a:solidFill>
+              <a:srgbClr val="FFFFFF"/>
+            </a:solidFill>
+          </a:ln>
+          <a:effectLst>
+            <a:outerShdw blurRad="50000" algn="tl" rotWithShape="0">
+              <a:srgbClr val="000000">
+                <a:alpha val="41000"/>
+              </a:srgbClr>
+            </a:outerShdw>
+          </a:effectLst>
+          <a:scene3d>
+            <a:camera prst="orthographicFront"/>
+            <a:lightRig rig="twoPt" dir="t">
+              <a:rot lat="0" lon="0" rev="7800000"/>
+            </a:lightRig>
+          </a:scene3d>
+          <a:sp3d contourW="6350">
+            <a:bevelT w="50800" h="16510"/>
+            <a:contourClr>
+              <a:srgbClr val="C0C0C0"/>
+            </a:contourClr>
+          </a:sp3d>
+        </p:spPr>
+      </p:pic>
+      <p:sp>
+        <p:nvSpPr>
+          <p:cNvPr id="2" name="Title 1"/>
+          <p:cNvSpPr>
+            <a:spLocks noGrp="1"/>
+          </p:cNvSpPr>
+          <p:nvPr>
+            <p:ph type="title"/>
+          </p:nvPr>
+        </p:nvSpPr>
+        <p:spPr/>
+        <p:txBody>
+          <a:bodyPr/>
+          <a:lstStyle/>
+          <a:p>
+            <a:r>
+              <a:rPr lang="en-US" dirty="0" err="1" smtClean="0"/>
+              <a:t>Architektur</a:t>
+            </a:r>
+            <a:r>
+              <a:rPr lang="en-US" dirty="0" smtClean="0"/>
+              <a:t>: Use-Case-Controller</a:t>
+            </a:r>
+            <a:endParaRPr lang="en-US" dirty="0"/>
+          </a:p>
+        </p:txBody>
+      </p:sp>
+      <p:sp>
+        <p:nvSpPr>
+          <p:cNvPr id="3" name="TextBox 2"/>
+          <p:cNvSpPr txBox="1"/>
+          <p:nvPr/>
+        </p:nvSpPr>
+        <p:spPr>
+          <a:xfrm>
+            <a:off x="1584434" y="5060731"/>
+            <a:ext cx="6574222" cy="677108"/>
+          </a:xfrm>
+          <a:prstGeom prst="rect">
+            <a:avLst/>
+          </a:prstGeom>
+          <a:noFill/>
+        </p:spPr>
+        <p:txBody>
+          <a:bodyPr wrap="square" rtlCol="0">
+            <a:spAutoFit/>
+          </a:bodyPr>
+          <a:lstStyle/>
+          <a:p>
+            <a:r>
+              <a:rPr lang="en-US" sz="2000" dirty="0" err="1" smtClean="0"/>
+              <a:t>Zwei</a:t>
+            </a:r>
+            <a:r>
+              <a:rPr lang="en-US" sz="2000" dirty="0" smtClean="0"/>
+              <a:t> </a:t>
+            </a:r>
+            <a:r>
+              <a:rPr lang="en-US" sz="2000" dirty="0" err="1" smtClean="0"/>
+              <a:t>Haupt</a:t>
+            </a:r>
+            <a:r>
+              <a:rPr lang="en-US" sz="2000" dirty="0" smtClean="0"/>
+              <a:t>-Use-Cases</a:t>
+            </a:r>
+            <a:r>
+              <a:rPr lang="en-US" dirty="0" smtClean="0"/>
+              <a:t>		</a:t>
+            </a:r>
+            <a:r>
+              <a:rPr lang="en-US" sz="2000" dirty="0" err="1"/>
+              <a:t>Zwei</a:t>
+            </a:r>
+            <a:r>
+              <a:rPr lang="en-US" sz="2000" dirty="0"/>
+              <a:t> </a:t>
+            </a:r>
+            <a:r>
+              <a:rPr lang="en-US" sz="2000" dirty="0" smtClean="0"/>
+              <a:t>Use-Case-Controller</a:t>
+            </a:r>
+            <a:endParaRPr lang="en-US" sz="2000" dirty="0"/>
+          </a:p>
+          <a:p>
+            <a:endParaRPr lang="en-US" dirty="0" smtClean="0"/>
+          </a:p>
+        </p:txBody>
+      </p:sp>
+      <p:sp>
+        <p:nvSpPr>
+          <p:cNvPr id="5" name="Right Arrow 4"/>
+          <p:cNvSpPr/>
+          <p:nvPr/>
+        </p:nvSpPr>
+        <p:spPr>
+          <a:xfrm>
+            <a:off x="4156651" y="5206905"/>
+            <a:ext cx="930166" cy="157655"/>
+          </a:xfrm>
+          <a:prstGeom prst="rightArrow">
+            <a:avLst/>
+          </a:prstGeom>
+          <a:solidFill>
+            <a:schemeClr val="accent2"/>
+          </a:solidFill>
+          <a:ln>
+            <a:solidFill>
+              <a:schemeClr val="bg2"/>
+            </a:solidFill>
+          </a:ln>
+        </p:spPr>
+        <p:style>
+          <a:lnRef idx="2">
+            <a:schemeClr val="accent1">
+              <a:shade val="50000"/>
+            </a:schemeClr>
+          </a:lnRef>
+          <a:fillRef idx="1">
+            <a:schemeClr val="accent1"/>
+          </a:fillRef>
+          <a:effectRef idx="0">
+            <a:schemeClr val="accent1"/>
+          </a:effectRef>
+          <a:fontRef idx="minor">
+            <a:schemeClr val="lt1"/>
+          </a:fontRef>
+        </p:style>
+        <p:txBody>
+          <a:bodyPr rtlCol="0" anchor="ctr"/>
+          <a:lstStyle/>
+          <a:p>
+            <a:pPr algn="ctr"/>
+            <a:endParaRPr lang="en-US"/>
+          </a:p>
+        </p:txBody>
+      </p:sp>
+    </p:spTree>
+    <p:extLst>
+      <p:ext uri="{BB962C8B-B14F-4D97-AF65-F5344CB8AC3E}">
+        <p14:creationId xmlns:p14="http://schemas.microsoft.com/office/powerpoint/2010/main" val="766800706"/>
+      </p:ext>
+    </p:extLst>
+  </p:cSld>
+  <p:clrMapOvr>
+    <a:masterClrMapping/>
+  </p:clrMapOvr>
+  <p:timing>
+    <p:tnLst>
+      <p:par>
+        <p:cTn id="1" dur="indefinite" restart="never" nodeType="tmRoot"/>
+      </p:par>
+    </p:tnLst>
+  </p:timing>
+</p:sld>
+</file>
+
+<file path=ppt/slides/slide7.xml><?xml version="1.0" encoding="utf-8"?>
+<p:sld xmlns:a="http://schemas.openxmlformats.org/drawingml/2006/main" xmlns:r="http://schemas.openxmlformats.org/officeDocument/2006/relationships" xmlns:p="http://schemas.openxmlformats.org/presentationml/2006/main">
+  <p:cSld>
+    <p:spTree>
+      <p:nvGrpSpPr>
+        <p:cNvPr id="1" name=""/>
+        <p:cNvGrpSpPr/>
+        <p:nvPr/>
+      </p:nvGrpSpPr>
+      <p:grpSpPr>
+        <a:xfrm>
+          <a:off x="0" y="0"/>
+          <a:ext cx="0" cy="0"/>
+          <a:chOff x="0" y="0"/>
+          <a:chExt cx="0" cy="0"/>
+        </a:xfrm>
+      </p:grpSpPr>
+      <p:sp>
+        <p:nvSpPr>
+          <p:cNvPr id="2" name="Title 1"/>
+          <p:cNvSpPr>
+            <a:spLocks noGrp="1"/>
+          </p:cNvSpPr>
+          <p:nvPr>
+            <p:ph type="title"/>
+          </p:nvPr>
+        </p:nvSpPr>
+        <p:spPr/>
+        <p:txBody>
+          <a:bodyPr/>
+          <a:lstStyle/>
+          <a:p>
+            <a:r>
+              <a:rPr lang="en-US" dirty="0" err="1" smtClean="0"/>
+              <a:t>Architektur</a:t>
+            </a:r>
+            <a:r>
+              <a:rPr lang="en-US" dirty="0" smtClean="0"/>
+              <a:t>: Shared Code Project</a:t>
+            </a:r>
+            <a:endParaRPr lang="en-US" dirty="0"/>
+          </a:p>
+        </p:txBody>
+      </p:sp>
+      <p:pic>
+        <p:nvPicPr>
+          <p:cNvPr id="5" name="Content Placeholder 4"/>
+          <p:cNvPicPr>
+            <a:picLocks noGrp="1" noChangeAspect="1"/>
+          </p:cNvPicPr>
+          <p:nvPr>
+            <p:ph idx="1"/>
+          </p:nvPr>
+        </p:nvPicPr>
+        <p:blipFill>
+          <a:blip r:embed="rId2">
+            <a:extLst>
+              <a:ext uri="{28A0092B-C50C-407E-A947-70E740481C1C}">
+                <a14:useLocalDpi xmlns:a14="http://schemas.microsoft.com/office/drawing/2010/main" val="0"/>
+              </a:ext>
+            </a:extLst>
+          </a:blip>
+          <a:stretch>
+            <a:fillRect/>
+          </a:stretch>
+        </p:blipFill>
+        <p:spPr>
+          <a:xfrm>
+            <a:off x="819807" y="2209405"/>
+            <a:ext cx="7977352" cy="1185888"/>
+          </a:xfrm>
+        </p:spPr>
+      </p:pic>
+      <p:sp>
+        <p:nvSpPr>
+          <p:cNvPr id="8" name="TextBox 7"/>
+          <p:cNvSpPr txBox="1"/>
+          <p:nvPr/>
+        </p:nvSpPr>
+        <p:spPr>
+          <a:xfrm>
+            <a:off x="3318641" y="3413234"/>
+            <a:ext cx="2979683" cy="1846659"/>
+          </a:xfrm>
+          <a:prstGeom prst="rect">
+            <a:avLst/>
+          </a:prstGeom>
+          <a:noFill/>
+        </p:spPr>
+        <p:txBody>
+          <a:bodyPr wrap="square" rtlCol="0">
+            <a:spAutoFit/>
+          </a:bodyPr>
+          <a:lstStyle/>
+          <a:p>
+            <a:pPr algn="ctr"/>
+            <a:r>
+              <a:rPr lang="en-US" sz="2000" b="1" dirty="0" err="1" smtClean="0"/>
+              <a:t>Gemeinsam</a:t>
+            </a:r>
+            <a:r>
+              <a:rPr lang="en-US" sz="2000" b="1" dirty="0" smtClean="0"/>
+              <a:t> </a:t>
+            </a:r>
+            <a:r>
+              <a:rPr lang="en-US" sz="2000" b="1" dirty="0" err="1" smtClean="0"/>
+              <a:t>genutzte</a:t>
+            </a:r>
+            <a:r>
+              <a:rPr lang="en-US" sz="2000" b="1" dirty="0" smtClean="0"/>
+              <a:t> Klassen</a:t>
+            </a:r>
+          </a:p>
+          <a:p>
+            <a:pPr algn="ctr"/>
+            <a:endParaRPr lang="en-US" dirty="0"/>
+          </a:p>
+          <a:p>
+            <a:pPr algn="ctr"/>
+            <a:endParaRPr lang="en-US" dirty="0" smtClean="0"/>
+          </a:p>
+          <a:p>
+            <a:pPr algn="ctr"/>
+            <a:endParaRPr lang="en-US" dirty="0" smtClean="0"/>
+          </a:p>
+          <a:p>
+            <a:pPr algn="ctr"/>
+            <a:r>
+              <a:rPr lang="en-US" sz="2000" b="1" dirty="0" err="1" smtClean="0"/>
+              <a:t>Keine</a:t>
+            </a:r>
+            <a:r>
+              <a:rPr lang="en-US" sz="2000" b="1" dirty="0" smtClean="0"/>
+              <a:t> </a:t>
+            </a:r>
+            <a:r>
+              <a:rPr lang="en-US" sz="2000" b="1" dirty="0" err="1" smtClean="0"/>
+              <a:t>Redundanz</a:t>
+            </a:r>
+            <a:endParaRPr lang="en-US" sz="2000" b="1" dirty="0"/>
+          </a:p>
+        </p:txBody>
+      </p:sp>
+      <p:sp>
+        <p:nvSpPr>
+          <p:cNvPr id="9" name="Right Arrow 8"/>
+          <p:cNvSpPr/>
+          <p:nvPr/>
+        </p:nvSpPr>
+        <p:spPr>
+          <a:xfrm rot="5400000">
+            <a:off x="4481883" y="4288909"/>
+            <a:ext cx="653197" cy="425669"/>
+          </a:xfrm>
+          <a:prstGeom prst="rightArrow">
+            <a:avLst/>
+          </a:prstGeom>
+          <a:solidFill>
+            <a:schemeClr val="accent2"/>
+          </a:solidFill>
+          <a:ln>
+            <a:solidFill>
+              <a:schemeClr val="bg2"/>
+            </a:solidFill>
+          </a:ln>
+        </p:spPr>
+        <p:style>
+          <a:lnRef idx="2">
+            <a:schemeClr val="accent1">
+              <a:shade val="50000"/>
+            </a:schemeClr>
+          </a:lnRef>
+          <a:fillRef idx="1">
+            <a:schemeClr val="accent1"/>
+          </a:fillRef>
+          <a:effectRef idx="0">
+            <a:schemeClr val="accent1"/>
+          </a:effectRef>
+          <a:fontRef idx="minor">
+            <a:schemeClr val="lt1"/>
+          </a:fontRef>
+        </p:style>
+        <p:txBody>
+          <a:bodyPr rtlCol="0" anchor="ctr"/>
+          <a:lstStyle/>
+          <a:p>
+            <a:pPr algn="ctr"/>
+            <a:endParaRPr lang="en-US"/>
+          </a:p>
+        </p:txBody>
+      </p:sp>
+    </p:spTree>
+    <p:extLst>
+      <p:ext uri="{BB962C8B-B14F-4D97-AF65-F5344CB8AC3E}">
+        <p14:creationId xmlns:p14="http://schemas.microsoft.com/office/powerpoint/2010/main" val="646822795"/>
+      </p:ext>
+    </p:extLst>
+  </p:cSld>
+  <p:clrMapOvr>
+    <a:masterClrMapping/>
+  </p:clrMapOvr>
+  <p:timing>
+    <p:tnLst>
+      <p:par>
+        <p:cTn id="1" dur="indefinite" restart="never" nodeType="tmRoot"/>
+      </p:par>
+    </p:tnLst>
+  </p:timing>
+</p:sld>
+</file>
+
 <file path=ppt/slides/slide8.xml><?xml version="1.0" encoding="utf-8"?>
 <p:sld xmlns:a="http://schemas.openxmlformats.org/drawingml/2006/main" xmlns:r="http://schemas.openxmlformats.org/officeDocument/2006/relationships" xmlns:p="http://schemas.openxmlformats.org/presentationml/2006/main">
   <p:cSld>
@@ -9462,7 +8691,7 @@
       </p:grpSpPr>
       <p:sp>
         <p:nvSpPr>
-          <p:cNvPr id="2" name="Titel 1"/>
+          <p:cNvPr id="2" name="Title 1"/>
           <p:cNvSpPr>
             <a:spLocks noGrp="1"/>
           </p:cNvSpPr>
@@ -9476,23 +8705,27 @@
           <a:lstStyle/>
           <a:p>
             <a:r>
-              <a:rPr lang="de-DE" dirty="0" smtClean="0"/>
-              <a:t>Technologien</a:t>
-            </a:r>
-            <a:endParaRPr lang="de-DE" dirty="0"/>
-          </a:p>
-        </p:txBody>
-      </p:sp>
-      <p:sp>
-        <p:nvSpPr>
-          <p:cNvPr id="5" name="TextBox 4"/>
+              <a:rPr lang="en-US" dirty="0" err="1" smtClean="0"/>
+              <a:t>Architektur</a:t>
+            </a:r>
+            <a:r>
+              <a:rPr lang="en-US" dirty="0" smtClean="0"/>
+              <a:t>: Interfaces</a:t>
+            </a:r>
+            <a:endParaRPr lang="en-US" dirty="0"/>
+          </a:p>
+        </p:txBody>
+      </p:sp>
+      <p:sp>
+        <p:nvSpPr>
+          <p:cNvPr id="3" name="TextBox 2"/>
           <p:cNvSpPr txBox="1"/>
           <p:nvPr/>
         </p:nvSpPr>
         <p:spPr>
           <a:xfrm>
-            <a:off x="1617981" y="3884063"/>
-            <a:ext cx="2364827" cy="1015663"/>
+            <a:off x="4406462" y="2040938"/>
+            <a:ext cx="4564117" cy="1200329"/>
           </a:xfrm>
           <a:prstGeom prst="rect">
             <a:avLst/>
@@ -9505,76 +8738,67 @@
           </a:bodyPr>
           <a:lstStyle/>
           <a:p>
-            <a:pPr marL="285750" indent="-285750">
-              <a:buFontTx/>
-              <a:buChar char="-"/>
-            </a:pPr>
-            <a:r>
-              <a:rPr lang="en-US" sz="2000" dirty="0" err="1" smtClean="0"/>
-              <a:t>Xamarin</a:t>
-            </a:r>
-            <a:endParaRPr lang="en-US" sz="2000" dirty="0" smtClean="0"/>
-          </a:p>
-          <a:p>
-            <a:pPr marL="285750" indent="-285750">
-              <a:buFontTx/>
-              <a:buChar char="-"/>
-            </a:pPr>
-            <a:r>
-              <a:rPr lang="en-US" sz="2000" dirty="0" smtClean="0"/>
-              <a:t>SQLite</a:t>
-            </a:r>
-          </a:p>
-          <a:p>
-            <a:pPr marL="285750" indent="-285750">
-              <a:buFontTx/>
-              <a:buChar char="-"/>
-            </a:pPr>
-            <a:r>
-              <a:rPr lang="en-US" sz="2000" dirty="0" err="1" smtClean="0"/>
-              <a:t>Json.NET</a:t>
-            </a:r>
-            <a:endParaRPr lang="en-US" sz="2000" dirty="0"/>
-          </a:p>
-        </p:txBody>
-      </p:sp>
-      <p:cxnSp>
-        <p:nvCxnSpPr>
-          <p:cNvPr id="7" name="Straight Connector 6"/>
-          <p:cNvCxnSpPr/>
-          <p:nvPr/>
-        </p:nvCxnSpPr>
-        <p:spPr>
-          <a:xfrm flipH="1">
-            <a:off x="4613409" y="1556856"/>
-            <a:ext cx="43406" cy="3649717"/>
-          </a:xfrm>
-          <a:prstGeom prst="line">
-            <a:avLst/>
-          </a:prstGeom>
-        </p:spPr>
-        <p:style>
-          <a:lnRef idx="2">
-            <a:schemeClr val="accent1"/>
-          </a:lnRef>
-          <a:fillRef idx="0">
-            <a:schemeClr val="accent1"/>
-          </a:fillRef>
-          <a:effectRef idx="1">
-            <a:schemeClr val="accent1"/>
-          </a:effectRef>
-          <a:fontRef idx="minor">
-            <a:schemeClr val="tx1"/>
-          </a:fontRef>
-        </p:style>
-      </p:cxnSp>
+            <a:r>
+              <a:rPr lang="en-US" b="1" dirty="0" err="1" smtClean="0"/>
+              <a:t>Unabhängig</a:t>
+            </a:r>
+            <a:r>
+              <a:rPr lang="en-US" dirty="0" smtClean="0"/>
+              <a:t> von </a:t>
+            </a:r>
+            <a:r>
+              <a:rPr lang="en-US" dirty="0" err="1" smtClean="0"/>
+              <a:t>plattformspezifischen</a:t>
+            </a:r>
+            <a:r>
+              <a:rPr lang="en-US" dirty="0" smtClean="0"/>
+              <a:t> Audio-Frameworks</a:t>
+            </a:r>
+          </a:p>
+          <a:p>
+            <a:endParaRPr lang="en-US" dirty="0"/>
+          </a:p>
+          <a:p>
+            <a:r>
+              <a:rPr lang="en-US" b="1" dirty="0" err="1" smtClean="0"/>
+              <a:t>Leichtes</a:t>
+            </a:r>
+            <a:r>
+              <a:rPr lang="en-US" b="1" dirty="0" smtClean="0"/>
+              <a:t> </a:t>
+            </a:r>
+            <a:r>
+              <a:rPr lang="en-US" b="1" dirty="0" err="1" smtClean="0"/>
+              <a:t>Einbinden</a:t>
+            </a:r>
+            <a:r>
+              <a:rPr lang="en-US" b="1" dirty="0" smtClean="0"/>
+              <a:t> </a:t>
+            </a:r>
+            <a:r>
+              <a:rPr lang="en-US" dirty="0" smtClean="0"/>
+              <a:t>von 3</a:t>
+            </a:r>
+            <a:r>
+              <a:rPr lang="en-US" baseline="30000" dirty="0" smtClean="0"/>
+              <a:t>rd</a:t>
+            </a:r>
+            <a:r>
+              <a:rPr lang="en-US" dirty="0" smtClean="0"/>
+              <a:t>-Party-Frameworks</a:t>
+            </a:r>
+          </a:p>
+        </p:txBody>
+      </p:sp>
       <p:pic>
         <p:nvPicPr>
-          <p:cNvPr id="9" name="Picture 8"/>
+          <p:cNvPr id="9" name="Content Placeholder 8"/>
           <p:cNvPicPr>
-            <a:picLocks noChangeAspect="1"/>
+            <a:picLocks noGrp="1" noChangeAspect="1"/>
           </p:cNvPicPr>
-          <p:nvPr/>
+          <p:nvPr>
+            <p:ph idx="1"/>
+          </p:nvPr>
         </p:nvPicPr>
         <p:blipFill>
           <a:blip r:embed="rId2">
@@ -9590,17 +8814,14 @@
         </p:blipFill>
         <p:spPr>
           <a:xfrm>
-            <a:off x="1729398" y="2246597"/>
-            <a:ext cx="1314302" cy="1314302"/>
+            <a:off x="651204" y="4131995"/>
+            <a:ext cx="1969794" cy="939088"/>
           </a:xfrm>
-          <a:prstGeom prst="rect">
-            <a:avLst/>
-          </a:prstGeom>
         </p:spPr>
       </p:pic>
       <p:pic>
         <p:nvPicPr>
-          <p:cNvPr id="10" name="Picture 9"/>
+          <p:cNvPr id="11" name="Picture 10"/>
           <p:cNvPicPr>
             <a:picLocks noChangeAspect="1"/>
           </p:cNvPicPr>
@@ -9620,24 +8841,54 @@
         </p:blipFill>
         <p:spPr>
           <a:xfrm>
-            <a:off x="6284623" y="2396370"/>
-            <a:ext cx="986546" cy="985345"/>
+            <a:off x="554745" y="1341336"/>
+            <a:ext cx="1996316" cy="1348389"/>
           </a:xfrm>
           <a:prstGeom prst="rect">
             <a:avLst/>
           </a:prstGeom>
         </p:spPr>
       </p:pic>
-      <p:sp>
-        <p:nvSpPr>
-          <p:cNvPr id="11" name="TextBox 10"/>
+      <p:pic>
+        <p:nvPicPr>
+          <p:cNvPr id="12" name="Picture 11"/>
+          <p:cNvPicPr>
+            <a:picLocks noChangeAspect="1"/>
+          </p:cNvPicPr>
+          <p:nvPr/>
+        </p:nvPicPr>
+        <p:blipFill>
+          <a:blip r:embed="rId4">
+            <a:extLst>
+              <a:ext uri="{28A0092B-C50C-407E-A947-70E740481C1C}">
+                <a14:useLocalDpi xmlns:a14="http://schemas.microsoft.com/office/drawing/2010/main" val="0"/>
+              </a:ext>
+            </a:extLst>
+          </a:blip>
+          <a:stretch>
+            <a:fillRect/>
+          </a:stretch>
+        </p:blipFill>
+        <p:spPr>
+          <a:xfrm>
+            <a:off x="1791576" y="2015530"/>
+            <a:ext cx="1928648" cy="1570587"/>
+          </a:xfrm>
+          <a:prstGeom prst="rect">
+            <a:avLst/>
+          </a:prstGeom>
+        </p:spPr>
+      </p:pic>
+      <p:sp>
+        <p:nvSpPr>
+          <p:cNvPr id="13" name="TextBox 12"/>
           <p:cNvSpPr txBox="1"/>
           <p:nvPr/>
         </p:nvSpPr>
         <p:spPr>
           <a:xfrm>
-            <a:off x="5287416" y="3883134"/>
-            <a:ext cx="2980959" cy="1323439"/>
+            <a:off x="4406461" y="4275229"/>
+            <a:ext cx="4564117" cy="646331"/>
           </a:xfrm>
           <a:prstGeom prst="rect">
             <a:avLst/>
@@ -9650,55 +8901,34 @@
           </a:bodyPr>
           <a:lstStyle/>
           <a:p>
-            <a:pPr marL="285750" indent="-285750">
-              <a:buFontTx/>
-              <a:buChar char="-"/>
-            </a:pPr>
-            <a:r>
-              <a:rPr lang="en-US" sz="2000" dirty="0" smtClean="0"/>
-              <a:t>ASP.NET Core</a:t>
-            </a:r>
-          </a:p>
-          <a:p>
-            <a:pPr marL="285750" indent="-285750">
-              <a:buFontTx/>
-              <a:buChar char="-"/>
-            </a:pPr>
-            <a:r>
-              <a:rPr lang="en-US" sz="2000" dirty="0" err="1" smtClean="0"/>
-              <a:t>EntityFramework</a:t>
-            </a:r>
-            <a:r>
-              <a:rPr lang="en-US" sz="2000" dirty="0" smtClean="0"/>
-              <a:t> Core</a:t>
-            </a:r>
-          </a:p>
-          <a:p>
-            <a:pPr marL="285750" indent="-285750">
-              <a:buFontTx/>
-              <a:buChar char="-"/>
-            </a:pPr>
-            <a:r>
-              <a:rPr lang="en-US" sz="2000" dirty="0" smtClean="0"/>
-              <a:t>ASP.NET Core Identity</a:t>
-            </a:r>
-          </a:p>
-          <a:p>
-            <a:pPr marL="285750" indent="-285750">
-              <a:buFontTx/>
-              <a:buChar char="-"/>
-            </a:pPr>
-            <a:r>
-              <a:rPr lang="en-US" sz="2000" dirty="0" smtClean="0"/>
-              <a:t>HTML, CSS, JavaScript</a:t>
-            </a:r>
+            <a:r>
+              <a:rPr lang="en-US" b="1" dirty="0" err="1" smtClean="0"/>
+              <a:t>Abstraktion</a:t>
+            </a:r>
+            <a:r>
+              <a:rPr lang="en-US" dirty="0" smtClean="0"/>
+              <a:t> von der </a:t>
+            </a:r>
+            <a:r>
+              <a:rPr lang="en-US" dirty="0" err="1" smtClean="0"/>
+              <a:t>konkreten</a:t>
+            </a:r>
+            <a:r>
+              <a:rPr lang="en-US" dirty="0" smtClean="0"/>
+              <a:t> </a:t>
+            </a:r>
+            <a:r>
+              <a:rPr lang="en-US" dirty="0" err="1" smtClean="0"/>
+              <a:t>Speicherimplementierung</a:t>
+            </a:r>
+            <a:endParaRPr lang="en-US" dirty="0" smtClean="0"/>
           </a:p>
         </p:txBody>
       </p:sp>
     </p:spTree>
     <p:extLst>
       <p:ext uri="{BB962C8B-B14F-4D97-AF65-F5344CB8AC3E}">
-        <p14:creationId xmlns:p14="http://schemas.microsoft.com/office/powerpoint/2010/main" val="371355623"/>
+        <p14:creationId xmlns:p14="http://schemas.microsoft.com/office/powerpoint/2010/main" val="1828560639"/>
       </p:ext>
     </p:extLst>
   </p:cSld>
@@ -9708,107 +8938,9 @@
   <p:timing>
     <p:tnLst>
       <p:par>
-        <p:cTn id="1" dur="indefinite" restart="never" nodeType="tmRoot">
-          <p:childTnLst>
-            <p:seq concurrent="1" nextAc="seek">
-              <p:cTn id="2" dur="indefinite" nodeType="mainSeq">
-                <p:childTnLst>
-                  <p:par>
-                    <p:cTn id="3" fill="hold">
-                      <p:stCondLst>
-                        <p:cond delay="indefinite"/>
-                      </p:stCondLst>
-                      <p:childTnLst>
-                        <p:par>
-                          <p:cTn id="4" fill="hold">
-                            <p:stCondLst>
-                              <p:cond delay="0"/>
-                            </p:stCondLst>
-                            <p:childTnLst>
-                              <p:par>
-                                <p:cTn id="5" presetID="1" presetClass="entr" presetSubtype="0" fill="hold" nodeType="clickEffect">
-                                  <p:stCondLst>
-                                    <p:cond delay="0"/>
-                                  </p:stCondLst>
-                                  <p:childTnLst>
-                                    <p:set>
-                                      <p:cBhvr>
-                                        <p:cTn id="6" dur="1" fill="hold">
-                                          <p:stCondLst>
-                                            <p:cond delay="0"/>
-                                          </p:stCondLst>
-                                        </p:cTn>
-                                        <p:tgtEl>
-                                          <p:spTgt spid="10"/>
-                                        </p:tgtEl>
-                                        <p:attrNameLst>
-                                          <p:attrName>style.visibility</p:attrName>
-                                        </p:attrNameLst>
-                                      </p:cBhvr>
-                                      <p:to>
-                                        <p:strVal val="visible"/>
-                                      </p:to>
-                                    </p:set>
-                                  </p:childTnLst>
-                                </p:cTn>
-                              </p:par>
-                              <p:par>
-                                <p:cTn id="7" presetID="1" presetClass="entr" presetSubtype="0" fill="hold" grpId="0" nodeType="withEffect">
-                                  <p:stCondLst>
-                                    <p:cond delay="0"/>
-                                  </p:stCondLst>
-                                  <p:childTnLst>
-                                    <p:set>
-                                      <p:cBhvr>
-                                        <p:cTn id="8" dur="1" fill="hold">
-                                          <p:stCondLst>
-                                            <p:cond delay="0"/>
-                                          </p:stCondLst>
-                                        </p:cTn>
-                                        <p:tgtEl>
-                                          <p:spTgt spid="11"/>
-                                        </p:tgtEl>
-                                        <p:attrNameLst>
-                                          <p:attrName>style.visibility</p:attrName>
-                                        </p:attrNameLst>
-                                      </p:cBhvr>
-                                      <p:to>
-                                        <p:strVal val="visible"/>
-                                      </p:to>
-                                    </p:set>
-                                  </p:childTnLst>
-                                </p:cTn>
-                              </p:par>
-                            </p:childTnLst>
-                          </p:cTn>
-                        </p:par>
-                      </p:childTnLst>
-                    </p:cTn>
-                  </p:par>
-                </p:childTnLst>
-              </p:cTn>
-              <p:prevCondLst>
-                <p:cond evt="onPrev" delay="0">
-                  <p:tgtEl>
-                    <p:sldTgt/>
-                  </p:tgtEl>
-                </p:cond>
-              </p:prevCondLst>
-              <p:nextCondLst>
-                <p:cond evt="onNext" delay="0">
-                  <p:tgtEl>
-                    <p:sldTgt/>
-                  </p:tgtEl>
-                </p:cond>
-              </p:nextCondLst>
-            </p:seq>
-          </p:childTnLst>
-        </p:cTn>
+        <p:cTn id="1" dur="indefinite" restart="never" nodeType="tmRoot"/>
       </p:par>
     </p:tnLst>
-    <p:bldLst>
-      <p:bldP spid="11" grpId="0"/>
-    </p:bldLst>
   </p:timing>
 </p:sld>
 </file>
@@ -9851,11 +8983,7 @@
             </a:r>
             <a:r>
               <a:rPr lang="en-US" dirty="0" smtClean="0"/>
-              <a:t>: </a:t>
-            </a:r>
-            <a:r>
-              <a:rPr lang="en-US" dirty="0" err="1" smtClean="0"/>
-              <a:t>Domänenmodell</a:t>
+              <a:t>: Proxy Pattern</a:t>
             </a:r>
             <a:endParaRPr lang="en-US" dirty="0"/>
           </a:p>
@@ -9863,7 +8991,7 @@
       </p:sp>
       <p:pic>
         <p:nvPicPr>
-          <p:cNvPr id="8" name="Content Placeholder 7"/>
+          <p:cNvPr id="5" name="Content Placeholder 4"/>
           <p:cNvPicPr>
             <a:picLocks noGrp="1" noChangeAspect="1"/>
           </p:cNvPicPr>
@@ -9885,15 +9013,197 @@
         </p:blipFill>
         <p:spPr>
           <a:xfrm>
-            <a:off x="457199" y="2531078"/>
-            <a:ext cx="8918895" cy="2875312"/>
+            <a:off x="2771712" y="1709408"/>
+            <a:ext cx="5191204" cy="2417006"/>
           </a:xfrm>
         </p:spPr>
       </p:pic>
+      <p:pic>
+        <p:nvPicPr>
+          <p:cNvPr id="6" name="Picture 5"/>
+          <p:cNvPicPr>
+            <a:picLocks noChangeAspect="1"/>
+          </p:cNvPicPr>
+          <p:nvPr/>
+        </p:nvPicPr>
+        <p:blipFill>
+          <a:blip r:embed="rId3">
+            <a:extLst>
+              <a:ext uri="{28A0092B-C50C-407E-A947-70E740481C1C}">
+                <a14:useLocalDpi xmlns:a14="http://schemas.microsoft.com/office/drawing/2010/main" val="0"/>
+              </a:ext>
+            </a:extLst>
+          </a:blip>
+          <a:stretch>
+            <a:fillRect/>
+          </a:stretch>
+        </p:blipFill>
+        <p:spPr>
+          <a:xfrm>
+            <a:off x="1102115" y="2710305"/>
+            <a:ext cx="1669866" cy="942282"/>
+          </a:xfrm>
+          <a:prstGeom prst="rect">
+            <a:avLst/>
+          </a:prstGeom>
+        </p:spPr>
+      </p:pic>
+      <p:pic>
+        <p:nvPicPr>
+          <p:cNvPr id="7" name="Picture 6"/>
+          <p:cNvPicPr>
+            <a:picLocks noChangeAspect="1"/>
+          </p:cNvPicPr>
+          <p:nvPr/>
+        </p:nvPicPr>
+        <p:blipFill>
+          <a:blip r:embed="rId4">
+            <a:extLst>
+              <a:ext uri="{28A0092B-C50C-407E-A947-70E740481C1C}">
+                <a14:useLocalDpi xmlns:a14="http://schemas.microsoft.com/office/drawing/2010/main" val="0"/>
+              </a:ext>
+            </a:extLst>
+          </a:blip>
+          <a:stretch>
+            <a:fillRect/>
+          </a:stretch>
+        </p:blipFill>
+        <p:spPr>
+          <a:xfrm>
+            <a:off x="6484143" y="3664290"/>
+            <a:ext cx="1676751" cy="804840"/>
+          </a:xfrm>
+          <a:prstGeom prst="rect">
+            <a:avLst/>
+          </a:prstGeom>
+        </p:spPr>
+      </p:pic>
+      <p:sp>
+        <p:nvSpPr>
+          <p:cNvPr id="10" name="TextBox 9"/>
+          <p:cNvSpPr txBox="1"/>
+          <p:nvPr/>
+        </p:nvSpPr>
+        <p:spPr>
+          <a:xfrm>
+            <a:off x="2068393" y="4684139"/>
+            <a:ext cx="5125827" cy="923330"/>
+          </a:xfrm>
+          <a:prstGeom prst="rect">
+            <a:avLst/>
+          </a:prstGeom>
+          <a:noFill/>
+        </p:spPr>
+        <p:txBody>
+          <a:bodyPr wrap="none" rtlCol="0">
+            <a:spAutoFit/>
+          </a:bodyPr>
+          <a:lstStyle/>
+          <a:p>
+            <a:pPr algn="ctr"/>
+            <a:r>
+              <a:rPr lang="en-US" b="1" dirty="0" err="1" smtClean="0"/>
+              <a:t>PageProxy</a:t>
+            </a:r>
+            <a:r>
+              <a:rPr lang="en-US" b="1" dirty="0" smtClean="0"/>
+              <a:t> </a:t>
+            </a:r>
+            <a:r>
+              <a:rPr lang="en-US" b="1" dirty="0" err="1" smtClean="0"/>
+              <a:t>lädt</a:t>
+            </a:r>
+            <a:r>
+              <a:rPr lang="en-US" b="1" dirty="0" smtClean="0"/>
+              <a:t> </a:t>
+            </a:r>
+            <a:r>
+              <a:rPr lang="en-US" b="1" dirty="0" err="1" smtClean="0"/>
+              <a:t>Metadaten</a:t>
+            </a:r>
+            <a:r>
+              <a:rPr lang="en-US" b="1" dirty="0" smtClean="0"/>
+              <a:t> </a:t>
+            </a:r>
+            <a:r>
+              <a:rPr lang="en-US" dirty="0" err="1" smtClean="0"/>
+              <a:t>ohne</a:t>
+            </a:r>
+            <a:r>
+              <a:rPr lang="en-US" dirty="0" smtClean="0"/>
+              <a:t> </a:t>
+            </a:r>
+            <a:r>
+              <a:rPr lang="en-US" dirty="0" err="1" smtClean="0"/>
+              <a:t>zusätzlichen</a:t>
+            </a:r>
+            <a:r>
+              <a:rPr lang="en-US" dirty="0" smtClean="0"/>
+              <a:t> Traffic.</a:t>
+            </a:r>
+          </a:p>
+          <a:p>
+            <a:pPr algn="ctr"/>
+            <a:endParaRPr lang="en-US" dirty="0"/>
+          </a:p>
+          <a:p>
+            <a:pPr algn="ctr"/>
+            <a:r>
+              <a:rPr lang="en-US" dirty="0" err="1" smtClean="0"/>
+              <a:t>Audiodateien</a:t>
+            </a:r>
+            <a:r>
+              <a:rPr lang="en-US" dirty="0" smtClean="0"/>
+              <a:t> </a:t>
+            </a:r>
+            <a:r>
+              <a:rPr lang="en-US" dirty="0" err="1" smtClean="0"/>
+              <a:t>werden</a:t>
+            </a:r>
+            <a:r>
+              <a:rPr lang="en-US" dirty="0" smtClean="0"/>
+              <a:t> </a:t>
+            </a:r>
+            <a:r>
+              <a:rPr lang="en-US" dirty="0" err="1" smtClean="0"/>
+              <a:t>nur</a:t>
+            </a:r>
+            <a:r>
+              <a:rPr lang="en-US" dirty="0" smtClean="0"/>
+              <a:t> </a:t>
+            </a:r>
+            <a:r>
+              <a:rPr lang="en-US" b="1" dirty="0" err="1" smtClean="0"/>
+              <a:t>bei</a:t>
+            </a:r>
+            <a:r>
+              <a:rPr lang="en-US" b="1" dirty="0" smtClean="0"/>
+              <a:t> </a:t>
+            </a:r>
+            <a:r>
+              <a:rPr lang="en-US" b="1" dirty="0" err="1" smtClean="0"/>
+              <a:t>Bedarf</a:t>
+            </a:r>
+            <a:r>
+              <a:rPr lang="en-US" b="1" dirty="0" smtClean="0"/>
+              <a:t> </a:t>
+            </a:r>
+            <a:r>
+              <a:rPr lang="en-US" b="1" dirty="0" err="1" smtClean="0"/>
+              <a:t>geladen</a:t>
+            </a:r>
+            <a:r>
+              <a:rPr lang="en-US" b="1" dirty="0" smtClean="0"/>
+              <a:t>.</a:t>
+            </a:r>
+            <a:endParaRPr lang="en-US" b="1" dirty="0"/>
+          </a:p>
+        </p:txBody>
+      </p:sp>
     </p:spTree>
     <p:extLst>
       <p:ext uri="{BB962C8B-B14F-4D97-AF65-F5344CB8AC3E}">
-        <p14:creationId xmlns:p14="http://schemas.microsoft.com/office/powerpoint/2010/main" val="913848531"/>
+        <p14:creationId xmlns:p14="http://schemas.microsoft.com/office/powerpoint/2010/main" val="1395683405"/>
       </p:ext>
     </p:extLst>
   </p:cSld>

--- a/Lingvo/Abgabe/präsentation.pptx
+++ b/Lingvo/Abgabe/präsentation.pptx
@@ -6,7 +6,7 @@
     <p:sldMasterId id="2147483664" r:id="rId2"/>
   </p:sldMasterIdLst>
   <p:notesMasterIdLst>
-    <p:notesMasterId r:id="rId23"/>
+    <p:notesMasterId r:id="rId25"/>
   </p:notesMasterIdLst>
   <p:sldIdLst>
     <p:sldId id="261" r:id="rId3"/>
@@ -14,21 +14,23 @@
     <p:sldId id="267" r:id="rId5"/>
     <p:sldId id="268" r:id="rId6"/>
     <p:sldId id="271" r:id="rId7"/>
-    <p:sldId id="274" r:id="rId8"/>
-    <p:sldId id="272" r:id="rId9"/>
-    <p:sldId id="275" r:id="rId10"/>
-    <p:sldId id="276" r:id="rId11"/>
-    <p:sldId id="277" r:id="rId12"/>
-    <p:sldId id="278" r:id="rId13"/>
-    <p:sldId id="279" r:id="rId14"/>
-    <p:sldId id="280" r:id="rId15"/>
-    <p:sldId id="281" r:id="rId16"/>
-    <p:sldId id="282" r:id="rId17"/>
-    <p:sldId id="283" r:id="rId18"/>
-    <p:sldId id="284" r:id="rId19"/>
-    <p:sldId id="285" r:id="rId20"/>
-    <p:sldId id="270" r:id="rId21"/>
-    <p:sldId id="286" r:id="rId22"/>
+    <p:sldId id="287" r:id="rId8"/>
+    <p:sldId id="274" r:id="rId9"/>
+    <p:sldId id="288" r:id="rId10"/>
+    <p:sldId id="272" r:id="rId11"/>
+    <p:sldId id="275" r:id="rId12"/>
+    <p:sldId id="276" r:id="rId13"/>
+    <p:sldId id="277" r:id="rId14"/>
+    <p:sldId id="278" r:id="rId15"/>
+    <p:sldId id="279" r:id="rId16"/>
+    <p:sldId id="280" r:id="rId17"/>
+    <p:sldId id="281" r:id="rId18"/>
+    <p:sldId id="282" r:id="rId19"/>
+    <p:sldId id="283" r:id="rId20"/>
+    <p:sldId id="284" r:id="rId21"/>
+    <p:sldId id="285" r:id="rId22"/>
+    <p:sldId id="270" r:id="rId23"/>
+    <p:sldId id="286" r:id="rId24"/>
   </p:sldIdLst>
   <p:sldSz cx="9144000" cy="6858000" type="screen4x3"/>
   <p:notesSz cx="6858000" cy="9144000"/>
@@ -5302,7 +5304,7 @@
       </p:grpSpPr>
       <p:sp>
         <p:nvSpPr>
-          <p:cNvPr id="2" name="Titel 1"/>
+          <p:cNvPr id="2" name="Title 1"/>
           <p:cNvSpPr>
             <a:spLocks noGrp="1"/>
           </p:cNvSpPr>
@@ -5315,7 +5317,15 @@
           <a:bodyPr/>
           <a:lstStyle/>
           <a:p>
-            <a:endParaRPr lang="de-DE" dirty="0"/>
+            <a:r>
+              <a:rPr lang="en-US" dirty="0" err="1" smtClean="0"/>
+              <a:t>Architektur</a:t>
+            </a:r>
+            <a:r>
+              <a:rPr lang="en-US" dirty="0" smtClean="0"/>
+              <a:t>: Interfaces</a:t>
+            </a:r>
+            <a:endParaRPr lang="en-US" dirty="0"/>
           </a:p>
         </p:txBody>
       </p:sp>
@@ -5327,8 +5337,8 @@
         </p:nvSpPr>
         <p:spPr>
           <a:xfrm>
-            <a:off x="457200" y="3143250"/>
-            <a:ext cx="8378190" cy="769441"/>
+            <a:off x="3867447" y="2898421"/>
+            <a:ext cx="4564117" cy="646331"/>
           </a:xfrm>
           <a:prstGeom prst="rect">
             <a:avLst/>
@@ -5341,19 +5351,169 @@
           </a:bodyPr>
           <a:lstStyle/>
           <a:p>
-            <a:pPr algn="ctr"/>
-            <a:r>
-              <a:rPr lang="en-US" sz="4400" dirty="0" err="1" smtClean="0"/>
-              <a:t>Besonderheiten</a:t>
-            </a:r>
-            <a:endParaRPr lang="en-US" sz="4400" dirty="0"/>
-          </a:p>
-        </p:txBody>
-      </p:sp>
+            <a:r>
+              <a:rPr lang="en-US" b="1" dirty="0" err="1" smtClean="0"/>
+              <a:t>Unabhängig</a:t>
+            </a:r>
+            <a:r>
+              <a:rPr lang="en-US" dirty="0" smtClean="0"/>
+              <a:t> von </a:t>
+            </a:r>
+            <a:r>
+              <a:rPr lang="en-US" dirty="0" err="1" smtClean="0"/>
+              <a:t>plattformspezifischen</a:t>
+            </a:r>
+            <a:r>
+              <a:rPr lang="en-US" dirty="0" smtClean="0"/>
+              <a:t> </a:t>
+            </a:r>
+            <a:r>
+              <a:rPr lang="en-US" dirty="0" smtClean="0"/>
+              <a:t>Audio-Frameworks</a:t>
+            </a:r>
+            <a:endParaRPr lang="en-US" dirty="0" smtClean="0"/>
+          </a:p>
+        </p:txBody>
+      </p:sp>
+      <p:sp>
+        <p:nvSpPr>
+          <p:cNvPr id="13" name="TextBox 12"/>
+          <p:cNvSpPr txBox="1"/>
+          <p:nvPr/>
+        </p:nvSpPr>
+        <p:spPr>
+          <a:xfrm>
+            <a:off x="3867446" y="4846535"/>
+            <a:ext cx="4564117" cy="646331"/>
+          </a:xfrm>
+          <a:prstGeom prst="rect">
+            <a:avLst/>
+          </a:prstGeom>
+          <a:noFill/>
+        </p:spPr>
+        <p:txBody>
+          <a:bodyPr wrap="square" rtlCol="0">
+            <a:spAutoFit/>
+          </a:bodyPr>
+          <a:lstStyle/>
+          <a:p>
+            <a:r>
+              <a:rPr lang="en-US" b="1" dirty="0" err="1" smtClean="0"/>
+              <a:t>Abstraktion</a:t>
+            </a:r>
+            <a:r>
+              <a:rPr lang="en-US" dirty="0" smtClean="0"/>
+              <a:t> von der </a:t>
+            </a:r>
+            <a:r>
+              <a:rPr lang="en-US" dirty="0" err="1" smtClean="0"/>
+              <a:t>konkreten</a:t>
+            </a:r>
+            <a:r>
+              <a:rPr lang="en-US" dirty="0" smtClean="0"/>
+              <a:t> </a:t>
+            </a:r>
+            <a:r>
+              <a:rPr lang="en-US" dirty="0" err="1" smtClean="0"/>
+              <a:t>Speicherimplementierung</a:t>
+            </a:r>
+            <a:endParaRPr lang="en-US" dirty="0" smtClean="0"/>
+          </a:p>
+        </p:txBody>
+      </p:sp>
+      <p:pic>
+        <p:nvPicPr>
+          <p:cNvPr id="5" name="Content Placeholder 4"/>
+          <p:cNvPicPr>
+            <a:picLocks noGrp="1" noChangeAspect="1"/>
+          </p:cNvPicPr>
+          <p:nvPr>
+            <p:ph idx="1"/>
+          </p:nvPr>
+        </p:nvPicPr>
+        <p:blipFill>
+          <a:blip r:embed="rId2">
+            <a:extLst>
+              <a:ext uri="{28A0092B-C50C-407E-A947-70E740481C1C}">
+                <a14:useLocalDpi xmlns:a14="http://schemas.microsoft.com/office/drawing/2010/main" val="0"/>
+              </a:ext>
+            </a:extLst>
+          </a:blip>
+          <a:stretch>
+            <a:fillRect/>
+          </a:stretch>
+        </p:blipFill>
+        <p:spPr>
+          <a:xfrm>
+            <a:off x="457200" y="2060188"/>
+            <a:ext cx="2877836" cy="913233"/>
+          </a:xfrm>
+        </p:spPr>
+      </p:pic>
+      <p:pic>
+        <p:nvPicPr>
+          <p:cNvPr id="6" name="Picture 5"/>
+          <p:cNvPicPr>
+            <a:picLocks noChangeAspect="1"/>
+          </p:cNvPicPr>
+          <p:nvPr/>
+        </p:nvPicPr>
+        <p:blipFill>
+          <a:blip r:embed="rId3">
+            <a:extLst>
+              <a:ext uri="{28A0092B-C50C-407E-A947-70E740481C1C}">
+                <a14:useLocalDpi xmlns:a14="http://schemas.microsoft.com/office/drawing/2010/main" val="0"/>
+              </a:ext>
+            </a:extLst>
+          </a:blip>
+          <a:stretch>
+            <a:fillRect/>
+          </a:stretch>
+        </p:blipFill>
+        <p:spPr>
+          <a:xfrm>
+            <a:off x="457200" y="3355128"/>
+            <a:ext cx="2902332" cy="920101"/>
+          </a:xfrm>
+          <a:prstGeom prst="rect">
+            <a:avLst/>
+          </a:prstGeom>
+        </p:spPr>
+      </p:pic>
+      <p:pic>
+        <p:nvPicPr>
+          <p:cNvPr id="7" name="Picture 6"/>
+          <p:cNvPicPr>
+            <a:picLocks noChangeAspect="1"/>
+          </p:cNvPicPr>
+          <p:nvPr/>
+        </p:nvPicPr>
+        <p:blipFill>
+          <a:blip r:embed="rId4">
+            <a:extLst>
+              <a:ext uri="{28A0092B-C50C-407E-A947-70E740481C1C}">
+                <a14:useLocalDpi xmlns:a14="http://schemas.microsoft.com/office/drawing/2010/main" val="0"/>
+              </a:ext>
+            </a:extLst>
+          </a:blip>
+          <a:stretch>
+            <a:fillRect/>
+          </a:stretch>
+        </p:blipFill>
+        <p:spPr>
+          <a:xfrm>
+            <a:off x="457200" y="4708842"/>
+            <a:ext cx="2902332" cy="921718"/>
+          </a:xfrm>
+          <a:prstGeom prst="rect">
+            <a:avLst/>
+          </a:prstGeom>
+        </p:spPr>
+      </p:pic>
     </p:spTree>
     <p:extLst>
       <p:ext uri="{BB962C8B-B14F-4D97-AF65-F5344CB8AC3E}">
-        <p14:creationId xmlns:p14="http://schemas.microsoft.com/office/powerpoint/2010/main" val="1331332653"/>
+        <p14:creationId xmlns:p14="http://schemas.microsoft.com/office/powerpoint/2010/main" val="1828560639"/>
       </p:ext>
     </p:extLst>
   </p:cSld>
@@ -5404,6 +5564,669 @@
           <a:p>
             <a:r>
               <a:rPr lang="en-US" dirty="0" err="1" smtClean="0"/>
+              <a:t>Architektur</a:t>
+            </a:r>
+            <a:r>
+              <a:rPr lang="en-US" dirty="0" smtClean="0"/>
+              <a:t>: Proxy Pattern</a:t>
+            </a:r>
+            <a:endParaRPr lang="en-US" dirty="0"/>
+          </a:p>
+        </p:txBody>
+      </p:sp>
+      <p:sp>
+        <p:nvSpPr>
+          <p:cNvPr id="10" name="TextBox 9"/>
+          <p:cNvSpPr txBox="1"/>
+          <p:nvPr/>
+        </p:nvSpPr>
+        <p:spPr>
+          <a:xfrm>
+            <a:off x="2068393" y="4684139"/>
+            <a:ext cx="5125827" cy="923330"/>
+          </a:xfrm>
+          <a:prstGeom prst="rect">
+            <a:avLst/>
+          </a:prstGeom>
+          <a:noFill/>
+        </p:spPr>
+        <p:txBody>
+          <a:bodyPr wrap="none" rtlCol="0">
+            <a:spAutoFit/>
+          </a:bodyPr>
+          <a:lstStyle/>
+          <a:p>
+            <a:pPr algn="ctr"/>
+            <a:r>
+              <a:rPr lang="en-US" b="1" dirty="0" err="1" smtClean="0"/>
+              <a:t>PageProxy</a:t>
+            </a:r>
+            <a:r>
+              <a:rPr lang="en-US" b="1" dirty="0" smtClean="0"/>
+              <a:t> </a:t>
+            </a:r>
+            <a:r>
+              <a:rPr lang="en-US" b="1" dirty="0" err="1" smtClean="0"/>
+              <a:t>lädt</a:t>
+            </a:r>
+            <a:r>
+              <a:rPr lang="en-US" b="1" dirty="0" smtClean="0"/>
+              <a:t> </a:t>
+            </a:r>
+            <a:r>
+              <a:rPr lang="en-US" b="1" dirty="0" err="1" smtClean="0"/>
+              <a:t>Metadaten</a:t>
+            </a:r>
+            <a:r>
+              <a:rPr lang="en-US" b="1" dirty="0" smtClean="0"/>
+              <a:t> </a:t>
+            </a:r>
+            <a:r>
+              <a:rPr lang="en-US" dirty="0" err="1" smtClean="0"/>
+              <a:t>ohne</a:t>
+            </a:r>
+            <a:r>
+              <a:rPr lang="en-US" dirty="0" smtClean="0"/>
+              <a:t> </a:t>
+            </a:r>
+            <a:r>
+              <a:rPr lang="en-US" dirty="0" err="1" smtClean="0"/>
+              <a:t>zusätzlichen</a:t>
+            </a:r>
+            <a:r>
+              <a:rPr lang="en-US" dirty="0" smtClean="0"/>
+              <a:t> Traffic.</a:t>
+            </a:r>
+          </a:p>
+          <a:p>
+            <a:pPr algn="ctr"/>
+            <a:endParaRPr lang="en-US" dirty="0"/>
+          </a:p>
+          <a:p>
+            <a:pPr algn="ctr"/>
+            <a:r>
+              <a:rPr lang="en-US" dirty="0" err="1" smtClean="0"/>
+              <a:t>Audiodateien</a:t>
+            </a:r>
+            <a:r>
+              <a:rPr lang="en-US" dirty="0" smtClean="0"/>
+              <a:t> </a:t>
+            </a:r>
+            <a:r>
+              <a:rPr lang="en-US" dirty="0" err="1" smtClean="0"/>
+              <a:t>werden</a:t>
+            </a:r>
+            <a:r>
+              <a:rPr lang="en-US" dirty="0" smtClean="0"/>
+              <a:t> </a:t>
+            </a:r>
+            <a:r>
+              <a:rPr lang="en-US" dirty="0" err="1" smtClean="0"/>
+              <a:t>nur</a:t>
+            </a:r>
+            <a:r>
+              <a:rPr lang="en-US" dirty="0" smtClean="0"/>
+              <a:t> </a:t>
+            </a:r>
+            <a:r>
+              <a:rPr lang="en-US" b="1" dirty="0" err="1" smtClean="0"/>
+              <a:t>bei</a:t>
+            </a:r>
+            <a:r>
+              <a:rPr lang="en-US" b="1" dirty="0" smtClean="0"/>
+              <a:t> </a:t>
+            </a:r>
+            <a:r>
+              <a:rPr lang="en-US" b="1" dirty="0" err="1" smtClean="0"/>
+              <a:t>Bedarf</a:t>
+            </a:r>
+            <a:r>
+              <a:rPr lang="en-US" b="1" dirty="0" smtClean="0"/>
+              <a:t> </a:t>
+            </a:r>
+            <a:r>
+              <a:rPr lang="en-US" b="1" dirty="0" err="1" smtClean="0"/>
+              <a:t>geladen</a:t>
+            </a:r>
+            <a:r>
+              <a:rPr lang="en-US" b="1" dirty="0" smtClean="0"/>
+              <a:t>.</a:t>
+            </a:r>
+            <a:endParaRPr lang="en-US" b="1" dirty="0"/>
+          </a:p>
+        </p:txBody>
+      </p:sp>
+      <p:pic>
+        <p:nvPicPr>
+          <p:cNvPr id="8" name="Picture 7"/>
+          <p:cNvPicPr>
+            <a:picLocks noChangeAspect="1"/>
+          </p:cNvPicPr>
+          <p:nvPr/>
+        </p:nvPicPr>
+        <p:blipFill>
+          <a:blip r:embed="rId2">
+            <a:extLst>
+              <a:ext uri="{28A0092B-C50C-407E-A947-70E740481C1C}">
+                <a14:useLocalDpi xmlns:a14="http://schemas.microsoft.com/office/drawing/2010/main" val="0"/>
+              </a:ext>
+            </a:extLst>
+          </a:blip>
+          <a:stretch>
+            <a:fillRect/>
+          </a:stretch>
+        </p:blipFill>
+        <p:spPr>
+          <a:xfrm>
+            <a:off x="0" y="1750234"/>
+            <a:ext cx="2316476" cy="2316476"/>
+          </a:xfrm>
+          <a:prstGeom prst="rect">
+            <a:avLst/>
+          </a:prstGeom>
+        </p:spPr>
+      </p:pic>
+      <p:sp>
+        <p:nvSpPr>
+          <p:cNvPr id="4" name="Rectangle 3"/>
+          <p:cNvSpPr/>
+          <p:nvPr/>
+        </p:nvSpPr>
+        <p:spPr>
+          <a:xfrm>
+            <a:off x="2115381" y="2363062"/>
+            <a:ext cx="1648512" cy="1113860"/>
+          </a:xfrm>
+          <a:prstGeom prst="rect">
+            <a:avLst/>
+          </a:prstGeom>
+        </p:spPr>
+        <p:style>
+          <a:lnRef idx="2">
+            <a:schemeClr val="accent6"/>
+          </a:lnRef>
+          <a:fillRef idx="1">
+            <a:schemeClr val="lt1"/>
+          </a:fillRef>
+          <a:effectRef idx="0">
+            <a:schemeClr val="accent6"/>
+          </a:effectRef>
+          <a:fontRef idx="minor">
+            <a:schemeClr val="dk1"/>
+          </a:fontRef>
+        </p:style>
+        <p:txBody>
+          <a:bodyPr rtlCol="0" anchor="ctr"/>
+          <a:lstStyle/>
+          <a:p>
+            <a:pPr algn="ctr"/>
+            <a:endParaRPr lang="en-US"/>
+          </a:p>
+        </p:txBody>
+      </p:sp>
+      <p:sp>
+        <p:nvSpPr>
+          <p:cNvPr id="9" name="TextBox 8"/>
+          <p:cNvSpPr txBox="1"/>
+          <p:nvPr/>
+        </p:nvSpPr>
+        <p:spPr>
+          <a:xfrm>
+            <a:off x="2230998" y="2708417"/>
+            <a:ext cx="1417277" cy="400110"/>
+          </a:xfrm>
+          <a:prstGeom prst="rect">
+            <a:avLst/>
+          </a:prstGeom>
+          <a:noFill/>
+        </p:spPr>
+        <p:txBody>
+          <a:bodyPr wrap="square" rtlCol="0">
+            <a:spAutoFit/>
+          </a:bodyPr>
+          <a:lstStyle/>
+          <a:p>
+            <a:pPr algn="ctr"/>
+            <a:r>
+              <a:rPr lang="en-US" sz="2000" b="1" dirty="0" err="1" smtClean="0"/>
+              <a:t>PageProxy</a:t>
+            </a:r>
+            <a:endParaRPr lang="en-US" sz="2000" b="1" dirty="0"/>
+          </a:p>
+        </p:txBody>
+      </p:sp>
+      <p:pic>
+        <p:nvPicPr>
+          <p:cNvPr id="11" name="Picture 10"/>
+          <p:cNvPicPr>
+            <a:picLocks noChangeAspect="1"/>
+          </p:cNvPicPr>
+          <p:nvPr/>
+        </p:nvPicPr>
+        <p:blipFill>
+          <a:blip r:embed="rId3">
+            <a:extLst>
+              <a:ext uri="{28A0092B-C50C-407E-A947-70E740481C1C}">
+                <a14:useLocalDpi xmlns:a14="http://schemas.microsoft.com/office/drawing/2010/main" val="0"/>
+              </a:ext>
+            </a:extLst>
+          </a:blip>
+          <a:stretch>
+            <a:fillRect/>
+          </a:stretch>
+        </p:blipFill>
+        <p:spPr>
+          <a:xfrm>
+            <a:off x="6673182" y="2286355"/>
+            <a:ext cx="1487712" cy="1485900"/>
+          </a:xfrm>
+          <a:prstGeom prst="rect">
+            <a:avLst/>
+          </a:prstGeom>
+        </p:spPr>
+      </p:pic>
+      <p:pic>
+        <p:nvPicPr>
+          <p:cNvPr id="13" name="Picture 12"/>
+          <p:cNvPicPr>
+            <a:picLocks noChangeAspect="1"/>
+          </p:cNvPicPr>
+          <p:nvPr/>
+        </p:nvPicPr>
+        <p:blipFill>
+          <a:blip r:embed="rId4">
+            <a:extLst>
+              <a:ext uri="{28A0092B-C50C-407E-A947-70E740481C1C}">
+                <a14:useLocalDpi xmlns:a14="http://schemas.microsoft.com/office/drawing/2010/main" val="0"/>
+              </a:ext>
+            </a:extLst>
+          </a:blip>
+          <a:stretch>
+            <a:fillRect/>
+          </a:stretch>
+        </p:blipFill>
+        <p:spPr>
+          <a:xfrm>
+            <a:off x="8328048" y="2431250"/>
+            <a:ext cx="710077" cy="946769"/>
+          </a:xfrm>
+          <a:prstGeom prst="rect">
+            <a:avLst/>
+          </a:prstGeom>
+        </p:spPr>
+      </p:pic>
+      <p:sp>
+        <p:nvSpPr>
+          <p:cNvPr id="14" name="TextBox 13"/>
+          <p:cNvSpPr txBox="1"/>
+          <p:nvPr/>
+        </p:nvSpPr>
+        <p:spPr>
+          <a:xfrm>
+            <a:off x="6378381" y="1560994"/>
+            <a:ext cx="1972603" cy="646331"/>
+          </a:xfrm>
+          <a:prstGeom prst="rect">
+            <a:avLst/>
+          </a:prstGeom>
+        </p:spPr>
+        <p:style>
+          <a:lnRef idx="2">
+            <a:schemeClr val="accent2"/>
+          </a:lnRef>
+          <a:fillRef idx="1">
+            <a:schemeClr val="lt1"/>
+          </a:fillRef>
+          <a:effectRef idx="0">
+            <a:schemeClr val="accent2"/>
+          </a:effectRef>
+          <a:fontRef idx="minor">
+            <a:schemeClr val="dk1"/>
+          </a:fontRef>
+        </p:style>
+        <p:txBody>
+          <a:bodyPr wrap="square" rtlCol="0">
+            <a:spAutoFit/>
+          </a:bodyPr>
+          <a:lstStyle/>
+          <a:p>
+            <a:pPr algn="ctr"/>
+            <a:r>
+              <a:rPr lang="en-US" dirty="0" err="1" smtClean="0">
+                <a:latin typeface="Courier" charset="0"/>
+                <a:ea typeface="Courier" charset="0"/>
+                <a:cs typeface="Courier" charset="0"/>
+              </a:rPr>
+              <a:t>Seitenzahl</a:t>
+            </a:r>
+            <a:r>
+              <a:rPr lang="en-US" dirty="0" smtClean="0">
+                <a:latin typeface="Courier" charset="0"/>
+                <a:ea typeface="Courier" charset="0"/>
+                <a:cs typeface="Courier" charset="0"/>
+              </a:rPr>
+              <a:t>: 5</a:t>
+            </a:r>
+            <a:br>
+              <a:rPr lang="en-US" dirty="0" smtClean="0">
+                <a:latin typeface="Courier" charset="0"/>
+                <a:ea typeface="Courier" charset="0"/>
+                <a:cs typeface="Courier" charset="0"/>
+              </a:rPr>
+            </a:br>
+            <a:r>
+              <a:rPr lang="en-US" dirty="0" err="1" smtClean="0">
+                <a:latin typeface="Courier" charset="0"/>
+                <a:ea typeface="Courier" charset="0"/>
+                <a:cs typeface="Courier" charset="0"/>
+              </a:rPr>
+              <a:t>Untertitel</a:t>
+            </a:r>
+            <a:r>
+              <a:rPr lang="en-US" dirty="0" smtClean="0">
+                <a:latin typeface="Courier" charset="0"/>
+                <a:ea typeface="Courier" charset="0"/>
+                <a:cs typeface="Courier" charset="0"/>
+              </a:rPr>
+              <a:t>: </a:t>
+            </a:r>
+            <a:r>
+              <a:rPr lang="is-IS" dirty="0" smtClean="0">
+                <a:latin typeface="Courier" charset="0"/>
+                <a:ea typeface="Courier" charset="0"/>
+                <a:cs typeface="Courier" charset="0"/>
+              </a:rPr>
+              <a:t>…</a:t>
+            </a:r>
+            <a:endParaRPr lang="en-US" dirty="0">
+              <a:latin typeface="Courier" charset="0"/>
+              <a:ea typeface="Courier" charset="0"/>
+              <a:cs typeface="Courier" charset="0"/>
+            </a:endParaRPr>
+          </a:p>
+        </p:txBody>
+      </p:sp>
+      <p:cxnSp>
+        <p:nvCxnSpPr>
+          <p:cNvPr id="16" name="Straight Arrow Connector 15"/>
+          <p:cNvCxnSpPr/>
+          <p:nvPr/>
+        </p:nvCxnSpPr>
+        <p:spPr>
+          <a:xfrm flipV="1">
+            <a:off x="3888606" y="2908472"/>
+            <a:ext cx="2594486" cy="11520"/>
+          </a:xfrm>
+          <a:prstGeom prst="straightConnector1">
+            <a:avLst/>
+          </a:prstGeom>
+          <a:ln>
+            <a:headEnd type="triangle"/>
+            <a:tailEnd type="triangle"/>
+          </a:ln>
+        </p:spPr>
+        <p:style>
+          <a:lnRef idx="1">
+            <a:schemeClr val="accent1"/>
+          </a:lnRef>
+          <a:fillRef idx="0">
+            <a:schemeClr val="accent1"/>
+          </a:fillRef>
+          <a:effectRef idx="0">
+            <a:schemeClr val="accent1"/>
+          </a:effectRef>
+          <a:fontRef idx="minor">
+            <a:schemeClr val="tx1"/>
+          </a:fontRef>
+        </p:style>
+      </p:cxnSp>
+    </p:spTree>
+    <p:extLst>
+      <p:ext uri="{BB962C8B-B14F-4D97-AF65-F5344CB8AC3E}">
+        <p14:creationId xmlns:p14="http://schemas.microsoft.com/office/powerpoint/2010/main" val="1395683405"/>
+      </p:ext>
+    </p:extLst>
+  </p:cSld>
+  <p:clrMapOvr>
+    <a:masterClrMapping/>
+  </p:clrMapOvr>
+  <p:timing>
+    <p:tnLst>
+      <p:par>
+        <p:cTn id="1" dur="indefinite" restart="never" nodeType="tmRoot">
+          <p:childTnLst>
+            <p:seq concurrent="1" nextAc="seek">
+              <p:cTn id="2" dur="indefinite" nodeType="mainSeq">
+                <p:childTnLst>
+                  <p:par>
+                    <p:cTn id="3" fill="hold">
+                      <p:stCondLst>
+                        <p:cond delay="indefinite"/>
+                      </p:stCondLst>
+                      <p:childTnLst>
+                        <p:par>
+                          <p:cTn id="4" fill="hold">
+                            <p:stCondLst>
+                              <p:cond delay="0"/>
+                            </p:stCondLst>
+                            <p:childTnLst>
+                              <p:par>
+                                <p:cTn id="5" presetID="37" presetClass="path" presetSubtype="0" accel="50000" decel="50000" fill="hold" grpId="0" nodeType="clickEffect">
+                                  <p:stCondLst>
+                                    <p:cond delay="0"/>
+                                  </p:stCondLst>
+                                  <p:childTnLst>
+                                    <p:animMotion origin="layout" path="M -1.94444E-6 0.00416 L -0.12951 -0.07917 C -0.1566 -0.09792 -0.19705 -0.10764 -0.23941 -0.10764 C -0.2875 -0.10764 -0.32604 -0.09792 -0.35312 -0.07917 L -0.48229 0.00416 " pathEditMode="relative" rAng="0" ptsTypes="AAAAA">
+                                      <p:cBhvr>
+                                        <p:cTn id="6" dur="2000" fill="hold"/>
+                                        <p:tgtEl>
+                                          <p:spTgt spid="14"/>
+                                        </p:tgtEl>
+                                        <p:attrNameLst>
+                                          <p:attrName>ppt_x</p:attrName>
+                                          <p:attrName>ppt_y</p:attrName>
+                                        </p:attrNameLst>
+                                      </p:cBhvr>
+                                      <p:rCtr x="-24115" y="-5602"/>
+                                    </p:animMotion>
+                                  </p:childTnLst>
+                                </p:cTn>
+                              </p:par>
+                            </p:childTnLst>
+                          </p:cTn>
+                        </p:par>
+                      </p:childTnLst>
+                    </p:cTn>
+                  </p:par>
+                  <p:par>
+                    <p:cTn id="7" fill="hold">
+                      <p:stCondLst>
+                        <p:cond delay="indefinite"/>
+                      </p:stCondLst>
+                      <p:childTnLst>
+                        <p:par>
+                          <p:cTn id="8" fill="hold">
+                            <p:stCondLst>
+                              <p:cond delay="0"/>
+                            </p:stCondLst>
+                            <p:childTnLst>
+                              <p:par>
+                                <p:cTn id="9" presetID="37" presetClass="path" presetSubtype="0" accel="50000" decel="50000" fill="hold" nodeType="clickEffect">
+                                  <p:stCondLst>
+                                    <p:cond delay="0"/>
+                                  </p:stCondLst>
+                                  <p:childTnLst>
+                                    <p:animMotion origin="layout" path="M 8.33333E-7 3.7037E-7 L -0.22049 0.08611 C -0.26667 0.10556 -0.33542 0.1162 -0.40729 0.1162 C -0.48958 0.1162 -0.55504 0.10556 -0.60122 0.08611 L -0.82101 3.7037E-7 " pathEditMode="relative" rAng="0" ptsTypes="AAAAA">
+                                      <p:cBhvr>
+                                        <p:cTn id="10" dur="2000" fill="hold"/>
+                                        <p:tgtEl>
+                                          <p:spTgt spid="13"/>
+                                        </p:tgtEl>
+                                        <p:attrNameLst>
+                                          <p:attrName>ppt_x</p:attrName>
+                                          <p:attrName>ppt_y</p:attrName>
+                                        </p:attrNameLst>
+                                      </p:cBhvr>
+                                      <p:rCtr x="-41059" y="5810"/>
+                                    </p:animMotion>
+                                  </p:childTnLst>
+                                </p:cTn>
+                              </p:par>
+                            </p:childTnLst>
+                          </p:cTn>
+                        </p:par>
+                      </p:childTnLst>
+                    </p:cTn>
+                  </p:par>
+                </p:childTnLst>
+              </p:cTn>
+              <p:prevCondLst>
+                <p:cond evt="onPrev" delay="0">
+                  <p:tgtEl>
+                    <p:sldTgt/>
+                  </p:tgtEl>
+                </p:cond>
+              </p:prevCondLst>
+              <p:nextCondLst>
+                <p:cond evt="onNext" delay="0">
+                  <p:tgtEl>
+                    <p:sldTgt/>
+                  </p:tgtEl>
+                </p:cond>
+              </p:nextCondLst>
+            </p:seq>
+          </p:childTnLst>
+        </p:cTn>
+      </p:par>
+    </p:tnLst>
+    <p:bldLst>
+      <p:bldP spid="14" grpId="0" animBg="1"/>
+    </p:bldLst>
+  </p:timing>
+</p:sld>
+</file>
+
+<file path=ppt/slides/slide12.xml><?xml version="1.0" encoding="utf-8"?>
+<p:sld xmlns:a="http://schemas.openxmlformats.org/drawingml/2006/main" xmlns:r="http://schemas.openxmlformats.org/officeDocument/2006/relationships" xmlns:p="http://schemas.openxmlformats.org/presentationml/2006/main">
+  <p:cSld>
+    <p:spTree>
+      <p:nvGrpSpPr>
+        <p:cNvPr id="1" name=""/>
+        <p:cNvGrpSpPr/>
+        <p:nvPr/>
+      </p:nvGrpSpPr>
+      <p:grpSpPr>
+        <a:xfrm>
+          <a:off x="0" y="0"/>
+          <a:ext cx="0" cy="0"/>
+          <a:chOff x="0" y="0"/>
+          <a:chExt cx="0" cy="0"/>
+        </a:xfrm>
+      </p:grpSpPr>
+      <p:sp>
+        <p:nvSpPr>
+          <p:cNvPr id="2" name="Titel 1"/>
+          <p:cNvSpPr>
+            <a:spLocks noGrp="1"/>
+          </p:cNvSpPr>
+          <p:nvPr>
+            <p:ph type="title"/>
+          </p:nvPr>
+        </p:nvSpPr>
+        <p:spPr/>
+        <p:txBody>
+          <a:bodyPr/>
+          <a:lstStyle/>
+          <a:p>
+            <a:endParaRPr lang="de-DE" dirty="0"/>
+          </a:p>
+        </p:txBody>
+      </p:sp>
+      <p:sp>
+        <p:nvSpPr>
+          <p:cNvPr id="3" name="TextBox 2"/>
+          <p:cNvSpPr txBox="1"/>
+          <p:nvPr/>
+        </p:nvSpPr>
+        <p:spPr>
+          <a:xfrm>
+            <a:off x="457200" y="3143250"/>
+            <a:ext cx="8378190" cy="769441"/>
+          </a:xfrm>
+          <a:prstGeom prst="rect">
+            <a:avLst/>
+          </a:prstGeom>
+          <a:noFill/>
+        </p:spPr>
+        <p:txBody>
+          <a:bodyPr wrap="square" rtlCol="0">
+            <a:spAutoFit/>
+          </a:bodyPr>
+          <a:lstStyle/>
+          <a:p>
+            <a:pPr algn="ctr"/>
+            <a:r>
+              <a:rPr lang="en-US" sz="4400" dirty="0" err="1" smtClean="0"/>
+              <a:t>Besonderheiten</a:t>
+            </a:r>
+            <a:endParaRPr lang="en-US" sz="4400" dirty="0"/>
+          </a:p>
+        </p:txBody>
+      </p:sp>
+    </p:spTree>
+    <p:extLst>
+      <p:ext uri="{BB962C8B-B14F-4D97-AF65-F5344CB8AC3E}">
+        <p14:creationId xmlns:p14="http://schemas.microsoft.com/office/powerpoint/2010/main" val="1331332653"/>
+      </p:ext>
+    </p:extLst>
+  </p:cSld>
+  <p:clrMapOvr>
+    <a:masterClrMapping/>
+  </p:clrMapOvr>
+  <p:timing>
+    <p:tnLst>
+      <p:par>
+        <p:cTn id="1" dur="indefinite" restart="never" nodeType="tmRoot"/>
+      </p:par>
+    </p:tnLst>
+  </p:timing>
+</p:sld>
+</file>
+
+<file path=ppt/slides/slide13.xml><?xml version="1.0" encoding="utf-8"?>
+<p:sld xmlns:a="http://schemas.openxmlformats.org/drawingml/2006/main" xmlns:r="http://schemas.openxmlformats.org/officeDocument/2006/relationships" xmlns:p="http://schemas.openxmlformats.org/presentationml/2006/main">
+  <p:cSld>
+    <p:spTree>
+      <p:nvGrpSpPr>
+        <p:cNvPr id="1" name=""/>
+        <p:cNvGrpSpPr/>
+        <p:nvPr/>
+      </p:nvGrpSpPr>
+      <p:grpSpPr>
+        <a:xfrm>
+          <a:off x="0" y="0"/>
+          <a:ext cx="0" cy="0"/>
+          <a:chOff x="0" y="0"/>
+          <a:chExt cx="0" cy="0"/>
+        </a:xfrm>
+      </p:grpSpPr>
+      <p:sp>
+        <p:nvSpPr>
+          <p:cNvPr id="2" name="Title 1"/>
+          <p:cNvSpPr>
+            <a:spLocks noGrp="1"/>
+          </p:cNvSpPr>
+          <p:nvPr>
+            <p:ph type="title"/>
+          </p:nvPr>
+        </p:nvSpPr>
+        <p:spPr/>
+        <p:txBody>
+          <a:bodyPr/>
+          <a:lstStyle/>
+          <a:p>
+            <a:r>
+              <a:rPr lang="en-US" dirty="0" err="1" smtClean="0"/>
               <a:t>Besonderheiten</a:t>
             </a:r>
             <a:r>
@@ -5682,7 +6505,7 @@
 </p:sld>
 </file>
 
-<file path=ppt/slides/slide12.xml><?xml version="1.0" encoding="utf-8"?>
+<file path=ppt/slides/slide14.xml><?xml version="1.0" encoding="utf-8"?>
 <p:sld xmlns:a="http://schemas.openxmlformats.org/drawingml/2006/main" xmlns:r="http://schemas.openxmlformats.org/officeDocument/2006/relationships" xmlns:p="http://schemas.openxmlformats.org/presentationml/2006/main">
   <p:cSld>
     <p:spTree>
@@ -5880,7 +6703,7 @@
 </p:sld>
 </file>
 
-<file path=ppt/slides/slide13.xml><?xml version="1.0" encoding="utf-8"?>
+<file path=ppt/slides/slide15.xml><?xml version="1.0" encoding="utf-8"?>
 <p:sld xmlns:a="http://schemas.openxmlformats.org/drawingml/2006/main" xmlns:r="http://schemas.openxmlformats.org/officeDocument/2006/relationships" xmlns:p="http://schemas.openxmlformats.org/presentationml/2006/main">
   <p:cSld>
     <p:spTree>
@@ -6112,180 +6935,6 @@
     <p:extLst>
       <p:ext uri="{BB962C8B-B14F-4D97-AF65-F5344CB8AC3E}">
         <p14:creationId xmlns:p14="http://schemas.microsoft.com/office/powerpoint/2010/main" val="913264240"/>
-      </p:ext>
-    </p:extLst>
-  </p:cSld>
-  <p:clrMapOvr>
-    <a:masterClrMapping/>
-  </p:clrMapOvr>
-  <p:timing>
-    <p:tnLst>
-      <p:par>
-        <p:cTn id="1" dur="indefinite" restart="never" nodeType="tmRoot"/>
-      </p:par>
-    </p:tnLst>
-  </p:timing>
-</p:sld>
-</file>
-
-<file path=ppt/slides/slide14.xml><?xml version="1.0" encoding="utf-8"?>
-<p:sld xmlns:a="http://schemas.openxmlformats.org/drawingml/2006/main" xmlns:r="http://schemas.openxmlformats.org/officeDocument/2006/relationships" xmlns:p="http://schemas.openxmlformats.org/presentationml/2006/main">
-  <p:cSld>
-    <p:spTree>
-      <p:nvGrpSpPr>
-        <p:cNvPr id="1" name=""/>
-        <p:cNvGrpSpPr/>
-        <p:nvPr/>
-      </p:nvGrpSpPr>
-      <p:grpSpPr>
-        <a:xfrm>
-          <a:off x="0" y="0"/>
-          <a:ext cx="0" cy="0"/>
-          <a:chOff x="0" y="0"/>
-          <a:chExt cx="0" cy="0"/>
-        </a:xfrm>
-      </p:grpSpPr>
-      <p:sp>
-        <p:nvSpPr>
-          <p:cNvPr id="2" name="Titel 1"/>
-          <p:cNvSpPr>
-            <a:spLocks noGrp="1"/>
-          </p:cNvSpPr>
-          <p:nvPr>
-            <p:ph type="title"/>
-          </p:nvPr>
-        </p:nvSpPr>
-        <p:spPr/>
-        <p:txBody>
-          <a:bodyPr/>
-          <a:lstStyle/>
-          <a:p>
-            <a:endParaRPr lang="de-DE" dirty="0"/>
-          </a:p>
-        </p:txBody>
-      </p:sp>
-      <p:sp>
-        <p:nvSpPr>
-          <p:cNvPr id="3" name="TextBox 2"/>
-          <p:cNvSpPr txBox="1"/>
-          <p:nvPr/>
-        </p:nvSpPr>
-        <p:spPr>
-          <a:xfrm>
-            <a:off x="457200" y="3143250"/>
-            <a:ext cx="8378190" cy="769441"/>
-          </a:xfrm>
-          <a:prstGeom prst="rect">
-            <a:avLst/>
-          </a:prstGeom>
-          <a:noFill/>
-        </p:spPr>
-        <p:txBody>
-          <a:bodyPr wrap="square" rtlCol="0">
-            <a:spAutoFit/>
-          </a:bodyPr>
-          <a:lstStyle/>
-          <a:p>
-            <a:pPr algn="ctr"/>
-            <a:r>
-              <a:rPr lang="en-US" sz="4400" dirty="0" smtClean="0"/>
-              <a:t>Live Demo</a:t>
-            </a:r>
-            <a:endParaRPr lang="en-US" sz="4400" dirty="0"/>
-          </a:p>
-        </p:txBody>
-      </p:sp>
-    </p:spTree>
-    <p:extLst>
-      <p:ext uri="{BB962C8B-B14F-4D97-AF65-F5344CB8AC3E}">
-        <p14:creationId xmlns:p14="http://schemas.microsoft.com/office/powerpoint/2010/main" val="675173480"/>
-      </p:ext>
-    </p:extLst>
-  </p:cSld>
-  <p:clrMapOvr>
-    <a:masterClrMapping/>
-  </p:clrMapOvr>
-  <p:timing>
-    <p:tnLst>
-      <p:par>
-        <p:cTn id="1" dur="indefinite" restart="never" nodeType="tmRoot"/>
-      </p:par>
-    </p:tnLst>
-  </p:timing>
-</p:sld>
-</file>
-
-<file path=ppt/slides/slide15.xml><?xml version="1.0" encoding="utf-8"?>
-<p:sld xmlns:a="http://schemas.openxmlformats.org/drawingml/2006/main" xmlns:r="http://schemas.openxmlformats.org/officeDocument/2006/relationships" xmlns:p="http://schemas.openxmlformats.org/presentationml/2006/main">
-  <p:cSld>
-    <p:spTree>
-      <p:nvGrpSpPr>
-        <p:cNvPr id="1" name=""/>
-        <p:cNvGrpSpPr/>
-        <p:nvPr/>
-      </p:nvGrpSpPr>
-      <p:grpSpPr>
-        <a:xfrm>
-          <a:off x="0" y="0"/>
-          <a:ext cx="0" cy="0"/>
-          <a:chOff x="0" y="0"/>
-          <a:chExt cx="0" cy="0"/>
-        </a:xfrm>
-      </p:grpSpPr>
-      <p:sp>
-        <p:nvSpPr>
-          <p:cNvPr id="2" name="Titel 1"/>
-          <p:cNvSpPr>
-            <a:spLocks noGrp="1"/>
-          </p:cNvSpPr>
-          <p:nvPr>
-            <p:ph type="title"/>
-          </p:nvPr>
-        </p:nvSpPr>
-        <p:spPr/>
-        <p:txBody>
-          <a:bodyPr/>
-          <a:lstStyle/>
-          <a:p>
-            <a:endParaRPr lang="de-DE" dirty="0"/>
-          </a:p>
-        </p:txBody>
-      </p:sp>
-      <p:sp>
-        <p:nvSpPr>
-          <p:cNvPr id="3" name="TextBox 2"/>
-          <p:cNvSpPr txBox="1"/>
-          <p:nvPr/>
-        </p:nvSpPr>
-        <p:spPr>
-          <a:xfrm>
-            <a:off x="457200" y="3143250"/>
-            <a:ext cx="8378190" cy="769441"/>
-          </a:xfrm>
-          <a:prstGeom prst="rect">
-            <a:avLst/>
-          </a:prstGeom>
-          <a:noFill/>
-        </p:spPr>
-        <p:txBody>
-          <a:bodyPr wrap="square" rtlCol="0">
-            <a:spAutoFit/>
-          </a:bodyPr>
-          <a:lstStyle/>
-          <a:p>
-            <a:pPr algn="ctr"/>
-            <a:r>
-              <a:rPr lang="en-US" sz="4400" dirty="0" smtClean="0"/>
-              <a:t>Future Work</a:t>
-            </a:r>
-            <a:endParaRPr lang="en-US" sz="4400" dirty="0"/>
-          </a:p>
-        </p:txBody>
-      </p:sp>
-    </p:spTree>
-    <p:extLst>
-      <p:ext uri="{BB962C8B-B14F-4D97-AF65-F5344CB8AC3E}">
-        <p14:creationId xmlns:p14="http://schemas.microsoft.com/office/powerpoint/2010/main" val="369634098"/>
       </p:ext>
     </p:extLst>
   </p:cSld>
@@ -6321,7 +6970,7 @@
       </p:grpSpPr>
       <p:sp>
         <p:nvSpPr>
-          <p:cNvPr id="2" name="Title 1"/>
+          <p:cNvPr id="2" name="Titel 1"/>
           <p:cNvSpPr>
             <a:spLocks noGrp="1"/>
           </p:cNvSpPr>
@@ -6334,133 +6983,45 @@
           <a:bodyPr/>
           <a:lstStyle/>
           <a:p>
-            <a:r>
-              <a:rPr lang="en-US" dirty="0" smtClean="0"/>
-              <a:t>Future Work</a:t>
-            </a:r>
-            <a:endParaRPr lang="en-US" dirty="0"/>
-          </a:p>
-        </p:txBody>
-      </p:sp>
-      <p:sp>
-        <p:nvSpPr>
-          <p:cNvPr id="3" name="Content Placeholder 2"/>
-          <p:cNvSpPr>
-            <a:spLocks noGrp="1"/>
-          </p:cNvSpPr>
-          <p:nvPr>
-            <p:ph idx="1"/>
-          </p:nvPr>
+            <a:endParaRPr lang="de-DE" dirty="0"/>
+          </a:p>
+        </p:txBody>
+      </p:sp>
+      <p:sp>
+        <p:nvSpPr>
+          <p:cNvPr id="3" name="TextBox 2"/>
+          <p:cNvSpPr txBox="1"/>
+          <p:nvPr/>
         </p:nvSpPr>
         <p:spPr>
           <a:xfrm>
-            <a:off x="457200" y="2569778"/>
-            <a:ext cx="8229600" cy="3716741"/>
-          </a:xfrm>
-        </p:spPr>
-        <p:txBody>
-          <a:bodyPr>
-            <a:normAutofit/>
+            <a:off x="457200" y="3143250"/>
+            <a:ext cx="8378190" cy="769441"/>
+          </a:xfrm>
+          <a:prstGeom prst="rect">
+            <a:avLst/>
+          </a:prstGeom>
+          <a:noFill/>
+        </p:spPr>
+        <p:txBody>
+          <a:bodyPr wrap="square" rtlCol="0">
+            <a:spAutoFit/>
           </a:bodyPr>
           <a:lstStyle/>
           <a:p>
             <a:pPr algn="ctr"/>
-            <a:endParaRPr lang="en-US" sz="2400" dirty="0" smtClean="0"/>
-          </a:p>
-          <a:p>
-            <a:pPr algn="ctr"/>
-            <a:r>
-              <a:rPr lang="en-US" sz="2400" dirty="0" err="1" smtClean="0"/>
-              <a:t>Externe</a:t>
-            </a:r>
-            <a:r>
-              <a:rPr lang="en-US" sz="2400" dirty="0" smtClean="0"/>
-              <a:t> Audio-</a:t>
-            </a:r>
-            <a:r>
-              <a:rPr lang="en-US" sz="2400" dirty="0" err="1" smtClean="0"/>
-              <a:t>Bibliotheken</a:t>
-            </a:r>
-            <a:r>
-              <a:rPr lang="en-US" sz="2400" dirty="0" smtClean="0"/>
-              <a:t> </a:t>
-            </a:r>
-            <a:r>
-              <a:rPr lang="en-US" sz="2400" dirty="0" err="1" smtClean="0"/>
-              <a:t>für</a:t>
-            </a:r>
-            <a:r>
-              <a:rPr lang="en-US" sz="2400" dirty="0" smtClean="0"/>
-              <a:t> </a:t>
-            </a:r>
-            <a:r>
-              <a:rPr lang="en-US" sz="2400" dirty="0" err="1" smtClean="0"/>
-              <a:t>bessere</a:t>
-            </a:r>
-            <a:r>
-              <a:rPr lang="en-US" sz="2400" dirty="0" smtClean="0"/>
-              <a:t> </a:t>
-            </a:r>
-            <a:r>
-              <a:rPr lang="en-US" sz="2400" dirty="0" err="1" smtClean="0"/>
-              <a:t>Qualität</a:t>
-            </a:r>
-            <a:endParaRPr lang="en-US" sz="2400" dirty="0" smtClean="0"/>
-          </a:p>
-          <a:p>
-            <a:pPr algn="ctr"/>
-            <a:r>
-              <a:rPr lang="en-US" sz="2400" dirty="0" err="1" smtClean="0"/>
-              <a:t>Statistiken</a:t>
-            </a:r>
-            <a:r>
-              <a:rPr lang="en-US" sz="2400" dirty="0" smtClean="0"/>
-              <a:t> </a:t>
-            </a:r>
-            <a:r>
-              <a:rPr lang="en-US" sz="2400" dirty="0" err="1" smtClean="0"/>
-              <a:t>über</a:t>
-            </a:r>
-            <a:r>
-              <a:rPr lang="en-US" sz="2400" dirty="0" smtClean="0"/>
-              <a:t> </a:t>
-            </a:r>
-            <a:r>
-              <a:rPr lang="en-US" sz="2400" dirty="0" err="1" smtClean="0"/>
-              <a:t>Nutzung</a:t>
-            </a:r>
-            <a:r>
-              <a:rPr lang="en-US" sz="2400" dirty="0" smtClean="0"/>
-              <a:t> und </a:t>
-            </a:r>
-            <a:r>
-              <a:rPr lang="en-US" sz="2400" dirty="0" err="1" smtClean="0"/>
-              <a:t>Fortschritt</a:t>
-            </a:r>
-            <a:endParaRPr lang="en-US" sz="2400" dirty="0" smtClean="0"/>
-          </a:p>
-          <a:p>
-            <a:pPr algn="ctr"/>
-            <a:r>
-              <a:rPr lang="en-US" sz="2400" dirty="0" err="1" smtClean="0"/>
-              <a:t>Unterscheidung</a:t>
-            </a:r>
-            <a:r>
-              <a:rPr lang="en-US" sz="2400" dirty="0" smtClean="0"/>
-              <a:t> der </a:t>
-            </a:r>
-            <a:r>
-              <a:rPr lang="en-US" sz="2400" dirty="0" err="1" smtClean="0"/>
-              <a:t>Aufgabentypen</a:t>
-            </a:r>
-            <a:endParaRPr lang="en-US" sz="2400" dirty="0"/>
+            <a:r>
+              <a:rPr lang="en-US" sz="4400" dirty="0" smtClean="0"/>
+              <a:t>Live Demo</a:t>
+            </a:r>
+            <a:endParaRPr lang="en-US" sz="4400" dirty="0"/>
           </a:p>
         </p:txBody>
       </p:sp>
     </p:spTree>
     <p:extLst>
       <p:ext uri="{BB962C8B-B14F-4D97-AF65-F5344CB8AC3E}">
-        <p14:creationId xmlns:p14="http://schemas.microsoft.com/office/powerpoint/2010/main" val="709960535"/>
+        <p14:creationId xmlns:p14="http://schemas.microsoft.com/office/powerpoint/2010/main" val="675173480"/>
       </p:ext>
     </p:extLst>
   </p:cSld>
@@ -6522,7 +7083,7 @@
         <p:spPr>
           <a:xfrm>
             <a:off x="457200" y="3143250"/>
-            <a:ext cx="8378190" cy="1446550"/>
+            <a:ext cx="8378190" cy="769441"/>
           </a:xfrm>
           <a:prstGeom prst="rect">
             <a:avLst/>
@@ -6538,31 +7099,7 @@
             <a:pPr algn="ctr"/>
             <a:r>
               <a:rPr lang="en-US" sz="4400" dirty="0" err="1" smtClean="0"/>
-              <a:t>Vielen</a:t>
-            </a:r>
-            <a:r>
-              <a:rPr lang="en-US" sz="4400" dirty="0" smtClean="0"/>
-              <a:t> Dank </a:t>
-            </a:r>
-            <a:r>
-              <a:rPr lang="en-US" sz="4400" dirty="0" err="1" smtClean="0"/>
-              <a:t>für</a:t>
-            </a:r>
-            <a:r>
-              <a:rPr lang="en-US" sz="4400" dirty="0" smtClean="0"/>
-              <a:t> </a:t>
-            </a:r>
-            <a:r>
-              <a:rPr lang="en-US" sz="4400" dirty="0" err="1" smtClean="0"/>
-              <a:t>Ihre</a:t>
-            </a:r>
-            <a:r>
-              <a:rPr lang="en-US" sz="4400" dirty="0" smtClean="0"/>
-              <a:t> </a:t>
-            </a:r>
-            <a:r>
-              <a:rPr lang="en-US" sz="4400" dirty="0" err="1" smtClean="0"/>
-              <a:t>Aufmerksamkeit</a:t>
+              <a:t>Ausblick</a:t>
             </a:r>
             <a:endParaRPr lang="en-US" sz="4400" dirty="0"/>
           </a:p>
@@ -6571,7 +7108,7 @@
     </p:spTree>
     <p:extLst>
       <p:ext uri="{BB962C8B-B14F-4D97-AF65-F5344CB8AC3E}">
-        <p14:creationId xmlns:p14="http://schemas.microsoft.com/office/powerpoint/2010/main" val="942215261"/>
+        <p14:creationId xmlns:p14="http://schemas.microsoft.com/office/powerpoint/2010/main" val="369634098"/>
       </p:ext>
     </p:extLst>
   </p:cSld>
@@ -6591,14 +7128,6 @@
 <file path=ppt/slides/slide18.xml><?xml version="1.0" encoding="utf-8"?>
 <p:sld xmlns:a="http://schemas.openxmlformats.org/drawingml/2006/main" xmlns:r="http://schemas.openxmlformats.org/officeDocument/2006/relationships" xmlns:p="http://schemas.openxmlformats.org/presentationml/2006/main">
   <p:cSld>
-    <p:bg>
-      <p:bgPr>
-        <a:solidFill>
-          <a:schemeClr val="tx1"/>
-        </a:solidFill>
-        <a:effectLst/>
-      </p:bgPr>
-    </p:bg>
     <p:spTree>
       <p:nvGrpSpPr>
         <p:cNvPr id="1" name=""/>
@@ -6613,40 +7142,148 @@
           <a:chExt cx="0" cy="0"/>
         </a:xfrm>
       </p:grpSpPr>
-      <p:pic>
-        <p:nvPicPr>
-          <p:cNvPr id="4" name="Picture 3"/>
-          <p:cNvPicPr>
-            <a:picLocks noChangeAspect="1"/>
-          </p:cNvPicPr>
-          <p:nvPr/>
-        </p:nvPicPr>
-        <p:blipFill>
-          <a:blip r:embed="rId2">
-            <a:extLst>
-              <a:ext uri="{28A0092B-C50C-407E-A947-70E740481C1C}">
-                <a14:useLocalDpi xmlns:a14="http://schemas.microsoft.com/office/drawing/2010/main" val="0"/>
-              </a:ext>
-            </a:extLst>
-          </a:blip>
-          <a:stretch>
-            <a:fillRect/>
-          </a:stretch>
-        </p:blipFill>
+      <p:sp>
+        <p:nvSpPr>
+          <p:cNvPr id="2" name="Title 1"/>
+          <p:cNvSpPr>
+            <a:spLocks noGrp="1"/>
+          </p:cNvSpPr>
+          <p:nvPr>
+            <p:ph type="title"/>
+          </p:nvPr>
+        </p:nvSpPr>
+        <p:spPr/>
+        <p:txBody>
+          <a:bodyPr/>
+          <a:lstStyle/>
+          <a:p>
+            <a:r>
+              <a:rPr lang="en-US" dirty="0" err="1" smtClean="0"/>
+              <a:t>Ausblick</a:t>
+            </a:r>
+            <a:endParaRPr lang="en-US" dirty="0"/>
+          </a:p>
+        </p:txBody>
+      </p:sp>
+      <p:sp>
+        <p:nvSpPr>
+          <p:cNvPr id="3" name="Content Placeholder 2"/>
+          <p:cNvSpPr>
+            <a:spLocks noGrp="1"/>
+          </p:cNvSpPr>
+          <p:nvPr>
+            <p:ph idx="1"/>
+          </p:nvPr>
+        </p:nvSpPr>
         <p:spPr>
           <a:xfrm>
-            <a:off x="197507" y="5511800"/>
-            <a:ext cx="2603500" cy="1346200"/>
-          </a:xfrm>
-          <a:prstGeom prst="rect">
-            <a:avLst/>
-          </a:prstGeom>
-        </p:spPr>
-      </p:pic>
+            <a:off x="457200" y="2569778"/>
+            <a:ext cx="8229600" cy="3716741"/>
+          </a:xfrm>
+        </p:spPr>
+        <p:txBody>
+          <a:bodyPr>
+            <a:normAutofit/>
+          </a:bodyPr>
+          <a:lstStyle/>
+          <a:p>
+            <a:pPr algn="ctr"/>
+            <a:endParaRPr lang="en-US" sz="2400" dirty="0" smtClean="0"/>
+          </a:p>
+          <a:p>
+            <a:pPr algn="ctr"/>
+            <a:r>
+              <a:rPr lang="en-US" sz="2400" dirty="0" err="1" smtClean="0"/>
+              <a:t>Externe</a:t>
+            </a:r>
+            <a:r>
+              <a:rPr lang="en-US" sz="2400" dirty="0" smtClean="0"/>
+              <a:t> Audio-</a:t>
+            </a:r>
+            <a:r>
+              <a:rPr lang="en-US" sz="2400" dirty="0" err="1" smtClean="0"/>
+              <a:t>Bibliotheken</a:t>
+            </a:r>
+            <a:r>
+              <a:rPr lang="en-US" sz="2400" dirty="0" smtClean="0"/>
+              <a:t> </a:t>
+            </a:r>
+            <a:r>
+              <a:rPr lang="en-US" sz="2400" dirty="0" err="1" smtClean="0"/>
+              <a:t>für</a:t>
+            </a:r>
+            <a:r>
+              <a:rPr lang="en-US" sz="2400" dirty="0" smtClean="0"/>
+              <a:t> </a:t>
+            </a:r>
+            <a:r>
+              <a:rPr lang="en-US" sz="2400" dirty="0" err="1" smtClean="0"/>
+              <a:t>bessere</a:t>
+            </a:r>
+            <a:r>
+              <a:rPr lang="en-US" sz="2400" dirty="0" smtClean="0"/>
+              <a:t> </a:t>
+            </a:r>
+            <a:r>
+              <a:rPr lang="en-US" sz="2400" dirty="0" err="1" smtClean="0"/>
+              <a:t>Qualität</a:t>
+            </a:r>
+            <a:endParaRPr lang="en-US" sz="2400" dirty="0" smtClean="0"/>
+          </a:p>
+          <a:p>
+            <a:pPr algn="ctr"/>
+            <a:r>
+              <a:rPr lang="en-US" sz="2400" dirty="0" err="1" smtClean="0"/>
+              <a:t>Statistiken</a:t>
+            </a:r>
+            <a:r>
+              <a:rPr lang="en-US" sz="2400" dirty="0" smtClean="0"/>
+              <a:t> </a:t>
+            </a:r>
+            <a:r>
+              <a:rPr lang="en-US" sz="2400" dirty="0" err="1" smtClean="0"/>
+              <a:t>über</a:t>
+            </a:r>
+            <a:r>
+              <a:rPr lang="en-US" sz="2400" dirty="0" smtClean="0"/>
+              <a:t> </a:t>
+            </a:r>
+            <a:r>
+              <a:rPr lang="en-US" sz="2400" dirty="0" err="1" smtClean="0"/>
+              <a:t>Nutzung</a:t>
+            </a:r>
+            <a:r>
+              <a:rPr lang="en-US" sz="2400" dirty="0" smtClean="0"/>
+              <a:t> und </a:t>
+            </a:r>
+            <a:r>
+              <a:rPr lang="en-US" sz="2400" dirty="0" err="1" smtClean="0"/>
+              <a:t>Fortschritt</a:t>
+            </a:r>
+            <a:endParaRPr lang="en-US" sz="2400" dirty="0" smtClean="0"/>
+          </a:p>
+          <a:p>
+            <a:pPr algn="ctr"/>
+            <a:r>
+              <a:rPr lang="en-US" sz="2400" dirty="0" err="1" smtClean="0"/>
+              <a:t>Unterscheidung</a:t>
+            </a:r>
+            <a:r>
+              <a:rPr lang="en-US" sz="2400" dirty="0" smtClean="0"/>
+              <a:t> der </a:t>
+            </a:r>
+            <a:r>
+              <a:rPr lang="en-US" sz="2400" dirty="0" err="1" smtClean="0"/>
+              <a:t>Aufgabentypen</a:t>
+            </a:r>
+            <a:endParaRPr lang="en-US" sz="2400" dirty="0"/>
+          </a:p>
+        </p:txBody>
+      </p:sp>
     </p:spTree>
     <p:extLst>
       <p:ext uri="{BB962C8B-B14F-4D97-AF65-F5344CB8AC3E}">
-        <p14:creationId xmlns:p14="http://schemas.microsoft.com/office/powerpoint/2010/main" val="1296881111"/>
+        <p14:creationId xmlns:p14="http://schemas.microsoft.com/office/powerpoint/2010/main" val="709960535"/>
       </p:ext>
     </p:extLst>
   </p:cSld>
@@ -6682,7 +7319,7 @@
       </p:grpSpPr>
       <p:sp>
         <p:nvSpPr>
-          <p:cNvPr id="2" name="Title 1"/>
+          <p:cNvPr id="2" name="Titel 1"/>
           <p:cNvSpPr>
             <a:spLocks noGrp="1"/>
           </p:cNvSpPr>
@@ -6695,55 +7332,69 @@
           <a:bodyPr/>
           <a:lstStyle/>
           <a:p>
-            <a:r>
-              <a:rPr lang="en-US" dirty="0" err="1" smtClean="0"/>
-              <a:t>Architektur</a:t>
-            </a:r>
-            <a:r>
-              <a:rPr lang="en-US" dirty="0" smtClean="0"/>
-              <a:t>: </a:t>
-            </a:r>
-            <a:r>
-              <a:rPr lang="en-US" dirty="0" err="1" smtClean="0"/>
-              <a:t>Domänenmodell</a:t>
-            </a:r>
-            <a:endParaRPr lang="en-US" dirty="0"/>
-          </a:p>
-        </p:txBody>
-      </p:sp>
-      <p:pic>
-        <p:nvPicPr>
-          <p:cNvPr id="8" name="Content Placeholder 7"/>
-          <p:cNvPicPr>
-            <a:picLocks noGrp="1" noChangeAspect="1"/>
-          </p:cNvPicPr>
-          <p:nvPr>
-            <p:ph idx="1"/>
-          </p:nvPr>
-        </p:nvPicPr>
-        <p:blipFill>
-          <a:blip r:embed="rId2">
-            <a:extLst>
-              <a:ext uri="{28A0092B-C50C-407E-A947-70E740481C1C}">
-                <a14:useLocalDpi xmlns:a14="http://schemas.microsoft.com/office/drawing/2010/main" val="0"/>
-              </a:ext>
-            </a:extLst>
-          </a:blip>
-          <a:stretch>
-            <a:fillRect/>
-          </a:stretch>
-        </p:blipFill>
+            <a:endParaRPr lang="de-DE" dirty="0"/>
+          </a:p>
+        </p:txBody>
+      </p:sp>
+      <p:sp>
+        <p:nvSpPr>
+          <p:cNvPr id="3" name="TextBox 2"/>
+          <p:cNvSpPr txBox="1"/>
+          <p:nvPr/>
+        </p:nvSpPr>
         <p:spPr>
           <a:xfrm>
-            <a:off x="457199" y="2531078"/>
-            <a:ext cx="8918895" cy="2875312"/>
-          </a:xfrm>
-        </p:spPr>
-      </p:pic>
+            <a:off x="457200" y="3143250"/>
+            <a:ext cx="8378190" cy="1446550"/>
+          </a:xfrm>
+          <a:prstGeom prst="rect">
+            <a:avLst/>
+          </a:prstGeom>
+          <a:noFill/>
+        </p:spPr>
+        <p:txBody>
+          <a:bodyPr wrap="square" rtlCol="0">
+            <a:spAutoFit/>
+          </a:bodyPr>
+          <a:lstStyle/>
+          <a:p>
+            <a:pPr algn="ctr"/>
+            <a:r>
+              <a:rPr lang="en-US" sz="4400" dirty="0" err="1" smtClean="0"/>
+              <a:t>Vielen</a:t>
+            </a:r>
+            <a:r>
+              <a:rPr lang="en-US" sz="4400" dirty="0" smtClean="0"/>
+              <a:t> Dank </a:t>
+            </a:r>
+            <a:r>
+              <a:rPr lang="en-US" sz="4400" dirty="0" err="1" smtClean="0"/>
+              <a:t>für</a:t>
+            </a:r>
+            <a:r>
+              <a:rPr lang="en-US" sz="4400" dirty="0" smtClean="0"/>
+              <a:t> </a:t>
+            </a:r>
+            <a:r>
+              <a:rPr lang="en-US" sz="4400" dirty="0" err="1" smtClean="0"/>
+              <a:t>Ihre</a:t>
+            </a:r>
+            <a:r>
+              <a:rPr lang="en-US" sz="4400" dirty="0" smtClean="0"/>
+              <a:t> </a:t>
+            </a:r>
+            <a:r>
+              <a:rPr lang="en-US" sz="4400" dirty="0" err="1" smtClean="0"/>
+              <a:t>Aufmerksamkeit</a:t>
+            </a:r>
+            <a:endParaRPr lang="en-US" sz="4400" dirty="0"/>
+          </a:p>
+        </p:txBody>
+      </p:sp>
     </p:spTree>
     <p:extLst>
       <p:ext uri="{BB962C8B-B14F-4D97-AF65-F5344CB8AC3E}">
-        <p14:creationId xmlns:p14="http://schemas.microsoft.com/office/powerpoint/2010/main" val="913848531"/>
+        <p14:creationId xmlns:p14="http://schemas.microsoft.com/office/powerpoint/2010/main" val="942215261"/>
       </p:ext>
     </p:extLst>
   </p:cSld>
@@ -6990,6 +7641,178 @@
 <file path=ppt/slides/slide20.xml><?xml version="1.0" encoding="utf-8"?>
 <p:sld xmlns:a="http://schemas.openxmlformats.org/drawingml/2006/main" xmlns:r="http://schemas.openxmlformats.org/officeDocument/2006/relationships" xmlns:p="http://schemas.openxmlformats.org/presentationml/2006/main">
   <p:cSld>
+    <p:bg>
+      <p:bgPr>
+        <a:solidFill>
+          <a:schemeClr val="tx1"/>
+        </a:solidFill>
+        <a:effectLst/>
+      </p:bgPr>
+    </p:bg>
+    <p:spTree>
+      <p:nvGrpSpPr>
+        <p:cNvPr id="1" name=""/>
+        <p:cNvGrpSpPr/>
+        <p:nvPr/>
+      </p:nvGrpSpPr>
+      <p:grpSpPr>
+        <a:xfrm>
+          <a:off x="0" y="0"/>
+          <a:ext cx="0" cy="0"/>
+          <a:chOff x="0" y="0"/>
+          <a:chExt cx="0" cy="0"/>
+        </a:xfrm>
+      </p:grpSpPr>
+      <p:pic>
+        <p:nvPicPr>
+          <p:cNvPr id="4" name="Picture 3"/>
+          <p:cNvPicPr>
+            <a:picLocks noChangeAspect="1"/>
+          </p:cNvPicPr>
+          <p:nvPr/>
+        </p:nvPicPr>
+        <p:blipFill>
+          <a:blip r:embed="rId2">
+            <a:extLst>
+              <a:ext uri="{28A0092B-C50C-407E-A947-70E740481C1C}">
+                <a14:useLocalDpi xmlns:a14="http://schemas.microsoft.com/office/drawing/2010/main" val="0"/>
+              </a:ext>
+            </a:extLst>
+          </a:blip>
+          <a:stretch>
+            <a:fillRect/>
+          </a:stretch>
+        </p:blipFill>
+        <p:spPr>
+          <a:xfrm>
+            <a:off x="197507" y="5511800"/>
+            <a:ext cx="2603500" cy="1346200"/>
+          </a:xfrm>
+          <a:prstGeom prst="rect">
+            <a:avLst/>
+          </a:prstGeom>
+        </p:spPr>
+      </p:pic>
+    </p:spTree>
+    <p:extLst>
+      <p:ext uri="{BB962C8B-B14F-4D97-AF65-F5344CB8AC3E}">
+        <p14:creationId xmlns:p14="http://schemas.microsoft.com/office/powerpoint/2010/main" val="1296881111"/>
+      </p:ext>
+    </p:extLst>
+  </p:cSld>
+  <p:clrMapOvr>
+    <a:masterClrMapping/>
+  </p:clrMapOvr>
+  <p:timing>
+    <p:tnLst>
+      <p:par>
+        <p:cTn id="1" dur="indefinite" restart="never" nodeType="tmRoot"/>
+      </p:par>
+    </p:tnLst>
+  </p:timing>
+</p:sld>
+</file>
+
+<file path=ppt/slides/slide21.xml><?xml version="1.0" encoding="utf-8"?>
+<p:sld xmlns:a="http://schemas.openxmlformats.org/drawingml/2006/main" xmlns:r="http://schemas.openxmlformats.org/officeDocument/2006/relationships" xmlns:p="http://schemas.openxmlformats.org/presentationml/2006/main">
+  <p:cSld>
+    <p:spTree>
+      <p:nvGrpSpPr>
+        <p:cNvPr id="1" name=""/>
+        <p:cNvGrpSpPr/>
+        <p:nvPr/>
+      </p:nvGrpSpPr>
+      <p:grpSpPr>
+        <a:xfrm>
+          <a:off x="0" y="0"/>
+          <a:ext cx="0" cy="0"/>
+          <a:chOff x="0" y="0"/>
+          <a:chExt cx="0" cy="0"/>
+        </a:xfrm>
+      </p:grpSpPr>
+      <p:sp>
+        <p:nvSpPr>
+          <p:cNvPr id="2" name="Title 1"/>
+          <p:cNvSpPr>
+            <a:spLocks noGrp="1"/>
+          </p:cNvSpPr>
+          <p:nvPr>
+            <p:ph type="title"/>
+          </p:nvPr>
+        </p:nvSpPr>
+        <p:spPr/>
+        <p:txBody>
+          <a:bodyPr/>
+          <a:lstStyle/>
+          <a:p>
+            <a:r>
+              <a:rPr lang="en-US" dirty="0" err="1" smtClean="0"/>
+              <a:t>Architektur</a:t>
+            </a:r>
+            <a:r>
+              <a:rPr lang="en-US" dirty="0" smtClean="0"/>
+              <a:t>: </a:t>
+            </a:r>
+            <a:r>
+              <a:rPr lang="en-US" dirty="0" err="1" smtClean="0"/>
+              <a:t>Domänenmodell</a:t>
+            </a:r>
+            <a:endParaRPr lang="en-US" dirty="0"/>
+          </a:p>
+        </p:txBody>
+      </p:sp>
+      <p:pic>
+        <p:nvPicPr>
+          <p:cNvPr id="8" name="Content Placeholder 7"/>
+          <p:cNvPicPr>
+            <a:picLocks noGrp="1" noChangeAspect="1"/>
+          </p:cNvPicPr>
+          <p:nvPr>
+            <p:ph idx="1"/>
+          </p:nvPr>
+        </p:nvPicPr>
+        <p:blipFill>
+          <a:blip r:embed="rId2">
+            <a:extLst>
+              <a:ext uri="{28A0092B-C50C-407E-A947-70E740481C1C}">
+                <a14:useLocalDpi xmlns:a14="http://schemas.microsoft.com/office/drawing/2010/main" val="0"/>
+              </a:ext>
+            </a:extLst>
+          </a:blip>
+          <a:stretch>
+            <a:fillRect/>
+          </a:stretch>
+        </p:blipFill>
+        <p:spPr>
+          <a:xfrm>
+            <a:off x="457199" y="2531078"/>
+            <a:ext cx="8918895" cy="2875312"/>
+          </a:xfrm>
+        </p:spPr>
+      </p:pic>
+    </p:spTree>
+    <p:extLst>
+      <p:ext uri="{BB962C8B-B14F-4D97-AF65-F5344CB8AC3E}">
+        <p14:creationId xmlns:p14="http://schemas.microsoft.com/office/powerpoint/2010/main" val="913848531"/>
+      </p:ext>
+    </p:extLst>
+  </p:cSld>
+  <p:clrMapOvr>
+    <a:masterClrMapping/>
+  </p:clrMapOvr>
+  <p:timing>
+    <p:tnLst>
+      <p:par>
+        <p:cTn id="1" dur="indefinite" restart="never" nodeType="tmRoot"/>
+      </p:par>
+    </p:tnLst>
+  </p:timing>
+</p:sld>
+</file>
+
+<file path=ppt/slides/slide22.xml><?xml version="1.0" encoding="utf-8"?>
+<p:sld xmlns:a="http://schemas.openxmlformats.org/drawingml/2006/main" xmlns:r="http://schemas.openxmlformats.org/officeDocument/2006/relationships" xmlns:p="http://schemas.openxmlformats.org/presentationml/2006/main">
+  <p:cSld>
     <p:spTree>
       <p:nvGrpSpPr>
         <p:cNvPr id="1" name=""/>
@@ -7564,7 +8387,7 @@
         </p:blipFill>
         <p:spPr>
           <a:xfrm>
-            <a:off x="675402" y="2366440"/>
+            <a:off x="415527" y="2366440"/>
             <a:ext cx="668553" cy="594855"/>
           </a:xfrm>
           <a:prstGeom prst="rect">
@@ -8245,6 +9068,33 @@
           <a:chExt cx="0" cy="0"/>
         </a:xfrm>
       </p:grpSpPr>
+      <p:sp>
+        <p:nvSpPr>
+          <p:cNvPr id="2" name="Title 1"/>
+          <p:cNvSpPr>
+            <a:spLocks noGrp="1"/>
+          </p:cNvSpPr>
+          <p:nvPr>
+            <p:ph type="title"/>
+          </p:nvPr>
+        </p:nvSpPr>
+        <p:spPr/>
+        <p:txBody>
+          <a:bodyPr/>
+          <a:lstStyle/>
+          <a:p>
+            <a:r>
+              <a:rPr lang="en-US" dirty="0" err="1" smtClean="0"/>
+              <a:t>Architektur</a:t>
+            </a:r>
+            <a:r>
+              <a:rPr lang="en-US" dirty="0" smtClean="0"/>
+              <a:t> Backend: Model-View-Controller</a:t>
+            </a:r>
+            <a:endParaRPr lang="en-US" dirty="0"/>
+          </a:p>
+        </p:txBody>
+      </p:sp>
       <p:pic>
         <p:nvPicPr>
           <p:cNvPr id="4" name="Content Placeholder 3"/>
@@ -8255,7 +9105,7 @@
             <p:ph idx="1"/>
           </p:nvPr>
         </p:nvPicPr>
-        <p:blipFill rotWithShape="1">
+        <p:blipFill>
           <a:blip r:embed="rId2">
             <a:extLst>
               <a:ext uri="{28A0092B-C50C-407E-A947-70E740481C1C}">
@@ -8263,188 +9113,21 @@
               </a:ext>
             </a:extLst>
           </a:blip>
-          <a:srcRect r="-768"/>
-          <a:stretch/>
+          <a:stretch>
+            <a:fillRect/>
+          </a:stretch>
         </p:blipFill>
         <p:spPr>
           <a:xfrm>
-            <a:off x="1402233" y="1607384"/>
-            <a:ext cx="6665208" cy="3302875"/>
-          </a:xfrm>
-          <a:prstGeom prst="rect">
-            <a:avLst/>
-          </a:prstGeom>
-          <a:solidFill>
-            <a:srgbClr val="FFFFFF">
-              <a:shade val="85000"/>
-            </a:srgbClr>
-          </a:solidFill>
-          <a:ln w="190500" cap="rnd">
-            <a:solidFill>
-              <a:srgbClr val="FFFFFF"/>
-            </a:solidFill>
-          </a:ln>
-          <a:effectLst>
-            <a:outerShdw blurRad="50000" algn="tl" rotWithShape="0">
-              <a:srgbClr val="000000">
-                <a:alpha val="41000"/>
-              </a:srgbClr>
-            </a:outerShdw>
-          </a:effectLst>
-          <a:scene3d>
-            <a:camera prst="orthographicFront"/>
-            <a:lightRig rig="twoPt" dir="t">
-              <a:rot lat="0" lon="0" rev="7800000"/>
-            </a:lightRig>
-          </a:scene3d>
-          <a:sp3d contourW="6350">
-            <a:bevelT w="50800" h="16510"/>
-            <a:contourClr>
-              <a:srgbClr val="C0C0C0"/>
-            </a:contourClr>
-          </a:sp3d>
+            <a:off x="774833" y="1245870"/>
+            <a:ext cx="7283152" cy="5098335"/>
+          </a:xfrm>
         </p:spPr>
       </p:pic>
-      <p:sp>
-        <p:nvSpPr>
-          <p:cNvPr id="2" name="Title 1"/>
-          <p:cNvSpPr>
-            <a:spLocks noGrp="1"/>
-          </p:cNvSpPr>
-          <p:nvPr>
-            <p:ph type="title"/>
-          </p:nvPr>
-        </p:nvSpPr>
-        <p:spPr/>
-        <p:txBody>
-          <a:bodyPr/>
-          <a:lstStyle/>
-          <a:p>
-            <a:r>
-              <a:rPr lang="en-US" dirty="0" err="1" smtClean="0"/>
-              <a:t>Architektur</a:t>
-            </a:r>
-            <a:r>
-              <a:rPr lang="en-US" dirty="0" smtClean="0"/>
-              <a:t>: Use-Case-Controller</a:t>
-            </a:r>
-            <a:endParaRPr lang="en-US" dirty="0"/>
-          </a:p>
-        </p:txBody>
-      </p:sp>
-      <p:sp>
-        <p:nvSpPr>
-          <p:cNvPr id="3" name="TextBox 2"/>
-          <p:cNvSpPr txBox="1"/>
-          <p:nvPr/>
-        </p:nvSpPr>
-        <p:spPr>
-          <a:xfrm>
-            <a:off x="1584434" y="5060731"/>
-            <a:ext cx="6574222" cy="677108"/>
-          </a:xfrm>
-          <a:prstGeom prst="rect">
-            <a:avLst/>
-          </a:prstGeom>
-          <a:noFill/>
-        </p:spPr>
-        <p:txBody>
-          <a:bodyPr wrap="square" rtlCol="0">
-            <a:spAutoFit/>
-          </a:bodyPr>
-          <a:lstStyle/>
-          <a:p>
-            <a:r>
-              <a:rPr lang="en-US" sz="2000" dirty="0" err="1" smtClean="0"/>
-              <a:t>Zwei</a:t>
-            </a:r>
-            <a:r>
-              <a:rPr lang="en-US" sz="2000" dirty="0" smtClean="0"/>
-              <a:t> </a:t>
-            </a:r>
-            <a:r>
-              <a:rPr lang="en-US" sz="2000" dirty="0" err="1" smtClean="0"/>
-              <a:t>Haupt</a:t>
-            </a:r>
-            <a:r>
-              <a:rPr lang="en-US" sz="2000" dirty="0" smtClean="0"/>
-              <a:t>-Use-Cases</a:t>
-            </a:r>
-            <a:r>
-              <a:rPr lang="en-US" dirty="0" smtClean="0"/>
-              <a:t>		</a:t>
-            </a:r>
-            <a:r>
-              <a:rPr lang="en-US" sz="2000" dirty="0" err="1"/>
-              <a:t>Zwei</a:t>
-            </a:r>
-            <a:r>
-              <a:rPr lang="en-US" sz="2000" dirty="0"/>
-              <a:t> </a:t>
-            </a:r>
-            <a:r>
-              <a:rPr lang="en-US" sz="2000" dirty="0" smtClean="0"/>
-              <a:t>Use-Case-Controller</a:t>
-            </a:r>
-            <a:endParaRPr lang="en-US" sz="2000" dirty="0"/>
-          </a:p>
-          <a:p>
-            <a:endParaRPr lang="en-US" dirty="0" smtClean="0"/>
-          </a:p>
-        </p:txBody>
-      </p:sp>
-      <p:sp>
-        <p:nvSpPr>
-          <p:cNvPr id="5" name="Right Arrow 4"/>
-          <p:cNvSpPr/>
-          <p:nvPr/>
-        </p:nvSpPr>
-        <p:spPr>
-          <a:xfrm>
-            <a:off x="4156651" y="5206905"/>
-            <a:ext cx="930166" cy="157655"/>
-          </a:xfrm>
-          <a:prstGeom prst="rightArrow">
-            <a:avLst/>
-          </a:prstGeom>
-          <a:solidFill>
-            <a:schemeClr val="accent2"/>
-          </a:solidFill>
-          <a:ln>
-            <a:solidFill>
-              <a:schemeClr val="bg2"/>
-            </a:solidFill>
-          </a:ln>
-        </p:spPr>
-        <p:style>
-          <a:lnRef idx="2">
-            <a:schemeClr val="accent1">
-              <a:shade val="50000"/>
-            </a:schemeClr>
-          </a:lnRef>
-          <a:fillRef idx="1">
-            <a:schemeClr val="accent1"/>
-          </a:fillRef>
-          <a:effectRef idx="0">
-            <a:schemeClr val="accent1"/>
-          </a:effectRef>
-          <a:fontRef idx="minor">
-            <a:schemeClr val="lt1"/>
-          </a:fontRef>
-        </p:style>
-        <p:txBody>
-          <a:bodyPr rtlCol="0" anchor="ctr"/>
-          <a:lstStyle/>
-          <a:p>
-            <a:pPr algn="ctr"/>
-            <a:endParaRPr lang="en-US"/>
-          </a:p>
-        </p:txBody>
-      </p:sp>
     </p:spTree>
     <p:extLst>
       <p:ext uri="{BB962C8B-B14F-4D97-AF65-F5344CB8AC3E}">
-        <p14:creationId xmlns:p14="http://schemas.microsoft.com/office/powerpoint/2010/main" val="766800706"/>
+        <p14:creationId xmlns:p14="http://schemas.microsoft.com/office/powerpoint/2010/main" val="356055087"/>
       </p:ext>
     </p:extLst>
   </p:cSld>
@@ -8499,51 +9182,26 @@
             </a:r>
             <a:r>
               <a:rPr lang="en-US" dirty="0" smtClean="0"/>
-              <a:t>: Shared Code Project</a:t>
+              <a:t> App: </a:t>
+            </a:r>
+            <a:r>
+              <a:rPr lang="en-US" dirty="0" smtClean="0"/>
+              <a:t>Use-Case-Controller</a:t>
             </a:r>
             <a:endParaRPr lang="en-US" dirty="0"/>
           </a:p>
         </p:txBody>
       </p:sp>
-      <p:pic>
-        <p:nvPicPr>
-          <p:cNvPr id="5" name="Content Placeholder 4"/>
-          <p:cNvPicPr>
-            <a:picLocks noGrp="1" noChangeAspect="1"/>
-          </p:cNvPicPr>
-          <p:nvPr>
-            <p:ph idx="1"/>
-          </p:nvPr>
-        </p:nvPicPr>
-        <p:blipFill>
-          <a:blip r:embed="rId2">
-            <a:extLst>
-              <a:ext uri="{28A0092B-C50C-407E-A947-70E740481C1C}">
-                <a14:useLocalDpi xmlns:a14="http://schemas.microsoft.com/office/drawing/2010/main" val="0"/>
-              </a:ext>
-            </a:extLst>
-          </a:blip>
-          <a:stretch>
-            <a:fillRect/>
-          </a:stretch>
-        </p:blipFill>
-        <p:spPr>
-          <a:xfrm>
-            <a:off x="819807" y="2209405"/>
-            <a:ext cx="7977352" cy="1185888"/>
-          </a:xfrm>
-        </p:spPr>
-      </p:pic>
-      <p:sp>
-        <p:nvSpPr>
-          <p:cNvPr id="8" name="TextBox 7"/>
+      <p:sp>
+        <p:nvSpPr>
+          <p:cNvPr id="3" name="TextBox 2"/>
           <p:cNvSpPr txBox="1"/>
           <p:nvPr/>
         </p:nvSpPr>
         <p:spPr>
           <a:xfrm>
-            <a:off x="3318641" y="3413234"/>
-            <a:ext cx="2979683" cy="1846659"/>
+            <a:off x="1334623" y="5026006"/>
+            <a:ext cx="6574222" cy="677108"/>
           </a:xfrm>
           <a:prstGeom prst="rect">
             <a:avLst/>
@@ -8556,64 +9214,55 @@
           </a:bodyPr>
           <a:lstStyle/>
           <a:p>
-            <a:pPr algn="ctr"/>
-            <a:r>
-              <a:rPr lang="en-US" sz="2000" b="1" dirty="0" err="1" smtClean="0"/>
-              <a:t>Gemeinsam</a:t>
-            </a:r>
-            <a:r>
-              <a:rPr lang="en-US" sz="2000" b="1" dirty="0" smtClean="0"/>
+            <a:r>
+              <a:rPr lang="en-US" sz="2000" dirty="0" err="1" smtClean="0"/>
+              <a:t>Zwei</a:t>
+            </a:r>
+            <a:r>
+              <a:rPr lang="en-US" sz="2000" dirty="0" smtClean="0"/>
               <a:t> </a:t>
             </a:r>
             <a:r>
-              <a:rPr lang="en-US" sz="2000" b="1" dirty="0" err="1" smtClean="0"/>
-              <a:t>genutzte</a:t>
-            </a:r>
-            <a:r>
-              <a:rPr lang="en-US" sz="2000" b="1" dirty="0" smtClean="0"/>
-              <a:t> Klassen</a:t>
-            </a:r>
-          </a:p>
-          <a:p>
-            <a:pPr algn="ctr"/>
-            <a:endParaRPr lang="en-US" dirty="0"/>
-          </a:p>
-          <a:p>
-            <a:pPr algn="ctr"/>
+              <a:rPr lang="en-US" sz="2000" dirty="0" err="1" smtClean="0"/>
+              <a:t>Haupt</a:t>
+            </a:r>
+            <a:r>
+              <a:rPr lang="en-US" sz="2000" dirty="0" smtClean="0"/>
+              <a:t>-Use-Cases</a:t>
+            </a:r>
+            <a:r>
+              <a:rPr lang="en-US" dirty="0" smtClean="0"/>
+              <a:t>		</a:t>
+            </a:r>
+            <a:r>
+              <a:rPr lang="en-US" sz="2000" dirty="0" err="1"/>
+              <a:t>Zwei</a:t>
+            </a:r>
+            <a:r>
+              <a:rPr lang="en-US" sz="2000" dirty="0"/>
+              <a:t> </a:t>
+            </a:r>
+            <a:r>
+              <a:rPr lang="en-US" sz="2000" dirty="0" smtClean="0"/>
+              <a:t>Use-Case-Controller</a:t>
+            </a:r>
+            <a:endParaRPr lang="en-US" sz="2000" dirty="0"/>
+          </a:p>
+          <a:p>
             <a:endParaRPr lang="en-US" dirty="0" smtClean="0"/>
           </a:p>
-          <a:p>
-            <a:pPr algn="ctr"/>
-            <a:endParaRPr lang="en-US" dirty="0" smtClean="0"/>
-          </a:p>
-          <a:p>
-            <a:pPr algn="ctr"/>
-            <a:r>
-              <a:rPr lang="en-US" sz="2000" b="1" dirty="0" err="1" smtClean="0"/>
-              <a:t>Keine</a:t>
-            </a:r>
-            <a:r>
-              <a:rPr lang="en-US" sz="2000" b="1" dirty="0" smtClean="0"/>
-              <a:t> </a:t>
-            </a:r>
-            <a:r>
-              <a:rPr lang="en-US" sz="2000" b="1" dirty="0" err="1" smtClean="0"/>
-              <a:t>Redundanz</a:t>
-            </a:r>
-            <a:endParaRPr lang="en-US" sz="2000" b="1" dirty="0"/>
-          </a:p>
-        </p:txBody>
-      </p:sp>
-      <p:sp>
-        <p:nvSpPr>
-          <p:cNvPr id="9" name="Right Arrow 8"/>
+        </p:txBody>
+      </p:sp>
+      <p:sp>
+        <p:nvSpPr>
+          <p:cNvPr id="5" name="Right Arrow 4"/>
           <p:cNvSpPr/>
           <p:nvPr/>
         </p:nvSpPr>
         <p:spPr>
-          <a:xfrm rot="5400000">
-            <a:off x="4481883" y="4288909"/>
-            <a:ext cx="653197" cy="425669"/>
+          <a:xfrm>
+            <a:off x="3993021" y="5158018"/>
+            <a:ext cx="930166" cy="157655"/>
           </a:xfrm>
           <a:prstGeom prst="rightArrow">
             <a:avLst/>
@@ -8652,10 +9301,69 @@
           </a:p>
         </p:txBody>
       </p:sp>
+      <p:pic>
+        <p:nvPicPr>
+          <p:cNvPr id="7" name="Content Placeholder 6"/>
+          <p:cNvPicPr>
+            <a:picLocks noGrp="1" noChangeAspect="1"/>
+          </p:cNvPicPr>
+          <p:nvPr>
+            <p:ph idx="1"/>
+          </p:nvPr>
+        </p:nvPicPr>
+        <p:blipFill>
+          <a:blip r:embed="rId2">
+            <a:extLst>
+              <a:ext uri="{28A0092B-C50C-407E-A947-70E740481C1C}">
+                <a14:useLocalDpi xmlns:a14="http://schemas.microsoft.com/office/drawing/2010/main" val="0"/>
+              </a:ext>
+            </a:extLst>
+          </a:blip>
+          <a:stretch>
+            <a:fillRect/>
+          </a:stretch>
+        </p:blipFill>
+        <p:spPr>
+          <a:xfrm>
+            <a:off x="1491116" y="1779482"/>
+            <a:ext cx="3816417" cy="1250937"/>
+          </a:xfrm>
+        </p:spPr>
+      </p:pic>
+      <p:pic>
+        <p:nvPicPr>
+          <p:cNvPr id="8" name="Picture 7"/>
+          <p:cNvPicPr>
+            <a:picLocks noChangeAspect="1"/>
+          </p:cNvPicPr>
+          <p:nvPr/>
+        </p:nvPicPr>
+        <p:blipFill>
+          <a:blip r:embed="rId3">
+            <a:extLst>
+              <a:ext uri="{28A0092B-C50C-407E-A947-70E740481C1C}">
+                <a14:useLocalDpi xmlns:a14="http://schemas.microsoft.com/office/drawing/2010/main" val="0"/>
+              </a:ext>
+            </a:extLst>
+          </a:blip>
+          <a:stretch>
+            <a:fillRect/>
+          </a:stretch>
+        </p:blipFill>
+        <p:spPr>
+          <a:xfrm>
+            <a:off x="3793996" y="3253198"/>
+            <a:ext cx="3946356" cy="1253747"/>
+          </a:xfrm>
+          <a:prstGeom prst="rect">
+            <a:avLst/>
+          </a:prstGeom>
+        </p:spPr>
+      </p:pic>
     </p:spTree>
     <p:extLst>
       <p:ext uri="{BB962C8B-B14F-4D97-AF65-F5344CB8AC3E}">
-        <p14:creationId xmlns:p14="http://schemas.microsoft.com/office/powerpoint/2010/main" val="646822795"/>
+        <p14:creationId xmlns:p14="http://schemas.microsoft.com/office/powerpoint/2010/main" val="766800706"/>
       </p:ext>
     </p:extLst>
   </p:cSld>
@@ -8710,89 +9418,15 @@
             </a:r>
             <a:r>
               <a:rPr lang="en-US" dirty="0" smtClean="0"/>
-              <a:t>: Interfaces</a:t>
+              <a:t> App: Model-View-Controller</a:t>
             </a:r>
             <a:endParaRPr lang="en-US" dirty="0"/>
-          </a:p>
-        </p:txBody>
-      </p:sp>
-      <p:sp>
-        <p:nvSpPr>
-          <p:cNvPr id="3" name="TextBox 2"/>
-          <p:cNvSpPr txBox="1"/>
-          <p:nvPr/>
-        </p:nvSpPr>
-        <p:spPr>
-          <a:xfrm>
-            <a:off x="4406462" y="2040938"/>
-            <a:ext cx="4564117" cy="1200329"/>
-          </a:xfrm>
-          <a:prstGeom prst="rect">
-            <a:avLst/>
-          </a:prstGeom>
-          <a:noFill/>
-        </p:spPr>
-        <p:txBody>
-          <a:bodyPr wrap="square" rtlCol="0">
-            <a:spAutoFit/>
-          </a:bodyPr>
-          <a:lstStyle/>
-          <a:p>
-            <a:r>
-              <a:rPr lang="en-US" b="1" dirty="0" err="1" smtClean="0"/>
-              <a:t>Unabhängig</a:t>
-            </a:r>
-            <a:r>
-              <a:rPr lang="en-US" dirty="0" smtClean="0"/>
-              <a:t> von </a:t>
-            </a:r>
-            <a:r>
-              <a:rPr lang="en-US" dirty="0" err="1" smtClean="0"/>
-              <a:t>plattformspezifischen</a:t>
-            </a:r>
-            <a:r>
-              <a:rPr lang="en-US" dirty="0" smtClean="0"/>
-              <a:t> Audio-Frameworks</a:t>
-            </a:r>
-          </a:p>
-          <a:p>
-            <a:endParaRPr lang="en-US" dirty="0"/>
-          </a:p>
-          <a:p>
-            <a:r>
-              <a:rPr lang="en-US" b="1" dirty="0" err="1" smtClean="0"/>
-              <a:t>Leichtes</a:t>
-            </a:r>
-            <a:r>
-              <a:rPr lang="en-US" b="1" dirty="0" smtClean="0"/>
-              <a:t> </a:t>
-            </a:r>
-            <a:r>
-              <a:rPr lang="en-US" b="1" dirty="0" err="1" smtClean="0"/>
-              <a:t>Einbinden</a:t>
-            </a:r>
-            <a:r>
-              <a:rPr lang="en-US" b="1" dirty="0" smtClean="0"/>
-              <a:t> </a:t>
-            </a:r>
-            <a:r>
-              <a:rPr lang="en-US" dirty="0" smtClean="0"/>
-              <a:t>von 3</a:t>
-            </a:r>
-            <a:r>
-              <a:rPr lang="en-US" baseline="30000" dirty="0" smtClean="0"/>
-              <a:t>rd</a:t>
-            </a:r>
-            <a:r>
-              <a:rPr lang="en-US" dirty="0" smtClean="0"/>
-              <a:t>-Party-Frameworks</a:t>
-            </a:r>
           </a:p>
         </p:txBody>
       </p:sp>
       <p:pic>
         <p:nvPicPr>
-          <p:cNvPr id="9" name="Content Placeholder 8"/>
+          <p:cNvPr id="4" name="Content Placeholder 3"/>
           <p:cNvPicPr>
             <a:picLocks noGrp="1" noChangeAspect="1"/>
           </p:cNvPicPr>
@@ -8814,121 +9448,15 @@
         </p:blipFill>
         <p:spPr>
           <a:xfrm>
-            <a:off x="651204" y="4131995"/>
-            <a:ext cx="1969794" cy="939088"/>
+            <a:off x="1463040" y="1428750"/>
+            <a:ext cx="6217920" cy="4857750"/>
           </a:xfrm>
         </p:spPr>
       </p:pic>
-      <p:pic>
-        <p:nvPicPr>
-          <p:cNvPr id="11" name="Picture 10"/>
-          <p:cNvPicPr>
-            <a:picLocks noChangeAspect="1"/>
-          </p:cNvPicPr>
-          <p:nvPr/>
-        </p:nvPicPr>
-        <p:blipFill>
-          <a:blip r:embed="rId3">
-            <a:extLst>
-              <a:ext uri="{28A0092B-C50C-407E-A947-70E740481C1C}">
-                <a14:useLocalDpi xmlns:a14="http://schemas.microsoft.com/office/drawing/2010/main" val="0"/>
-              </a:ext>
-            </a:extLst>
-          </a:blip>
-          <a:stretch>
-            <a:fillRect/>
-          </a:stretch>
-        </p:blipFill>
-        <p:spPr>
-          <a:xfrm>
-            <a:off x="554745" y="1341336"/>
-            <a:ext cx="1996316" cy="1348389"/>
-          </a:xfrm>
-          <a:prstGeom prst="rect">
-            <a:avLst/>
-          </a:prstGeom>
-        </p:spPr>
-      </p:pic>
-      <p:pic>
-        <p:nvPicPr>
-          <p:cNvPr id="12" name="Picture 11"/>
-          <p:cNvPicPr>
-            <a:picLocks noChangeAspect="1"/>
-          </p:cNvPicPr>
-          <p:nvPr/>
-        </p:nvPicPr>
-        <p:blipFill>
-          <a:blip r:embed="rId4">
-            <a:extLst>
-              <a:ext uri="{28A0092B-C50C-407E-A947-70E740481C1C}">
-                <a14:useLocalDpi xmlns:a14="http://schemas.microsoft.com/office/drawing/2010/main" val="0"/>
-              </a:ext>
-            </a:extLst>
-          </a:blip>
-          <a:stretch>
-            <a:fillRect/>
-          </a:stretch>
-        </p:blipFill>
-        <p:spPr>
-          <a:xfrm>
-            <a:off x="1791576" y="2015530"/>
-            <a:ext cx="1928648" cy="1570587"/>
-          </a:xfrm>
-          <a:prstGeom prst="rect">
-            <a:avLst/>
-          </a:prstGeom>
-        </p:spPr>
-      </p:pic>
-      <p:sp>
-        <p:nvSpPr>
-          <p:cNvPr id="13" name="TextBox 12"/>
-          <p:cNvSpPr txBox="1"/>
-          <p:nvPr/>
-        </p:nvSpPr>
-        <p:spPr>
-          <a:xfrm>
-            <a:off x="4406461" y="4275229"/>
-            <a:ext cx="4564117" cy="646331"/>
-          </a:xfrm>
-          <a:prstGeom prst="rect">
-            <a:avLst/>
-          </a:prstGeom>
-          <a:noFill/>
-        </p:spPr>
-        <p:txBody>
-          <a:bodyPr wrap="square" rtlCol="0">
-            <a:spAutoFit/>
-          </a:bodyPr>
-          <a:lstStyle/>
-          <a:p>
-            <a:r>
-              <a:rPr lang="en-US" b="1" dirty="0" err="1" smtClean="0"/>
-              <a:t>Abstraktion</a:t>
-            </a:r>
-            <a:r>
-              <a:rPr lang="en-US" dirty="0" smtClean="0"/>
-              <a:t> von der </a:t>
-            </a:r>
-            <a:r>
-              <a:rPr lang="en-US" dirty="0" err="1" smtClean="0"/>
-              <a:t>konkreten</a:t>
-            </a:r>
-            <a:r>
-              <a:rPr lang="en-US" dirty="0" smtClean="0"/>
-              <a:t> </a:t>
-            </a:r>
-            <a:r>
-              <a:rPr lang="en-US" dirty="0" err="1" smtClean="0"/>
-              <a:t>Speicherimplementierung</a:t>
-            </a:r>
-            <a:endParaRPr lang="en-US" dirty="0" smtClean="0"/>
-          </a:p>
-        </p:txBody>
-      </p:sp>
     </p:spTree>
     <p:extLst>
       <p:ext uri="{BB962C8B-B14F-4D97-AF65-F5344CB8AC3E}">
-        <p14:creationId xmlns:p14="http://schemas.microsoft.com/office/powerpoint/2010/main" val="1828560639"/>
+        <p14:creationId xmlns:p14="http://schemas.microsoft.com/office/powerpoint/2010/main" val="330102494"/>
       </p:ext>
     </p:extLst>
   </p:cSld>
@@ -8983,7 +9511,7 @@
             </a:r>
             <a:r>
               <a:rPr lang="en-US" dirty="0" smtClean="0"/>
-              <a:t>: Proxy Pattern</a:t>
+              <a:t>: Shared Code Project</a:t>
             </a:r>
             <a:endParaRPr lang="en-US" dirty="0"/>
           </a:p>
@@ -9013,81 +9541,21 @@
         </p:blipFill>
         <p:spPr>
           <a:xfrm>
-            <a:off x="2771712" y="1709408"/>
-            <a:ext cx="5191204" cy="2417006"/>
+            <a:off x="819807" y="2209405"/>
+            <a:ext cx="7977352" cy="1185888"/>
           </a:xfrm>
         </p:spPr>
       </p:pic>
-      <p:pic>
-        <p:nvPicPr>
-          <p:cNvPr id="6" name="Picture 5"/>
-          <p:cNvPicPr>
-            <a:picLocks noChangeAspect="1"/>
-          </p:cNvPicPr>
-          <p:nvPr/>
-        </p:nvPicPr>
-        <p:blipFill>
-          <a:blip r:embed="rId3">
-            <a:extLst>
-              <a:ext uri="{28A0092B-C50C-407E-A947-70E740481C1C}">
-                <a14:useLocalDpi xmlns:a14="http://schemas.microsoft.com/office/drawing/2010/main" val="0"/>
-              </a:ext>
-            </a:extLst>
-          </a:blip>
-          <a:stretch>
-            <a:fillRect/>
-          </a:stretch>
-        </p:blipFill>
-        <p:spPr>
-          <a:xfrm>
-            <a:off x="1102115" y="2710305"/>
-            <a:ext cx="1669866" cy="942282"/>
-          </a:xfrm>
-          <a:prstGeom prst="rect">
-            <a:avLst/>
-          </a:prstGeom>
-        </p:spPr>
-      </p:pic>
-      <p:pic>
-        <p:nvPicPr>
-          <p:cNvPr id="7" name="Picture 6"/>
-          <p:cNvPicPr>
-            <a:picLocks noChangeAspect="1"/>
-          </p:cNvPicPr>
-          <p:nvPr/>
-        </p:nvPicPr>
-        <p:blipFill>
-          <a:blip r:embed="rId4">
-            <a:extLst>
-              <a:ext uri="{28A0092B-C50C-407E-A947-70E740481C1C}">
-                <a14:useLocalDpi xmlns:a14="http://schemas.microsoft.com/office/drawing/2010/main" val="0"/>
-              </a:ext>
-            </a:extLst>
-          </a:blip>
-          <a:stretch>
-            <a:fillRect/>
-          </a:stretch>
-        </p:blipFill>
-        <p:spPr>
-          <a:xfrm>
-            <a:off x="6484143" y="3664290"/>
-            <a:ext cx="1676751" cy="804840"/>
-          </a:xfrm>
-          <a:prstGeom prst="rect">
-            <a:avLst/>
-          </a:prstGeom>
-        </p:spPr>
-      </p:pic>
-      <p:sp>
-        <p:nvSpPr>
-          <p:cNvPr id="10" name="TextBox 9"/>
+      <p:sp>
+        <p:nvSpPr>
+          <p:cNvPr id="8" name="TextBox 7"/>
           <p:cNvSpPr txBox="1"/>
           <p:nvPr/>
         </p:nvSpPr>
         <p:spPr>
           <a:xfrm>
-            <a:off x="2068393" y="4684139"/>
-            <a:ext cx="5125827" cy="923330"/>
+            <a:off x="3318641" y="3413234"/>
+            <a:ext cx="2979683" cy="1938992"/>
           </a:xfrm>
           <a:prstGeom prst="rect">
             <a:avLst/>
@@ -9095,51 +9563,27 @@
           <a:noFill/>
         </p:spPr>
         <p:txBody>
-          <a:bodyPr wrap="none" rtlCol="0">
+          <a:bodyPr wrap="square" rtlCol="0">
             <a:spAutoFit/>
           </a:bodyPr>
           <a:lstStyle/>
           <a:p>
             <a:pPr algn="ctr"/>
             <a:r>
-              <a:rPr lang="en-US" b="1" dirty="0" err="1" smtClean="0"/>
-              <a:t>PageProxy</a:t>
-            </a:r>
-            <a:r>
-              <a:rPr lang="en-US" b="1" dirty="0" smtClean="0"/>
+              <a:rPr lang="en-US" sz="2200" dirty="0" err="1" smtClean="0"/>
+              <a:t>Gemeinsam</a:t>
+            </a:r>
+            <a:r>
+              <a:rPr lang="en-US" sz="2200" dirty="0" smtClean="0"/>
               <a:t> </a:t>
             </a:r>
             <a:r>
-              <a:rPr lang="en-US" b="1" dirty="0" err="1" smtClean="0"/>
-              <a:t>lädt</a:t>
-            </a:r>
-            <a:r>
-              <a:rPr lang="en-US" b="1" dirty="0" smtClean="0"/>
-              <a:t> </a:t>
-            </a:r>
-            <a:r>
-              <a:rPr lang="en-US" b="1" dirty="0" err="1" smtClean="0"/>
-              <a:t>Metadaten</a:t>
-            </a:r>
-            <a:r>
-              <a:rPr lang="en-US" b="1" dirty="0" smtClean="0"/>
-              <a:t> </a:t>
-            </a:r>
-            <a:r>
-              <a:rPr lang="en-US" dirty="0" err="1" smtClean="0"/>
-              <a:t>ohne</a:t>
-            </a:r>
-            <a:r>
-              <a:rPr lang="en-US" dirty="0" smtClean="0"/>
-              <a:t> </a:t>
-            </a:r>
-            <a:r>
-              <a:rPr lang="en-US" dirty="0" err="1" smtClean="0"/>
-              <a:t>zusätzlichen</a:t>
-            </a:r>
-            <a:r>
-              <a:rPr lang="en-US" dirty="0" smtClean="0"/>
-              <a:t> Traffic.</a:t>
+              <a:rPr lang="en-US" sz="2200" dirty="0" err="1" smtClean="0"/>
+              <a:t>genutzte</a:t>
+            </a:r>
+            <a:r>
+              <a:rPr lang="en-US" sz="2200" dirty="0" smtClean="0"/>
+              <a:t> Klassen</a:t>
             </a:r>
           </a:p>
           <a:p>
@@ -9148,62 +9592,82 @@
           </a:p>
           <a:p>
             <a:pPr algn="ctr"/>
-            <a:r>
-              <a:rPr lang="en-US" dirty="0" err="1" smtClean="0"/>
-              <a:t>Audiodateien</a:t>
-            </a:r>
-            <a:r>
-              <a:rPr lang="en-US" dirty="0" smtClean="0"/>
+            <a:endParaRPr lang="en-US" dirty="0" smtClean="0"/>
+          </a:p>
+          <a:p>
+            <a:pPr algn="ctr"/>
+            <a:endParaRPr lang="en-US" dirty="0" smtClean="0"/>
+          </a:p>
+          <a:p>
+            <a:pPr algn="ctr"/>
+            <a:r>
+              <a:rPr lang="en-US" sz="2200" b="1" dirty="0" err="1" smtClean="0"/>
+              <a:t>Keine</a:t>
+            </a:r>
+            <a:r>
+              <a:rPr lang="en-US" sz="2200" b="1" dirty="0" smtClean="0"/>
               <a:t> </a:t>
             </a:r>
             <a:r>
-              <a:rPr lang="en-US" dirty="0" err="1" smtClean="0"/>
-              <a:t>werden</a:t>
-            </a:r>
-            <a:r>
-              <a:rPr lang="en-US" dirty="0" smtClean="0"/>
-              <a:t> </a:t>
-            </a:r>
-            <a:r>
-              <a:rPr lang="en-US" dirty="0" err="1" smtClean="0"/>
-              <a:t>nur</a:t>
-            </a:r>
-            <a:r>
-              <a:rPr lang="en-US" dirty="0" smtClean="0"/>
-              <a:t> </a:t>
-            </a:r>
-            <a:r>
-              <a:rPr lang="en-US" b="1" dirty="0" err="1" smtClean="0"/>
-              <a:t>bei</a:t>
-            </a:r>
-            <a:r>
-              <a:rPr lang="en-US" b="1" dirty="0" smtClean="0"/>
-              <a:t> </a:t>
-            </a:r>
-            <a:r>
-              <a:rPr lang="en-US" b="1" dirty="0" err="1" smtClean="0"/>
-              <a:t>Bedarf</a:t>
-            </a:r>
-            <a:r>
-              <a:rPr lang="en-US" b="1" dirty="0" smtClean="0"/>
-              <a:t> </a:t>
-            </a:r>
-            <a:r>
-              <a:rPr lang="en-US" b="1" dirty="0" err="1" smtClean="0"/>
-              <a:t>geladen</a:t>
-            </a:r>
-            <a:r>
-              <a:rPr lang="en-US" b="1" dirty="0" smtClean="0"/>
-              <a:t>.</a:t>
-            </a:r>
-            <a:endParaRPr lang="en-US" b="1" dirty="0"/>
+              <a:rPr lang="en-US" sz="2200" b="1" dirty="0" err="1" smtClean="0"/>
+              <a:t>Redundanz</a:t>
+            </a:r>
+            <a:endParaRPr lang="en-US" sz="2200" b="1" dirty="0"/>
+          </a:p>
+        </p:txBody>
+      </p:sp>
+      <p:sp>
+        <p:nvSpPr>
+          <p:cNvPr id="9" name="Right Arrow 8"/>
+          <p:cNvSpPr/>
+          <p:nvPr/>
+        </p:nvSpPr>
+        <p:spPr>
+          <a:xfrm rot="5400000">
+            <a:off x="4481883" y="4391755"/>
+            <a:ext cx="653197" cy="425669"/>
+          </a:xfrm>
+          <a:prstGeom prst="rightArrow">
+            <a:avLst/>
+          </a:prstGeom>
+          <a:solidFill>
+            <a:schemeClr val="accent2"/>
+          </a:solidFill>
+          <a:ln>
+            <a:solidFill>
+              <a:schemeClr val="bg2"/>
+            </a:solidFill>
+          </a:ln>
+        </p:spPr>
+        <p:style>
+          <a:lnRef idx="2">
+            <a:schemeClr val="accent1">
+              <a:shade val="50000"/>
+            </a:schemeClr>
+          </a:lnRef>
+          <a:fillRef idx="1">
+            <a:schemeClr val="accent1"/>
+          </a:fillRef>
+          <a:effectRef idx="0">
+            <a:schemeClr val="accent1"/>
+          </a:effectRef>
+          <a:fontRef idx="minor">
+            <a:schemeClr val="lt1"/>
+          </a:fontRef>
+        </p:style>
+        <p:txBody>
+          <a:bodyPr rtlCol="0" anchor="ctr"/>
+          <a:lstStyle/>
+          <a:p>
+            <a:pPr algn="ctr"/>
+            <a:endParaRPr lang="en-US"/>
           </a:p>
         </p:txBody>
       </p:sp>
     </p:spTree>
     <p:extLst>
       <p:ext uri="{BB962C8B-B14F-4D97-AF65-F5344CB8AC3E}">
-        <p14:creationId xmlns:p14="http://schemas.microsoft.com/office/powerpoint/2010/main" val="1395683405"/>
+        <p14:creationId xmlns:p14="http://schemas.microsoft.com/office/powerpoint/2010/main" val="646822795"/>
       </p:ext>
     </p:extLst>
   </p:cSld>

--- a/Lingvo/Abgabe/präsentation.pptx
+++ b/Lingvo/Abgabe/präsentation.pptx
@@ -6,31 +6,32 @@
     <p:sldMasterId id="2147483664" r:id="rId2"/>
   </p:sldMasterIdLst>
   <p:notesMasterIdLst>
-    <p:notesMasterId r:id="rId25"/>
+    <p:notesMasterId r:id="rId26"/>
   </p:notesMasterIdLst>
   <p:sldIdLst>
     <p:sldId id="261" r:id="rId3"/>
-    <p:sldId id="266" r:id="rId4"/>
-    <p:sldId id="267" r:id="rId5"/>
-    <p:sldId id="268" r:id="rId6"/>
-    <p:sldId id="271" r:id="rId7"/>
-    <p:sldId id="287" r:id="rId8"/>
-    <p:sldId id="274" r:id="rId9"/>
-    <p:sldId id="288" r:id="rId10"/>
-    <p:sldId id="272" r:id="rId11"/>
-    <p:sldId id="275" r:id="rId12"/>
-    <p:sldId id="276" r:id="rId13"/>
-    <p:sldId id="277" r:id="rId14"/>
-    <p:sldId id="278" r:id="rId15"/>
-    <p:sldId id="279" r:id="rId16"/>
-    <p:sldId id="280" r:id="rId17"/>
-    <p:sldId id="281" r:id="rId18"/>
-    <p:sldId id="282" r:id="rId19"/>
-    <p:sldId id="283" r:id="rId20"/>
-    <p:sldId id="284" r:id="rId21"/>
-    <p:sldId id="285" r:id="rId22"/>
-    <p:sldId id="270" r:id="rId23"/>
-    <p:sldId id="286" r:id="rId24"/>
+    <p:sldId id="267" r:id="rId4"/>
+    <p:sldId id="266" r:id="rId5"/>
+    <p:sldId id="289" r:id="rId6"/>
+    <p:sldId id="268" r:id="rId7"/>
+    <p:sldId id="271" r:id="rId8"/>
+    <p:sldId id="287" r:id="rId9"/>
+    <p:sldId id="274" r:id="rId10"/>
+    <p:sldId id="288" r:id="rId11"/>
+    <p:sldId id="272" r:id="rId12"/>
+    <p:sldId id="275" r:id="rId13"/>
+    <p:sldId id="276" r:id="rId14"/>
+    <p:sldId id="277" r:id="rId15"/>
+    <p:sldId id="278" r:id="rId16"/>
+    <p:sldId id="279" r:id="rId17"/>
+    <p:sldId id="280" r:id="rId18"/>
+    <p:sldId id="281" r:id="rId19"/>
+    <p:sldId id="282" r:id="rId20"/>
+    <p:sldId id="283" r:id="rId21"/>
+    <p:sldId id="284" r:id="rId22"/>
+    <p:sldId id="285" r:id="rId23"/>
+    <p:sldId id="270" r:id="rId24"/>
+    <p:sldId id="286" r:id="rId25"/>
   </p:sldIdLst>
   <p:sldSz cx="9144000" cy="6858000" type="screen4x3"/>
   <p:notesSz cx="6858000" cy="9144000"/>
@@ -131,7 +132,7 @@
   </p:defaultTextStyle>
   <p:extLst>
     <p:ext uri="{EFAFB233-063F-42B5-8137-9DF3F51BA10A}">
-      <p15:sldGuideLst xmlns:p15="http://schemas.microsoft.com/office/powerpoint/2012/main"/>
+      <p15:sldGuideLst xmlns:p15="http://schemas.microsoft.com/office/powerpoint/2012/main" xmlns=""/>
     </p:ext>
   </p:extLst>
 </p:presentation>
@@ -219,7 +220,7 @@
           <a:p>
             <a:fld id="{C24705BC-C4CA-4069-9565-216FBABFB130}" type="datetimeFigureOut">
               <a:rPr lang="en-US" smtClean="0"/>
-              <a:t>2/23/17</a:t>
+              <a:t>23/02/17</a:t>
             </a:fld>
             <a:endParaRPr lang="en-US"/>
           </a:p>
@@ -378,7 +379,7 @@
           <a:p>
             <a:fld id="{B46550BC-C454-4A3E-845B-8F3DE52012C2}" type="slidenum">
               <a:rPr lang="en-US" smtClean="0"/>
-              <a:t>‹#›</a:t>
+              <a:t>‹Nr.›</a:t>
             </a:fld>
             <a:endParaRPr lang="en-US"/>
           </a:p>
@@ -932,7 +933,7 @@
           </a:prstGeom>
           <a:noFill/>
           <a:extLst>
-            <a:ext uri="{909E8E84-426E-40DD-AFC4-6F175D3DCCD1}">
+            <a:ext uri="{909E8E84-426E-40dd-AFC4-6F175D3DCCD1}">
               <a14:hiddenFill xmlns:a14="http://schemas.microsoft.com/office/drawing/2010/main">
                 <a:solidFill>
                   <a:srgbClr val="FFFFFF"/>
@@ -980,7 +981,7 @@
   <p:timing>
     <p:tnLst>
       <p:par>
-        <p:cTn id="1" dur="indefinite" restart="never" nodeType="tmRoot"/>
+        <p:cTn xmlns:p14="http://schemas.microsoft.com/office/powerpoint/2010/main" id="1" dur="indefinite" restart="never" nodeType="tmRoot"/>
       </p:par>
     </p:tnLst>
   </p:timing>
@@ -1021,7 +1022,7 @@
           <a:p>
             <a:fld id="{53EC81EF-DBCC-EA4B-B483-7C0B5BFEB88D}" type="datetimeFigureOut">
               <a:rPr lang="en-US" smtClean="0"/>
-              <a:t>2/23/17</a:t>
+              <a:t>23/02/17</a:t>
             </a:fld>
             <a:endParaRPr lang="en-US"/>
           </a:p>
@@ -1063,7 +1064,7 @@
           <a:p>
             <a:fld id="{9649D8A5-938D-B044-AF76-BB04B9DDD473}" type="slidenum">
               <a:rPr lang="en-US" smtClean="0"/>
-              <a:t>‹#›</a:t>
+              <a:t>‹Nr.›</a:t>
             </a:fld>
             <a:endParaRPr lang="en-US"/>
           </a:p>
@@ -1294,7 +1295,7 @@
           <a:p>
             <a:fld id="{53EC81EF-DBCC-EA4B-B483-7C0B5BFEB88D}" type="datetimeFigureOut">
               <a:rPr lang="en-US" smtClean="0"/>
-              <a:t>2/23/17</a:t>
+              <a:t>23/02/17</a:t>
             </a:fld>
             <a:endParaRPr lang="en-US"/>
           </a:p>
@@ -1336,7 +1337,7 @@
           <a:p>
             <a:fld id="{9649D8A5-938D-B044-AF76-BB04B9DDD473}" type="slidenum">
               <a:rPr lang="en-US" smtClean="0"/>
-              <a:t>‹#›</a:t>
+              <a:t>‹Nr.›</a:t>
             </a:fld>
             <a:endParaRPr lang="en-US"/>
           </a:p>
@@ -1543,7 +1544,7 @@
           <a:p>
             <a:fld id="{53EC81EF-DBCC-EA4B-B483-7C0B5BFEB88D}" type="datetimeFigureOut">
               <a:rPr lang="en-US" smtClean="0"/>
-              <a:t>2/23/17</a:t>
+              <a:t>23/02/17</a:t>
             </a:fld>
             <a:endParaRPr lang="en-US"/>
           </a:p>
@@ -1585,7 +1586,7 @@
           <a:p>
             <a:fld id="{9649D8A5-938D-B044-AF76-BB04B9DDD473}" type="slidenum">
               <a:rPr lang="en-US" smtClean="0"/>
-              <a:t>‹#›</a:t>
+              <a:t>‹Nr.›</a:t>
             </a:fld>
             <a:endParaRPr lang="en-US"/>
           </a:p>
@@ -1709,7 +1710,7 @@
           <a:p>
             <a:fld id="{53EC81EF-DBCC-EA4B-B483-7C0B5BFEB88D}" type="datetimeFigureOut">
               <a:rPr lang="en-US" smtClean="0"/>
-              <a:t>2/23/17</a:t>
+              <a:t>23/02/17</a:t>
             </a:fld>
             <a:endParaRPr lang="en-US"/>
           </a:p>
@@ -1751,7 +1752,7 @@
           <a:p>
             <a:fld id="{9649D8A5-938D-B044-AF76-BB04B9DDD473}" type="slidenum">
               <a:rPr lang="en-US" smtClean="0"/>
-              <a:t>‹#›</a:t>
+              <a:t>‹Nr.›</a:t>
             </a:fld>
             <a:endParaRPr lang="en-US"/>
           </a:p>
@@ -1885,7 +1886,7 @@
           <a:p>
             <a:fld id="{53EC81EF-DBCC-EA4B-B483-7C0B5BFEB88D}" type="datetimeFigureOut">
               <a:rPr lang="en-US" smtClean="0"/>
-              <a:t>2/23/17</a:t>
+              <a:t>23/02/17</a:t>
             </a:fld>
             <a:endParaRPr lang="en-US"/>
           </a:p>
@@ -1927,7 +1928,7 @@
           <a:p>
             <a:fld id="{9649D8A5-938D-B044-AF76-BB04B9DDD473}" type="slidenum">
               <a:rPr lang="en-US" smtClean="0"/>
-              <a:t>‹#›</a:t>
+              <a:t>‹Nr.›</a:t>
             </a:fld>
             <a:endParaRPr lang="en-US"/>
           </a:p>
@@ -2242,7 +2243,7 @@
   <p:timing>
     <p:tnLst>
       <p:par>
-        <p:cTn id="1" dur="indefinite" restart="never" nodeType="tmRoot"/>
+        <p:cTn xmlns:p14="http://schemas.microsoft.com/office/powerpoint/2010/main" id="1" dur="indefinite" restart="never" nodeType="tmRoot"/>
       </p:par>
     </p:tnLst>
   </p:timing>
@@ -2434,7 +2435,7 @@
   <p:timing>
     <p:tnLst>
       <p:par>
-        <p:cTn id="1" dur="indefinite" restart="never" nodeType="tmRoot"/>
+        <p:cTn xmlns:p14="http://schemas.microsoft.com/office/powerpoint/2010/main" id="1" dur="indefinite" restart="never" nodeType="tmRoot"/>
       </p:par>
     </p:tnLst>
   </p:timing>
@@ -2572,7 +2573,7 @@
           <a:p>
             <a:fld id="{53EC81EF-DBCC-EA4B-B483-7C0B5BFEB88D}" type="datetimeFigureOut">
               <a:rPr lang="en-US" smtClean="0"/>
-              <a:t>2/23/17</a:t>
+              <a:t>23/02/17</a:t>
             </a:fld>
             <a:endParaRPr lang="en-US"/>
           </a:p>
@@ -2614,7 +2615,7 @@
           <a:p>
             <a:fld id="{9649D8A5-938D-B044-AF76-BB04B9DDD473}" type="slidenum">
               <a:rPr lang="en-US" smtClean="0"/>
-              <a:t>‹#›</a:t>
+              <a:t>‹Nr.›</a:t>
             </a:fld>
             <a:endParaRPr lang="en-US"/>
           </a:p>
@@ -2738,7 +2739,7 @@
           <a:p>
             <a:fld id="{53EC81EF-DBCC-EA4B-B483-7C0B5BFEB88D}" type="datetimeFigureOut">
               <a:rPr lang="en-US" smtClean="0"/>
-              <a:t>2/23/17</a:t>
+              <a:t>23/02/17</a:t>
             </a:fld>
             <a:endParaRPr lang="en-US"/>
           </a:p>
@@ -2780,7 +2781,7 @@
           <a:p>
             <a:fld id="{9649D8A5-938D-B044-AF76-BB04B9DDD473}" type="slidenum">
               <a:rPr lang="en-US" smtClean="0"/>
-              <a:t>‹#›</a:t>
+              <a:t>‹Nr.›</a:t>
             </a:fld>
             <a:endParaRPr lang="en-US"/>
           </a:p>
@@ -2980,7 +2981,7 @@
           <a:p>
             <a:fld id="{53EC81EF-DBCC-EA4B-B483-7C0B5BFEB88D}" type="datetimeFigureOut">
               <a:rPr lang="en-US" smtClean="0"/>
-              <a:t>2/23/17</a:t>
+              <a:t>23/02/17</a:t>
             </a:fld>
             <a:endParaRPr lang="en-US"/>
           </a:p>
@@ -3022,7 +3023,7 @@
           <a:p>
             <a:fld id="{9649D8A5-938D-B044-AF76-BB04B9DDD473}" type="slidenum">
               <a:rPr lang="en-US" smtClean="0"/>
-              <a:t>‹#›</a:t>
+              <a:t>‹Nr.›</a:t>
             </a:fld>
             <a:endParaRPr lang="en-US"/>
           </a:p>
@@ -3208,7 +3209,7 @@
           <a:p>
             <a:fld id="{53EC81EF-DBCC-EA4B-B483-7C0B5BFEB88D}" type="datetimeFigureOut">
               <a:rPr lang="en-US" smtClean="0"/>
-              <a:t>2/23/17</a:t>
+              <a:t>23/02/17</a:t>
             </a:fld>
             <a:endParaRPr lang="en-US"/>
           </a:p>
@@ -3250,7 +3251,7 @@
           <a:p>
             <a:fld id="{9649D8A5-938D-B044-AF76-BB04B9DDD473}" type="slidenum">
               <a:rPr lang="en-US" smtClean="0"/>
-              <a:t>‹#›</a:t>
+              <a:t>‹Nr.›</a:t>
             </a:fld>
             <a:endParaRPr lang="en-US"/>
           </a:p>
@@ -3571,7 +3572,7 @@
           <a:p>
             <a:fld id="{53EC81EF-DBCC-EA4B-B483-7C0B5BFEB88D}" type="datetimeFigureOut">
               <a:rPr lang="en-US" smtClean="0"/>
-              <a:t>2/23/17</a:t>
+              <a:t>23/02/17</a:t>
             </a:fld>
             <a:endParaRPr lang="en-US"/>
           </a:p>
@@ -3613,7 +3614,7 @@
           <a:p>
             <a:fld id="{9649D8A5-938D-B044-AF76-BB04B9DDD473}" type="slidenum">
               <a:rPr lang="en-US" smtClean="0"/>
-              <a:t>‹#›</a:t>
+              <a:t>‹Nr.›</a:t>
             </a:fld>
             <a:endParaRPr lang="en-US"/>
           </a:p>
@@ -3685,7 +3686,7 @@
           <a:p>
             <a:fld id="{53EC81EF-DBCC-EA4B-B483-7C0B5BFEB88D}" type="datetimeFigureOut">
               <a:rPr lang="en-US" smtClean="0"/>
-              <a:t>2/23/17</a:t>
+              <a:t>23/02/17</a:t>
             </a:fld>
             <a:endParaRPr lang="en-US"/>
           </a:p>
@@ -3727,7 +3728,7 @@
           <a:p>
             <a:fld id="{9649D8A5-938D-B044-AF76-BB04B9DDD473}" type="slidenum">
               <a:rPr lang="en-US" smtClean="0"/>
-              <a:t>‹#›</a:t>
+              <a:t>‹Nr.›</a:t>
             </a:fld>
             <a:endParaRPr lang="en-US"/>
           </a:p>
@@ -4150,7 +4151,7 @@
                 <a:tabLst/>
                 <a:defRPr/>
               </a:pPr>
-              <a:t>‹#›</a:t>
+              <a:t>‹Nr.›</a:t>
             </a:fld>
             <a:endParaRPr kumimoji="0" lang="de-DE" sz="900" b="0" i="0" u="none" strike="noStrike" kern="1200" cap="none" spc="0" normalizeH="0" baseline="0" noProof="0" dirty="0">
               <a:ln>
@@ -4274,7 +4275,7 @@
   <p:timing>
     <p:tnLst>
       <p:par>
-        <p:cTn id="1" dur="indefinite" restart="never" nodeType="tmRoot"/>
+        <p:cTn xmlns:p14="http://schemas.microsoft.com/office/powerpoint/2010/main" id="1" dur="indefinite" restart="never" nodeType="tmRoot"/>
       </p:par>
     </p:tnLst>
   </p:timing>
@@ -4691,7 +4692,7 @@
           <a:p>
             <a:fld id="{53EC81EF-DBCC-EA4B-B483-7C0B5BFEB88D}" type="datetimeFigureOut">
               <a:rPr lang="en-US" smtClean="0"/>
-              <a:t>2/23/17</a:t>
+              <a:t>23/02/17</a:t>
             </a:fld>
             <a:endParaRPr lang="en-US"/>
           </a:p>
@@ -4769,7 +4770,7 @@
           <a:p>
             <a:fld id="{9649D8A5-938D-B044-AF76-BB04B9DDD473}" type="slidenum">
               <a:rPr lang="en-US" smtClean="0"/>
-              <a:t>‹#›</a:t>
+              <a:t>‹Nr.›</a:t>
             </a:fld>
             <a:endParaRPr lang="en-US"/>
           </a:p>
@@ -5278,7 +5279,7 @@
   <p:timing>
     <p:tnLst>
       <p:par>
-        <p:cTn id="1" dur="indefinite" restart="never" nodeType="tmRoot"/>
+        <p:cTn xmlns:p14="http://schemas.microsoft.com/office/powerpoint/2010/main" id="1" dur="indefinite" restart="never" nodeType="tmRoot"/>
       </p:par>
     </p:tnLst>
   </p:timing>
@@ -5323,22 +5324,51 @@
             </a:r>
             <a:r>
               <a:rPr lang="en-US" dirty="0" smtClean="0"/>
-              <a:t>: Interfaces</a:t>
+              <a:t>: Shared Code Project</a:t>
             </a:r>
             <a:endParaRPr lang="en-US" dirty="0"/>
           </a:p>
         </p:txBody>
       </p:sp>
-      <p:sp>
-        <p:nvSpPr>
-          <p:cNvPr id="3" name="TextBox 2"/>
+      <p:pic>
+        <p:nvPicPr>
+          <p:cNvPr id="5" name="Content Placeholder 4"/>
+          <p:cNvPicPr>
+            <a:picLocks noGrp="1" noChangeAspect="1"/>
+          </p:cNvPicPr>
+          <p:nvPr>
+            <p:ph idx="1"/>
+          </p:nvPr>
+        </p:nvPicPr>
+        <p:blipFill>
+          <a:blip r:embed="rId2">
+            <a:extLst>
+              <a:ext uri="{28A0092B-C50C-407E-A947-70E740481C1C}">
+                <a14:useLocalDpi xmlns:a14="http://schemas.microsoft.com/office/drawing/2010/main" val="0"/>
+              </a:ext>
+            </a:extLst>
+          </a:blip>
+          <a:stretch>
+            <a:fillRect/>
+          </a:stretch>
+        </p:blipFill>
+        <p:spPr>
+          <a:xfrm>
+            <a:off x="819807" y="2209405"/>
+            <a:ext cx="7977352" cy="1185888"/>
+          </a:xfrm>
+        </p:spPr>
+      </p:pic>
+      <p:sp>
+        <p:nvSpPr>
+          <p:cNvPr id="8" name="TextBox 7"/>
           <p:cNvSpPr txBox="1"/>
           <p:nvPr/>
         </p:nvSpPr>
         <p:spPr>
           <a:xfrm>
-            <a:off x="3867447" y="2898421"/>
-            <a:ext cx="4564117" cy="646331"/>
+            <a:off x="3318641" y="3413234"/>
+            <a:ext cx="2979683" cy="1938992"/>
           </a:xfrm>
           <a:prstGeom prst="rect">
             <a:avLst/>
@@ -5351,6 +5381,188 @@
           </a:bodyPr>
           <a:lstStyle/>
           <a:p>
+            <a:pPr algn="ctr"/>
+            <a:r>
+              <a:rPr lang="en-US" sz="2200" dirty="0" err="1" smtClean="0"/>
+              <a:t>Gemeinsam</a:t>
+            </a:r>
+            <a:r>
+              <a:rPr lang="en-US" sz="2200" dirty="0" smtClean="0"/>
+              <a:t> </a:t>
+            </a:r>
+            <a:r>
+              <a:rPr lang="en-US" sz="2200" dirty="0" err="1" smtClean="0"/>
+              <a:t>genutzte</a:t>
+            </a:r>
+            <a:r>
+              <a:rPr lang="en-US" sz="2200" dirty="0" smtClean="0"/>
+              <a:t> Klassen</a:t>
+            </a:r>
+          </a:p>
+          <a:p>
+            <a:pPr algn="ctr"/>
+            <a:endParaRPr lang="en-US" dirty="0"/>
+          </a:p>
+          <a:p>
+            <a:pPr algn="ctr"/>
+            <a:endParaRPr lang="en-US" dirty="0" smtClean="0"/>
+          </a:p>
+          <a:p>
+            <a:pPr algn="ctr"/>
+            <a:endParaRPr lang="en-US" dirty="0" smtClean="0"/>
+          </a:p>
+          <a:p>
+            <a:pPr algn="ctr"/>
+            <a:r>
+              <a:rPr lang="en-US" sz="2200" b="1" dirty="0" err="1" smtClean="0"/>
+              <a:t>Keine</a:t>
+            </a:r>
+            <a:r>
+              <a:rPr lang="en-US" sz="2200" b="1" dirty="0" smtClean="0"/>
+              <a:t> </a:t>
+            </a:r>
+            <a:r>
+              <a:rPr lang="en-US" sz="2200" b="1" dirty="0" err="1" smtClean="0"/>
+              <a:t>Redundanz</a:t>
+            </a:r>
+            <a:endParaRPr lang="en-US" sz="2200" b="1" dirty="0"/>
+          </a:p>
+        </p:txBody>
+      </p:sp>
+      <p:sp>
+        <p:nvSpPr>
+          <p:cNvPr id="9" name="Right Arrow 8"/>
+          <p:cNvSpPr/>
+          <p:nvPr/>
+        </p:nvSpPr>
+        <p:spPr>
+          <a:xfrm rot="5400000">
+            <a:off x="4481883" y="4391755"/>
+            <a:ext cx="653197" cy="425669"/>
+          </a:xfrm>
+          <a:prstGeom prst="rightArrow">
+            <a:avLst/>
+          </a:prstGeom>
+          <a:solidFill>
+            <a:schemeClr val="accent2"/>
+          </a:solidFill>
+          <a:ln>
+            <a:solidFill>
+              <a:schemeClr val="bg2"/>
+            </a:solidFill>
+          </a:ln>
+        </p:spPr>
+        <p:style>
+          <a:lnRef idx="2">
+            <a:schemeClr val="accent1">
+              <a:shade val="50000"/>
+            </a:schemeClr>
+          </a:lnRef>
+          <a:fillRef idx="1">
+            <a:schemeClr val="accent1"/>
+          </a:fillRef>
+          <a:effectRef idx="0">
+            <a:schemeClr val="accent1"/>
+          </a:effectRef>
+          <a:fontRef idx="minor">
+            <a:schemeClr val="lt1"/>
+          </a:fontRef>
+        </p:style>
+        <p:txBody>
+          <a:bodyPr rtlCol="0" anchor="ctr"/>
+          <a:lstStyle/>
+          <a:p>
+            <a:pPr algn="ctr"/>
+            <a:endParaRPr lang="en-US"/>
+          </a:p>
+        </p:txBody>
+      </p:sp>
+    </p:spTree>
+    <p:extLst>
+      <p:ext uri="{BB962C8B-B14F-4D97-AF65-F5344CB8AC3E}">
+        <p14:creationId xmlns:p14="http://schemas.microsoft.com/office/powerpoint/2010/main" val="646822795"/>
+      </p:ext>
+    </p:extLst>
+  </p:cSld>
+  <p:clrMapOvr>
+    <a:masterClrMapping/>
+  </p:clrMapOvr>
+  <p:timing>
+    <p:tnLst>
+      <p:par>
+        <p:cTn xmlns:p14="http://schemas.microsoft.com/office/powerpoint/2010/main" id="1" dur="indefinite" restart="never" nodeType="tmRoot"/>
+      </p:par>
+    </p:tnLst>
+  </p:timing>
+</p:sld>
+</file>
+
+<file path=ppt/slides/slide11.xml><?xml version="1.0" encoding="utf-8"?>
+<p:sld xmlns:a="http://schemas.openxmlformats.org/drawingml/2006/main" xmlns:r="http://schemas.openxmlformats.org/officeDocument/2006/relationships" xmlns:p="http://schemas.openxmlformats.org/presentationml/2006/main">
+  <p:cSld>
+    <p:spTree>
+      <p:nvGrpSpPr>
+        <p:cNvPr id="1" name=""/>
+        <p:cNvGrpSpPr/>
+        <p:nvPr/>
+      </p:nvGrpSpPr>
+      <p:grpSpPr>
+        <a:xfrm>
+          <a:off x="0" y="0"/>
+          <a:ext cx="0" cy="0"/>
+          <a:chOff x="0" y="0"/>
+          <a:chExt cx="0" cy="0"/>
+        </a:xfrm>
+      </p:grpSpPr>
+      <p:sp>
+        <p:nvSpPr>
+          <p:cNvPr id="2" name="Title 1"/>
+          <p:cNvSpPr>
+            <a:spLocks noGrp="1"/>
+          </p:cNvSpPr>
+          <p:nvPr>
+            <p:ph type="title"/>
+          </p:nvPr>
+        </p:nvSpPr>
+        <p:spPr/>
+        <p:txBody>
+          <a:bodyPr/>
+          <a:lstStyle/>
+          <a:p>
+            <a:r>
+              <a:rPr lang="en-US" dirty="0" err="1" smtClean="0"/>
+              <a:t>Architektur</a:t>
+            </a:r>
+            <a:r>
+              <a:rPr lang="en-US" dirty="0" smtClean="0"/>
+              <a:t>: Interfaces</a:t>
+            </a:r>
+            <a:endParaRPr lang="en-US" dirty="0"/>
+          </a:p>
+        </p:txBody>
+      </p:sp>
+      <p:sp>
+        <p:nvSpPr>
+          <p:cNvPr id="3" name="TextBox 2"/>
+          <p:cNvSpPr txBox="1"/>
+          <p:nvPr/>
+        </p:nvSpPr>
+        <p:spPr>
+          <a:xfrm>
+            <a:off x="3867447" y="2898421"/>
+            <a:ext cx="4564117" cy="646331"/>
+          </a:xfrm>
+          <a:prstGeom prst="rect">
+            <a:avLst/>
+          </a:prstGeom>
+          <a:noFill/>
+        </p:spPr>
+        <p:txBody>
+          <a:bodyPr wrap="square" rtlCol="0">
+            <a:spAutoFit/>
+          </a:bodyPr>
+          <a:lstStyle/>
+          <a:p>
             <a:r>
               <a:rPr lang="en-US" b="1" dirty="0" err="1" smtClean="0"/>
               <a:t>Unabhängig</a:t>
@@ -5365,13 +5577,8 @@
             </a:r>
             <a:r>
               <a:rPr lang="en-US" dirty="0" smtClean="0"/>
-              <a:t> </a:t>
-            </a:r>
-            <a:r>
-              <a:rPr lang="en-US" dirty="0" smtClean="0"/>
-              <a:t>Audio-Frameworks</a:t>
-            </a:r>
-            <a:endParaRPr lang="en-US" dirty="0" smtClean="0"/>
+              <a:t> Audio-Frameworks</a:t>
+            </a:r>
           </a:p>
         </p:txBody>
       </p:sp>
@@ -5523,14 +5730,14 @@
   <p:timing>
     <p:tnLst>
       <p:par>
-        <p:cTn id="1" dur="indefinite" restart="never" nodeType="tmRoot"/>
+        <p:cTn xmlns:p14="http://schemas.microsoft.com/office/powerpoint/2010/main" id="1" dur="indefinite" restart="never" nodeType="tmRoot"/>
       </p:par>
     </p:tnLst>
   </p:timing>
 </p:sld>
 </file>
 
-<file path=ppt/slides/slide11.xml><?xml version="1.0" encoding="utf-8"?>
+<file path=ppt/slides/slide12.xml><?xml version="1.0" encoding="utf-8"?>
 <p:sld xmlns:a="http://schemas.openxmlformats.org/drawingml/2006/main" xmlns:r="http://schemas.openxmlformats.org/officeDocument/2006/relationships" xmlns:p="http://schemas.openxmlformats.org/presentationml/2006/main">
   <p:cSld>
     <p:spTree>
@@ -5993,7 +6200,7 @@
   <p:timing>
     <p:tnLst>
       <p:par>
-        <p:cTn id="1" dur="indefinite" restart="never" nodeType="tmRoot">
+        <p:cTn xmlns:p14="http://schemas.microsoft.com/office/powerpoint/2010/main" id="1" dur="indefinite" restart="never" nodeType="tmRoot">
           <p:childTnLst>
             <p:seq concurrent="1" nextAc="seek">
               <p:cTn id="2" dur="indefinite" nodeType="mainSeq">
@@ -6106,7 +6313,7 @@
 </p:sld>
 </file>
 
-<file path=ppt/slides/slide12.xml><?xml version="1.0" encoding="utf-8"?>
+<file path=ppt/slides/slide13.xml><?xml version="1.0" encoding="utf-8"?>
 <p:sld xmlns:a="http://schemas.openxmlformats.org/drawingml/2006/main" xmlns:r="http://schemas.openxmlformats.org/officeDocument/2006/relationships" xmlns:p="http://schemas.openxmlformats.org/presentationml/2006/main">
   <p:cSld>
     <p:spTree>
@@ -6186,14 +6393,14 @@
   <p:timing>
     <p:tnLst>
       <p:par>
-        <p:cTn id="1" dur="indefinite" restart="never" nodeType="tmRoot"/>
+        <p:cTn xmlns:p14="http://schemas.microsoft.com/office/powerpoint/2010/main" id="1" dur="indefinite" restart="never" nodeType="tmRoot"/>
       </p:par>
     </p:tnLst>
   </p:timing>
 </p:sld>
 </file>
 
-<file path=ppt/slides/slide13.xml><?xml version="1.0" encoding="utf-8"?>
+<file path=ppt/slides/slide14.xml><?xml version="1.0" encoding="utf-8"?>
 <p:sld xmlns:a="http://schemas.openxmlformats.org/drawingml/2006/main" xmlns:r="http://schemas.openxmlformats.org/officeDocument/2006/relationships" xmlns:p="http://schemas.openxmlformats.org/presentationml/2006/main">
   <p:cSld>
     <p:spTree>
@@ -6498,14 +6705,14 @@
   <p:timing>
     <p:tnLst>
       <p:par>
-        <p:cTn id="1" dur="indefinite" restart="never" nodeType="tmRoot"/>
+        <p:cTn xmlns:p14="http://schemas.microsoft.com/office/powerpoint/2010/main" id="1" dur="indefinite" restart="never" nodeType="tmRoot"/>
       </p:par>
     </p:tnLst>
   </p:timing>
 </p:sld>
 </file>
 
-<file path=ppt/slides/slide14.xml><?xml version="1.0" encoding="utf-8"?>
+<file path=ppt/slides/slide15.xml><?xml version="1.0" encoding="utf-8"?>
 <p:sld xmlns:a="http://schemas.openxmlformats.org/drawingml/2006/main" xmlns:r="http://schemas.openxmlformats.org/officeDocument/2006/relationships" xmlns:p="http://schemas.openxmlformats.org/presentationml/2006/main">
   <p:cSld>
     <p:spTree>
@@ -6696,255 +6903,7 @@
   <p:timing>
     <p:tnLst>
       <p:par>
-        <p:cTn id="1" dur="indefinite" restart="never" nodeType="tmRoot"/>
-      </p:par>
-    </p:tnLst>
-  </p:timing>
-</p:sld>
-</file>
-
-<file path=ppt/slides/slide15.xml><?xml version="1.0" encoding="utf-8"?>
-<p:sld xmlns:a="http://schemas.openxmlformats.org/drawingml/2006/main" xmlns:r="http://schemas.openxmlformats.org/officeDocument/2006/relationships" xmlns:p="http://schemas.openxmlformats.org/presentationml/2006/main">
-  <p:cSld>
-    <p:spTree>
-      <p:nvGrpSpPr>
-        <p:cNvPr id="1" name=""/>
-        <p:cNvGrpSpPr/>
-        <p:nvPr/>
-      </p:nvGrpSpPr>
-      <p:grpSpPr>
-        <a:xfrm>
-          <a:off x="0" y="0"/>
-          <a:ext cx="0" cy="0"/>
-          <a:chOff x="0" y="0"/>
-          <a:chExt cx="0" cy="0"/>
-        </a:xfrm>
-      </p:grpSpPr>
-      <p:sp>
-        <p:nvSpPr>
-          <p:cNvPr id="2" name="Title 1"/>
-          <p:cNvSpPr>
-            <a:spLocks noGrp="1"/>
-          </p:cNvSpPr>
-          <p:nvPr>
-            <p:ph type="title"/>
-          </p:nvPr>
-        </p:nvSpPr>
-        <p:spPr/>
-        <p:txBody>
-          <a:bodyPr/>
-          <a:lstStyle/>
-          <a:p>
-            <a:r>
-              <a:rPr lang="en-US" dirty="0" err="1" smtClean="0"/>
-              <a:t>Besonderheiten</a:t>
-            </a:r>
-            <a:r>
-              <a:rPr lang="en-US" dirty="0" smtClean="0"/>
-              <a:t>: Der </a:t>
-            </a:r>
-            <a:r>
-              <a:rPr lang="en-US" dirty="0" err="1" smtClean="0"/>
-              <a:t>Kreis</a:t>
-            </a:r>
-            <a:endParaRPr lang="en-US" dirty="0"/>
-          </a:p>
-        </p:txBody>
-      </p:sp>
-      <p:pic>
-        <p:nvPicPr>
-          <p:cNvPr id="5" name="Picture 4"/>
-          <p:cNvPicPr>
-            <a:picLocks noChangeAspect="1"/>
-          </p:cNvPicPr>
-          <p:nvPr/>
-        </p:nvPicPr>
-        <p:blipFill>
-          <a:blip r:embed="rId2">
-            <a:extLst>
-              <a:ext uri="{28A0092B-C50C-407E-A947-70E740481C1C}">
-                <a14:useLocalDpi xmlns:a14="http://schemas.microsoft.com/office/drawing/2010/main" val="0"/>
-              </a:ext>
-            </a:extLst>
-          </a:blip>
-          <a:stretch>
-            <a:fillRect/>
-          </a:stretch>
-        </p:blipFill>
-        <p:spPr>
-          <a:xfrm>
-            <a:off x="1835698" y="4104544"/>
-            <a:ext cx="962872" cy="955765"/>
-          </a:xfrm>
-          <a:prstGeom prst="rect">
-            <a:avLst/>
-          </a:prstGeom>
-        </p:spPr>
-      </p:pic>
-      <p:pic>
-        <p:nvPicPr>
-          <p:cNvPr id="6" name="Picture 5"/>
-          <p:cNvPicPr>
-            <a:picLocks noChangeAspect="1"/>
-          </p:cNvPicPr>
-          <p:nvPr/>
-        </p:nvPicPr>
-        <p:blipFill>
-          <a:blip r:embed="rId3">
-            <a:extLst>
-              <a:ext uri="{28A0092B-C50C-407E-A947-70E740481C1C}">
-                <a14:useLocalDpi xmlns:a14="http://schemas.microsoft.com/office/drawing/2010/main" val="0"/>
-              </a:ext>
-            </a:extLst>
-          </a:blip>
-          <a:stretch>
-            <a:fillRect/>
-          </a:stretch>
-        </p:blipFill>
-        <p:spPr>
-          <a:xfrm>
-            <a:off x="2545790" y="4995893"/>
-            <a:ext cx="1185314" cy="1146941"/>
-          </a:xfrm>
-          <a:prstGeom prst="rect">
-            <a:avLst/>
-          </a:prstGeom>
-        </p:spPr>
-      </p:pic>
-      <p:pic>
-        <p:nvPicPr>
-          <p:cNvPr id="7" name="Picture 6"/>
-          <p:cNvPicPr>
-            <a:picLocks noChangeAspect="1"/>
-          </p:cNvPicPr>
-          <p:nvPr/>
-        </p:nvPicPr>
-        <p:blipFill>
-          <a:blip r:embed="rId4">
-            <a:extLst>
-              <a:ext uri="{28A0092B-C50C-407E-A947-70E740481C1C}">
-                <a14:useLocalDpi xmlns:a14="http://schemas.microsoft.com/office/drawing/2010/main" val="0"/>
-              </a:ext>
-            </a:extLst>
-          </a:blip>
-          <a:stretch>
-            <a:fillRect/>
-          </a:stretch>
-        </p:blipFill>
-        <p:spPr>
-          <a:xfrm>
-            <a:off x="1197307" y="3202733"/>
-            <a:ext cx="2888411" cy="901811"/>
-          </a:xfrm>
-          <a:prstGeom prst="rect">
-            <a:avLst/>
-          </a:prstGeom>
-        </p:spPr>
-      </p:pic>
-      <p:pic>
-        <p:nvPicPr>
-          <p:cNvPr id="8" name="Picture 7"/>
-          <p:cNvPicPr>
-            <a:picLocks noChangeAspect="1"/>
-          </p:cNvPicPr>
-          <p:nvPr/>
-        </p:nvPicPr>
-        <p:blipFill>
-          <a:blip r:embed="rId5">
-            <a:extLst>
-              <a:ext uri="{28A0092B-C50C-407E-A947-70E740481C1C}">
-                <a14:useLocalDpi xmlns:a14="http://schemas.microsoft.com/office/drawing/2010/main" val="0"/>
-              </a:ext>
-            </a:extLst>
-          </a:blip>
-          <a:stretch>
-            <a:fillRect/>
-          </a:stretch>
-        </p:blipFill>
-        <p:spPr>
-          <a:xfrm>
-            <a:off x="687030" y="1449366"/>
-            <a:ext cx="3483430" cy="651293"/>
-          </a:xfrm>
-          <a:prstGeom prst="rect">
-            <a:avLst/>
-          </a:prstGeom>
-        </p:spPr>
-      </p:pic>
-      <p:pic>
-        <p:nvPicPr>
-          <p:cNvPr id="9" name="Picture 8"/>
-          <p:cNvPicPr>
-            <a:picLocks noChangeAspect="1"/>
-          </p:cNvPicPr>
-          <p:nvPr/>
-        </p:nvPicPr>
-        <p:blipFill>
-          <a:blip r:embed="rId6">
-            <a:extLst>
-              <a:ext uri="{28A0092B-C50C-407E-A947-70E740481C1C}">
-                <a14:useLocalDpi xmlns:a14="http://schemas.microsoft.com/office/drawing/2010/main" val="0"/>
-              </a:ext>
-            </a:extLst>
-          </a:blip>
-          <a:stretch>
-            <a:fillRect/>
-          </a:stretch>
-        </p:blipFill>
-        <p:spPr>
-          <a:xfrm>
-            <a:off x="851151" y="2261469"/>
-            <a:ext cx="2901309" cy="872851"/>
-          </a:xfrm>
-          <a:prstGeom prst="rect">
-            <a:avLst/>
-          </a:prstGeom>
-        </p:spPr>
-      </p:pic>
-      <p:pic>
-        <p:nvPicPr>
-          <p:cNvPr id="3" name="Picture 2"/>
-          <p:cNvPicPr>
-            <a:picLocks noChangeAspect="1"/>
-          </p:cNvPicPr>
-          <p:nvPr/>
-        </p:nvPicPr>
-        <p:blipFill>
-          <a:blip r:embed="rId7">
-            <a:extLst>
-              <a:ext uri="{28A0092B-C50C-407E-A947-70E740481C1C}">
-                <a14:useLocalDpi xmlns:a14="http://schemas.microsoft.com/office/drawing/2010/main" val="0"/>
-              </a:ext>
-            </a:extLst>
-          </a:blip>
-          <a:stretch>
-            <a:fillRect/>
-          </a:stretch>
-        </p:blipFill>
-        <p:spPr>
-          <a:xfrm>
-            <a:off x="4070251" y="1678439"/>
-            <a:ext cx="4336309" cy="4358377"/>
-          </a:xfrm>
-          <a:prstGeom prst="rect">
-            <a:avLst/>
-          </a:prstGeom>
-        </p:spPr>
-      </p:pic>
-    </p:spTree>
-    <p:extLst>
-      <p:ext uri="{BB962C8B-B14F-4D97-AF65-F5344CB8AC3E}">
-        <p14:creationId xmlns:p14="http://schemas.microsoft.com/office/powerpoint/2010/main" val="913264240"/>
-      </p:ext>
-    </p:extLst>
-  </p:cSld>
-  <p:clrMapOvr>
-    <a:masterClrMapping/>
-  </p:clrMapOvr>
-  <p:timing>
-    <p:tnLst>
-      <p:par>
-        <p:cTn id="1" dur="indefinite" restart="never" nodeType="tmRoot"/>
+        <p:cTn xmlns:p14="http://schemas.microsoft.com/office/powerpoint/2010/main" id="1" dur="indefinite" restart="never" nodeType="tmRoot"/>
       </p:par>
     </p:tnLst>
   </p:timing>
@@ -6970,7 +6929,7 @@
       </p:grpSpPr>
       <p:sp>
         <p:nvSpPr>
-          <p:cNvPr id="2" name="Titel 1"/>
+          <p:cNvPr id="2" name="Title 1"/>
           <p:cNvSpPr>
             <a:spLocks noGrp="1"/>
           </p:cNvSpPr>
@@ -6983,45 +6942,206 @@
           <a:bodyPr/>
           <a:lstStyle/>
           <a:p>
-            <a:endParaRPr lang="de-DE" dirty="0"/>
-          </a:p>
-        </p:txBody>
-      </p:sp>
-      <p:sp>
-        <p:nvSpPr>
-          <p:cNvPr id="3" name="TextBox 2"/>
-          <p:cNvSpPr txBox="1"/>
+            <a:r>
+              <a:rPr lang="en-US" dirty="0" err="1" smtClean="0"/>
+              <a:t>Besonderheiten</a:t>
+            </a:r>
+            <a:r>
+              <a:rPr lang="en-US" dirty="0" smtClean="0"/>
+              <a:t>: Der </a:t>
+            </a:r>
+            <a:r>
+              <a:rPr lang="en-US" dirty="0" err="1" smtClean="0"/>
+              <a:t>Kreis</a:t>
+            </a:r>
+            <a:endParaRPr lang="en-US" dirty="0"/>
+          </a:p>
+        </p:txBody>
+      </p:sp>
+      <p:pic>
+        <p:nvPicPr>
+          <p:cNvPr id="5" name="Picture 4"/>
+          <p:cNvPicPr>
+            <a:picLocks noChangeAspect="1"/>
+          </p:cNvPicPr>
           <p:nvPr/>
-        </p:nvSpPr>
+        </p:nvPicPr>
+        <p:blipFill>
+          <a:blip r:embed="rId2">
+            <a:extLst>
+              <a:ext uri="{28A0092B-C50C-407E-A947-70E740481C1C}">
+                <a14:useLocalDpi xmlns:a14="http://schemas.microsoft.com/office/drawing/2010/main" val="0"/>
+              </a:ext>
+            </a:extLst>
+          </a:blip>
+          <a:stretch>
+            <a:fillRect/>
+          </a:stretch>
+        </p:blipFill>
         <p:spPr>
           <a:xfrm>
-            <a:off x="457200" y="3143250"/>
-            <a:ext cx="8378190" cy="769441"/>
+            <a:off x="1835698" y="4104544"/>
+            <a:ext cx="962872" cy="955765"/>
           </a:xfrm>
           <a:prstGeom prst="rect">
             <a:avLst/>
           </a:prstGeom>
-          <a:noFill/>
-        </p:spPr>
-        <p:txBody>
-          <a:bodyPr wrap="square" rtlCol="0">
-            <a:spAutoFit/>
-          </a:bodyPr>
-          <a:lstStyle/>
-          <a:p>
-            <a:pPr algn="ctr"/>
-            <a:r>
-              <a:rPr lang="en-US" sz="4400" dirty="0" smtClean="0"/>
-              <a:t>Live Demo</a:t>
-            </a:r>
-            <a:endParaRPr lang="en-US" sz="4400" dirty="0"/>
-          </a:p>
-        </p:txBody>
-      </p:sp>
+        </p:spPr>
+      </p:pic>
+      <p:pic>
+        <p:nvPicPr>
+          <p:cNvPr id="6" name="Picture 5"/>
+          <p:cNvPicPr>
+            <a:picLocks noChangeAspect="1"/>
+          </p:cNvPicPr>
+          <p:nvPr/>
+        </p:nvPicPr>
+        <p:blipFill>
+          <a:blip r:embed="rId3">
+            <a:extLst>
+              <a:ext uri="{28A0092B-C50C-407E-A947-70E740481C1C}">
+                <a14:useLocalDpi xmlns:a14="http://schemas.microsoft.com/office/drawing/2010/main" val="0"/>
+              </a:ext>
+            </a:extLst>
+          </a:blip>
+          <a:stretch>
+            <a:fillRect/>
+          </a:stretch>
+        </p:blipFill>
+        <p:spPr>
+          <a:xfrm>
+            <a:off x="2545790" y="4995893"/>
+            <a:ext cx="1185314" cy="1146941"/>
+          </a:xfrm>
+          <a:prstGeom prst="rect">
+            <a:avLst/>
+          </a:prstGeom>
+        </p:spPr>
+      </p:pic>
+      <p:pic>
+        <p:nvPicPr>
+          <p:cNvPr id="7" name="Picture 6"/>
+          <p:cNvPicPr>
+            <a:picLocks noChangeAspect="1"/>
+          </p:cNvPicPr>
+          <p:nvPr/>
+        </p:nvPicPr>
+        <p:blipFill>
+          <a:blip r:embed="rId4">
+            <a:extLst>
+              <a:ext uri="{28A0092B-C50C-407E-A947-70E740481C1C}">
+                <a14:useLocalDpi xmlns:a14="http://schemas.microsoft.com/office/drawing/2010/main" val="0"/>
+              </a:ext>
+            </a:extLst>
+          </a:blip>
+          <a:stretch>
+            <a:fillRect/>
+          </a:stretch>
+        </p:blipFill>
+        <p:spPr>
+          <a:xfrm>
+            <a:off x="1197307" y="3202733"/>
+            <a:ext cx="2888411" cy="901811"/>
+          </a:xfrm>
+          <a:prstGeom prst="rect">
+            <a:avLst/>
+          </a:prstGeom>
+        </p:spPr>
+      </p:pic>
+      <p:pic>
+        <p:nvPicPr>
+          <p:cNvPr id="8" name="Picture 7"/>
+          <p:cNvPicPr>
+            <a:picLocks noChangeAspect="1"/>
+          </p:cNvPicPr>
+          <p:nvPr/>
+        </p:nvPicPr>
+        <p:blipFill>
+          <a:blip r:embed="rId5">
+            <a:extLst>
+              <a:ext uri="{28A0092B-C50C-407E-A947-70E740481C1C}">
+                <a14:useLocalDpi xmlns:a14="http://schemas.microsoft.com/office/drawing/2010/main" val="0"/>
+              </a:ext>
+            </a:extLst>
+          </a:blip>
+          <a:stretch>
+            <a:fillRect/>
+          </a:stretch>
+        </p:blipFill>
+        <p:spPr>
+          <a:xfrm>
+            <a:off x="687030" y="1449366"/>
+            <a:ext cx="3483430" cy="651293"/>
+          </a:xfrm>
+          <a:prstGeom prst="rect">
+            <a:avLst/>
+          </a:prstGeom>
+        </p:spPr>
+      </p:pic>
+      <p:pic>
+        <p:nvPicPr>
+          <p:cNvPr id="9" name="Picture 8"/>
+          <p:cNvPicPr>
+            <a:picLocks noChangeAspect="1"/>
+          </p:cNvPicPr>
+          <p:nvPr/>
+        </p:nvPicPr>
+        <p:blipFill>
+          <a:blip r:embed="rId6">
+            <a:extLst>
+              <a:ext uri="{28A0092B-C50C-407E-A947-70E740481C1C}">
+                <a14:useLocalDpi xmlns:a14="http://schemas.microsoft.com/office/drawing/2010/main" val="0"/>
+              </a:ext>
+            </a:extLst>
+          </a:blip>
+          <a:stretch>
+            <a:fillRect/>
+          </a:stretch>
+        </p:blipFill>
+        <p:spPr>
+          <a:xfrm>
+            <a:off x="851151" y="2261469"/>
+            <a:ext cx="2901309" cy="872851"/>
+          </a:xfrm>
+          <a:prstGeom prst="rect">
+            <a:avLst/>
+          </a:prstGeom>
+        </p:spPr>
+      </p:pic>
+      <p:pic>
+        <p:nvPicPr>
+          <p:cNvPr id="3" name="Picture 2"/>
+          <p:cNvPicPr>
+            <a:picLocks noChangeAspect="1"/>
+          </p:cNvPicPr>
+          <p:nvPr/>
+        </p:nvPicPr>
+        <p:blipFill>
+          <a:blip r:embed="rId7">
+            <a:extLst>
+              <a:ext uri="{28A0092B-C50C-407E-A947-70E740481C1C}">
+                <a14:useLocalDpi xmlns:a14="http://schemas.microsoft.com/office/drawing/2010/main" val="0"/>
+              </a:ext>
+            </a:extLst>
+          </a:blip>
+          <a:stretch>
+            <a:fillRect/>
+          </a:stretch>
+        </p:blipFill>
+        <p:spPr>
+          <a:xfrm>
+            <a:off x="4070251" y="1678439"/>
+            <a:ext cx="4336309" cy="4358377"/>
+          </a:xfrm>
+          <a:prstGeom prst="rect">
+            <a:avLst/>
+          </a:prstGeom>
+        </p:spPr>
+      </p:pic>
     </p:spTree>
     <p:extLst>
       <p:ext uri="{BB962C8B-B14F-4D97-AF65-F5344CB8AC3E}">
-        <p14:creationId xmlns:p14="http://schemas.microsoft.com/office/powerpoint/2010/main" val="675173480"/>
+        <p14:creationId xmlns:p14="http://schemas.microsoft.com/office/powerpoint/2010/main" val="913264240"/>
       </p:ext>
     </p:extLst>
   </p:cSld>
@@ -7031,7 +7151,7 @@
   <p:timing>
     <p:tnLst>
       <p:par>
-        <p:cTn id="1" dur="indefinite" restart="never" nodeType="tmRoot"/>
+        <p:cTn xmlns:p14="http://schemas.microsoft.com/office/powerpoint/2010/main" id="1" dur="indefinite" restart="never" nodeType="tmRoot"/>
       </p:par>
     </p:tnLst>
   </p:timing>
@@ -7098,8 +7218,8 @@
           <a:p>
             <a:pPr algn="ctr"/>
             <a:r>
-              <a:rPr lang="en-US" sz="4400" dirty="0" err="1" smtClean="0"/>
-              <a:t>Ausblick</a:t>
+              <a:rPr lang="en-US" sz="4400" dirty="0" smtClean="0"/>
+              <a:t>Live Demo</a:t>
             </a:r>
             <a:endParaRPr lang="en-US" sz="4400" dirty="0"/>
           </a:p>
@@ -7108,7 +7228,7 @@
     </p:spTree>
     <p:extLst>
       <p:ext uri="{BB962C8B-B14F-4D97-AF65-F5344CB8AC3E}">
-        <p14:creationId xmlns:p14="http://schemas.microsoft.com/office/powerpoint/2010/main" val="369634098"/>
+        <p14:creationId xmlns:p14="http://schemas.microsoft.com/office/powerpoint/2010/main" val="675173480"/>
       </p:ext>
     </p:extLst>
   </p:cSld>
@@ -7118,7 +7238,7 @@
   <p:timing>
     <p:tnLst>
       <p:par>
-        <p:cTn id="1" dur="indefinite" restart="never" nodeType="tmRoot"/>
+        <p:cTn xmlns:p14="http://schemas.microsoft.com/office/powerpoint/2010/main" id="1" dur="indefinite" restart="never" nodeType="tmRoot"/>
       </p:par>
     </p:tnLst>
   </p:timing>
@@ -7144,7 +7264,7 @@
       </p:grpSpPr>
       <p:sp>
         <p:nvSpPr>
-          <p:cNvPr id="2" name="Title 1"/>
+          <p:cNvPr id="2" name="Titel 1"/>
           <p:cNvSpPr>
             <a:spLocks noGrp="1"/>
           </p:cNvSpPr>
@@ -7157,133 +7277,45 @@
           <a:bodyPr/>
           <a:lstStyle/>
           <a:p>
-            <a:r>
-              <a:rPr lang="en-US" dirty="0" err="1" smtClean="0"/>
-              <a:t>Ausblick</a:t>
-            </a:r>
-            <a:endParaRPr lang="en-US" dirty="0"/>
-          </a:p>
-        </p:txBody>
-      </p:sp>
-      <p:sp>
-        <p:nvSpPr>
-          <p:cNvPr id="3" name="Content Placeholder 2"/>
-          <p:cNvSpPr>
-            <a:spLocks noGrp="1"/>
-          </p:cNvSpPr>
-          <p:nvPr>
-            <p:ph idx="1"/>
-          </p:nvPr>
+            <a:endParaRPr lang="de-DE" dirty="0"/>
+          </a:p>
+        </p:txBody>
+      </p:sp>
+      <p:sp>
+        <p:nvSpPr>
+          <p:cNvPr id="3" name="TextBox 2"/>
+          <p:cNvSpPr txBox="1"/>
+          <p:nvPr/>
         </p:nvSpPr>
         <p:spPr>
           <a:xfrm>
-            <a:off x="457200" y="2569778"/>
-            <a:ext cx="8229600" cy="3716741"/>
-          </a:xfrm>
-        </p:spPr>
-        <p:txBody>
-          <a:bodyPr>
-            <a:normAutofit/>
+            <a:off x="457200" y="3143250"/>
+            <a:ext cx="8378190" cy="769441"/>
+          </a:xfrm>
+          <a:prstGeom prst="rect">
+            <a:avLst/>
+          </a:prstGeom>
+          <a:noFill/>
+        </p:spPr>
+        <p:txBody>
+          <a:bodyPr wrap="square" rtlCol="0">
+            <a:spAutoFit/>
           </a:bodyPr>
           <a:lstStyle/>
           <a:p>
             <a:pPr algn="ctr"/>
-            <a:endParaRPr lang="en-US" sz="2400" dirty="0" smtClean="0"/>
-          </a:p>
-          <a:p>
-            <a:pPr algn="ctr"/>
-            <a:r>
-              <a:rPr lang="en-US" sz="2400" dirty="0" err="1" smtClean="0"/>
-              <a:t>Externe</a:t>
-            </a:r>
-            <a:r>
-              <a:rPr lang="en-US" sz="2400" dirty="0" smtClean="0"/>
-              <a:t> Audio-</a:t>
-            </a:r>
-            <a:r>
-              <a:rPr lang="en-US" sz="2400" dirty="0" err="1" smtClean="0"/>
-              <a:t>Bibliotheken</a:t>
-            </a:r>
-            <a:r>
-              <a:rPr lang="en-US" sz="2400" dirty="0" smtClean="0"/>
-              <a:t> </a:t>
-            </a:r>
-            <a:r>
-              <a:rPr lang="en-US" sz="2400" dirty="0" err="1" smtClean="0"/>
-              <a:t>für</a:t>
-            </a:r>
-            <a:r>
-              <a:rPr lang="en-US" sz="2400" dirty="0" smtClean="0"/>
-              <a:t> </a:t>
-            </a:r>
-            <a:r>
-              <a:rPr lang="en-US" sz="2400" dirty="0" err="1" smtClean="0"/>
-              <a:t>bessere</a:t>
-            </a:r>
-            <a:r>
-              <a:rPr lang="en-US" sz="2400" dirty="0" smtClean="0"/>
-              <a:t> </a:t>
-            </a:r>
-            <a:r>
-              <a:rPr lang="en-US" sz="2400" dirty="0" err="1" smtClean="0"/>
-              <a:t>Qualität</a:t>
-            </a:r>
-            <a:endParaRPr lang="en-US" sz="2400" dirty="0" smtClean="0"/>
-          </a:p>
-          <a:p>
-            <a:pPr algn="ctr"/>
-            <a:r>
-              <a:rPr lang="en-US" sz="2400" dirty="0" err="1" smtClean="0"/>
-              <a:t>Statistiken</a:t>
-            </a:r>
-            <a:r>
-              <a:rPr lang="en-US" sz="2400" dirty="0" smtClean="0"/>
-              <a:t> </a:t>
-            </a:r>
-            <a:r>
-              <a:rPr lang="en-US" sz="2400" dirty="0" err="1" smtClean="0"/>
-              <a:t>über</a:t>
-            </a:r>
-            <a:r>
-              <a:rPr lang="en-US" sz="2400" dirty="0" smtClean="0"/>
-              <a:t> </a:t>
-            </a:r>
-            <a:r>
-              <a:rPr lang="en-US" sz="2400" dirty="0" err="1" smtClean="0"/>
-              <a:t>Nutzung</a:t>
-            </a:r>
-            <a:r>
-              <a:rPr lang="en-US" sz="2400" dirty="0" smtClean="0"/>
-              <a:t> und </a:t>
-            </a:r>
-            <a:r>
-              <a:rPr lang="en-US" sz="2400" dirty="0" err="1" smtClean="0"/>
-              <a:t>Fortschritt</a:t>
-            </a:r>
-            <a:endParaRPr lang="en-US" sz="2400" dirty="0" smtClean="0"/>
-          </a:p>
-          <a:p>
-            <a:pPr algn="ctr"/>
-            <a:r>
-              <a:rPr lang="en-US" sz="2400" dirty="0" err="1" smtClean="0"/>
-              <a:t>Unterscheidung</a:t>
-            </a:r>
-            <a:r>
-              <a:rPr lang="en-US" sz="2400" dirty="0" smtClean="0"/>
-              <a:t> der </a:t>
-            </a:r>
-            <a:r>
-              <a:rPr lang="en-US" sz="2400" dirty="0" err="1" smtClean="0"/>
-              <a:t>Aufgabentypen</a:t>
-            </a:r>
-            <a:endParaRPr lang="en-US" sz="2400" dirty="0"/>
+            <a:r>
+              <a:rPr lang="en-US" sz="4400" dirty="0" err="1" smtClean="0"/>
+              <a:t>Ausblick</a:t>
+            </a:r>
+            <a:endParaRPr lang="en-US" sz="4400" dirty="0"/>
           </a:p>
         </p:txBody>
       </p:sp>
     </p:spTree>
     <p:extLst>
       <p:ext uri="{BB962C8B-B14F-4D97-AF65-F5344CB8AC3E}">
-        <p14:creationId xmlns:p14="http://schemas.microsoft.com/office/powerpoint/2010/main" val="709960535"/>
+        <p14:creationId xmlns:p14="http://schemas.microsoft.com/office/powerpoint/2010/main" val="369634098"/>
       </p:ext>
     </p:extLst>
   </p:cSld>
@@ -7293,7 +7325,7 @@
   <p:timing>
     <p:tnLst>
       <p:par>
-        <p:cTn id="1" dur="indefinite" restart="never" nodeType="tmRoot"/>
+        <p:cTn xmlns:p14="http://schemas.microsoft.com/office/powerpoint/2010/main" id="1" dur="indefinite" restart="never" nodeType="tmRoot"/>
       </p:par>
     </p:tnLst>
   </p:timing>
@@ -7319,6 +7351,387 @@
       </p:grpSpPr>
       <p:sp>
         <p:nvSpPr>
+          <p:cNvPr id="2" name="Title 1"/>
+          <p:cNvSpPr>
+            <a:spLocks noGrp="1"/>
+          </p:cNvSpPr>
+          <p:nvPr>
+            <p:ph type="title"/>
+          </p:nvPr>
+        </p:nvSpPr>
+        <p:spPr/>
+        <p:txBody>
+          <a:bodyPr/>
+          <a:lstStyle/>
+          <a:p>
+            <a:r>
+              <a:rPr lang="en-US" dirty="0" err="1" smtClean="0"/>
+              <a:t>Ausblick</a:t>
+            </a:r>
+            <a:endParaRPr lang="en-US" dirty="0"/>
+          </a:p>
+        </p:txBody>
+      </p:sp>
+      <p:sp>
+        <p:nvSpPr>
+          <p:cNvPr id="3" name="Content Placeholder 2"/>
+          <p:cNvSpPr>
+            <a:spLocks noGrp="1"/>
+          </p:cNvSpPr>
+          <p:nvPr>
+            <p:ph idx="1"/>
+          </p:nvPr>
+        </p:nvSpPr>
+        <p:spPr>
+          <a:xfrm>
+            <a:off x="457200" y="2569778"/>
+            <a:ext cx="8229600" cy="3716741"/>
+          </a:xfrm>
+        </p:spPr>
+        <p:txBody>
+          <a:bodyPr>
+            <a:normAutofit/>
+          </a:bodyPr>
+          <a:lstStyle/>
+          <a:p>
+            <a:pPr algn="ctr"/>
+            <a:endParaRPr lang="en-US" sz="2400" dirty="0" smtClean="0"/>
+          </a:p>
+          <a:p>
+            <a:pPr algn="ctr"/>
+            <a:r>
+              <a:rPr lang="en-US" sz="2400" dirty="0" err="1" smtClean="0"/>
+              <a:t>Externe</a:t>
+            </a:r>
+            <a:r>
+              <a:rPr lang="en-US" sz="2400" dirty="0" smtClean="0"/>
+              <a:t> Audio-</a:t>
+            </a:r>
+            <a:r>
+              <a:rPr lang="en-US" sz="2400" dirty="0" err="1" smtClean="0"/>
+              <a:t>Bibliotheken</a:t>
+            </a:r>
+            <a:r>
+              <a:rPr lang="en-US" sz="2400" dirty="0" smtClean="0"/>
+              <a:t> </a:t>
+            </a:r>
+            <a:r>
+              <a:rPr lang="en-US" sz="2400" dirty="0" err="1" smtClean="0"/>
+              <a:t>für</a:t>
+            </a:r>
+            <a:r>
+              <a:rPr lang="en-US" sz="2400" dirty="0" smtClean="0"/>
+              <a:t> </a:t>
+            </a:r>
+            <a:r>
+              <a:rPr lang="en-US" sz="2400" dirty="0" err="1" smtClean="0"/>
+              <a:t>bessere</a:t>
+            </a:r>
+            <a:r>
+              <a:rPr lang="en-US" sz="2400" dirty="0" smtClean="0"/>
+              <a:t> </a:t>
+            </a:r>
+            <a:r>
+              <a:rPr lang="en-US" sz="2400" dirty="0" err="1" smtClean="0"/>
+              <a:t>Qualität</a:t>
+            </a:r>
+            <a:endParaRPr lang="en-US" sz="2400" dirty="0" smtClean="0"/>
+          </a:p>
+          <a:p>
+            <a:pPr algn="ctr"/>
+            <a:r>
+              <a:rPr lang="en-US" sz="2400" dirty="0" err="1" smtClean="0"/>
+              <a:t>Statistiken</a:t>
+            </a:r>
+            <a:r>
+              <a:rPr lang="en-US" sz="2400" dirty="0" smtClean="0"/>
+              <a:t> </a:t>
+            </a:r>
+            <a:r>
+              <a:rPr lang="en-US" sz="2400" dirty="0" err="1" smtClean="0"/>
+              <a:t>über</a:t>
+            </a:r>
+            <a:r>
+              <a:rPr lang="en-US" sz="2400" dirty="0" smtClean="0"/>
+              <a:t> </a:t>
+            </a:r>
+            <a:r>
+              <a:rPr lang="en-US" sz="2400" dirty="0" err="1" smtClean="0"/>
+              <a:t>Nutzung</a:t>
+            </a:r>
+            <a:r>
+              <a:rPr lang="en-US" sz="2400" dirty="0" smtClean="0"/>
+              <a:t> und </a:t>
+            </a:r>
+            <a:r>
+              <a:rPr lang="en-US" sz="2400" dirty="0" err="1" smtClean="0"/>
+              <a:t>Fortschritt</a:t>
+            </a:r>
+            <a:endParaRPr lang="en-US" sz="2400" dirty="0" smtClean="0"/>
+          </a:p>
+          <a:p>
+            <a:pPr algn="ctr"/>
+            <a:r>
+              <a:rPr lang="en-US" sz="2400" dirty="0" err="1" smtClean="0"/>
+              <a:t>Unterscheidung</a:t>
+            </a:r>
+            <a:r>
+              <a:rPr lang="en-US" sz="2400" dirty="0" smtClean="0"/>
+              <a:t> der </a:t>
+            </a:r>
+            <a:r>
+              <a:rPr lang="en-US" sz="2400" dirty="0" err="1" smtClean="0"/>
+              <a:t>Aufgabentypen</a:t>
+            </a:r>
+            <a:endParaRPr lang="en-US" sz="2400" dirty="0"/>
+          </a:p>
+        </p:txBody>
+      </p:sp>
+    </p:spTree>
+    <p:extLst>
+      <p:ext uri="{BB962C8B-B14F-4D97-AF65-F5344CB8AC3E}">
+        <p14:creationId xmlns:p14="http://schemas.microsoft.com/office/powerpoint/2010/main" val="709960535"/>
+      </p:ext>
+    </p:extLst>
+  </p:cSld>
+  <p:clrMapOvr>
+    <a:masterClrMapping/>
+  </p:clrMapOvr>
+  <p:timing>
+    <p:tnLst>
+      <p:par>
+        <p:cTn xmlns:p14="http://schemas.microsoft.com/office/powerpoint/2010/main" id="1" dur="indefinite" restart="never" nodeType="tmRoot"/>
+      </p:par>
+    </p:tnLst>
+  </p:timing>
+</p:sld>
+</file>
+
+<file path=ppt/slides/slide2.xml><?xml version="1.0" encoding="utf-8"?>
+<p:sld xmlns:a="http://schemas.openxmlformats.org/drawingml/2006/main" xmlns:r="http://schemas.openxmlformats.org/officeDocument/2006/relationships" xmlns:p="http://schemas.openxmlformats.org/presentationml/2006/main">
+  <p:cSld>
+    <p:spTree>
+      <p:nvGrpSpPr>
+        <p:cNvPr id="1" name=""/>
+        <p:cNvGrpSpPr/>
+        <p:nvPr/>
+      </p:nvGrpSpPr>
+      <p:grpSpPr>
+        <a:xfrm>
+          <a:off x="0" y="0"/>
+          <a:ext cx="0" cy="0"/>
+          <a:chOff x="0" y="0"/>
+          <a:chExt cx="0" cy="0"/>
+        </a:xfrm>
+      </p:grpSpPr>
+      <p:sp>
+        <p:nvSpPr>
+          <p:cNvPr id="2" name="Titel 1"/>
+          <p:cNvSpPr>
+            <a:spLocks noGrp="1"/>
+          </p:cNvSpPr>
+          <p:nvPr>
+            <p:ph type="title"/>
+          </p:nvPr>
+        </p:nvSpPr>
+        <p:spPr/>
+        <p:txBody>
+          <a:bodyPr/>
+          <a:lstStyle/>
+          <a:p>
+            <a:endParaRPr lang="de-DE" dirty="0"/>
+          </a:p>
+        </p:txBody>
+      </p:sp>
+      <p:pic>
+        <p:nvPicPr>
+          <p:cNvPr id="4" name="Bild 3" descr="Copy-20of-20IMG-9771.jpg"/>
+          <p:cNvPicPr>
+            <a:picLocks noChangeAspect="1"/>
+          </p:cNvPicPr>
+          <p:nvPr/>
+        </p:nvPicPr>
+        <p:blipFill>
+          <a:blip r:embed="rId2">
+            <a:extLst>
+              <a:ext uri="{28A0092B-C50C-407E-A947-70E740481C1C}">
+                <a14:useLocalDpi xmlns:a14="http://schemas.microsoft.com/office/drawing/2010/main" val="0"/>
+              </a:ext>
+            </a:extLst>
+          </a:blip>
+          <a:stretch>
+            <a:fillRect/>
+          </a:stretch>
+        </p:blipFill>
+        <p:spPr>
+          <a:xfrm>
+            <a:off x="1005346" y="1476910"/>
+            <a:ext cx="7375414" cy="4151894"/>
+          </a:xfrm>
+          <a:prstGeom prst="rect">
+            <a:avLst/>
+          </a:prstGeom>
+        </p:spPr>
+      </p:pic>
+      <p:sp>
+        <p:nvSpPr>
+          <p:cNvPr id="5" name="Textfeld 4"/>
+          <p:cNvSpPr txBox="1"/>
+          <p:nvPr/>
+        </p:nvSpPr>
+        <p:spPr>
+          <a:xfrm>
+            <a:off x="6167360" y="5773132"/>
+            <a:ext cx="2226228" cy="461665"/>
+          </a:xfrm>
+          <a:prstGeom prst="rect">
+            <a:avLst/>
+          </a:prstGeom>
+          <a:noFill/>
+        </p:spPr>
+        <p:txBody>
+          <a:bodyPr wrap="none" rtlCol="0">
+            <a:spAutoFit/>
+          </a:bodyPr>
+          <a:lstStyle/>
+          <a:p>
+            <a:r>
+              <a:rPr lang="de-DE" sz="1200" dirty="0" smtClean="0">
+                <a:solidFill>
+                  <a:schemeClr val="tx2">
+                    <a:lumMod val="60000"/>
+                    <a:lumOff val="40000"/>
+                  </a:schemeClr>
+                </a:solidFill>
+              </a:rPr>
+              <a:t>Foto: Karl </a:t>
+            </a:r>
+            <a:r>
+              <a:rPr lang="de-DE" sz="1200" dirty="0" err="1" smtClean="0">
+                <a:solidFill>
+                  <a:schemeClr val="tx2">
+                    <a:lumMod val="60000"/>
+                    <a:lumOff val="40000"/>
+                  </a:schemeClr>
+                </a:solidFill>
+              </a:rPr>
+              <a:t>Landherr</a:t>
+            </a:r>
+            <a:endParaRPr lang="de-DE" sz="1200" dirty="0" smtClean="0">
+              <a:solidFill>
+                <a:schemeClr val="tx2">
+                  <a:lumMod val="60000"/>
+                  <a:lumOff val="40000"/>
+                </a:schemeClr>
+              </a:solidFill>
+            </a:endParaRPr>
+          </a:p>
+          <a:p>
+            <a:r>
+              <a:rPr lang="de-DE" sz="1200" dirty="0" smtClean="0">
+                <a:solidFill>
+                  <a:schemeClr val="tx2">
+                    <a:lumMod val="60000"/>
+                    <a:lumOff val="40000"/>
+                  </a:schemeClr>
+                </a:solidFill>
+              </a:rPr>
+              <a:t>Aus:</a:t>
+            </a:r>
+            <a:r>
+              <a:rPr lang="de-DE" sz="1200" i="1" dirty="0" smtClean="0">
+                <a:solidFill>
+                  <a:schemeClr val="tx2">
+                    <a:lumMod val="60000"/>
+                    <a:lumOff val="40000"/>
+                  </a:schemeClr>
+                </a:solidFill>
+              </a:rPr>
+              <a:t>   a</a:t>
+            </a:r>
+            <a:r>
+              <a:rPr lang="de-DE" sz="1200" i="1" dirty="0" smtClean="0">
+                <a:solidFill>
+                  <a:schemeClr val="tx2">
+                    <a:lumMod val="60000"/>
+                    <a:lumOff val="40000"/>
+                  </a:schemeClr>
+                </a:solidFill>
+              </a:rPr>
+              <a:t>ugsburger-</a:t>
+            </a:r>
+            <a:r>
+              <a:rPr lang="de-DE" sz="1200" i="1" dirty="0" err="1" smtClean="0">
+                <a:solidFill>
+                  <a:schemeClr val="tx2">
+                    <a:lumMod val="60000"/>
+                    <a:lumOff val="40000"/>
+                  </a:schemeClr>
+                </a:solidFill>
+              </a:rPr>
+              <a:t>allgemeine.de</a:t>
+            </a:r>
+            <a:r>
+              <a:rPr lang="de-DE" sz="1200" i="1" dirty="0" smtClean="0">
+                <a:solidFill>
+                  <a:schemeClr val="tx2">
+                    <a:lumMod val="60000"/>
+                    <a:lumOff val="40000"/>
+                  </a:schemeClr>
+                </a:solidFill>
+              </a:rPr>
+              <a:t> </a:t>
+            </a:r>
+            <a:endParaRPr lang="de-DE" sz="1200" i="1" dirty="0">
+              <a:solidFill>
+                <a:schemeClr val="tx2">
+                  <a:lumMod val="60000"/>
+                  <a:lumOff val="40000"/>
+                </a:schemeClr>
+              </a:solidFill>
+            </a:endParaRPr>
+          </a:p>
+        </p:txBody>
+      </p:sp>
+    </p:spTree>
+    <p:extLst>
+      <p:ext uri="{BB962C8B-B14F-4D97-AF65-F5344CB8AC3E}">
+        <p14:creationId xmlns:p14="http://schemas.microsoft.com/office/powerpoint/2010/main" val="1712443997"/>
+      </p:ext>
+    </p:extLst>
+  </p:cSld>
+  <p:clrMapOvr>
+    <a:masterClrMapping/>
+  </p:clrMapOvr>
+  <p:timing>
+    <p:tnLst>
+      <p:par>
+        <p:cTn xmlns:p14="http://schemas.microsoft.com/office/powerpoint/2010/main" id="1" dur="indefinite" restart="never" nodeType="tmRoot"/>
+      </p:par>
+    </p:tnLst>
+  </p:timing>
+</p:sld>
+</file>
+
+<file path=ppt/slides/slide20.xml><?xml version="1.0" encoding="utf-8"?>
+<p:sld xmlns:a="http://schemas.openxmlformats.org/drawingml/2006/main" xmlns:r="http://schemas.openxmlformats.org/officeDocument/2006/relationships" xmlns:p="http://schemas.openxmlformats.org/presentationml/2006/main">
+  <p:cSld>
+    <p:spTree>
+      <p:nvGrpSpPr>
+        <p:cNvPr id="1" name=""/>
+        <p:cNvGrpSpPr/>
+        <p:nvPr/>
+      </p:nvGrpSpPr>
+      <p:grpSpPr>
+        <a:xfrm>
+          <a:off x="0" y="0"/>
+          <a:ext cx="0" cy="0"/>
+          <a:chOff x="0" y="0"/>
+          <a:chExt cx="0" cy="0"/>
+        </a:xfrm>
+      </p:grpSpPr>
+      <p:sp>
+        <p:nvSpPr>
           <p:cNvPr id="2" name="Titel 1"/>
           <p:cNvSpPr>
             <a:spLocks noGrp="1"/>
@@ -7404,14 +7817,246 @@
   <p:timing>
     <p:tnLst>
       <p:par>
-        <p:cTn id="1" dur="indefinite" restart="never" nodeType="tmRoot"/>
+        <p:cTn xmlns:p14="http://schemas.microsoft.com/office/powerpoint/2010/main" id="1" dur="indefinite" restart="never" nodeType="tmRoot"/>
       </p:par>
     </p:tnLst>
   </p:timing>
 </p:sld>
 </file>
 
-<file path=ppt/slides/slide2.xml><?xml version="1.0" encoding="utf-8"?>
+<file path=ppt/slides/slide21.xml><?xml version="1.0" encoding="utf-8"?>
+<p:sld xmlns:a="http://schemas.openxmlformats.org/drawingml/2006/main" xmlns:r="http://schemas.openxmlformats.org/officeDocument/2006/relationships" xmlns:p="http://schemas.openxmlformats.org/presentationml/2006/main">
+  <p:cSld>
+    <p:bg>
+      <p:bgPr>
+        <a:solidFill>
+          <a:schemeClr val="tx1"/>
+        </a:solidFill>
+        <a:effectLst/>
+      </p:bgPr>
+    </p:bg>
+    <p:spTree>
+      <p:nvGrpSpPr>
+        <p:cNvPr id="1" name=""/>
+        <p:cNvGrpSpPr/>
+        <p:nvPr/>
+      </p:nvGrpSpPr>
+      <p:grpSpPr>
+        <a:xfrm>
+          <a:off x="0" y="0"/>
+          <a:ext cx="0" cy="0"/>
+          <a:chOff x="0" y="0"/>
+          <a:chExt cx="0" cy="0"/>
+        </a:xfrm>
+      </p:grpSpPr>
+      <p:pic>
+        <p:nvPicPr>
+          <p:cNvPr id="4" name="Picture 3"/>
+          <p:cNvPicPr>
+            <a:picLocks noChangeAspect="1"/>
+          </p:cNvPicPr>
+          <p:nvPr/>
+        </p:nvPicPr>
+        <p:blipFill>
+          <a:blip r:embed="rId2">
+            <a:extLst>
+              <a:ext uri="{28A0092B-C50C-407E-A947-70E740481C1C}">
+                <a14:useLocalDpi xmlns:a14="http://schemas.microsoft.com/office/drawing/2010/main" val="0"/>
+              </a:ext>
+            </a:extLst>
+          </a:blip>
+          <a:stretch>
+            <a:fillRect/>
+          </a:stretch>
+        </p:blipFill>
+        <p:spPr>
+          <a:xfrm>
+            <a:off x="197507" y="5511800"/>
+            <a:ext cx="2603500" cy="1346200"/>
+          </a:xfrm>
+          <a:prstGeom prst="rect">
+            <a:avLst/>
+          </a:prstGeom>
+        </p:spPr>
+      </p:pic>
+    </p:spTree>
+    <p:extLst>
+      <p:ext uri="{BB962C8B-B14F-4D97-AF65-F5344CB8AC3E}">
+        <p14:creationId xmlns:p14="http://schemas.microsoft.com/office/powerpoint/2010/main" val="1296881111"/>
+      </p:ext>
+    </p:extLst>
+  </p:cSld>
+  <p:clrMapOvr>
+    <a:masterClrMapping/>
+  </p:clrMapOvr>
+  <p:timing>
+    <p:tnLst>
+      <p:par>
+        <p:cTn xmlns:p14="http://schemas.microsoft.com/office/powerpoint/2010/main" id="1" dur="indefinite" restart="never" nodeType="tmRoot"/>
+      </p:par>
+    </p:tnLst>
+  </p:timing>
+</p:sld>
+</file>
+
+<file path=ppt/slides/slide22.xml><?xml version="1.0" encoding="utf-8"?>
+<p:sld xmlns:a="http://schemas.openxmlformats.org/drawingml/2006/main" xmlns:r="http://schemas.openxmlformats.org/officeDocument/2006/relationships" xmlns:p="http://schemas.openxmlformats.org/presentationml/2006/main">
+  <p:cSld>
+    <p:spTree>
+      <p:nvGrpSpPr>
+        <p:cNvPr id="1" name=""/>
+        <p:cNvGrpSpPr/>
+        <p:nvPr/>
+      </p:nvGrpSpPr>
+      <p:grpSpPr>
+        <a:xfrm>
+          <a:off x="0" y="0"/>
+          <a:ext cx="0" cy="0"/>
+          <a:chOff x="0" y="0"/>
+          <a:chExt cx="0" cy="0"/>
+        </a:xfrm>
+      </p:grpSpPr>
+      <p:sp>
+        <p:nvSpPr>
+          <p:cNvPr id="2" name="Title 1"/>
+          <p:cNvSpPr>
+            <a:spLocks noGrp="1"/>
+          </p:cNvSpPr>
+          <p:nvPr>
+            <p:ph type="title"/>
+          </p:nvPr>
+        </p:nvSpPr>
+        <p:spPr/>
+        <p:txBody>
+          <a:bodyPr/>
+          <a:lstStyle/>
+          <a:p>
+            <a:r>
+              <a:rPr lang="en-US" dirty="0" err="1" smtClean="0"/>
+              <a:t>Architektur</a:t>
+            </a:r>
+            <a:r>
+              <a:rPr lang="en-US" dirty="0" smtClean="0"/>
+              <a:t>: </a:t>
+            </a:r>
+            <a:r>
+              <a:rPr lang="en-US" dirty="0" err="1" smtClean="0"/>
+              <a:t>Domänenmodell</a:t>
+            </a:r>
+            <a:endParaRPr lang="en-US" dirty="0"/>
+          </a:p>
+        </p:txBody>
+      </p:sp>
+      <p:pic>
+        <p:nvPicPr>
+          <p:cNvPr id="8" name="Content Placeholder 7"/>
+          <p:cNvPicPr>
+            <a:picLocks noGrp="1" noChangeAspect="1"/>
+          </p:cNvPicPr>
+          <p:nvPr>
+            <p:ph idx="1"/>
+          </p:nvPr>
+        </p:nvPicPr>
+        <p:blipFill>
+          <a:blip r:embed="rId2">
+            <a:extLst>
+              <a:ext uri="{28A0092B-C50C-407E-A947-70E740481C1C}">
+                <a14:useLocalDpi xmlns:a14="http://schemas.microsoft.com/office/drawing/2010/main" val="0"/>
+              </a:ext>
+            </a:extLst>
+          </a:blip>
+          <a:stretch>
+            <a:fillRect/>
+          </a:stretch>
+        </p:blipFill>
+        <p:spPr>
+          <a:xfrm>
+            <a:off x="457199" y="2531078"/>
+            <a:ext cx="8918895" cy="2875312"/>
+          </a:xfrm>
+        </p:spPr>
+      </p:pic>
+    </p:spTree>
+    <p:extLst>
+      <p:ext uri="{BB962C8B-B14F-4D97-AF65-F5344CB8AC3E}">
+        <p14:creationId xmlns:p14="http://schemas.microsoft.com/office/powerpoint/2010/main" val="913848531"/>
+      </p:ext>
+    </p:extLst>
+  </p:cSld>
+  <p:clrMapOvr>
+    <a:masterClrMapping/>
+  </p:clrMapOvr>
+  <p:timing>
+    <p:tnLst>
+      <p:par>
+        <p:cTn xmlns:p14="http://schemas.microsoft.com/office/powerpoint/2010/main" id="1" dur="indefinite" restart="never" nodeType="tmRoot"/>
+      </p:par>
+    </p:tnLst>
+  </p:timing>
+</p:sld>
+</file>
+
+<file path=ppt/slides/slide23.xml><?xml version="1.0" encoding="utf-8"?>
+<p:sld xmlns:a="http://schemas.openxmlformats.org/drawingml/2006/main" xmlns:r="http://schemas.openxmlformats.org/officeDocument/2006/relationships" xmlns:p="http://schemas.openxmlformats.org/presentationml/2006/main">
+  <p:cSld>
+    <p:spTree>
+      <p:nvGrpSpPr>
+        <p:cNvPr id="1" name=""/>
+        <p:cNvGrpSpPr/>
+        <p:nvPr/>
+      </p:nvGrpSpPr>
+      <p:grpSpPr>
+        <a:xfrm>
+          <a:off x="0" y="0"/>
+          <a:ext cx="0" cy="0"/>
+          <a:chOff x="0" y="0"/>
+          <a:chExt cx="0" cy="0"/>
+        </a:xfrm>
+      </p:grpSpPr>
+      <p:sp>
+        <p:nvSpPr>
+          <p:cNvPr id="2" name="Titel 1"/>
+          <p:cNvSpPr>
+            <a:spLocks noGrp="1"/>
+          </p:cNvSpPr>
+          <p:nvPr>
+            <p:ph type="title"/>
+          </p:nvPr>
+        </p:nvSpPr>
+        <p:spPr/>
+        <p:txBody>
+          <a:bodyPr/>
+          <a:lstStyle/>
+          <a:p>
+            <a:r>
+              <a:rPr lang="de-DE" dirty="0" smtClean="0"/>
+              <a:t>Designklassendiagramm</a:t>
+            </a:r>
+            <a:endParaRPr lang="de-DE" dirty="0"/>
+          </a:p>
+        </p:txBody>
+      </p:sp>
+    </p:spTree>
+    <p:extLst>
+      <p:ext uri="{BB962C8B-B14F-4D97-AF65-F5344CB8AC3E}">
+        <p14:creationId xmlns:p14="http://schemas.microsoft.com/office/powerpoint/2010/main" val="1772945455"/>
+      </p:ext>
+    </p:extLst>
+  </p:cSld>
+  <p:clrMapOvr>
+    <a:masterClrMapping/>
+  </p:clrMapOvr>
+  <p:timing>
+    <p:tnLst>
+      <p:par>
+        <p:cTn xmlns:p14="http://schemas.microsoft.com/office/powerpoint/2010/main" id="1" dur="indefinite" restart="never" nodeType="tmRoot"/>
+      </p:par>
+    </p:tnLst>
+  </p:timing>
+</p:sld>
+</file>
+
+<file path=ppt/slides/slide3.xml><?xml version="1.0" encoding="utf-8"?>
 <p:sld xmlns:a="http://schemas.openxmlformats.org/drawingml/2006/main" xmlns:r="http://schemas.openxmlformats.org/officeDocument/2006/relationships" xmlns:p="http://schemas.openxmlformats.org/presentationml/2006/main">
   <p:cSld>
     <p:spTree>
@@ -7514,7 +8159,7 @@
   <p:timing>
     <p:tnLst>
       <p:par>
-        <p:cTn id="1" dur="indefinite" restart="never" nodeType="tmRoot">
+        <p:cTn xmlns:p14="http://schemas.microsoft.com/office/powerpoint/2010/main" id="1" dur="indefinite" restart="never" nodeType="tmRoot">
           <p:childTnLst>
             <p:seq concurrent="1" nextAc="seek">
               <p:cTn id="2" dur="indefinite" nodeType="mainSeq">
@@ -7638,82 +8283,7 @@
 </p:sld>
 </file>
 
-<file path=ppt/slides/slide20.xml><?xml version="1.0" encoding="utf-8"?>
-<p:sld xmlns:a="http://schemas.openxmlformats.org/drawingml/2006/main" xmlns:r="http://schemas.openxmlformats.org/officeDocument/2006/relationships" xmlns:p="http://schemas.openxmlformats.org/presentationml/2006/main">
-  <p:cSld>
-    <p:bg>
-      <p:bgPr>
-        <a:solidFill>
-          <a:schemeClr val="tx1"/>
-        </a:solidFill>
-        <a:effectLst/>
-      </p:bgPr>
-    </p:bg>
-    <p:spTree>
-      <p:nvGrpSpPr>
-        <p:cNvPr id="1" name=""/>
-        <p:cNvGrpSpPr/>
-        <p:nvPr/>
-      </p:nvGrpSpPr>
-      <p:grpSpPr>
-        <a:xfrm>
-          <a:off x="0" y="0"/>
-          <a:ext cx="0" cy="0"/>
-          <a:chOff x="0" y="0"/>
-          <a:chExt cx="0" cy="0"/>
-        </a:xfrm>
-      </p:grpSpPr>
-      <p:pic>
-        <p:nvPicPr>
-          <p:cNvPr id="4" name="Picture 3"/>
-          <p:cNvPicPr>
-            <a:picLocks noChangeAspect="1"/>
-          </p:cNvPicPr>
-          <p:nvPr/>
-        </p:nvPicPr>
-        <p:blipFill>
-          <a:blip r:embed="rId2">
-            <a:extLst>
-              <a:ext uri="{28A0092B-C50C-407E-A947-70E740481C1C}">
-                <a14:useLocalDpi xmlns:a14="http://schemas.microsoft.com/office/drawing/2010/main" val="0"/>
-              </a:ext>
-            </a:extLst>
-          </a:blip>
-          <a:stretch>
-            <a:fillRect/>
-          </a:stretch>
-        </p:blipFill>
-        <p:spPr>
-          <a:xfrm>
-            <a:off x="197507" y="5511800"/>
-            <a:ext cx="2603500" cy="1346200"/>
-          </a:xfrm>
-          <a:prstGeom prst="rect">
-            <a:avLst/>
-          </a:prstGeom>
-        </p:spPr>
-      </p:pic>
-    </p:spTree>
-    <p:extLst>
-      <p:ext uri="{BB962C8B-B14F-4D97-AF65-F5344CB8AC3E}">
-        <p14:creationId xmlns:p14="http://schemas.microsoft.com/office/powerpoint/2010/main" val="1296881111"/>
-      </p:ext>
-    </p:extLst>
-  </p:cSld>
-  <p:clrMapOvr>
-    <a:masterClrMapping/>
-  </p:clrMapOvr>
-  <p:timing>
-    <p:tnLst>
-      <p:par>
-        <p:cTn id="1" dur="indefinite" restart="never" nodeType="tmRoot"/>
-      </p:par>
-    </p:tnLst>
-  </p:timing>
-</p:sld>
-</file>
-
-<file path=ppt/slides/slide21.xml><?xml version="1.0" encoding="utf-8"?>
+<file path=ppt/slides/slide4.xml><?xml version="1.0" encoding="utf-8"?>
 <p:sld xmlns:a="http://schemas.openxmlformats.org/drawingml/2006/main" xmlns:r="http://schemas.openxmlformats.org/officeDocument/2006/relationships" xmlns:p="http://schemas.openxmlformats.org/presentationml/2006/main">
   <p:cSld>
     <p:spTree>
@@ -7732,7 +8302,7 @@
       </p:grpSpPr>
       <p:sp>
         <p:nvSpPr>
-          <p:cNvPr id="2" name="Title 1"/>
+          <p:cNvPr id="2" name="Titel 1"/>
           <p:cNvSpPr>
             <a:spLocks noGrp="1"/>
           </p:cNvSpPr>
@@ -7745,55 +8315,53 @@
           <a:bodyPr/>
           <a:lstStyle/>
           <a:p>
-            <a:r>
-              <a:rPr lang="en-US" dirty="0" err="1" smtClean="0"/>
+            <a:endParaRPr lang="de-DE" dirty="0"/>
+          </a:p>
+        </p:txBody>
+      </p:sp>
+      <p:sp>
+        <p:nvSpPr>
+          <p:cNvPr id="3" name="TextBox 2"/>
+          <p:cNvSpPr txBox="1"/>
+          <p:nvPr/>
+        </p:nvSpPr>
+        <p:spPr>
+          <a:xfrm>
+            <a:off x="457200" y="3143250"/>
+            <a:ext cx="8378190" cy="769441"/>
+          </a:xfrm>
+          <a:prstGeom prst="rect">
+            <a:avLst/>
+          </a:prstGeom>
+          <a:noFill/>
+        </p:spPr>
+        <p:txBody>
+          <a:bodyPr wrap="square" rtlCol="0">
+            <a:spAutoFit/>
+          </a:bodyPr>
+          <a:lstStyle/>
+          <a:p>
+            <a:pPr algn="ctr"/>
+            <a:r>
+              <a:rPr lang="en-US" sz="4400" dirty="0" err="1" smtClean="0"/>
+              <a:t>Technik</a:t>
+            </a:r>
+            <a:r>
+              <a:rPr lang="en-US" sz="4400" dirty="0" smtClean="0"/>
+              <a:t> und </a:t>
+            </a:r>
+            <a:r>
+              <a:rPr lang="en-US" sz="4400" dirty="0" err="1" smtClean="0"/>
               <a:t>Architektur</a:t>
             </a:r>
-            <a:r>
-              <a:rPr lang="en-US" dirty="0" smtClean="0"/>
-              <a:t>: </a:t>
-            </a:r>
-            <a:r>
-              <a:rPr lang="en-US" dirty="0" err="1" smtClean="0"/>
-              <a:t>Domänenmodell</a:t>
-            </a:r>
-            <a:endParaRPr lang="en-US" dirty="0"/>
-          </a:p>
-        </p:txBody>
-      </p:sp>
-      <p:pic>
-        <p:nvPicPr>
-          <p:cNvPr id="8" name="Content Placeholder 7"/>
-          <p:cNvPicPr>
-            <a:picLocks noGrp="1" noChangeAspect="1"/>
-          </p:cNvPicPr>
-          <p:nvPr>
-            <p:ph idx="1"/>
-          </p:nvPr>
-        </p:nvPicPr>
-        <p:blipFill>
-          <a:blip r:embed="rId2">
-            <a:extLst>
-              <a:ext uri="{28A0092B-C50C-407E-A947-70E740481C1C}">
-                <a14:useLocalDpi xmlns:a14="http://schemas.microsoft.com/office/drawing/2010/main" val="0"/>
-              </a:ext>
-            </a:extLst>
-          </a:blip>
-          <a:stretch>
-            <a:fillRect/>
-          </a:stretch>
-        </p:blipFill>
-        <p:spPr>
-          <a:xfrm>
-            <a:off x="457199" y="2531078"/>
-            <a:ext cx="8918895" cy="2875312"/>
-          </a:xfrm>
-        </p:spPr>
-      </p:pic>
+            <a:endParaRPr lang="en-US" sz="4400" dirty="0"/>
+          </a:p>
+        </p:txBody>
+      </p:sp>
     </p:spTree>
     <p:extLst>
       <p:ext uri="{BB962C8B-B14F-4D97-AF65-F5344CB8AC3E}">
-        <p14:creationId xmlns:p14="http://schemas.microsoft.com/office/powerpoint/2010/main" val="913848531"/>
+        <p14:creationId xmlns:p14="http://schemas.microsoft.com/office/powerpoint/2010/main" val="3901950997"/>
       </p:ext>
     </p:extLst>
   </p:cSld>
@@ -7803,169 +8371,14 @@
   <p:timing>
     <p:tnLst>
       <p:par>
-        <p:cTn id="1" dur="indefinite" restart="never" nodeType="tmRoot"/>
+        <p:cTn xmlns:p14="http://schemas.microsoft.com/office/powerpoint/2010/main" id="1" dur="indefinite" restart="never" nodeType="tmRoot"/>
       </p:par>
     </p:tnLst>
   </p:timing>
 </p:sld>
 </file>
 
-<file path=ppt/slides/slide22.xml><?xml version="1.0" encoding="utf-8"?>
-<p:sld xmlns:a="http://schemas.openxmlformats.org/drawingml/2006/main" xmlns:r="http://schemas.openxmlformats.org/officeDocument/2006/relationships" xmlns:p="http://schemas.openxmlformats.org/presentationml/2006/main">
-  <p:cSld>
-    <p:spTree>
-      <p:nvGrpSpPr>
-        <p:cNvPr id="1" name=""/>
-        <p:cNvGrpSpPr/>
-        <p:nvPr/>
-      </p:nvGrpSpPr>
-      <p:grpSpPr>
-        <a:xfrm>
-          <a:off x="0" y="0"/>
-          <a:ext cx="0" cy="0"/>
-          <a:chOff x="0" y="0"/>
-          <a:chExt cx="0" cy="0"/>
-        </a:xfrm>
-      </p:grpSpPr>
-      <p:sp>
-        <p:nvSpPr>
-          <p:cNvPr id="2" name="Titel 1"/>
-          <p:cNvSpPr>
-            <a:spLocks noGrp="1"/>
-          </p:cNvSpPr>
-          <p:nvPr>
-            <p:ph type="title"/>
-          </p:nvPr>
-        </p:nvSpPr>
-        <p:spPr/>
-        <p:txBody>
-          <a:bodyPr/>
-          <a:lstStyle/>
-          <a:p>
-            <a:r>
-              <a:rPr lang="de-DE" dirty="0" smtClean="0"/>
-              <a:t>Designklassendiagramm</a:t>
-            </a:r>
-            <a:endParaRPr lang="de-DE" dirty="0"/>
-          </a:p>
-        </p:txBody>
-      </p:sp>
-    </p:spTree>
-    <p:extLst>
-      <p:ext uri="{BB962C8B-B14F-4D97-AF65-F5344CB8AC3E}">
-        <p14:creationId xmlns:p14="http://schemas.microsoft.com/office/powerpoint/2010/main" val="1772945455"/>
-      </p:ext>
-    </p:extLst>
-  </p:cSld>
-  <p:clrMapOvr>
-    <a:masterClrMapping/>
-  </p:clrMapOvr>
-  <p:timing>
-    <p:tnLst>
-      <p:par>
-        <p:cTn id="1" dur="indefinite" restart="never" nodeType="tmRoot"/>
-      </p:par>
-    </p:tnLst>
-  </p:timing>
-</p:sld>
-</file>
-
-<file path=ppt/slides/slide3.xml><?xml version="1.0" encoding="utf-8"?>
-<p:sld xmlns:a="http://schemas.openxmlformats.org/drawingml/2006/main" xmlns:r="http://schemas.openxmlformats.org/officeDocument/2006/relationships" xmlns:p="http://schemas.openxmlformats.org/presentationml/2006/main">
-  <p:cSld>
-    <p:spTree>
-      <p:nvGrpSpPr>
-        <p:cNvPr id="1" name=""/>
-        <p:cNvGrpSpPr/>
-        <p:nvPr/>
-      </p:nvGrpSpPr>
-      <p:grpSpPr>
-        <a:xfrm>
-          <a:off x="0" y="0"/>
-          <a:ext cx="0" cy="0"/>
-          <a:chOff x="0" y="0"/>
-          <a:chExt cx="0" cy="0"/>
-        </a:xfrm>
-      </p:grpSpPr>
-      <p:sp>
-        <p:nvSpPr>
-          <p:cNvPr id="2" name="Titel 1"/>
-          <p:cNvSpPr>
-            <a:spLocks noGrp="1"/>
-          </p:cNvSpPr>
-          <p:nvPr>
-            <p:ph type="title"/>
-          </p:nvPr>
-        </p:nvSpPr>
-        <p:spPr/>
-        <p:txBody>
-          <a:bodyPr/>
-          <a:lstStyle/>
-          <a:p>
-            <a:endParaRPr lang="de-DE" dirty="0"/>
-          </a:p>
-        </p:txBody>
-      </p:sp>
-      <p:sp>
-        <p:nvSpPr>
-          <p:cNvPr id="3" name="TextBox 2"/>
-          <p:cNvSpPr txBox="1"/>
-          <p:nvPr/>
-        </p:nvSpPr>
-        <p:spPr>
-          <a:xfrm>
-            <a:off x="457200" y="3143250"/>
-            <a:ext cx="8378190" cy="769441"/>
-          </a:xfrm>
-          <a:prstGeom prst="rect">
-            <a:avLst/>
-          </a:prstGeom>
-          <a:noFill/>
-        </p:spPr>
-        <p:txBody>
-          <a:bodyPr wrap="square" rtlCol="0">
-            <a:spAutoFit/>
-          </a:bodyPr>
-          <a:lstStyle/>
-          <a:p>
-            <a:pPr algn="ctr"/>
-            <a:r>
-              <a:rPr lang="en-US" sz="4400" dirty="0" err="1" smtClean="0"/>
-              <a:t>Technik</a:t>
-            </a:r>
-            <a:r>
-              <a:rPr lang="en-US" sz="4400" dirty="0" smtClean="0"/>
-              <a:t> und </a:t>
-            </a:r>
-            <a:r>
-              <a:rPr lang="en-US" sz="4400" dirty="0" err="1" smtClean="0"/>
-              <a:t>Architektur</a:t>
-            </a:r>
-            <a:endParaRPr lang="en-US" sz="4400" dirty="0"/>
-          </a:p>
-        </p:txBody>
-      </p:sp>
-    </p:spTree>
-    <p:extLst>
-      <p:ext uri="{BB962C8B-B14F-4D97-AF65-F5344CB8AC3E}">
-        <p14:creationId xmlns:p14="http://schemas.microsoft.com/office/powerpoint/2010/main" val="1712443997"/>
-      </p:ext>
-    </p:extLst>
-  </p:cSld>
-  <p:clrMapOvr>
-    <a:masterClrMapping/>
-  </p:clrMapOvr>
-  <p:timing>
-    <p:tnLst>
-      <p:par>
-        <p:cTn id="1" dur="indefinite" restart="never" nodeType="tmRoot"/>
-      </p:par>
-    </p:tnLst>
-  </p:timing>
-</p:sld>
-</file>
-
-<file path=ppt/slides/slide4.xml><?xml version="1.0" encoding="utf-8"?>
+<file path=ppt/slides/slide5.xml><?xml version="1.0" encoding="utf-8"?>
 <p:sld xmlns:a="http://schemas.openxmlformats.org/drawingml/2006/main" xmlns:r="http://schemas.openxmlformats.org/officeDocument/2006/relationships" xmlns:p="http://schemas.openxmlformats.org/presentationml/2006/main">
   <p:cSld>
     <p:spTree>
@@ -8408,7 +8821,7 @@
   <p:timing>
     <p:tnLst>
       <p:par>
-        <p:cTn id="1" dur="indefinite" restart="never" nodeType="tmRoot">
+        <p:cTn xmlns:p14="http://schemas.microsoft.com/office/powerpoint/2010/main" id="1" dur="indefinite" restart="never" nodeType="tmRoot">
           <p:childTnLst>
             <p:seq concurrent="1" nextAc="seek">
               <p:cTn id="2" dur="indefinite" nodeType="mainSeq">
@@ -8958,99 +9371,6 @@
 </p:sld>
 </file>
 
-<file path=ppt/slides/slide5.xml><?xml version="1.0" encoding="utf-8"?>
-<p:sld xmlns:a="http://schemas.openxmlformats.org/drawingml/2006/main" xmlns:r="http://schemas.openxmlformats.org/officeDocument/2006/relationships" xmlns:p="http://schemas.openxmlformats.org/presentationml/2006/main">
-  <p:cSld>
-    <p:spTree>
-      <p:nvGrpSpPr>
-        <p:cNvPr id="1" name=""/>
-        <p:cNvGrpSpPr/>
-        <p:nvPr/>
-      </p:nvGrpSpPr>
-      <p:grpSpPr>
-        <a:xfrm>
-          <a:off x="0" y="0"/>
-          <a:ext cx="0" cy="0"/>
-          <a:chOff x="0" y="0"/>
-          <a:chExt cx="0" cy="0"/>
-        </a:xfrm>
-      </p:grpSpPr>
-      <p:sp>
-        <p:nvSpPr>
-          <p:cNvPr id="2" name="Title 1"/>
-          <p:cNvSpPr>
-            <a:spLocks noGrp="1"/>
-          </p:cNvSpPr>
-          <p:nvPr>
-            <p:ph type="title"/>
-          </p:nvPr>
-        </p:nvSpPr>
-        <p:spPr/>
-        <p:txBody>
-          <a:bodyPr/>
-          <a:lstStyle/>
-          <a:p>
-            <a:r>
-              <a:rPr lang="en-US" dirty="0" err="1" smtClean="0"/>
-              <a:t>Architektur</a:t>
-            </a:r>
-            <a:r>
-              <a:rPr lang="en-US" dirty="0" smtClean="0"/>
-              <a:t>: Model-View-Controller</a:t>
-            </a:r>
-            <a:endParaRPr lang="en-US" dirty="0"/>
-          </a:p>
-        </p:txBody>
-      </p:sp>
-      <p:pic>
-        <p:nvPicPr>
-          <p:cNvPr id="5" name="Content Placeholder 4"/>
-          <p:cNvPicPr>
-            <a:picLocks noGrp="1" noChangeAspect="1"/>
-          </p:cNvPicPr>
-          <p:nvPr>
-            <p:ph idx="1"/>
-          </p:nvPr>
-        </p:nvPicPr>
-        <p:blipFill>
-          <a:blip r:embed="rId2">
-            <a:extLst>
-              <a:ext uri="{28A0092B-C50C-407E-A947-70E740481C1C}">
-                <a14:useLocalDpi xmlns:a14="http://schemas.microsoft.com/office/drawing/2010/main" val="0"/>
-              </a:ext>
-            </a:extLst>
-          </a:blip>
-          <a:stretch>
-            <a:fillRect/>
-          </a:stretch>
-        </p:blipFill>
-        <p:spPr>
-          <a:xfrm>
-            <a:off x="457200" y="2249021"/>
-            <a:ext cx="8229600" cy="3217208"/>
-          </a:xfrm>
-        </p:spPr>
-      </p:pic>
-    </p:spTree>
-    <p:extLst>
-      <p:ext uri="{BB962C8B-B14F-4D97-AF65-F5344CB8AC3E}">
-        <p14:creationId xmlns:p14="http://schemas.microsoft.com/office/powerpoint/2010/main" val="1511211752"/>
-      </p:ext>
-    </p:extLst>
-  </p:cSld>
-  <p:clrMapOvr>
-    <a:masterClrMapping/>
-  </p:clrMapOvr>
-  <p:timing>
-    <p:tnLst>
-      <p:par>
-        <p:cTn id="1" dur="indefinite" restart="never" nodeType="tmRoot"/>
-      </p:par>
-    </p:tnLst>
-  </p:timing>
-</p:sld>
-</file>
-
 <file path=ppt/slides/slide6.xml><?xml version="1.0" encoding="utf-8"?>
 <p:sld xmlns:a="http://schemas.openxmlformats.org/drawingml/2006/main" xmlns:r="http://schemas.openxmlformats.org/officeDocument/2006/relationships" xmlns:p="http://schemas.openxmlformats.org/presentationml/2006/main">
   <p:cSld>
@@ -9089,7 +9409,7 @@
             </a:r>
             <a:r>
               <a:rPr lang="en-US" dirty="0" smtClean="0"/>
-              <a:t> Backend: Model-View-Controller</a:t>
+              <a:t>: Model-View-Controller</a:t>
             </a:r>
             <a:endParaRPr lang="en-US" dirty="0"/>
           </a:p>
@@ -9097,7 +9417,7 @@
       </p:sp>
       <p:pic>
         <p:nvPicPr>
-          <p:cNvPr id="4" name="Content Placeholder 3"/>
+          <p:cNvPr id="5" name="Content Placeholder 4"/>
           <p:cNvPicPr>
             <a:picLocks noGrp="1" noChangeAspect="1"/>
           </p:cNvPicPr>
@@ -9119,15 +9439,15 @@
         </p:blipFill>
         <p:spPr>
           <a:xfrm>
-            <a:off x="774833" y="1245870"/>
-            <a:ext cx="7283152" cy="5098335"/>
+            <a:off x="457200" y="2249021"/>
+            <a:ext cx="8229600" cy="3217208"/>
           </a:xfrm>
         </p:spPr>
       </p:pic>
     </p:spTree>
     <p:extLst>
       <p:ext uri="{BB962C8B-B14F-4D97-AF65-F5344CB8AC3E}">
-        <p14:creationId xmlns:p14="http://schemas.microsoft.com/office/powerpoint/2010/main" val="356055087"/>
+        <p14:creationId xmlns:p14="http://schemas.microsoft.com/office/powerpoint/2010/main" val="1511211752"/>
       </p:ext>
     </p:extLst>
   </p:cSld>
@@ -9137,7 +9457,7 @@
   <p:timing>
     <p:tnLst>
       <p:par>
-        <p:cTn id="1" dur="indefinite" restart="never" nodeType="tmRoot"/>
+        <p:cTn xmlns:p14="http://schemas.microsoft.com/office/powerpoint/2010/main" id="1" dur="indefinite" restart="never" nodeType="tmRoot"/>
       </p:par>
     </p:tnLst>
   </p:timing>
@@ -9182,128 +9502,15 @@
             </a:r>
             <a:r>
               <a:rPr lang="en-US" dirty="0" smtClean="0"/>
-              <a:t> App: </a:t>
-            </a:r>
-            <a:r>
-              <a:rPr lang="en-US" dirty="0" smtClean="0"/>
-              <a:t>Use-Case-Controller</a:t>
+              <a:t> Backend: Model-View-Controller</a:t>
             </a:r>
             <a:endParaRPr lang="en-US" dirty="0"/>
-          </a:p>
-        </p:txBody>
-      </p:sp>
-      <p:sp>
-        <p:nvSpPr>
-          <p:cNvPr id="3" name="TextBox 2"/>
-          <p:cNvSpPr txBox="1"/>
-          <p:nvPr/>
-        </p:nvSpPr>
-        <p:spPr>
-          <a:xfrm>
-            <a:off x="1334623" y="5026006"/>
-            <a:ext cx="6574222" cy="677108"/>
-          </a:xfrm>
-          <a:prstGeom prst="rect">
-            <a:avLst/>
-          </a:prstGeom>
-          <a:noFill/>
-        </p:spPr>
-        <p:txBody>
-          <a:bodyPr wrap="square" rtlCol="0">
-            <a:spAutoFit/>
-          </a:bodyPr>
-          <a:lstStyle/>
-          <a:p>
-            <a:r>
-              <a:rPr lang="en-US" sz="2000" dirty="0" err="1" smtClean="0"/>
-              <a:t>Zwei</a:t>
-            </a:r>
-            <a:r>
-              <a:rPr lang="en-US" sz="2000" dirty="0" smtClean="0"/>
-              <a:t> </a:t>
-            </a:r>
-            <a:r>
-              <a:rPr lang="en-US" sz="2000" dirty="0" err="1" smtClean="0"/>
-              <a:t>Haupt</a:t>
-            </a:r>
-            <a:r>
-              <a:rPr lang="en-US" sz="2000" dirty="0" smtClean="0"/>
-              <a:t>-Use-Cases</a:t>
-            </a:r>
-            <a:r>
-              <a:rPr lang="en-US" dirty="0" smtClean="0"/>
-              <a:t>		</a:t>
-            </a:r>
-            <a:r>
-              <a:rPr lang="en-US" sz="2000" dirty="0" err="1"/>
-              <a:t>Zwei</a:t>
-            </a:r>
-            <a:r>
-              <a:rPr lang="en-US" sz="2000" dirty="0"/>
-              <a:t> </a:t>
-            </a:r>
-            <a:r>
-              <a:rPr lang="en-US" sz="2000" dirty="0" smtClean="0"/>
-              <a:t>Use-Case-Controller</a:t>
-            </a:r>
-            <a:endParaRPr lang="en-US" sz="2000" dirty="0"/>
-          </a:p>
-          <a:p>
-            <a:endParaRPr lang="en-US" dirty="0" smtClean="0"/>
-          </a:p>
-        </p:txBody>
-      </p:sp>
-      <p:sp>
-        <p:nvSpPr>
-          <p:cNvPr id="5" name="Right Arrow 4"/>
-          <p:cNvSpPr/>
-          <p:nvPr/>
-        </p:nvSpPr>
-        <p:spPr>
-          <a:xfrm>
-            <a:off x="3993021" y="5158018"/>
-            <a:ext cx="930166" cy="157655"/>
-          </a:xfrm>
-          <a:prstGeom prst="rightArrow">
-            <a:avLst/>
-          </a:prstGeom>
-          <a:solidFill>
-            <a:schemeClr val="accent2"/>
-          </a:solidFill>
-          <a:ln>
-            <a:solidFill>
-              <a:schemeClr val="bg2"/>
-            </a:solidFill>
-          </a:ln>
-        </p:spPr>
-        <p:style>
-          <a:lnRef idx="2">
-            <a:schemeClr val="accent1">
-              <a:shade val="50000"/>
-            </a:schemeClr>
-          </a:lnRef>
-          <a:fillRef idx="1">
-            <a:schemeClr val="accent1"/>
-          </a:fillRef>
-          <a:effectRef idx="0">
-            <a:schemeClr val="accent1"/>
-          </a:effectRef>
-          <a:fontRef idx="minor">
-            <a:schemeClr val="lt1"/>
-          </a:fontRef>
-        </p:style>
-        <p:txBody>
-          <a:bodyPr rtlCol="0" anchor="ctr"/>
-          <a:lstStyle/>
-          <a:p>
-            <a:pPr algn="ctr"/>
-            <a:endParaRPr lang="en-US"/>
           </a:p>
         </p:txBody>
       </p:sp>
       <p:pic>
         <p:nvPicPr>
-          <p:cNvPr id="7" name="Content Placeholder 6"/>
+          <p:cNvPr id="4" name="Content Placeholder 3"/>
           <p:cNvPicPr>
             <a:picLocks noGrp="1" noChangeAspect="1"/>
           </p:cNvPicPr>
@@ -9325,45 +9532,15 @@
         </p:blipFill>
         <p:spPr>
           <a:xfrm>
-            <a:off x="1491116" y="1779482"/>
-            <a:ext cx="3816417" cy="1250937"/>
-          </a:xfrm>
-        </p:spPr>
-      </p:pic>
-      <p:pic>
-        <p:nvPicPr>
-          <p:cNvPr id="8" name="Picture 7"/>
-          <p:cNvPicPr>
-            <a:picLocks noChangeAspect="1"/>
-          </p:cNvPicPr>
-          <p:nvPr/>
-        </p:nvPicPr>
-        <p:blipFill>
-          <a:blip r:embed="rId3">
-            <a:extLst>
-              <a:ext uri="{28A0092B-C50C-407E-A947-70E740481C1C}">
-                <a14:useLocalDpi xmlns:a14="http://schemas.microsoft.com/office/drawing/2010/main" val="0"/>
-              </a:ext>
-            </a:extLst>
-          </a:blip>
-          <a:stretch>
-            <a:fillRect/>
-          </a:stretch>
-        </p:blipFill>
-        <p:spPr>
-          <a:xfrm>
-            <a:off x="3793996" y="3253198"/>
-            <a:ext cx="3946356" cy="1253747"/>
-          </a:xfrm>
-          <a:prstGeom prst="rect">
-            <a:avLst/>
-          </a:prstGeom>
+            <a:off x="774833" y="1245870"/>
+            <a:ext cx="7283152" cy="5098335"/>
+          </a:xfrm>
         </p:spPr>
       </p:pic>
     </p:spTree>
     <p:extLst>
       <p:ext uri="{BB962C8B-B14F-4D97-AF65-F5344CB8AC3E}">
-        <p14:creationId xmlns:p14="http://schemas.microsoft.com/office/powerpoint/2010/main" val="766800706"/>
+        <p14:creationId xmlns:p14="http://schemas.microsoft.com/office/powerpoint/2010/main" val="356055087"/>
       </p:ext>
     </p:extLst>
   </p:cSld>
@@ -9373,7 +9550,7 @@
   <p:timing>
     <p:tnLst>
       <p:par>
-        <p:cTn id="1" dur="indefinite" restart="never" nodeType="tmRoot"/>
+        <p:cTn xmlns:p14="http://schemas.microsoft.com/office/powerpoint/2010/main" id="1" dur="indefinite" restart="never" nodeType="tmRoot"/>
       </p:par>
     </p:tnLst>
   </p:timing>
@@ -9418,15 +9595,124 @@
             </a:r>
             <a:r>
               <a:rPr lang="en-US" dirty="0" smtClean="0"/>
-              <a:t> App: Model-View-Controller</a:t>
+              <a:t> App: Use-Case-Controller</a:t>
             </a:r>
             <a:endParaRPr lang="en-US" dirty="0"/>
+          </a:p>
+        </p:txBody>
+      </p:sp>
+      <p:sp>
+        <p:nvSpPr>
+          <p:cNvPr id="3" name="TextBox 2"/>
+          <p:cNvSpPr txBox="1"/>
+          <p:nvPr/>
+        </p:nvSpPr>
+        <p:spPr>
+          <a:xfrm>
+            <a:off x="1334623" y="5026006"/>
+            <a:ext cx="6574222" cy="677108"/>
+          </a:xfrm>
+          <a:prstGeom prst="rect">
+            <a:avLst/>
+          </a:prstGeom>
+          <a:noFill/>
+        </p:spPr>
+        <p:txBody>
+          <a:bodyPr wrap="square" rtlCol="0">
+            <a:spAutoFit/>
+          </a:bodyPr>
+          <a:lstStyle/>
+          <a:p>
+            <a:r>
+              <a:rPr lang="en-US" sz="2000" dirty="0" err="1" smtClean="0"/>
+              <a:t>Zwei</a:t>
+            </a:r>
+            <a:r>
+              <a:rPr lang="en-US" sz="2000" dirty="0" smtClean="0"/>
+              <a:t> </a:t>
+            </a:r>
+            <a:r>
+              <a:rPr lang="en-US" sz="2000" dirty="0" err="1" smtClean="0"/>
+              <a:t>Haupt</a:t>
+            </a:r>
+            <a:r>
+              <a:rPr lang="en-US" sz="2000" dirty="0" smtClean="0"/>
+              <a:t>-Use-Cases</a:t>
+            </a:r>
+            <a:r>
+              <a:rPr lang="en-US" dirty="0" smtClean="0"/>
+              <a:t>		</a:t>
+            </a:r>
+            <a:r>
+              <a:rPr lang="en-US" sz="2000" dirty="0" err="1"/>
+              <a:t>Zwei</a:t>
+            </a:r>
+            <a:r>
+              <a:rPr lang="en-US" sz="2000" dirty="0"/>
+              <a:t> </a:t>
+            </a:r>
+            <a:r>
+              <a:rPr lang="en-US" sz="2000" dirty="0" smtClean="0"/>
+              <a:t>Use-Case-Controller</a:t>
+            </a:r>
+            <a:endParaRPr lang="en-US" sz="2000" dirty="0"/>
+          </a:p>
+          <a:p>
+            <a:endParaRPr lang="en-US" dirty="0" smtClean="0"/>
+          </a:p>
+        </p:txBody>
+      </p:sp>
+      <p:sp>
+        <p:nvSpPr>
+          <p:cNvPr id="5" name="Right Arrow 4"/>
+          <p:cNvSpPr/>
+          <p:nvPr/>
+        </p:nvSpPr>
+        <p:spPr>
+          <a:xfrm>
+            <a:off x="3993021" y="5158018"/>
+            <a:ext cx="930166" cy="157655"/>
+          </a:xfrm>
+          <a:prstGeom prst="rightArrow">
+            <a:avLst/>
+          </a:prstGeom>
+          <a:solidFill>
+            <a:schemeClr val="accent2"/>
+          </a:solidFill>
+          <a:ln>
+            <a:solidFill>
+              <a:schemeClr val="bg2"/>
+            </a:solidFill>
+          </a:ln>
+        </p:spPr>
+        <p:style>
+          <a:lnRef idx="2">
+            <a:schemeClr val="accent1">
+              <a:shade val="50000"/>
+            </a:schemeClr>
+          </a:lnRef>
+          <a:fillRef idx="1">
+            <a:schemeClr val="accent1"/>
+          </a:fillRef>
+          <a:effectRef idx="0">
+            <a:schemeClr val="accent1"/>
+          </a:effectRef>
+          <a:fontRef idx="minor">
+            <a:schemeClr val="lt1"/>
+          </a:fontRef>
+        </p:style>
+        <p:txBody>
+          <a:bodyPr rtlCol="0" anchor="ctr"/>
+          <a:lstStyle/>
+          <a:p>
+            <a:pPr algn="ctr"/>
+            <a:endParaRPr lang="en-US"/>
           </a:p>
         </p:txBody>
       </p:sp>
       <p:pic>
         <p:nvPicPr>
-          <p:cNvPr id="4" name="Content Placeholder 3"/>
+          <p:cNvPr id="7" name="Content Placeholder 6"/>
           <p:cNvPicPr>
             <a:picLocks noGrp="1" noChangeAspect="1"/>
           </p:cNvPicPr>
@@ -9448,15 +9734,45 @@
         </p:blipFill>
         <p:spPr>
           <a:xfrm>
-            <a:off x="1463040" y="1428750"/>
-            <a:ext cx="6217920" cy="4857750"/>
-          </a:xfrm>
+            <a:off x="1491116" y="1779482"/>
+            <a:ext cx="3816417" cy="1250937"/>
+          </a:xfrm>
+        </p:spPr>
+      </p:pic>
+      <p:pic>
+        <p:nvPicPr>
+          <p:cNvPr id="8" name="Picture 7"/>
+          <p:cNvPicPr>
+            <a:picLocks noChangeAspect="1"/>
+          </p:cNvPicPr>
+          <p:nvPr/>
+        </p:nvPicPr>
+        <p:blipFill>
+          <a:blip r:embed="rId3">
+            <a:extLst>
+              <a:ext uri="{28A0092B-C50C-407E-A947-70E740481C1C}">
+                <a14:useLocalDpi xmlns:a14="http://schemas.microsoft.com/office/drawing/2010/main" val="0"/>
+              </a:ext>
+            </a:extLst>
+          </a:blip>
+          <a:stretch>
+            <a:fillRect/>
+          </a:stretch>
+        </p:blipFill>
+        <p:spPr>
+          <a:xfrm>
+            <a:off x="3793996" y="3253198"/>
+            <a:ext cx="3946356" cy="1253747"/>
+          </a:xfrm>
+          <a:prstGeom prst="rect">
+            <a:avLst/>
+          </a:prstGeom>
         </p:spPr>
       </p:pic>
     </p:spTree>
     <p:extLst>
       <p:ext uri="{BB962C8B-B14F-4D97-AF65-F5344CB8AC3E}">
-        <p14:creationId xmlns:p14="http://schemas.microsoft.com/office/powerpoint/2010/main" val="330102494"/>
+        <p14:creationId xmlns:p14="http://schemas.microsoft.com/office/powerpoint/2010/main" val="766800706"/>
       </p:ext>
     </p:extLst>
   </p:cSld>
@@ -9466,7 +9782,7 @@
   <p:timing>
     <p:tnLst>
       <p:par>
-        <p:cTn id="1" dur="indefinite" restart="never" nodeType="tmRoot"/>
+        <p:cTn xmlns:p14="http://schemas.microsoft.com/office/powerpoint/2010/main" id="1" dur="indefinite" restart="never" nodeType="tmRoot"/>
       </p:par>
     </p:tnLst>
   </p:timing>
@@ -9511,7 +9827,7 @@
             </a:r>
             <a:r>
               <a:rPr lang="en-US" dirty="0" smtClean="0"/>
-              <a:t>: Shared Code Project</a:t>
+              <a:t> App: Model-View-Controller</a:t>
             </a:r>
             <a:endParaRPr lang="en-US" dirty="0"/>
           </a:p>
@@ -9519,7 +9835,7 @@
       </p:sp>
       <p:pic>
         <p:nvPicPr>
-          <p:cNvPr id="5" name="Content Placeholder 4"/>
+          <p:cNvPr id="4" name="Content Placeholder 3"/>
           <p:cNvPicPr>
             <a:picLocks noGrp="1" noChangeAspect="1"/>
           </p:cNvPicPr>
@@ -9541,133 +9857,15 @@
         </p:blipFill>
         <p:spPr>
           <a:xfrm>
-            <a:off x="819807" y="2209405"/>
-            <a:ext cx="7977352" cy="1185888"/>
+            <a:off x="1463040" y="1428750"/>
+            <a:ext cx="6217920" cy="4857750"/>
           </a:xfrm>
         </p:spPr>
       </p:pic>
-      <p:sp>
-        <p:nvSpPr>
-          <p:cNvPr id="8" name="TextBox 7"/>
-          <p:cNvSpPr txBox="1"/>
-          <p:nvPr/>
-        </p:nvSpPr>
-        <p:spPr>
-          <a:xfrm>
-            <a:off x="3318641" y="3413234"/>
-            <a:ext cx="2979683" cy="1938992"/>
-          </a:xfrm>
-          <a:prstGeom prst="rect">
-            <a:avLst/>
-          </a:prstGeom>
-          <a:noFill/>
-        </p:spPr>
-        <p:txBody>
-          <a:bodyPr wrap="square" rtlCol="0">
-            <a:spAutoFit/>
-          </a:bodyPr>
-          <a:lstStyle/>
-          <a:p>
-            <a:pPr algn="ctr"/>
-            <a:r>
-              <a:rPr lang="en-US" sz="2200" dirty="0" err="1" smtClean="0"/>
-              <a:t>Gemeinsam</a:t>
-            </a:r>
-            <a:r>
-              <a:rPr lang="en-US" sz="2200" dirty="0" smtClean="0"/>
-              <a:t> </a:t>
-            </a:r>
-            <a:r>
-              <a:rPr lang="en-US" sz="2200" dirty="0" err="1" smtClean="0"/>
-              <a:t>genutzte</a:t>
-            </a:r>
-            <a:r>
-              <a:rPr lang="en-US" sz="2200" dirty="0" smtClean="0"/>
-              <a:t> Klassen</a:t>
-            </a:r>
-          </a:p>
-          <a:p>
-            <a:pPr algn="ctr"/>
-            <a:endParaRPr lang="en-US" dirty="0"/>
-          </a:p>
-          <a:p>
-            <a:pPr algn="ctr"/>
-            <a:endParaRPr lang="en-US" dirty="0" smtClean="0"/>
-          </a:p>
-          <a:p>
-            <a:pPr algn="ctr"/>
-            <a:endParaRPr lang="en-US" dirty="0" smtClean="0"/>
-          </a:p>
-          <a:p>
-            <a:pPr algn="ctr"/>
-            <a:r>
-              <a:rPr lang="en-US" sz="2200" b="1" dirty="0" err="1" smtClean="0"/>
-              <a:t>Keine</a:t>
-            </a:r>
-            <a:r>
-              <a:rPr lang="en-US" sz="2200" b="1" dirty="0" smtClean="0"/>
-              <a:t> </a:t>
-            </a:r>
-            <a:r>
-              <a:rPr lang="en-US" sz="2200" b="1" dirty="0" err="1" smtClean="0"/>
-              <a:t>Redundanz</a:t>
-            </a:r>
-            <a:endParaRPr lang="en-US" sz="2200" b="1" dirty="0"/>
-          </a:p>
-        </p:txBody>
-      </p:sp>
-      <p:sp>
-        <p:nvSpPr>
-          <p:cNvPr id="9" name="Right Arrow 8"/>
-          <p:cNvSpPr/>
-          <p:nvPr/>
-        </p:nvSpPr>
-        <p:spPr>
-          <a:xfrm rot="5400000">
-            <a:off x="4481883" y="4391755"/>
-            <a:ext cx="653197" cy="425669"/>
-          </a:xfrm>
-          <a:prstGeom prst="rightArrow">
-            <a:avLst/>
-          </a:prstGeom>
-          <a:solidFill>
-            <a:schemeClr val="accent2"/>
-          </a:solidFill>
-          <a:ln>
-            <a:solidFill>
-              <a:schemeClr val="bg2"/>
-            </a:solidFill>
-          </a:ln>
-        </p:spPr>
-        <p:style>
-          <a:lnRef idx="2">
-            <a:schemeClr val="accent1">
-              <a:shade val="50000"/>
-            </a:schemeClr>
-          </a:lnRef>
-          <a:fillRef idx="1">
-            <a:schemeClr val="accent1"/>
-          </a:fillRef>
-          <a:effectRef idx="0">
-            <a:schemeClr val="accent1"/>
-          </a:effectRef>
-          <a:fontRef idx="minor">
-            <a:schemeClr val="lt1"/>
-          </a:fontRef>
-        </p:style>
-        <p:txBody>
-          <a:bodyPr rtlCol="0" anchor="ctr"/>
-          <a:lstStyle/>
-          <a:p>
-            <a:pPr algn="ctr"/>
-            <a:endParaRPr lang="en-US"/>
-          </a:p>
-        </p:txBody>
-      </p:sp>
     </p:spTree>
     <p:extLst>
       <p:ext uri="{BB962C8B-B14F-4D97-AF65-F5344CB8AC3E}">
-        <p14:creationId xmlns:p14="http://schemas.microsoft.com/office/powerpoint/2010/main" val="646822795"/>
+        <p14:creationId xmlns:p14="http://schemas.microsoft.com/office/powerpoint/2010/main" val="330102494"/>
       </p:ext>
     </p:extLst>
   </p:cSld>
@@ -9677,7 +9875,7 @@
   <p:timing>
     <p:tnLst>
       <p:par>
-        <p:cTn id="1" dur="indefinite" restart="never" nodeType="tmRoot"/>
+        <p:cTn xmlns:p14="http://schemas.microsoft.com/office/powerpoint/2010/main" id="1" dur="indefinite" restart="never" nodeType="tmRoot"/>
       </p:par>
     </p:tnLst>
   </p:timing>
@@ -10010,7 +10208,7 @@
     </a:clrScheme>
     <a:fontScheme name="Office">
       <a:majorFont>
-        <a:latin typeface="Calibri Light" panose="020F0302020204030204"/>
+        <a:latin typeface="Calibri Light"/>
         <a:ea typeface=""/>
         <a:cs typeface=""/>
         <a:font script="Jpan" typeface="Yu Gothic Light"/>
@@ -10045,7 +10243,7 @@
         <a:font script="Geor" typeface="Sylfaen"/>
       </a:majorFont>
       <a:minorFont>
-        <a:latin typeface="Calibri" panose="020F0502020204030204"/>
+        <a:latin typeface="Calibri"/>
         <a:ea typeface=""/>
         <a:cs typeface=""/>
         <a:font script="Jpan" typeface="Yu Gothic"/>
@@ -10222,7 +10420,7 @@
   <a:extraClrSchemeLst/>
   <a:extLst>
     <a:ext uri="{05A4C25C-085E-4340-85A3-A5531E510DB2}">
-      <thm15:themeFamily xmlns:thm15="http://schemas.microsoft.com/office/thememl/2012/main" name="Office Theme" id="{62F939B6-93AF-4DB8-9C6B-D6C7DFDC589F}" vid="{4A3C46E8-61CC-4603-A589-7422A47A8E4A}"/>
+      <thm15:themeFamily xmlns:thm15="http://schemas.microsoft.com/office/thememl/2012/main" xmlns="" name="Office Theme" id="{62F939B6-93AF-4DB8-9C6B-D6C7DFDC589F}" vid="{4A3C46E8-61CC-4603-A589-7422A47A8E4A}"/>
     </a:ext>
   </a:extLst>
 </a:theme>
@@ -10271,7 +10469,7 @@
     </a:clrScheme>
     <a:fontScheme name="Larissa">
       <a:majorFont>
-        <a:latin typeface="Calibri Light" panose="020F0302020204030204"/>
+        <a:latin typeface="Calibri Light"/>
         <a:ea typeface=""/>
         <a:cs typeface=""/>
         <a:font script="Jpan" typeface="ＭＳ Ｐゴシック"/>
@@ -10306,7 +10504,7 @@
         <a:font script="Geor" typeface="Sylfaen"/>
       </a:majorFont>
       <a:minorFont>
-        <a:latin typeface="Calibri" panose="020F0502020204030204"/>
+        <a:latin typeface="Calibri"/>
         <a:ea typeface=""/>
         <a:cs typeface=""/>
         <a:font script="Jpan" typeface="ＭＳ Ｐゴシック"/>
@@ -10483,7 +10681,7 @@
   <a:extraClrSchemeLst/>
   <a:extLst>
     <a:ext uri="{05A4C25C-085E-4340-85A3-A5531E510DB2}">
-      <thm15:themeFamily xmlns:thm15="http://schemas.microsoft.com/office/thememl/2012/main" name="Office Theme" id="{62F939B6-93AF-4DB8-9C6B-D6C7DFDC589F}" vid="{4A3C46E8-61CC-4603-A589-7422A47A8E4A}"/>
+      <thm15:themeFamily xmlns:thm15="http://schemas.microsoft.com/office/thememl/2012/main" xmlns="" name="Office Theme" id="{62F939B6-93AF-4DB8-9C6B-D6C7DFDC589F}" vid="{4A3C46E8-61CC-4603-A589-7422A47A8E4A}"/>
     </a:ext>
   </a:extLst>
 </a:theme>
